--- a/presentation.pptx
+++ b/presentation.pptx
@@ -14316,40 +14316,6 @@
           <a:chExt cx="0" cy="0"/>
         </a:xfrm>
       </p:grpSpPr>
-      <p:sp>
-        <p:nvSpPr>
-          <p:cNvPr id="2" name="Title 1"/>
-          <p:cNvSpPr>
-            <a:spLocks noGrp="1"/>
-          </p:cNvSpPr>
-          <p:nvPr>
-            <p:ph type="ctrTitle"/>
-          </p:nvPr>
-        </p:nvSpPr>
-        <p:spPr>
-          <a:xfrm>
-            <a:off x="1295401" y="1652953"/>
-            <a:ext cx="5120640" cy="1901719"/>
-          </a:xfrm>
-        </p:spPr>
-        <p:txBody>
-          <a:bodyPr/>
-          <a:lstStyle/>
-          <a:p>
-            <a:r>
-              <a:rPr lang="en-US" b="1" dirty="0"/>
-              <a:t>Craft Beer Development </a:t>
-            </a:r>
-            <a:br>
-              <a:rPr lang="en-US" b="1" dirty="0"/>
-            </a:br>
-            <a:r>
-              <a:rPr lang="en-US" b="1" dirty="0"/>
-              <a:t>Analyst</a:t>
-            </a:r>
-          </a:p>
-        </p:txBody>
-      </p:sp>
       <p:pic>
         <p:nvPicPr>
           <p:cNvPr id="5" name="Picture Placeholder 4"/>
@@ -14374,7 +14340,93 @@
       </p:pic>
       <p:sp>
         <p:nvSpPr>
-          <p:cNvPr id="3" name="Subtitle 2"/>
+          <p:cNvPr id="6" name="Title 1">
+            <a:extLst>
+              <a:ext uri="{FF2B5EF4-FFF2-40B4-BE49-F238E27FC236}">
+                <a16:creationId xmlns:a16="http://schemas.microsoft.com/office/drawing/2014/main" id="{7F258301-68B9-44A8-80D1-0092D6EAE938}"/>
+              </a:ext>
+            </a:extLst>
+          </p:cNvPr>
+          <p:cNvSpPr>
+            <a:spLocks noGrp="1"/>
+          </p:cNvSpPr>
+          <p:nvPr>
+            <p:ph type="ctrTitle"/>
+          </p:nvPr>
+        </p:nvSpPr>
+        <p:spPr>
+          <a:xfrm>
+            <a:off x="-165652" y="1358348"/>
+            <a:ext cx="6582327" cy="2196065"/>
+          </a:xfrm>
+        </p:spPr>
+        <p:txBody>
+          <a:bodyPr>
+            <a:normAutofit fontScale="90000"/>
+          </a:bodyPr>
+          <a:lstStyle/>
+          <a:p>
+            <a:pPr algn="ctr"/>
+            <a:r>
+              <a:rPr lang="en-US" sz="5400" dirty="0">
+                <a:solidFill>
+                  <a:schemeClr val="bg2">
+                    <a:lumMod val="25000"/>
+                  </a:schemeClr>
+                </a:solidFill>
+              </a:rPr>
+              <a:t>Craft Beer </a:t>
+            </a:r>
+            <a:br>
+              <a:rPr lang="en-US" sz="5400" dirty="0">
+                <a:solidFill>
+                  <a:schemeClr val="bg2">
+                    <a:lumMod val="25000"/>
+                  </a:schemeClr>
+                </a:solidFill>
+              </a:rPr>
+            </a:br>
+            <a:r>
+              <a:rPr lang="en-US" sz="5400" dirty="0">
+                <a:solidFill>
+                  <a:schemeClr val="bg2">
+                    <a:lumMod val="25000"/>
+                  </a:schemeClr>
+                </a:solidFill>
+              </a:rPr>
+              <a:t>Brewery </a:t>
+            </a:r>
+            <a:br>
+              <a:rPr lang="en-US" sz="5400" dirty="0">
+                <a:solidFill>
+                  <a:schemeClr val="bg2">
+                    <a:lumMod val="25000"/>
+                  </a:schemeClr>
+                </a:solidFill>
+              </a:rPr>
+            </a:br>
+            <a:r>
+              <a:rPr lang="en-US" sz="5400" dirty="0">
+                <a:solidFill>
+                  <a:schemeClr val="bg2">
+                    <a:lumMod val="25000"/>
+                  </a:schemeClr>
+                </a:solidFill>
+              </a:rPr>
+              <a:t>Development</a:t>
+            </a:r>
+          </a:p>
+        </p:txBody>
+      </p:sp>
+      <p:sp>
+        <p:nvSpPr>
+          <p:cNvPr id="8" name="Subtitle 2">
+            <a:extLst>
+              <a:ext uri="{FF2B5EF4-FFF2-40B4-BE49-F238E27FC236}">
+                <a16:creationId xmlns:a16="http://schemas.microsoft.com/office/drawing/2014/main" id="{BA9AD332-1D40-460F-A1A1-0A76C9555C5E}"/>
+              </a:ext>
+            </a:extLst>
+          </p:cNvPr>
           <p:cNvSpPr>
             <a:spLocks noGrp="1"/>
           </p:cNvSpPr>
@@ -14382,43 +14434,43 @@
             <p:ph type="subTitle" idx="1"/>
           </p:nvPr>
         </p:nvSpPr>
-        <p:spPr/>
+        <p:spPr>
+          <a:xfrm>
+            <a:off x="513522" y="4290391"/>
+            <a:ext cx="5903154" cy="1881809"/>
+          </a:xfrm>
+        </p:spPr>
         <p:txBody>
           <a:bodyPr>
-            <a:normAutofit lnSpcReduction="10000"/>
+            <a:normAutofit fontScale="92500" lnSpcReduction="20000"/>
           </a:bodyPr>
           <a:lstStyle/>
           <a:p>
-            <a:pPr>
-              <a:lnSpc>
-                <a:spcPct val="100000"/>
-              </a:lnSpc>
-            </a:pPr>
+            <a:pPr algn="ctr"/>
+            <a:r>
+              <a:rPr lang="en-US" sz="3400" dirty="0"/>
+              <a:t>Research Analysis</a:t>
+            </a:r>
+          </a:p>
+          <a:p>
+            <a:pPr algn="ctr"/>
             <a:r>
               <a:rPr lang="en-US" dirty="0"/>
               <a:t>Dawn Washington</a:t>
             </a:r>
           </a:p>
           <a:p>
-            <a:pPr>
-              <a:lnSpc>
-                <a:spcPct val="100000"/>
-              </a:lnSpc>
-            </a:pPr>
+            <a:pPr algn="ctr"/>
             <a:r>
               <a:rPr lang="en-US" dirty="0"/>
               <a:t>David Owens</a:t>
             </a:r>
           </a:p>
           <a:p>
-            <a:pPr>
-              <a:lnSpc>
-                <a:spcPct val="100000"/>
-              </a:lnSpc>
-            </a:pPr>
+            <a:pPr algn="ctr"/>
             <a:r>
               <a:rPr lang="en-US" dirty="0"/>
-              <a:t>Grey Hardy</a:t>
+              <a:t>Grey Hardy –Project Manager</a:t>
             </a:r>
           </a:p>
         </p:txBody>
@@ -15616,23 +15668,25 @@
         </p:nvSpPr>
         <p:spPr/>
         <p:txBody>
-          <a:bodyPr/>
+          <a:bodyPr>
+            <a:normAutofit/>
+          </a:bodyPr>
           <a:lstStyle/>
           <a:p>
             <a:r>
-              <a:rPr lang="en-US" dirty="0"/>
+              <a:rPr lang="en-US" sz="3600" dirty="0"/>
               <a:t>Business Case Introduction - Grey </a:t>
             </a:r>
           </a:p>
           <a:p>
             <a:r>
-              <a:rPr lang="en-US" dirty="0"/>
+              <a:rPr lang="en-US" sz="3600" dirty="0"/>
               <a:t>Analysis – Dawn </a:t>
             </a:r>
           </a:p>
           <a:p>
             <a:r>
-              <a:rPr lang="en-US" dirty="0"/>
+              <a:rPr lang="en-US" sz="3600" dirty="0"/>
               <a:t>Conclusion – David</a:t>
             </a:r>
           </a:p>
@@ -15945,7 +15999,7 @@
               <a:buNone/>
             </a:pPr>
             <a:r>
-              <a:rPr lang="en-US" sz="2000" b="1" dirty="0">
+              <a:rPr lang="en-US" b="1" dirty="0">
                 <a:effectLst/>
                 <a:latin typeface="Calibri" panose="020F0502020204030204" pitchFamily="34" charset="0"/>
                 <a:ea typeface="Times New Roman" panose="02020603050405020304" pitchFamily="18" charset="0"/>
@@ -15954,13 +16008,35 @@
               <a:t>Business Development: </a:t>
             </a:r>
             <a:r>
-              <a:rPr lang="en-US" sz="2000" dirty="0">
+              <a:rPr lang="en-US" dirty="0">
                 <a:effectLst/>
                 <a:latin typeface="Calibri" panose="020F0502020204030204" pitchFamily="34" charset="0"/>
                 <a:ea typeface="Times New Roman" panose="02020603050405020304" pitchFamily="18" charset="0"/>
                 <a:cs typeface="Calibri" panose="020F0502020204030204" pitchFamily="34" charset="0"/>
               </a:rPr>
-              <a:t>In 2017 an entrepreneur wanted to open a brewery in the United States, USA.  She needed to determine the top five styles of beer that contains the highest alcohol by volume (ABV) should be produced.  A competitive location was identified by finding the top five states with the least number of competitors producing those beers in that state.  She analyzed 2,410 US craft beers and 510 US breweries.</a:t>
+              <a:t>In 2017, an entrepreneur wanted to open a new brewery in the United States.  She needed to determine the best location.</a:t>
+            </a:r>
+          </a:p>
+          <a:p>
+            <a:pPr marL="0" indent="0">
+              <a:buNone/>
+            </a:pPr>
+            <a:r>
+              <a:rPr lang="en-US" dirty="0">
+                <a:latin typeface="Calibri" panose="020F0502020204030204" pitchFamily="34" charset="0"/>
+                <a:ea typeface="Times New Roman" panose="02020603050405020304" pitchFamily="18" charset="0"/>
+                <a:cs typeface="Calibri" panose="020F0502020204030204" pitchFamily="34" charset="0"/>
+              </a:rPr>
+              <a:t>An</a:t>
+            </a:r>
+            <a:r>
+              <a:rPr lang="en-US" dirty="0">
+                <a:effectLst/>
+                <a:latin typeface="Calibri" panose="020F0502020204030204" pitchFamily="34" charset="0"/>
+                <a:ea typeface="Times New Roman" panose="02020603050405020304" pitchFamily="18" charset="0"/>
+                <a:cs typeface="Calibri" panose="020F0502020204030204" pitchFamily="34" charset="0"/>
+              </a:rPr>
+              <a:t> analysis of 2,410 US craft beers and 510 US breweries was conducted to determine a competitive location.</a:t>
             </a:r>
           </a:p>
           <a:p>
@@ -15976,7 +16052,7 @@
               </a:spcAft>
               <a:buNone/>
             </a:pPr>
-            <a:endParaRPr lang="en-US" sz="2000" dirty="0">
+            <a:endParaRPr lang="en-US" dirty="0">
               <a:latin typeface="Calibri" panose="020F0502020204030204" pitchFamily="34" charset="0"/>
               <a:ea typeface="Times New Roman" panose="02020603050405020304" pitchFamily="18" charset="0"/>
               <a:cs typeface="Calibri" panose="020F0502020204030204" pitchFamily="34" charset="0"/>
@@ -15996,7 +16072,7 @@
               <a:buNone/>
             </a:pPr>
             <a:r>
-              <a:rPr lang="en-US" sz="2000" b="1" dirty="0">
+              <a:rPr lang="en-US" b="1" dirty="0">
                 <a:latin typeface="Calibri" panose="020F0502020204030204" pitchFamily="34" charset="0"/>
                 <a:ea typeface="Times New Roman" panose="02020603050405020304" pitchFamily="18" charset="0"/>
                 <a:cs typeface="Calibri" panose="020F0502020204030204" pitchFamily="34" charset="0"/>
@@ -16004,7 +16080,7 @@
               <a:t>Hypotheses:</a:t>
             </a:r>
             <a:r>
-              <a:rPr lang="en-US" sz="2000" dirty="0">
+              <a:rPr lang="en-US" dirty="0">
                 <a:latin typeface="Calibri" panose="020F0502020204030204" pitchFamily="34" charset="0"/>
                 <a:ea typeface="Times New Roman" panose="02020603050405020304" pitchFamily="18" charset="0"/>
                 <a:cs typeface="Calibri" panose="020F0502020204030204" pitchFamily="34" charset="0"/>
@@ -16012,7 +16088,7 @@
               <a:t> </a:t>
             </a:r>
             <a:r>
-              <a:rPr lang="en-US" sz="2000" dirty="0">
+              <a:rPr lang="en-US" dirty="0">
                 <a:effectLst/>
                 <a:latin typeface="Calibri" panose="020F0502020204030204" pitchFamily="34" charset="0"/>
                 <a:ea typeface="Times New Roman" panose="02020603050405020304" pitchFamily="18" charset="0"/>
@@ -16021,15 +16097,32 @@
               <a:t>  </a:t>
             </a:r>
             <a:r>
-              <a:rPr lang="en-US" sz="1800" dirty="0">
+              <a:rPr lang="en-US" dirty="0">
+                <a:latin typeface="Calibri" panose="020F0502020204030204" pitchFamily="34" charset="0"/>
+                <a:ea typeface="Times New Roman" panose="02020603050405020304" pitchFamily="18" charset="0"/>
+                <a:cs typeface="Calibri" panose="020F0502020204030204" pitchFamily="34" charset="0"/>
+              </a:rPr>
+              <a:t>It was determined </a:t>
+            </a:r>
+            <a:r>
+              <a:rPr lang="en-US" dirty="0">
                 <a:effectLst/>
                 <a:latin typeface="Calibri" panose="020F0502020204030204" pitchFamily="34" charset="0"/>
                 <a:ea typeface="Times New Roman" panose="02020603050405020304" pitchFamily="18" charset="0"/>
                 <a:cs typeface="Calibri" panose="020F0502020204030204" pitchFamily="34" charset="0"/>
               </a:rPr>
-              <a:t>She assumes the beer with the highest alcohol by volume (ABV) is the most profitable.  </a:t>
+              <a:t>the style of beer with the highest alcohol by volume (ABV) is the most profitable.  As a result, the state with the lowest number of beers with high alcohol </a:t>
             </a:r>
-            <a:endParaRPr lang="en-US" sz="2000" dirty="0">
+            <a:r>
+              <a:rPr lang="en-US">
+                <a:effectLst/>
+                <a:latin typeface="Calibri" panose="020F0502020204030204" pitchFamily="34" charset="0"/>
+                <a:ea typeface="Times New Roman" panose="02020603050405020304" pitchFamily="18" charset="0"/>
+                <a:cs typeface="Calibri" panose="020F0502020204030204" pitchFamily="34" charset="0"/>
+              </a:rPr>
+              <a:t>by volume</a:t>
+            </a:r>
+            <a:endParaRPr lang="en-US" dirty="0">
               <a:effectLst/>
               <a:latin typeface="Calibri" panose="020F0502020204030204" pitchFamily="34" charset="0"/>
               <a:ea typeface="Calibri" panose="020F0502020204030204" pitchFamily="34" charset="0"/>

--- a/presentation.pptx
+++ b/presentation.pptx
@@ -5,10 +5,10 @@
     <p:sldMasterId id="2147483648" r:id="rId1"/>
   </p:sldMasterIdLst>
   <p:notesMasterIdLst>
-    <p:notesMasterId r:id="rId23"/>
+    <p:notesMasterId r:id="rId17"/>
   </p:notesMasterIdLst>
   <p:handoutMasterIdLst>
-    <p:handoutMasterId r:id="rId24"/>
+    <p:handoutMasterId r:id="rId18"/>
   </p:handoutMasterIdLst>
   <p:sldIdLst>
     <p:sldId id="257" r:id="rId2"/>
@@ -16,22 +16,16 @@
     <p:sldId id="270" r:id="rId4"/>
     <p:sldId id="259" r:id="rId5"/>
     <p:sldId id="271" r:id="rId6"/>
-    <p:sldId id="273" r:id="rId7"/>
-    <p:sldId id="274" r:id="rId8"/>
-    <p:sldId id="275" r:id="rId9"/>
-    <p:sldId id="276" r:id="rId10"/>
-    <p:sldId id="277" r:id="rId11"/>
+    <p:sldId id="279" r:id="rId7"/>
+    <p:sldId id="273" r:id="rId8"/>
+    <p:sldId id="274" r:id="rId9"/>
+    <p:sldId id="275" r:id="rId10"/>
+    <p:sldId id="276" r:id="rId11"/>
     <p:sldId id="278" r:id="rId12"/>
-    <p:sldId id="260" r:id="rId13"/>
-    <p:sldId id="261" r:id="rId14"/>
-    <p:sldId id="262" r:id="rId15"/>
-    <p:sldId id="263" r:id="rId16"/>
-    <p:sldId id="264" r:id="rId17"/>
-    <p:sldId id="265" r:id="rId18"/>
-    <p:sldId id="266" r:id="rId19"/>
-    <p:sldId id="267" r:id="rId20"/>
-    <p:sldId id="268" r:id="rId21"/>
-    <p:sldId id="269" r:id="rId22"/>
+    <p:sldId id="261" r:id="rId13"/>
+    <p:sldId id="262" r:id="rId14"/>
+    <p:sldId id="263" r:id="rId15"/>
+    <p:sldId id="264" r:id="rId16"/>
   </p:sldIdLst>
   <p:sldSz cx="12192000" cy="6858000"/>
   <p:notesSz cx="6858000" cy="9144000"/>
@@ -774,2406 +768,6 @@
 </c:chartSpace>
 </file>
 
-<file path=ppt/charts/chart2.xml><?xml version="1.0" encoding="utf-8"?>
-<c:chartSpace xmlns:c="http://schemas.openxmlformats.org/drawingml/2006/chart" xmlns:a="http://schemas.openxmlformats.org/drawingml/2006/main" xmlns:r="http://schemas.openxmlformats.org/officeDocument/2006/relationships" xmlns:c16r2="http://schemas.microsoft.com/office/drawing/2015/06/chart">
-  <c:date1904 val="0"/>
-  <c:lang val="en-US"/>
-  <c:roundedCorners val="0"/>
-  <mc:AlternateContent xmlns:mc="http://schemas.openxmlformats.org/markup-compatibility/2006">
-    <mc:Choice xmlns:c14="http://schemas.microsoft.com/office/drawing/2007/8/2/chart" Requires="c14">
-      <c14:style val="102"/>
-    </mc:Choice>
-    <mc:Fallback>
-      <c:style val="2"/>
-    </mc:Fallback>
-  </mc:AlternateContent>
-  <c:chart>
-    <c:autoTitleDeleted val="1"/>
-    <c:plotArea>
-      <c:layout/>
-      <c:barChart>
-        <c:barDir val="col"/>
-        <c:grouping val="clustered"/>
-        <c:varyColors val="0"/>
-        <c:ser>
-          <c:idx val="0"/>
-          <c:order val="0"/>
-          <c:tx>
-            <c:strRef>
-              <c:f>Sheet1!$B$1</c:f>
-              <c:strCache>
-                <c:ptCount val="1"/>
-                <c:pt idx="0">
-                  <c:v>Series 1</c:v>
-                </c:pt>
-              </c:strCache>
-            </c:strRef>
-          </c:tx>
-          <c:spPr>
-            <a:gradFill rotWithShape="1">
-              <a:gsLst>
-                <a:gs pos="0">
-                  <a:schemeClr val="accent1">
-                    <a:satMod val="103000"/>
-                    <a:lumMod val="102000"/>
-                    <a:tint val="94000"/>
-                  </a:schemeClr>
-                </a:gs>
-                <a:gs pos="50000">
-                  <a:schemeClr val="accent1">
-                    <a:satMod val="110000"/>
-                    <a:lumMod val="100000"/>
-                    <a:shade val="100000"/>
-                  </a:schemeClr>
-                </a:gs>
-                <a:gs pos="100000">
-                  <a:schemeClr val="accent1">
-                    <a:lumMod val="99000"/>
-                    <a:satMod val="120000"/>
-                    <a:shade val="78000"/>
-                  </a:schemeClr>
-                </a:gs>
-              </a:gsLst>
-              <a:lin ang="5400000" scaled="0"/>
-            </a:gradFill>
-            <a:ln>
-              <a:noFill/>
-            </a:ln>
-            <a:effectLst/>
-          </c:spPr>
-          <c:invertIfNegative val="0"/>
-          <c:cat>
-            <c:strRef>
-              <c:f>Sheet1!$A$2:$A$5</c:f>
-              <c:strCache>
-                <c:ptCount val="4"/>
-                <c:pt idx="0">
-                  <c:v>Category 1</c:v>
-                </c:pt>
-                <c:pt idx="1">
-                  <c:v>Category 2</c:v>
-                </c:pt>
-                <c:pt idx="2">
-                  <c:v>Category 3</c:v>
-                </c:pt>
-                <c:pt idx="3">
-                  <c:v>Category 4</c:v>
-                </c:pt>
-              </c:strCache>
-            </c:strRef>
-          </c:cat>
-          <c:val>
-            <c:numRef>
-              <c:f>Sheet1!$B$2:$B$5</c:f>
-              <c:numCache>
-                <c:formatCode>General</c:formatCode>
-                <c:ptCount val="4"/>
-                <c:pt idx="0">
-                  <c:v>4.3</c:v>
-                </c:pt>
-                <c:pt idx="1">
-                  <c:v>2.5</c:v>
-                </c:pt>
-                <c:pt idx="2">
-                  <c:v>3.5</c:v>
-                </c:pt>
-                <c:pt idx="3">
-                  <c:v>4.5</c:v>
-                </c:pt>
-              </c:numCache>
-            </c:numRef>
-          </c:val>
-          <c:extLst>
-            <c:ext xmlns:c16="http://schemas.microsoft.com/office/drawing/2014/chart" uri="{C3380CC4-5D6E-409C-BE32-E72D297353CC}">
-              <c16:uniqueId val="{00000000-A655-4A76-B9D5-8F6E90FF977F}"/>
-            </c:ext>
-          </c:extLst>
-        </c:ser>
-        <c:ser>
-          <c:idx val="1"/>
-          <c:order val="1"/>
-          <c:tx>
-            <c:strRef>
-              <c:f>Sheet1!$C$1</c:f>
-              <c:strCache>
-                <c:ptCount val="1"/>
-                <c:pt idx="0">
-                  <c:v>Series 2</c:v>
-                </c:pt>
-              </c:strCache>
-            </c:strRef>
-          </c:tx>
-          <c:spPr>
-            <a:gradFill rotWithShape="1">
-              <a:gsLst>
-                <a:gs pos="0">
-                  <a:schemeClr val="accent2">
-                    <a:satMod val="103000"/>
-                    <a:lumMod val="102000"/>
-                    <a:tint val="94000"/>
-                  </a:schemeClr>
-                </a:gs>
-                <a:gs pos="50000">
-                  <a:schemeClr val="accent2">
-                    <a:satMod val="110000"/>
-                    <a:lumMod val="100000"/>
-                    <a:shade val="100000"/>
-                  </a:schemeClr>
-                </a:gs>
-                <a:gs pos="100000">
-                  <a:schemeClr val="accent2">
-                    <a:lumMod val="99000"/>
-                    <a:satMod val="120000"/>
-                    <a:shade val="78000"/>
-                  </a:schemeClr>
-                </a:gs>
-              </a:gsLst>
-              <a:lin ang="5400000" scaled="0"/>
-            </a:gradFill>
-            <a:ln>
-              <a:noFill/>
-            </a:ln>
-            <a:effectLst/>
-          </c:spPr>
-          <c:invertIfNegative val="0"/>
-          <c:cat>
-            <c:strRef>
-              <c:f>Sheet1!$A$2:$A$5</c:f>
-              <c:strCache>
-                <c:ptCount val="4"/>
-                <c:pt idx="0">
-                  <c:v>Category 1</c:v>
-                </c:pt>
-                <c:pt idx="1">
-                  <c:v>Category 2</c:v>
-                </c:pt>
-                <c:pt idx="2">
-                  <c:v>Category 3</c:v>
-                </c:pt>
-                <c:pt idx="3">
-                  <c:v>Category 4</c:v>
-                </c:pt>
-              </c:strCache>
-            </c:strRef>
-          </c:cat>
-          <c:val>
-            <c:numRef>
-              <c:f>Sheet1!$C$2:$C$5</c:f>
-              <c:numCache>
-                <c:formatCode>General</c:formatCode>
-                <c:ptCount val="4"/>
-                <c:pt idx="0">
-                  <c:v>2.4</c:v>
-                </c:pt>
-                <c:pt idx="1">
-                  <c:v>4.4000000000000004</c:v>
-                </c:pt>
-                <c:pt idx="2">
-                  <c:v>1.8</c:v>
-                </c:pt>
-                <c:pt idx="3">
-                  <c:v>2.8</c:v>
-                </c:pt>
-              </c:numCache>
-            </c:numRef>
-          </c:val>
-          <c:extLst>
-            <c:ext xmlns:c16="http://schemas.microsoft.com/office/drawing/2014/chart" uri="{C3380CC4-5D6E-409C-BE32-E72D297353CC}">
-              <c16:uniqueId val="{00000001-A655-4A76-B9D5-8F6E90FF977F}"/>
-            </c:ext>
-          </c:extLst>
-        </c:ser>
-        <c:ser>
-          <c:idx val="2"/>
-          <c:order val="2"/>
-          <c:tx>
-            <c:strRef>
-              <c:f>Sheet1!$D$1</c:f>
-              <c:strCache>
-                <c:ptCount val="1"/>
-                <c:pt idx="0">
-                  <c:v>Series 3</c:v>
-                </c:pt>
-              </c:strCache>
-            </c:strRef>
-          </c:tx>
-          <c:spPr>
-            <a:gradFill rotWithShape="1">
-              <a:gsLst>
-                <a:gs pos="0">
-                  <a:schemeClr val="accent3">
-                    <a:satMod val="103000"/>
-                    <a:lumMod val="102000"/>
-                    <a:tint val="94000"/>
-                  </a:schemeClr>
-                </a:gs>
-                <a:gs pos="50000">
-                  <a:schemeClr val="accent3">
-                    <a:satMod val="110000"/>
-                    <a:lumMod val="100000"/>
-                    <a:shade val="100000"/>
-                  </a:schemeClr>
-                </a:gs>
-                <a:gs pos="100000">
-                  <a:schemeClr val="accent3">
-                    <a:lumMod val="99000"/>
-                    <a:satMod val="120000"/>
-                    <a:shade val="78000"/>
-                  </a:schemeClr>
-                </a:gs>
-              </a:gsLst>
-              <a:lin ang="5400000" scaled="0"/>
-            </a:gradFill>
-            <a:ln>
-              <a:noFill/>
-            </a:ln>
-            <a:effectLst/>
-          </c:spPr>
-          <c:invertIfNegative val="0"/>
-          <c:cat>
-            <c:strRef>
-              <c:f>Sheet1!$A$2:$A$5</c:f>
-              <c:strCache>
-                <c:ptCount val="4"/>
-                <c:pt idx="0">
-                  <c:v>Category 1</c:v>
-                </c:pt>
-                <c:pt idx="1">
-                  <c:v>Category 2</c:v>
-                </c:pt>
-                <c:pt idx="2">
-                  <c:v>Category 3</c:v>
-                </c:pt>
-                <c:pt idx="3">
-                  <c:v>Category 4</c:v>
-                </c:pt>
-              </c:strCache>
-            </c:strRef>
-          </c:cat>
-          <c:val>
-            <c:numRef>
-              <c:f>Sheet1!$D$2:$D$5</c:f>
-              <c:numCache>
-                <c:formatCode>General</c:formatCode>
-                <c:ptCount val="4"/>
-                <c:pt idx="0">
-                  <c:v>2</c:v>
-                </c:pt>
-                <c:pt idx="1">
-                  <c:v>2</c:v>
-                </c:pt>
-                <c:pt idx="2">
-                  <c:v>3</c:v>
-                </c:pt>
-                <c:pt idx="3">
-                  <c:v>5</c:v>
-                </c:pt>
-              </c:numCache>
-            </c:numRef>
-          </c:val>
-          <c:extLst>
-            <c:ext xmlns:c16="http://schemas.microsoft.com/office/drawing/2014/chart" uri="{C3380CC4-5D6E-409C-BE32-E72D297353CC}">
-              <c16:uniqueId val="{00000002-A655-4A76-B9D5-8F6E90FF977F}"/>
-            </c:ext>
-          </c:extLst>
-        </c:ser>
-        <c:dLbls>
-          <c:showLegendKey val="0"/>
-          <c:showVal val="0"/>
-          <c:showCatName val="0"/>
-          <c:showSerName val="0"/>
-          <c:showPercent val="0"/>
-          <c:showBubbleSize val="0"/>
-        </c:dLbls>
-        <c:gapWidth val="100"/>
-        <c:overlap val="-24"/>
-        <c:axId val="355301032"/>
-        <c:axId val="355303776"/>
-      </c:barChart>
-      <c:catAx>
-        <c:axId val="355301032"/>
-        <c:scaling>
-          <c:orientation val="minMax"/>
-        </c:scaling>
-        <c:delete val="0"/>
-        <c:axPos val="b"/>
-        <c:numFmt formatCode="General" sourceLinked="1"/>
-        <c:majorTickMark val="none"/>
-        <c:minorTickMark val="none"/>
-        <c:tickLblPos val="nextTo"/>
-        <c:spPr>
-          <a:noFill/>
-          <a:ln w="9525" cap="flat" cmpd="sng" algn="ctr">
-            <a:solidFill>
-              <a:schemeClr val="tx2">
-                <a:lumMod val="15000"/>
-                <a:lumOff val="85000"/>
-              </a:schemeClr>
-            </a:solidFill>
-            <a:round/>
-          </a:ln>
-          <a:effectLst/>
-        </c:spPr>
-        <c:txPr>
-          <a:bodyPr rot="-60000000" spcFirstLastPara="1" vertOverflow="ellipsis" vert="horz" wrap="square" anchor="ctr" anchorCtr="1"/>
-          <a:lstStyle/>
-          <a:p>
-            <a:pPr>
-              <a:defRPr sz="1197" b="0" i="0" u="none" strike="noStrike" kern="1200" baseline="0">
-                <a:solidFill>
-                  <a:schemeClr val="tx2"/>
-                </a:solidFill>
-                <a:latin typeface="+mn-lt"/>
-                <a:ea typeface="+mn-ea"/>
-                <a:cs typeface="+mn-cs"/>
-              </a:defRPr>
-            </a:pPr>
-            <a:endParaRPr lang="en-US"/>
-          </a:p>
-        </c:txPr>
-        <c:crossAx val="355303776"/>
-        <c:crosses val="autoZero"/>
-        <c:auto val="1"/>
-        <c:lblAlgn val="ctr"/>
-        <c:lblOffset val="100"/>
-        <c:noMultiLvlLbl val="0"/>
-      </c:catAx>
-      <c:valAx>
-        <c:axId val="355303776"/>
-        <c:scaling>
-          <c:orientation val="minMax"/>
-        </c:scaling>
-        <c:delete val="0"/>
-        <c:axPos val="l"/>
-        <c:majorGridlines>
-          <c:spPr>
-            <a:ln w="9525" cap="flat" cmpd="sng" algn="ctr">
-              <a:solidFill>
-                <a:schemeClr val="tx2">
-                  <a:lumMod val="15000"/>
-                  <a:lumOff val="85000"/>
-                </a:schemeClr>
-              </a:solidFill>
-              <a:round/>
-            </a:ln>
-            <a:effectLst/>
-          </c:spPr>
-        </c:majorGridlines>
-        <c:numFmt formatCode="General" sourceLinked="1"/>
-        <c:majorTickMark val="none"/>
-        <c:minorTickMark val="none"/>
-        <c:tickLblPos val="nextTo"/>
-        <c:spPr>
-          <a:noFill/>
-          <a:ln>
-            <a:noFill/>
-          </a:ln>
-          <a:effectLst/>
-        </c:spPr>
-        <c:txPr>
-          <a:bodyPr rot="-60000000" spcFirstLastPara="1" vertOverflow="ellipsis" vert="horz" wrap="square" anchor="ctr" anchorCtr="1"/>
-          <a:lstStyle/>
-          <a:p>
-            <a:pPr>
-              <a:defRPr sz="1197" b="0" i="0" u="none" strike="noStrike" kern="1200" baseline="0">
-                <a:solidFill>
-                  <a:schemeClr val="tx2"/>
-                </a:solidFill>
-                <a:latin typeface="+mn-lt"/>
-                <a:ea typeface="+mn-ea"/>
-                <a:cs typeface="+mn-cs"/>
-              </a:defRPr>
-            </a:pPr>
-            <a:endParaRPr lang="en-US"/>
-          </a:p>
-        </c:txPr>
-        <c:crossAx val="355301032"/>
-        <c:crosses val="autoZero"/>
-        <c:crossBetween val="between"/>
-      </c:valAx>
-      <c:spPr>
-        <a:noFill/>
-        <a:ln>
-          <a:noFill/>
-        </a:ln>
-        <a:effectLst/>
-      </c:spPr>
-    </c:plotArea>
-    <c:legend>
-      <c:legendPos val="b"/>
-      <c:overlay val="0"/>
-      <c:spPr>
-        <a:noFill/>
-        <a:ln>
-          <a:noFill/>
-        </a:ln>
-        <a:effectLst/>
-      </c:spPr>
-      <c:txPr>
-        <a:bodyPr rot="0" spcFirstLastPara="1" vertOverflow="ellipsis" vert="horz" wrap="square" anchor="ctr" anchorCtr="1"/>
-        <a:lstStyle/>
-        <a:p>
-          <a:pPr>
-            <a:defRPr sz="1197" b="0" i="0" u="none" strike="noStrike" kern="1200" baseline="0">
-              <a:solidFill>
-                <a:schemeClr val="tx2"/>
-              </a:solidFill>
-              <a:latin typeface="+mn-lt"/>
-              <a:ea typeface="+mn-ea"/>
-              <a:cs typeface="+mn-cs"/>
-            </a:defRPr>
-          </a:pPr>
-          <a:endParaRPr lang="en-US"/>
-        </a:p>
-      </c:txPr>
-    </c:legend>
-    <c:plotVisOnly val="1"/>
-    <c:dispBlanksAs val="gap"/>
-    <c:showDLblsOverMax val="0"/>
-  </c:chart>
-  <c:spPr>
-    <a:noFill/>
-    <a:ln>
-      <a:noFill/>
-    </a:ln>
-    <a:effectLst/>
-  </c:spPr>
-  <c:txPr>
-    <a:bodyPr/>
-    <a:lstStyle/>
-    <a:p>
-      <a:pPr>
-        <a:defRPr/>
-      </a:pPr>
-      <a:endParaRPr lang="en-US"/>
-    </a:p>
-  </c:txPr>
-  <c:externalData r:id="rId3">
-    <c:autoUpdate val="0"/>
-  </c:externalData>
-</c:chartSpace>
-</file>
-
-<file path=ppt/charts/chart3.xml><?xml version="1.0" encoding="utf-8"?>
-<c:chartSpace xmlns:c="http://schemas.openxmlformats.org/drawingml/2006/chart" xmlns:a="http://schemas.openxmlformats.org/drawingml/2006/main" xmlns:r="http://schemas.openxmlformats.org/officeDocument/2006/relationships" xmlns:c16r2="http://schemas.microsoft.com/office/drawing/2015/06/chart">
-  <c:date1904 val="0"/>
-  <c:lang val="en-US"/>
-  <c:roundedCorners val="0"/>
-  <mc:AlternateContent xmlns:mc="http://schemas.openxmlformats.org/markup-compatibility/2006">
-    <mc:Choice xmlns:c14="http://schemas.microsoft.com/office/drawing/2007/8/2/chart" Requires="c14">
-      <c14:style val="102"/>
-    </mc:Choice>
-    <mc:Fallback>
-      <c:style val="2"/>
-    </mc:Fallback>
-  </mc:AlternateContent>
-  <c:chart>
-    <c:autoTitleDeleted val="1"/>
-    <c:plotArea>
-      <c:layout/>
-      <c:barChart>
-        <c:barDir val="col"/>
-        <c:grouping val="clustered"/>
-        <c:varyColors val="0"/>
-        <c:ser>
-          <c:idx val="0"/>
-          <c:order val="0"/>
-          <c:tx>
-            <c:strRef>
-              <c:f>Sheet1!$B$1</c:f>
-              <c:strCache>
-                <c:ptCount val="1"/>
-                <c:pt idx="0">
-                  <c:v>Series 1</c:v>
-                </c:pt>
-              </c:strCache>
-            </c:strRef>
-          </c:tx>
-          <c:spPr>
-            <a:gradFill rotWithShape="1">
-              <a:gsLst>
-                <a:gs pos="0">
-                  <a:schemeClr val="accent1">
-                    <a:satMod val="103000"/>
-                    <a:lumMod val="102000"/>
-                    <a:tint val="94000"/>
-                  </a:schemeClr>
-                </a:gs>
-                <a:gs pos="50000">
-                  <a:schemeClr val="accent1">
-                    <a:satMod val="110000"/>
-                    <a:lumMod val="100000"/>
-                    <a:shade val="100000"/>
-                  </a:schemeClr>
-                </a:gs>
-                <a:gs pos="100000">
-                  <a:schemeClr val="accent1">
-                    <a:lumMod val="99000"/>
-                    <a:satMod val="120000"/>
-                    <a:shade val="78000"/>
-                  </a:schemeClr>
-                </a:gs>
-              </a:gsLst>
-              <a:lin ang="5400000" scaled="0"/>
-            </a:gradFill>
-            <a:ln>
-              <a:noFill/>
-            </a:ln>
-            <a:effectLst/>
-          </c:spPr>
-          <c:invertIfNegative val="0"/>
-          <c:cat>
-            <c:strRef>
-              <c:f>Sheet1!$A$2:$A$5</c:f>
-              <c:strCache>
-                <c:ptCount val="4"/>
-                <c:pt idx="0">
-                  <c:v>Category 1</c:v>
-                </c:pt>
-                <c:pt idx="1">
-                  <c:v>Category 2</c:v>
-                </c:pt>
-                <c:pt idx="2">
-                  <c:v>Category 3</c:v>
-                </c:pt>
-                <c:pt idx="3">
-                  <c:v>Category 4</c:v>
-                </c:pt>
-              </c:strCache>
-            </c:strRef>
-          </c:cat>
-          <c:val>
-            <c:numRef>
-              <c:f>Sheet1!$B$2:$B$5</c:f>
-              <c:numCache>
-                <c:formatCode>General</c:formatCode>
-                <c:ptCount val="4"/>
-                <c:pt idx="0">
-                  <c:v>4.3</c:v>
-                </c:pt>
-                <c:pt idx="1">
-                  <c:v>2.5</c:v>
-                </c:pt>
-                <c:pt idx="2">
-                  <c:v>3.5</c:v>
-                </c:pt>
-                <c:pt idx="3">
-                  <c:v>4.5</c:v>
-                </c:pt>
-              </c:numCache>
-            </c:numRef>
-          </c:val>
-          <c:extLst>
-            <c:ext xmlns:c16="http://schemas.microsoft.com/office/drawing/2014/chart" uri="{C3380CC4-5D6E-409C-BE32-E72D297353CC}">
-              <c16:uniqueId val="{00000000-A655-4A76-B9D5-8F6E90FF977F}"/>
-            </c:ext>
-          </c:extLst>
-        </c:ser>
-        <c:ser>
-          <c:idx val="1"/>
-          <c:order val="1"/>
-          <c:tx>
-            <c:strRef>
-              <c:f>Sheet1!$C$1</c:f>
-              <c:strCache>
-                <c:ptCount val="1"/>
-                <c:pt idx="0">
-                  <c:v>Series 2</c:v>
-                </c:pt>
-              </c:strCache>
-            </c:strRef>
-          </c:tx>
-          <c:spPr>
-            <a:gradFill rotWithShape="1">
-              <a:gsLst>
-                <a:gs pos="0">
-                  <a:schemeClr val="accent2">
-                    <a:satMod val="103000"/>
-                    <a:lumMod val="102000"/>
-                    <a:tint val="94000"/>
-                  </a:schemeClr>
-                </a:gs>
-                <a:gs pos="50000">
-                  <a:schemeClr val="accent2">
-                    <a:satMod val="110000"/>
-                    <a:lumMod val="100000"/>
-                    <a:shade val="100000"/>
-                  </a:schemeClr>
-                </a:gs>
-                <a:gs pos="100000">
-                  <a:schemeClr val="accent2">
-                    <a:lumMod val="99000"/>
-                    <a:satMod val="120000"/>
-                    <a:shade val="78000"/>
-                  </a:schemeClr>
-                </a:gs>
-              </a:gsLst>
-              <a:lin ang="5400000" scaled="0"/>
-            </a:gradFill>
-            <a:ln>
-              <a:noFill/>
-            </a:ln>
-            <a:effectLst/>
-          </c:spPr>
-          <c:invertIfNegative val="0"/>
-          <c:cat>
-            <c:strRef>
-              <c:f>Sheet1!$A$2:$A$5</c:f>
-              <c:strCache>
-                <c:ptCount val="4"/>
-                <c:pt idx="0">
-                  <c:v>Category 1</c:v>
-                </c:pt>
-                <c:pt idx="1">
-                  <c:v>Category 2</c:v>
-                </c:pt>
-                <c:pt idx="2">
-                  <c:v>Category 3</c:v>
-                </c:pt>
-                <c:pt idx="3">
-                  <c:v>Category 4</c:v>
-                </c:pt>
-              </c:strCache>
-            </c:strRef>
-          </c:cat>
-          <c:val>
-            <c:numRef>
-              <c:f>Sheet1!$C$2:$C$5</c:f>
-              <c:numCache>
-                <c:formatCode>General</c:formatCode>
-                <c:ptCount val="4"/>
-                <c:pt idx="0">
-                  <c:v>2.4</c:v>
-                </c:pt>
-                <c:pt idx="1">
-                  <c:v>4.4000000000000004</c:v>
-                </c:pt>
-                <c:pt idx="2">
-                  <c:v>1.8</c:v>
-                </c:pt>
-                <c:pt idx="3">
-                  <c:v>2.8</c:v>
-                </c:pt>
-              </c:numCache>
-            </c:numRef>
-          </c:val>
-          <c:extLst>
-            <c:ext xmlns:c16="http://schemas.microsoft.com/office/drawing/2014/chart" uri="{C3380CC4-5D6E-409C-BE32-E72D297353CC}">
-              <c16:uniqueId val="{00000001-A655-4A76-B9D5-8F6E90FF977F}"/>
-            </c:ext>
-          </c:extLst>
-        </c:ser>
-        <c:ser>
-          <c:idx val="2"/>
-          <c:order val="2"/>
-          <c:tx>
-            <c:strRef>
-              <c:f>Sheet1!$D$1</c:f>
-              <c:strCache>
-                <c:ptCount val="1"/>
-                <c:pt idx="0">
-                  <c:v>Series 3</c:v>
-                </c:pt>
-              </c:strCache>
-            </c:strRef>
-          </c:tx>
-          <c:spPr>
-            <a:gradFill rotWithShape="1">
-              <a:gsLst>
-                <a:gs pos="0">
-                  <a:schemeClr val="accent3">
-                    <a:satMod val="103000"/>
-                    <a:lumMod val="102000"/>
-                    <a:tint val="94000"/>
-                  </a:schemeClr>
-                </a:gs>
-                <a:gs pos="50000">
-                  <a:schemeClr val="accent3">
-                    <a:satMod val="110000"/>
-                    <a:lumMod val="100000"/>
-                    <a:shade val="100000"/>
-                  </a:schemeClr>
-                </a:gs>
-                <a:gs pos="100000">
-                  <a:schemeClr val="accent3">
-                    <a:lumMod val="99000"/>
-                    <a:satMod val="120000"/>
-                    <a:shade val="78000"/>
-                  </a:schemeClr>
-                </a:gs>
-              </a:gsLst>
-              <a:lin ang="5400000" scaled="0"/>
-            </a:gradFill>
-            <a:ln>
-              <a:noFill/>
-            </a:ln>
-            <a:effectLst/>
-          </c:spPr>
-          <c:invertIfNegative val="0"/>
-          <c:cat>
-            <c:strRef>
-              <c:f>Sheet1!$A$2:$A$5</c:f>
-              <c:strCache>
-                <c:ptCount val="4"/>
-                <c:pt idx="0">
-                  <c:v>Category 1</c:v>
-                </c:pt>
-                <c:pt idx="1">
-                  <c:v>Category 2</c:v>
-                </c:pt>
-                <c:pt idx="2">
-                  <c:v>Category 3</c:v>
-                </c:pt>
-                <c:pt idx="3">
-                  <c:v>Category 4</c:v>
-                </c:pt>
-              </c:strCache>
-            </c:strRef>
-          </c:cat>
-          <c:val>
-            <c:numRef>
-              <c:f>Sheet1!$D$2:$D$5</c:f>
-              <c:numCache>
-                <c:formatCode>General</c:formatCode>
-                <c:ptCount val="4"/>
-                <c:pt idx="0">
-                  <c:v>2</c:v>
-                </c:pt>
-                <c:pt idx="1">
-                  <c:v>2</c:v>
-                </c:pt>
-                <c:pt idx="2">
-                  <c:v>3</c:v>
-                </c:pt>
-                <c:pt idx="3">
-                  <c:v>5</c:v>
-                </c:pt>
-              </c:numCache>
-            </c:numRef>
-          </c:val>
-          <c:extLst>
-            <c:ext xmlns:c16="http://schemas.microsoft.com/office/drawing/2014/chart" uri="{C3380CC4-5D6E-409C-BE32-E72D297353CC}">
-              <c16:uniqueId val="{00000002-A655-4A76-B9D5-8F6E90FF977F}"/>
-            </c:ext>
-          </c:extLst>
-        </c:ser>
-        <c:dLbls>
-          <c:showLegendKey val="0"/>
-          <c:showVal val="0"/>
-          <c:showCatName val="0"/>
-          <c:showSerName val="0"/>
-          <c:showPercent val="0"/>
-          <c:showBubbleSize val="0"/>
-        </c:dLbls>
-        <c:gapWidth val="100"/>
-        <c:overlap val="-24"/>
-        <c:axId val="355301032"/>
-        <c:axId val="355303776"/>
-      </c:barChart>
-      <c:catAx>
-        <c:axId val="355301032"/>
-        <c:scaling>
-          <c:orientation val="minMax"/>
-        </c:scaling>
-        <c:delete val="0"/>
-        <c:axPos val="b"/>
-        <c:numFmt formatCode="General" sourceLinked="1"/>
-        <c:majorTickMark val="none"/>
-        <c:minorTickMark val="none"/>
-        <c:tickLblPos val="nextTo"/>
-        <c:spPr>
-          <a:noFill/>
-          <a:ln w="9525" cap="flat" cmpd="sng" algn="ctr">
-            <a:solidFill>
-              <a:schemeClr val="tx2">
-                <a:lumMod val="15000"/>
-                <a:lumOff val="85000"/>
-              </a:schemeClr>
-            </a:solidFill>
-            <a:round/>
-          </a:ln>
-          <a:effectLst/>
-        </c:spPr>
-        <c:txPr>
-          <a:bodyPr rot="-60000000" spcFirstLastPara="1" vertOverflow="ellipsis" vert="horz" wrap="square" anchor="ctr" anchorCtr="1"/>
-          <a:lstStyle/>
-          <a:p>
-            <a:pPr>
-              <a:defRPr sz="1197" b="0" i="0" u="none" strike="noStrike" kern="1200" baseline="0">
-                <a:solidFill>
-                  <a:schemeClr val="tx2"/>
-                </a:solidFill>
-                <a:latin typeface="+mn-lt"/>
-                <a:ea typeface="+mn-ea"/>
-                <a:cs typeface="+mn-cs"/>
-              </a:defRPr>
-            </a:pPr>
-            <a:endParaRPr lang="en-US"/>
-          </a:p>
-        </c:txPr>
-        <c:crossAx val="355303776"/>
-        <c:crosses val="autoZero"/>
-        <c:auto val="1"/>
-        <c:lblAlgn val="ctr"/>
-        <c:lblOffset val="100"/>
-        <c:noMultiLvlLbl val="0"/>
-      </c:catAx>
-      <c:valAx>
-        <c:axId val="355303776"/>
-        <c:scaling>
-          <c:orientation val="minMax"/>
-        </c:scaling>
-        <c:delete val="0"/>
-        <c:axPos val="l"/>
-        <c:majorGridlines>
-          <c:spPr>
-            <a:ln w="9525" cap="flat" cmpd="sng" algn="ctr">
-              <a:solidFill>
-                <a:schemeClr val="tx2">
-                  <a:lumMod val="15000"/>
-                  <a:lumOff val="85000"/>
-                </a:schemeClr>
-              </a:solidFill>
-              <a:round/>
-            </a:ln>
-            <a:effectLst/>
-          </c:spPr>
-        </c:majorGridlines>
-        <c:numFmt formatCode="General" sourceLinked="1"/>
-        <c:majorTickMark val="none"/>
-        <c:minorTickMark val="none"/>
-        <c:tickLblPos val="nextTo"/>
-        <c:spPr>
-          <a:noFill/>
-          <a:ln>
-            <a:noFill/>
-          </a:ln>
-          <a:effectLst/>
-        </c:spPr>
-        <c:txPr>
-          <a:bodyPr rot="-60000000" spcFirstLastPara="1" vertOverflow="ellipsis" vert="horz" wrap="square" anchor="ctr" anchorCtr="1"/>
-          <a:lstStyle/>
-          <a:p>
-            <a:pPr>
-              <a:defRPr sz="1197" b="0" i="0" u="none" strike="noStrike" kern="1200" baseline="0">
-                <a:solidFill>
-                  <a:schemeClr val="tx2"/>
-                </a:solidFill>
-                <a:latin typeface="+mn-lt"/>
-                <a:ea typeface="+mn-ea"/>
-                <a:cs typeface="+mn-cs"/>
-              </a:defRPr>
-            </a:pPr>
-            <a:endParaRPr lang="en-US"/>
-          </a:p>
-        </c:txPr>
-        <c:crossAx val="355301032"/>
-        <c:crosses val="autoZero"/>
-        <c:crossBetween val="between"/>
-      </c:valAx>
-      <c:spPr>
-        <a:noFill/>
-        <a:ln>
-          <a:noFill/>
-        </a:ln>
-        <a:effectLst/>
-      </c:spPr>
-    </c:plotArea>
-    <c:legend>
-      <c:legendPos val="b"/>
-      <c:overlay val="0"/>
-      <c:spPr>
-        <a:noFill/>
-        <a:ln>
-          <a:noFill/>
-        </a:ln>
-        <a:effectLst/>
-      </c:spPr>
-      <c:txPr>
-        <a:bodyPr rot="0" spcFirstLastPara="1" vertOverflow="ellipsis" vert="horz" wrap="square" anchor="ctr" anchorCtr="1"/>
-        <a:lstStyle/>
-        <a:p>
-          <a:pPr>
-            <a:defRPr sz="1197" b="0" i="0" u="none" strike="noStrike" kern="1200" baseline="0">
-              <a:solidFill>
-                <a:schemeClr val="tx2"/>
-              </a:solidFill>
-              <a:latin typeface="+mn-lt"/>
-              <a:ea typeface="+mn-ea"/>
-              <a:cs typeface="+mn-cs"/>
-            </a:defRPr>
-          </a:pPr>
-          <a:endParaRPr lang="en-US"/>
-        </a:p>
-      </c:txPr>
-    </c:legend>
-    <c:plotVisOnly val="1"/>
-    <c:dispBlanksAs val="gap"/>
-    <c:showDLblsOverMax val="0"/>
-  </c:chart>
-  <c:spPr>
-    <a:noFill/>
-    <a:ln>
-      <a:noFill/>
-    </a:ln>
-    <a:effectLst/>
-  </c:spPr>
-  <c:txPr>
-    <a:bodyPr/>
-    <a:lstStyle/>
-    <a:p>
-      <a:pPr>
-        <a:defRPr/>
-      </a:pPr>
-      <a:endParaRPr lang="en-US"/>
-    </a:p>
-  </c:txPr>
-  <c:externalData r:id="rId3">
-    <c:autoUpdate val="0"/>
-  </c:externalData>
-</c:chartSpace>
-</file>
-
-<file path=ppt/charts/chart4.xml><?xml version="1.0" encoding="utf-8"?>
-<c:chartSpace xmlns:c="http://schemas.openxmlformats.org/drawingml/2006/chart" xmlns:a="http://schemas.openxmlformats.org/drawingml/2006/main" xmlns:r="http://schemas.openxmlformats.org/officeDocument/2006/relationships" xmlns:c16r2="http://schemas.microsoft.com/office/drawing/2015/06/chart">
-  <c:date1904 val="0"/>
-  <c:lang val="en-US"/>
-  <c:roundedCorners val="0"/>
-  <mc:AlternateContent xmlns:mc="http://schemas.openxmlformats.org/markup-compatibility/2006">
-    <mc:Choice xmlns:c14="http://schemas.microsoft.com/office/drawing/2007/8/2/chart" Requires="c14">
-      <c14:style val="102"/>
-    </mc:Choice>
-    <mc:Fallback>
-      <c:style val="2"/>
-    </mc:Fallback>
-  </mc:AlternateContent>
-  <c:chart>
-    <c:autoTitleDeleted val="1"/>
-    <c:plotArea>
-      <c:layout/>
-      <c:barChart>
-        <c:barDir val="col"/>
-        <c:grouping val="clustered"/>
-        <c:varyColors val="0"/>
-        <c:ser>
-          <c:idx val="0"/>
-          <c:order val="0"/>
-          <c:tx>
-            <c:strRef>
-              <c:f>Sheet1!$B$1</c:f>
-              <c:strCache>
-                <c:ptCount val="1"/>
-                <c:pt idx="0">
-                  <c:v>Series 1</c:v>
-                </c:pt>
-              </c:strCache>
-            </c:strRef>
-          </c:tx>
-          <c:spPr>
-            <a:gradFill rotWithShape="1">
-              <a:gsLst>
-                <a:gs pos="0">
-                  <a:schemeClr val="accent1">
-                    <a:satMod val="103000"/>
-                    <a:lumMod val="102000"/>
-                    <a:tint val="94000"/>
-                  </a:schemeClr>
-                </a:gs>
-                <a:gs pos="50000">
-                  <a:schemeClr val="accent1">
-                    <a:satMod val="110000"/>
-                    <a:lumMod val="100000"/>
-                    <a:shade val="100000"/>
-                  </a:schemeClr>
-                </a:gs>
-                <a:gs pos="100000">
-                  <a:schemeClr val="accent1">
-                    <a:lumMod val="99000"/>
-                    <a:satMod val="120000"/>
-                    <a:shade val="78000"/>
-                  </a:schemeClr>
-                </a:gs>
-              </a:gsLst>
-              <a:lin ang="5400000" scaled="0"/>
-            </a:gradFill>
-            <a:ln>
-              <a:noFill/>
-            </a:ln>
-            <a:effectLst/>
-          </c:spPr>
-          <c:invertIfNegative val="0"/>
-          <c:cat>
-            <c:strRef>
-              <c:f>Sheet1!$A$2:$A$5</c:f>
-              <c:strCache>
-                <c:ptCount val="4"/>
-                <c:pt idx="0">
-                  <c:v>Category 1</c:v>
-                </c:pt>
-                <c:pt idx="1">
-                  <c:v>Category 2</c:v>
-                </c:pt>
-                <c:pt idx="2">
-                  <c:v>Category 3</c:v>
-                </c:pt>
-                <c:pt idx="3">
-                  <c:v>Category 4</c:v>
-                </c:pt>
-              </c:strCache>
-            </c:strRef>
-          </c:cat>
-          <c:val>
-            <c:numRef>
-              <c:f>Sheet1!$B$2:$B$5</c:f>
-              <c:numCache>
-                <c:formatCode>General</c:formatCode>
-                <c:ptCount val="4"/>
-                <c:pt idx="0">
-                  <c:v>4.3</c:v>
-                </c:pt>
-                <c:pt idx="1">
-                  <c:v>2.5</c:v>
-                </c:pt>
-                <c:pt idx="2">
-                  <c:v>3.5</c:v>
-                </c:pt>
-                <c:pt idx="3">
-                  <c:v>4.5</c:v>
-                </c:pt>
-              </c:numCache>
-            </c:numRef>
-          </c:val>
-          <c:extLst>
-            <c:ext xmlns:c16="http://schemas.microsoft.com/office/drawing/2014/chart" uri="{C3380CC4-5D6E-409C-BE32-E72D297353CC}">
-              <c16:uniqueId val="{00000000-A655-4A76-B9D5-8F6E90FF977F}"/>
-            </c:ext>
-          </c:extLst>
-        </c:ser>
-        <c:ser>
-          <c:idx val="1"/>
-          <c:order val="1"/>
-          <c:tx>
-            <c:strRef>
-              <c:f>Sheet1!$C$1</c:f>
-              <c:strCache>
-                <c:ptCount val="1"/>
-                <c:pt idx="0">
-                  <c:v>Series 2</c:v>
-                </c:pt>
-              </c:strCache>
-            </c:strRef>
-          </c:tx>
-          <c:spPr>
-            <a:gradFill rotWithShape="1">
-              <a:gsLst>
-                <a:gs pos="0">
-                  <a:schemeClr val="accent2">
-                    <a:satMod val="103000"/>
-                    <a:lumMod val="102000"/>
-                    <a:tint val="94000"/>
-                  </a:schemeClr>
-                </a:gs>
-                <a:gs pos="50000">
-                  <a:schemeClr val="accent2">
-                    <a:satMod val="110000"/>
-                    <a:lumMod val="100000"/>
-                    <a:shade val="100000"/>
-                  </a:schemeClr>
-                </a:gs>
-                <a:gs pos="100000">
-                  <a:schemeClr val="accent2">
-                    <a:lumMod val="99000"/>
-                    <a:satMod val="120000"/>
-                    <a:shade val="78000"/>
-                  </a:schemeClr>
-                </a:gs>
-              </a:gsLst>
-              <a:lin ang="5400000" scaled="0"/>
-            </a:gradFill>
-            <a:ln>
-              <a:noFill/>
-            </a:ln>
-            <a:effectLst/>
-          </c:spPr>
-          <c:invertIfNegative val="0"/>
-          <c:cat>
-            <c:strRef>
-              <c:f>Sheet1!$A$2:$A$5</c:f>
-              <c:strCache>
-                <c:ptCount val="4"/>
-                <c:pt idx="0">
-                  <c:v>Category 1</c:v>
-                </c:pt>
-                <c:pt idx="1">
-                  <c:v>Category 2</c:v>
-                </c:pt>
-                <c:pt idx="2">
-                  <c:v>Category 3</c:v>
-                </c:pt>
-                <c:pt idx="3">
-                  <c:v>Category 4</c:v>
-                </c:pt>
-              </c:strCache>
-            </c:strRef>
-          </c:cat>
-          <c:val>
-            <c:numRef>
-              <c:f>Sheet1!$C$2:$C$5</c:f>
-              <c:numCache>
-                <c:formatCode>General</c:formatCode>
-                <c:ptCount val="4"/>
-                <c:pt idx="0">
-                  <c:v>2.4</c:v>
-                </c:pt>
-                <c:pt idx="1">
-                  <c:v>4.4000000000000004</c:v>
-                </c:pt>
-                <c:pt idx="2">
-                  <c:v>1.8</c:v>
-                </c:pt>
-                <c:pt idx="3">
-                  <c:v>2.8</c:v>
-                </c:pt>
-              </c:numCache>
-            </c:numRef>
-          </c:val>
-          <c:extLst>
-            <c:ext xmlns:c16="http://schemas.microsoft.com/office/drawing/2014/chart" uri="{C3380CC4-5D6E-409C-BE32-E72D297353CC}">
-              <c16:uniqueId val="{00000001-A655-4A76-B9D5-8F6E90FF977F}"/>
-            </c:ext>
-          </c:extLst>
-        </c:ser>
-        <c:ser>
-          <c:idx val="2"/>
-          <c:order val="2"/>
-          <c:tx>
-            <c:strRef>
-              <c:f>Sheet1!$D$1</c:f>
-              <c:strCache>
-                <c:ptCount val="1"/>
-                <c:pt idx="0">
-                  <c:v>Series 3</c:v>
-                </c:pt>
-              </c:strCache>
-            </c:strRef>
-          </c:tx>
-          <c:spPr>
-            <a:gradFill rotWithShape="1">
-              <a:gsLst>
-                <a:gs pos="0">
-                  <a:schemeClr val="accent3">
-                    <a:satMod val="103000"/>
-                    <a:lumMod val="102000"/>
-                    <a:tint val="94000"/>
-                  </a:schemeClr>
-                </a:gs>
-                <a:gs pos="50000">
-                  <a:schemeClr val="accent3">
-                    <a:satMod val="110000"/>
-                    <a:lumMod val="100000"/>
-                    <a:shade val="100000"/>
-                  </a:schemeClr>
-                </a:gs>
-                <a:gs pos="100000">
-                  <a:schemeClr val="accent3">
-                    <a:lumMod val="99000"/>
-                    <a:satMod val="120000"/>
-                    <a:shade val="78000"/>
-                  </a:schemeClr>
-                </a:gs>
-              </a:gsLst>
-              <a:lin ang="5400000" scaled="0"/>
-            </a:gradFill>
-            <a:ln>
-              <a:noFill/>
-            </a:ln>
-            <a:effectLst/>
-          </c:spPr>
-          <c:invertIfNegative val="0"/>
-          <c:cat>
-            <c:strRef>
-              <c:f>Sheet1!$A$2:$A$5</c:f>
-              <c:strCache>
-                <c:ptCount val="4"/>
-                <c:pt idx="0">
-                  <c:v>Category 1</c:v>
-                </c:pt>
-                <c:pt idx="1">
-                  <c:v>Category 2</c:v>
-                </c:pt>
-                <c:pt idx="2">
-                  <c:v>Category 3</c:v>
-                </c:pt>
-                <c:pt idx="3">
-                  <c:v>Category 4</c:v>
-                </c:pt>
-              </c:strCache>
-            </c:strRef>
-          </c:cat>
-          <c:val>
-            <c:numRef>
-              <c:f>Sheet1!$D$2:$D$5</c:f>
-              <c:numCache>
-                <c:formatCode>General</c:formatCode>
-                <c:ptCount val="4"/>
-                <c:pt idx="0">
-                  <c:v>2</c:v>
-                </c:pt>
-                <c:pt idx="1">
-                  <c:v>2</c:v>
-                </c:pt>
-                <c:pt idx="2">
-                  <c:v>3</c:v>
-                </c:pt>
-                <c:pt idx="3">
-                  <c:v>5</c:v>
-                </c:pt>
-              </c:numCache>
-            </c:numRef>
-          </c:val>
-          <c:extLst>
-            <c:ext xmlns:c16="http://schemas.microsoft.com/office/drawing/2014/chart" uri="{C3380CC4-5D6E-409C-BE32-E72D297353CC}">
-              <c16:uniqueId val="{00000002-A655-4A76-B9D5-8F6E90FF977F}"/>
-            </c:ext>
-          </c:extLst>
-        </c:ser>
-        <c:dLbls>
-          <c:showLegendKey val="0"/>
-          <c:showVal val="0"/>
-          <c:showCatName val="0"/>
-          <c:showSerName val="0"/>
-          <c:showPercent val="0"/>
-          <c:showBubbleSize val="0"/>
-        </c:dLbls>
-        <c:gapWidth val="100"/>
-        <c:overlap val="-24"/>
-        <c:axId val="355301032"/>
-        <c:axId val="355303776"/>
-      </c:barChart>
-      <c:catAx>
-        <c:axId val="355301032"/>
-        <c:scaling>
-          <c:orientation val="minMax"/>
-        </c:scaling>
-        <c:delete val="0"/>
-        <c:axPos val="b"/>
-        <c:numFmt formatCode="General" sourceLinked="1"/>
-        <c:majorTickMark val="none"/>
-        <c:minorTickMark val="none"/>
-        <c:tickLblPos val="nextTo"/>
-        <c:spPr>
-          <a:noFill/>
-          <a:ln w="9525" cap="flat" cmpd="sng" algn="ctr">
-            <a:solidFill>
-              <a:schemeClr val="tx2">
-                <a:lumMod val="15000"/>
-                <a:lumOff val="85000"/>
-              </a:schemeClr>
-            </a:solidFill>
-            <a:round/>
-          </a:ln>
-          <a:effectLst/>
-        </c:spPr>
-        <c:txPr>
-          <a:bodyPr rot="-60000000" spcFirstLastPara="1" vertOverflow="ellipsis" vert="horz" wrap="square" anchor="ctr" anchorCtr="1"/>
-          <a:lstStyle/>
-          <a:p>
-            <a:pPr>
-              <a:defRPr sz="1197" b="0" i="0" u="none" strike="noStrike" kern="1200" baseline="0">
-                <a:solidFill>
-                  <a:schemeClr val="tx2"/>
-                </a:solidFill>
-                <a:latin typeface="+mn-lt"/>
-                <a:ea typeface="+mn-ea"/>
-                <a:cs typeface="+mn-cs"/>
-              </a:defRPr>
-            </a:pPr>
-            <a:endParaRPr lang="en-US"/>
-          </a:p>
-        </c:txPr>
-        <c:crossAx val="355303776"/>
-        <c:crosses val="autoZero"/>
-        <c:auto val="1"/>
-        <c:lblAlgn val="ctr"/>
-        <c:lblOffset val="100"/>
-        <c:noMultiLvlLbl val="0"/>
-      </c:catAx>
-      <c:valAx>
-        <c:axId val="355303776"/>
-        <c:scaling>
-          <c:orientation val="minMax"/>
-        </c:scaling>
-        <c:delete val="0"/>
-        <c:axPos val="l"/>
-        <c:majorGridlines>
-          <c:spPr>
-            <a:ln w="9525" cap="flat" cmpd="sng" algn="ctr">
-              <a:solidFill>
-                <a:schemeClr val="tx2">
-                  <a:lumMod val="15000"/>
-                  <a:lumOff val="85000"/>
-                </a:schemeClr>
-              </a:solidFill>
-              <a:round/>
-            </a:ln>
-            <a:effectLst/>
-          </c:spPr>
-        </c:majorGridlines>
-        <c:numFmt formatCode="General" sourceLinked="1"/>
-        <c:majorTickMark val="none"/>
-        <c:minorTickMark val="none"/>
-        <c:tickLblPos val="nextTo"/>
-        <c:spPr>
-          <a:noFill/>
-          <a:ln>
-            <a:noFill/>
-          </a:ln>
-          <a:effectLst/>
-        </c:spPr>
-        <c:txPr>
-          <a:bodyPr rot="-60000000" spcFirstLastPara="1" vertOverflow="ellipsis" vert="horz" wrap="square" anchor="ctr" anchorCtr="1"/>
-          <a:lstStyle/>
-          <a:p>
-            <a:pPr>
-              <a:defRPr sz="1197" b="0" i="0" u="none" strike="noStrike" kern="1200" baseline="0">
-                <a:solidFill>
-                  <a:schemeClr val="tx2"/>
-                </a:solidFill>
-                <a:latin typeface="+mn-lt"/>
-                <a:ea typeface="+mn-ea"/>
-                <a:cs typeface="+mn-cs"/>
-              </a:defRPr>
-            </a:pPr>
-            <a:endParaRPr lang="en-US"/>
-          </a:p>
-        </c:txPr>
-        <c:crossAx val="355301032"/>
-        <c:crosses val="autoZero"/>
-        <c:crossBetween val="between"/>
-      </c:valAx>
-      <c:spPr>
-        <a:noFill/>
-        <a:ln>
-          <a:noFill/>
-        </a:ln>
-        <a:effectLst/>
-      </c:spPr>
-    </c:plotArea>
-    <c:legend>
-      <c:legendPos val="b"/>
-      <c:overlay val="0"/>
-      <c:spPr>
-        <a:noFill/>
-        <a:ln>
-          <a:noFill/>
-        </a:ln>
-        <a:effectLst/>
-      </c:spPr>
-      <c:txPr>
-        <a:bodyPr rot="0" spcFirstLastPara="1" vertOverflow="ellipsis" vert="horz" wrap="square" anchor="ctr" anchorCtr="1"/>
-        <a:lstStyle/>
-        <a:p>
-          <a:pPr>
-            <a:defRPr sz="1197" b="0" i="0" u="none" strike="noStrike" kern="1200" baseline="0">
-              <a:solidFill>
-                <a:schemeClr val="tx2"/>
-              </a:solidFill>
-              <a:latin typeface="+mn-lt"/>
-              <a:ea typeface="+mn-ea"/>
-              <a:cs typeface="+mn-cs"/>
-            </a:defRPr>
-          </a:pPr>
-          <a:endParaRPr lang="en-US"/>
-        </a:p>
-      </c:txPr>
-    </c:legend>
-    <c:plotVisOnly val="1"/>
-    <c:dispBlanksAs val="gap"/>
-    <c:showDLblsOverMax val="0"/>
-  </c:chart>
-  <c:spPr>
-    <a:noFill/>
-    <a:ln>
-      <a:noFill/>
-    </a:ln>
-    <a:effectLst/>
-  </c:spPr>
-  <c:txPr>
-    <a:bodyPr/>
-    <a:lstStyle/>
-    <a:p>
-      <a:pPr>
-        <a:defRPr/>
-      </a:pPr>
-      <a:endParaRPr lang="en-US"/>
-    </a:p>
-  </c:txPr>
-  <c:externalData r:id="rId3">
-    <c:autoUpdate val="0"/>
-  </c:externalData>
-</c:chartSpace>
-</file>
-
-<file path=ppt/charts/chart5.xml><?xml version="1.0" encoding="utf-8"?>
-<c:chartSpace xmlns:c="http://schemas.openxmlformats.org/drawingml/2006/chart" xmlns:a="http://schemas.openxmlformats.org/drawingml/2006/main" xmlns:r="http://schemas.openxmlformats.org/officeDocument/2006/relationships" xmlns:c16r2="http://schemas.microsoft.com/office/drawing/2015/06/chart">
-  <c:date1904 val="0"/>
-  <c:lang val="en-US"/>
-  <c:roundedCorners val="0"/>
-  <mc:AlternateContent xmlns:mc="http://schemas.openxmlformats.org/markup-compatibility/2006">
-    <mc:Choice xmlns:c14="http://schemas.microsoft.com/office/drawing/2007/8/2/chart" Requires="c14">
-      <c14:style val="102"/>
-    </mc:Choice>
-    <mc:Fallback>
-      <c:style val="2"/>
-    </mc:Fallback>
-  </mc:AlternateContent>
-  <c:chart>
-    <c:autoTitleDeleted val="1"/>
-    <c:plotArea>
-      <c:layout/>
-      <c:barChart>
-        <c:barDir val="col"/>
-        <c:grouping val="clustered"/>
-        <c:varyColors val="0"/>
-        <c:ser>
-          <c:idx val="0"/>
-          <c:order val="0"/>
-          <c:tx>
-            <c:strRef>
-              <c:f>Sheet1!$B$1</c:f>
-              <c:strCache>
-                <c:ptCount val="1"/>
-                <c:pt idx="0">
-                  <c:v>Series 1</c:v>
-                </c:pt>
-              </c:strCache>
-            </c:strRef>
-          </c:tx>
-          <c:spPr>
-            <a:gradFill rotWithShape="1">
-              <a:gsLst>
-                <a:gs pos="0">
-                  <a:schemeClr val="accent1">
-                    <a:satMod val="103000"/>
-                    <a:lumMod val="102000"/>
-                    <a:tint val="94000"/>
-                  </a:schemeClr>
-                </a:gs>
-                <a:gs pos="50000">
-                  <a:schemeClr val="accent1">
-                    <a:satMod val="110000"/>
-                    <a:lumMod val="100000"/>
-                    <a:shade val="100000"/>
-                  </a:schemeClr>
-                </a:gs>
-                <a:gs pos="100000">
-                  <a:schemeClr val="accent1">
-                    <a:lumMod val="99000"/>
-                    <a:satMod val="120000"/>
-                    <a:shade val="78000"/>
-                  </a:schemeClr>
-                </a:gs>
-              </a:gsLst>
-              <a:lin ang="5400000" scaled="0"/>
-            </a:gradFill>
-            <a:ln>
-              <a:noFill/>
-            </a:ln>
-            <a:effectLst/>
-          </c:spPr>
-          <c:invertIfNegative val="0"/>
-          <c:cat>
-            <c:strRef>
-              <c:f>Sheet1!$A$2:$A$5</c:f>
-              <c:strCache>
-                <c:ptCount val="4"/>
-                <c:pt idx="0">
-                  <c:v>Category 1</c:v>
-                </c:pt>
-                <c:pt idx="1">
-                  <c:v>Category 2</c:v>
-                </c:pt>
-                <c:pt idx="2">
-                  <c:v>Category 3</c:v>
-                </c:pt>
-                <c:pt idx="3">
-                  <c:v>Category 4</c:v>
-                </c:pt>
-              </c:strCache>
-            </c:strRef>
-          </c:cat>
-          <c:val>
-            <c:numRef>
-              <c:f>Sheet1!$B$2:$B$5</c:f>
-              <c:numCache>
-                <c:formatCode>General</c:formatCode>
-                <c:ptCount val="4"/>
-                <c:pt idx="0">
-                  <c:v>4.3</c:v>
-                </c:pt>
-                <c:pt idx="1">
-                  <c:v>2.5</c:v>
-                </c:pt>
-                <c:pt idx="2">
-                  <c:v>3.5</c:v>
-                </c:pt>
-                <c:pt idx="3">
-                  <c:v>4.5</c:v>
-                </c:pt>
-              </c:numCache>
-            </c:numRef>
-          </c:val>
-          <c:extLst>
-            <c:ext xmlns:c16="http://schemas.microsoft.com/office/drawing/2014/chart" uri="{C3380CC4-5D6E-409C-BE32-E72D297353CC}">
-              <c16:uniqueId val="{00000000-A655-4A76-B9D5-8F6E90FF977F}"/>
-            </c:ext>
-          </c:extLst>
-        </c:ser>
-        <c:ser>
-          <c:idx val="1"/>
-          <c:order val="1"/>
-          <c:tx>
-            <c:strRef>
-              <c:f>Sheet1!$C$1</c:f>
-              <c:strCache>
-                <c:ptCount val="1"/>
-                <c:pt idx="0">
-                  <c:v>Series 2</c:v>
-                </c:pt>
-              </c:strCache>
-            </c:strRef>
-          </c:tx>
-          <c:spPr>
-            <a:gradFill rotWithShape="1">
-              <a:gsLst>
-                <a:gs pos="0">
-                  <a:schemeClr val="accent2">
-                    <a:satMod val="103000"/>
-                    <a:lumMod val="102000"/>
-                    <a:tint val="94000"/>
-                  </a:schemeClr>
-                </a:gs>
-                <a:gs pos="50000">
-                  <a:schemeClr val="accent2">
-                    <a:satMod val="110000"/>
-                    <a:lumMod val="100000"/>
-                    <a:shade val="100000"/>
-                  </a:schemeClr>
-                </a:gs>
-                <a:gs pos="100000">
-                  <a:schemeClr val="accent2">
-                    <a:lumMod val="99000"/>
-                    <a:satMod val="120000"/>
-                    <a:shade val="78000"/>
-                  </a:schemeClr>
-                </a:gs>
-              </a:gsLst>
-              <a:lin ang="5400000" scaled="0"/>
-            </a:gradFill>
-            <a:ln>
-              <a:noFill/>
-            </a:ln>
-            <a:effectLst/>
-          </c:spPr>
-          <c:invertIfNegative val="0"/>
-          <c:cat>
-            <c:strRef>
-              <c:f>Sheet1!$A$2:$A$5</c:f>
-              <c:strCache>
-                <c:ptCount val="4"/>
-                <c:pt idx="0">
-                  <c:v>Category 1</c:v>
-                </c:pt>
-                <c:pt idx="1">
-                  <c:v>Category 2</c:v>
-                </c:pt>
-                <c:pt idx="2">
-                  <c:v>Category 3</c:v>
-                </c:pt>
-                <c:pt idx="3">
-                  <c:v>Category 4</c:v>
-                </c:pt>
-              </c:strCache>
-            </c:strRef>
-          </c:cat>
-          <c:val>
-            <c:numRef>
-              <c:f>Sheet1!$C$2:$C$5</c:f>
-              <c:numCache>
-                <c:formatCode>General</c:formatCode>
-                <c:ptCount val="4"/>
-                <c:pt idx="0">
-                  <c:v>2.4</c:v>
-                </c:pt>
-                <c:pt idx="1">
-                  <c:v>4.4000000000000004</c:v>
-                </c:pt>
-                <c:pt idx="2">
-                  <c:v>1.8</c:v>
-                </c:pt>
-                <c:pt idx="3">
-                  <c:v>2.8</c:v>
-                </c:pt>
-              </c:numCache>
-            </c:numRef>
-          </c:val>
-          <c:extLst>
-            <c:ext xmlns:c16="http://schemas.microsoft.com/office/drawing/2014/chart" uri="{C3380CC4-5D6E-409C-BE32-E72D297353CC}">
-              <c16:uniqueId val="{00000001-A655-4A76-B9D5-8F6E90FF977F}"/>
-            </c:ext>
-          </c:extLst>
-        </c:ser>
-        <c:ser>
-          <c:idx val="2"/>
-          <c:order val="2"/>
-          <c:tx>
-            <c:strRef>
-              <c:f>Sheet1!$D$1</c:f>
-              <c:strCache>
-                <c:ptCount val="1"/>
-                <c:pt idx="0">
-                  <c:v>Series 3</c:v>
-                </c:pt>
-              </c:strCache>
-            </c:strRef>
-          </c:tx>
-          <c:spPr>
-            <a:gradFill rotWithShape="1">
-              <a:gsLst>
-                <a:gs pos="0">
-                  <a:schemeClr val="accent3">
-                    <a:satMod val="103000"/>
-                    <a:lumMod val="102000"/>
-                    <a:tint val="94000"/>
-                  </a:schemeClr>
-                </a:gs>
-                <a:gs pos="50000">
-                  <a:schemeClr val="accent3">
-                    <a:satMod val="110000"/>
-                    <a:lumMod val="100000"/>
-                    <a:shade val="100000"/>
-                  </a:schemeClr>
-                </a:gs>
-                <a:gs pos="100000">
-                  <a:schemeClr val="accent3">
-                    <a:lumMod val="99000"/>
-                    <a:satMod val="120000"/>
-                    <a:shade val="78000"/>
-                  </a:schemeClr>
-                </a:gs>
-              </a:gsLst>
-              <a:lin ang="5400000" scaled="0"/>
-            </a:gradFill>
-            <a:ln>
-              <a:noFill/>
-            </a:ln>
-            <a:effectLst/>
-          </c:spPr>
-          <c:invertIfNegative val="0"/>
-          <c:cat>
-            <c:strRef>
-              <c:f>Sheet1!$A$2:$A$5</c:f>
-              <c:strCache>
-                <c:ptCount val="4"/>
-                <c:pt idx="0">
-                  <c:v>Category 1</c:v>
-                </c:pt>
-                <c:pt idx="1">
-                  <c:v>Category 2</c:v>
-                </c:pt>
-                <c:pt idx="2">
-                  <c:v>Category 3</c:v>
-                </c:pt>
-                <c:pt idx="3">
-                  <c:v>Category 4</c:v>
-                </c:pt>
-              </c:strCache>
-            </c:strRef>
-          </c:cat>
-          <c:val>
-            <c:numRef>
-              <c:f>Sheet1!$D$2:$D$5</c:f>
-              <c:numCache>
-                <c:formatCode>General</c:formatCode>
-                <c:ptCount val="4"/>
-                <c:pt idx="0">
-                  <c:v>2</c:v>
-                </c:pt>
-                <c:pt idx="1">
-                  <c:v>2</c:v>
-                </c:pt>
-                <c:pt idx="2">
-                  <c:v>3</c:v>
-                </c:pt>
-                <c:pt idx="3">
-                  <c:v>5</c:v>
-                </c:pt>
-              </c:numCache>
-            </c:numRef>
-          </c:val>
-          <c:extLst>
-            <c:ext xmlns:c16="http://schemas.microsoft.com/office/drawing/2014/chart" uri="{C3380CC4-5D6E-409C-BE32-E72D297353CC}">
-              <c16:uniqueId val="{00000002-A655-4A76-B9D5-8F6E90FF977F}"/>
-            </c:ext>
-          </c:extLst>
-        </c:ser>
-        <c:dLbls>
-          <c:showLegendKey val="0"/>
-          <c:showVal val="0"/>
-          <c:showCatName val="0"/>
-          <c:showSerName val="0"/>
-          <c:showPercent val="0"/>
-          <c:showBubbleSize val="0"/>
-        </c:dLbls>
-        <c:gapWidth val="100"/>
-        <c:overlap val="-24"/>
-        <c:axId val="355301032"/>
-        <c:axId val="355303776"/>
-      </c:barChart>
-      <c:catAx>
-        <c:axId val="355301032"/>
-        <c:scaling>
-          <c:orientation val="minMax"/>
-        </c:scaling>
-        <c:delete val="0"/>
-        <c:axPos val="b"/>
-        <c:numFmt formatCode="General" sourceLinked="1"/>
-        <c:majorTickMark val="none"/>
-        <c:minorTickMark val="none"/>
-        <c:tickLblPos val="nextTo"/>
-        <c:spPr>
-          <a:noFill/>
-          <a:ln w="9525" cap="flat" cmpd="sng" algn="ctr">
-            <a:solidFill>
-              <a:schemeClr val="tx2">
-                <a:lumMod val="15000"/>
-                <a:lumOff val="85000"/>
-              </a:schemeClr>
-            </a:solidFill>
-            <a:round/>
-          </a:ln>
-          <a:effectLst/>
-        </c:spPr>
-        <c:txPr>
-          <a:bodyPr rot="-60000000" spcFirstLastPara="1" vertOverflow="ellipsis" vert="horz" wrap="square" anchor="ctr" anchorCtr="1"/>
-          <a:lstStyle/>
-          <a:p>
-            <a:pPr>
-              <a:defRPr sz="1197" b="0" i="0" u="none" strike="noStrike" kern="1200" baseline="0">
-                <a:solidFill>
-                  <a:schemeClr val="tx2"/>
-                </a:solidFill>
-                <a:latin typeface="+mn-lt"/>
-                <a:ea typeface="+mn-ea"/>
-                <a:cs typeface="+mn-cs"/>
-              </a:defRPr>
-            </a:pPr>
-            <a:endParaRPr lang="en-US"/>
-          </a:p>
-        </c:txPr>
-        <c:crossAx val="355303776"/>
-        <c:crosses val="autoZero"/>
-        <c:auto val="1"/>
-        <c:lblAlgn val="ctr"/>
-        <c:lblOffset val="100"/>
-        <c:noMultiLvlLbl val="0"/>
-      </c:catAx>
-      <c:valAx>
-        <c:axId val="355303776"/>
-        <c:scaling>
-          <c:orientation val="minMax"/>
-        </c:scaling>
-        <c:delete val="0"/>
-        <c:axPos val="l"/>
-        <c:majorGridlines>
-          <c:spPr>
-            <a:ln w="9525" cap="flat" cmpd="sng" algn="ctr">
-              <a:solidFill>
-                <a:schemeClr val="tx2">
-                  <a:lumMod val="15000"/>
-                  <a:lumOff val="85000"/>
-                </a:schemeClr>
-              </a:solidFill>
-              <a:round/>
-            </a:ln>
-            <a:effectLst/>
-          </c:spPr>
-        </c:majorGridlines>
-        <c:numFmt formatCode="General" sourceLinked="1"/>
-        <c:majorTickMark val="none"/>
-        <c:minorTickMark val="none"/>
-        <c:tickLblPos val="nextTo"/>
-        <c:spPr>
-          <a:noFill/>
-          <a:ln>
-            <a:noFill/>
-          </a:ln>
-          <a:effectLst/>
-        </c:spPr>
-        <c:txPr>
-          <a:bodyPr rot="-60000000" spcFirstLastPara="1" vertOverflow="ellipsis" vert="horz" wrap="square" anchor="ctr" anchorCtr="1"/>
-          <a:lstStyle/>
-          <a:p>
-            <a:pPr>
-              <a:defRPr sz="1197" b="0" i="0" u="none" strike="noStrike" kern="1200" baseline="0">
-                <a:solidFill>
-                  <a:schemeClr val="tx2"/>
-                </a:solidFill>
-                <a:latin typeface="+mn-lt"/>
-                <a:ea typeface="+mn-ea"/>
-                <a:cs typeface="+mn-cs"/>
-              </a:defRPr>
-            </a:pPr>
-            <a:endParaRPr lang="en-US"/>
-          </a:p>
-        </c:txPr>
-        <c:crossAx val="355301032"/>
-        <c:crosses val="autoZero"/>
-        <c:crossBetween val="between"/>
-      </c:valAx>
-      <c:spPr>
-        <a:noFill/>
-        <a:ln>
-          <a:noFill/>
-        </a:ln>
-        <a:effectLst/>
-      </c:spPr>
-    </c:plotArea>
-    <c:legend>
-      <c:legendPos val="b"/>
-      <c:overlay val="0"/>
-      <c:spPr>
-        <a:noFill/>
-        <a:ln>
-          <a:noFill/>
-        </a:ln>
-        <a:effectLst/>
-      </c:spPr>
-      <c:txPr>
-        <a:bodyPr rot="0" spcFirstLastPara="1" vertOverflow="ellipsis" vert="horz" wrap="square" anchor="ctr" anchorCtr="1"/>
-        <a:lstStyle/>
-        <a:p>
-          <a:pPr>
-            <a:defRPr sz="1197" b="0" i="0" u="none" strike="noStrike" kern="1200" baseline="0">
-              <a:solidFill>
-                <a:schemeClr val="tx2"/>
-              </a:solidFill>
-              <a:latin typeface="+mn-lt"/>
-              <a:ea typeface="+mn-ea"/>
-              <a:cs typeface="+mn-cs"/>
-            </a:defRPr>
-          </a:pPr>
-          <a:endParaRPr lang="en-US"/>
-        </a:p>
-      </c:txPr>
-    </c:legend>
-    <c:plotVisOnly val="1"/>
-    <c:dispBlanksAs val="gap"/>
-    <c:showDLblsOverMax val="0"/>
-  </c:chart>
-  <c:spPr>
-    <a:noFill/>
-    <a:ln>
-      <a:noFill/>
-    </a:ln>
-    <a:effectLst/>
-  </c:spPr>
-  <c:txPr>
-    <a:bodyPr/>
-    <a:lstStyle/>
-    <a:p>
-      <a:pPr>
-        <a:defRPr/>
-      </a:pPr>
-      <a:endParaRPr lang="en-US"/>
-    </a:p>
-  </c:txPr>
-  <c:externalData r:id="rId3">
-    <c:autoUpdate val="0"/>
-  </c:externalData>
-</c:chartSpace>
-</file>
-
-<file path=ppt/charts/chart6.xml><?xml version="1.0" encoding="utf-8"?>
-<c:chartSpace xmlns:c="http://schemas.openxmlformats.org/drawingml/2006/chart" xmlns:a="http://schemas.openxmlformats.org/drawingml/2006/main" xmlns:r="http://schemas.openxmlformats.org/officeDocument/2006/relationships" xmlns:c16r2="http://schemas.microsoft.com/office/drawing/2015/06/chart">
-  <c:date1904 val="0"/>
-  <c:lang val="en-US"/>
-  <c:roundedCorners val="0"/>
-  <mc:AlternateContent xmlns:mc="http://schemas.openxmlformats.org/markup-compatibility/2006">
-    <mc:Choice xmlns:c14="http://schemas.microsoft.com/office/drawing/2007/8/2/chart" Requires="c14">
-      <c14:style val="102"/>
-    </mc:Choice>
-    <mc:Fallback>
-      <c:style val="2"/>
-    </mc:Fallback>
-  </mc:AlternateContent>
-  <c:chart>
-    <c:autoTitleDeleted val="1"/>
-    <c:plotArea>
-      <c:layout/>
-      <c:barChart>
-        <c:barDir val="col"/>
-        <c:grouping val="clustered"/>
-        <c:varyColors val="0"/>
-        <c:ser>
-          <c:idx val="0"/>
-          <c:order val="0"/>
-          <c:tx>
-            <c:strRef>
-              <c:f>Sheet1!$B$1</c:f>
-              <c:strCache>
-                <c:ptCount val="1"/>
-                <c:pt idx="0">
-                  <c:v>Series 1</c:v>
-                </c:pt>
-              </c:strCache>
-            </c:strRef>
-          </c:tx>
-          <c:spPr>
-            <a:gradFill rotWithShape="1">
-              <a:gsLst>
-                <a:gs pos="0">
-                  <a:schemeClr val="accent1">
-                    <a:satMod val="103000"/>
-                    <a:lumMod val="102000"/>
-                    <a:tint val="94000"/>
-                  </a:schemeClr>
-                </a:gs>
-                <a:gs pos="50000">
-                  <a:schemeClr val="accent1">
-                    <a:satMod val="110000"/>
-                    <a:lumMod val="100000"/>
-                    <a:shade val="100000"/>
-                  </a:schemeClr>
-                </a:gs>
-                <a:gs pos="100000">
-                  <a:schemeClr val="accent1">
-                    <a:lumMod val="99000"/>
-                    <a:satMod val="120000"/>
-                    <a:shade val="78000"/>
-                  </a:schemeClr>
-                </a:gs>
-              </a:gsLst>
-              <a:lin ang="5400000" scaled="0"/>
-            </a:gradFill>
-            <a:ln>
-              <a:noFill/>
-            </a:ln>
-            <a:effectLst/>
-          </c:spPr>
-          <c:invertIfNegative val="0"/>
-          <c:cat>
-            <c:strRef>
-              <c:f>Sheet1!$A$2:$A$5</c:f>
-              <c:strCache>
-                <c:ptCount val="4"/>
-                <c:pt idx="0">
-                  <c:v>Category 1</c:v>
-                </c:pt>
-                <c:pt idx="1">
-                  <c:v>Category 2</c:v>
-                </c:pt>
-                <c:pt idx="2">
-                  <c:v>Category 3</c:v>
-                </c:pt>
-                <c:pt idx="3">
-                  <c:v>Category 4</c:v>
-                </c:pt>
-              </c:strCache>
-            </c:strRef>
-          </c:cat>
-          <c:val>
-            <c:numRef>
-              <c:f>Sheet1!$B$2:$B$5</c:f>
-              <c:numCache>
-                <c:formatCode>General</c:formatCode>
-                <c:ptCount val="4"/>
-                <c:pt idx="0">
-                  <c:v>4.3</c:v>
-                </c:pt>
-                <c:pt idx="1">
-                  <c:v>2.5</c:v>
-                </c:pt>
-                <c:pt idx="2">
-                  <c:v>3.5</c:v>
-                </c:pt>
-                <c:pt idx="3">
-                  <c:v>4.5</c:v>
-                </c:pt>
-              </c:numCache>
-            </c:numRef>
-          </c:val>
-          <c:extLst>
-            <c:ext xmlns:c16="http://schemas.microsoft.com/office/drawing/2014/chart" uri="{C3380CC4-5D6E-409C-BE32-E72D297353CC}">
-              <c16:uniqueId val="{00000000-A655-4A76-B9D5-8F6E90FF977F}"/>
-            </c:ext>
-          </c:extLst>
-        </c:ser>
-        <c:ser>
-          <c:idx val="1"/>
-          <c:order val="1"/>
-          <c:tx>
-            <c:strRef>
-              <c:f>Sheet1!$C$1</c:f>
-              <c:strCache>
-                <c:ptCount val="1"/>
-                <c:pt idx="0">
-                  <c:v>Series 2</c:v>
-                </c:pt>
-              </c:strCache>
-            </c:strRef>
-          </c:tx>
-          <c:spPr>
-            <a:gradFill rotWithShape="1">
-              <a:gsLst>
-                <a:gs pos="0">
-                  <a:schemeClr val="accent2">
-                    <a:satMod val="103000"/>
-                    <a:lumMod val="102000"/>
-                    <a:tint val="94000"/>
-                  </a:schemeClr>
-                </a:gs>
-                <a:gs pos="50000">
-                  <a:schemeClr val="accent2">
-                    <a:satMod val="110000"/>
-                    <a:lumMod val="100000"/>
-                    <a:shade val="100000"/>
-                  </a:schemeClr>
-                </a:gs>
-                <a:gs pos="100000">
-                  <a:schemeClr val="accent2">
-                    <a:lumMod val="99000"/>
-                    <a:satMod val="120000"/>
-                    <a:shade val="78000"/>
-                  </a:schemeClr>
-                </a:gs>
-              </a:gsLst>
-              <a:lin ang="5400000" scaled="0"/>
-            </a:gradFill>
-            <a:ln>
-              <a:noFill/>
-            </a:ln>
-            <a:effectLst/>
-          </c:spPr>
-          <c:invertIfNegative val="0"/>
-          <c:cat>
-            <c:strRef>
-              <c:f>Sheet1!$A$2:$A$5</c:f>
-              <c:strCache>
-                <c:ptCount val="4"/>
-                <c:pt idx="0">
-                  <c:v>Category 1</c:v>
-                </c:pt>
-                <c:pt idx="1">
-                  <c:v>Category 2</c:v>
-                </c:pt>
-                <c:pt idx="2">
-                  <c:v>Category 3</c:v>
-                </c:pt>
-                <c:pt idx="3">
-                  <c:v>Category 4</c:v>
-                </c:pt>
-              </c:strCache>
-            </c:strRef>
-          </c:cat>
-          <c:val>
-            <c:numRef>
-              <c:f>Sheet1!$C$2:$C$5</c:f>
-              <c:numCache>
-                <c:formatCode>General</c:formatCode>
-                <c:ptCount val="4"/>
-                <c:pt idx="0">
-                  <c:v>2.4</c:v>
-                </c:pt>
-                <c:pt idx="1">
-                  <c:v>4.4000000000000004</c:v>
-                </c:pt>
-                <c:pt idx="2">
-                  <c:v>1.8</c:v>
-                </c:pt>
-                <c:pt idx="3">
-                  <c:v>2.8</c:v>
-                </c:pt>
-              </c:numCache>
-            </c:numRef>
-          </c:val>
-          <c:extLst>
-            <c:ext xmlns:c16="http://schemas.microsoft.com/office/drawing/2014/chart" uri="{C3380CC4-5D6E-409C-BE32-E72D297353CC}">
-              <c16:uniqueId val="{00000001-A655-4A76-B9D5-8F6E90FF977F}"/>
-            </c:ext>
-          </c:extLst>
-        </c:ser>
-        <c:ser>
-          <c:idx val="2"/>
-          <c:order val="2"/>
-          <c:tx>
-            <c:strRef>
-              <c:f>Sheet1!$D$1</c:f>
-              <c:strCache>
-                <c:ptCount val="1"/>
-                <c:pt idx="0">
-                  <c:v>Series 3</c:v>
-                </c:pt>
-              </c:strCache>
-            </c:strRef>
-          </c:tx>
-          <c:spPr>
-            <a:gradFill rotWithShape="1">
-              <a:gsLst>
-                <a:gs pos="0">
-                  <a:schemeClr val="accent3">
-                    <a:satMod val="103000"/>
-                    <a:lumMod val="102000"/>
-                    <a:tint val="94000"/>
-                  </a:schemeClr>
-                </a:gs>
-                <a:gs pos="50000">
-                  <a:schemeClr val="accent3">
-                    <a:satMod val="110000"/>
-                    <a:lumMod val="100000"/>
-                    <a:shade val="100000"/>
-                  </a:schemeClr>
-                </a:gs>
-                <a:gs pos="100000">
-                  <a:schemeClr val="accent3">
-                    <a:lumMod val="99000"/>
-                    <a:satMod val="120000"/>
-                    <a:shade val="78000"/>
-                  </a:schemeClr>
-                </a:gs>
-              </a:gsLst>
-              <a:lin ang="5400000" scaled="0"/>
-            </a:gradFill>
-            <a:ln>
-              <a:noFill/>
-            </a:ln>
-            <a:effectLst/>
-          </c:spPr>
-          <c:invertIfNegative val="0"/>
-          <c:cat>
-            <c:strRef>
-              <c:f>Sheet1!$A$2:$A$5</c:f>
-              <c:strCache>
-                <c:ptCount val="4"/>
-                <c:pt idx="0">
-                  <c:v>Category 1</c:v>
-                </c:pt>
-                <c:pt idx="1">
-                  <c:v>Category 2</c:v>
-                </c:pt>
-                <c:pt idx="2">
-                  <c:v>Category 3</c:v>
-                </c:pt>
-                <c:pt idx="3">
-                  <c:v>Category 4</c:v>
-                </c:pt>
-              </c:strCache>
-            </c:strRef>
-          </c:cat>
-          <c:val>
-            <c:numRef>
-              <c:f>Sheet1!$D$2:$D$5</c:f>
-              <c:numCache>
-                <c:formatCode>General</c:formatCode>
-                <c:ptCount val="4"/>
-                <c:pt idx="0">
-                  <c:v>2</c:v>
-                </c:pt>
-                <c:pt idx="1">
-                  <c:v>2</c:v>
-                </c:pt>
-                <c:pt idx="2">
-                  <c:v>3</c:v>
-                </c:pt>
-                <c:pt idx="3">
-                  <c:v>5</c:v>
-                </c:pt>
-              </c:numCache>
-            </c:numRef>
-          </c:val>
-          <c:extLst>
-            <c:ext xmlns:c16="http://schemas.microsoft.com/office/drawing/2014/chart" uri="{C3380CC4-5D6E-409C-BE32-E72D297353CC}">
-              <c16:uniqueId val="{00000002-A655-4A76-B9D5-8F6E90FF977F}"/>
-            </c:ext>
-          </c:extLst>
-        </c:ser>
-        <c:dLbls>
-          <c:showLegendKey val="0"/>
-          <c:showVal val="0"/>
-          <c:showCatName val="0"/>
-          <c:showSerName val="0"/>
-          <c:showPercent val="0"/>
-          <c:showBubbleSize val="0"/>
-        </c:dLbls>
-        <c:gapWidth val="100"/>
-        <c:overlap val="-24"/>
-        <c:axId val="355301032"/>
-        <c:axId val="355303776"/>
-      </c:barChart>
-      <c:catAx>
-        <c:axId val="355301032"/>
-        <c:scaling>
-          <c:orientation val="minMax"/>
-        </c:scaling>
-        <c:delete val="0"/>
-        <c:axPos val="b"/>
-        <c:numFmt formatCode="General" sourceLinked="1"/>
-        <c:majorTickMark val="none"/>
-        <c:minorTickMark val="none"/>
-        <c:tickLblPos val="nextTo"/>
-        <c:spPr>
-          <a:noFill/>
-          <a:ln w="9525" cap="flat" cmpd="sng" algn="ctr">
-            <a:solidFill>
-              <a:schemeClr val="tx2">
-                <a:lumMod val="15000"/>
-                <a:lumOff val="85000"/>
-              </a:schemeClr>
-            </a:solidFill>
-            <a:round/>
-          </a:ln>
-          <a:effectLst/>
-        </c:spPr>
-        <c:txPr>
-          <a:bodyPr rot="-60000000" spcFirstLastPara="1" vertOverflow="ellipsis" vert="horz" wrap="square" anchor="ctr" anchorCtr="1"/>
-          <a:lstStyle/>
-          <a:p>
-            <a:pPr>
-              <a:defRPr sz="1197" b="0" i="0" u="none" strike="noStrike" kern="1200" baseline="0">
-                <a:solidFill>
-                  <a:schemeClr val="tx2"/>
-                </a:solidFill>
-                <a:latin typeface="+mn-lt"/>
-                <a:ea typeface="+mn-ea"/>
-                <a:cs typeface="+mn-cs"/>
-              </a:defRPr>
-            </a:pPr>
-            <a:endParaRPr lang="en-US"/>
-          </a:p>
-        </c:txPr>
-        <c:crossAx val="355303776"/>
-        <c:crosses val="autoZero"/>
-        <c:auto val="1"/>
-        <c:lblAlgn val="ctr"/>
-        <c:lblOffset val="100"/>
-        <c:noMultiLvlLbl val="0"/>
-      </c:catAx>
-      <c:valAx>
-        <c:axId val="355303776"/>
-        <c:scaling>
-          <c:orientation val="minMax"/>
-        </c:scaling>
-        <c:delete val="0"/>
-        <c:axPos val="l"/>
-        <c:majorGridlines>
-          <c:spPr>
-            <a:ln w="9525" cap="flat" cmpd="sng" algn="ctr">
-              <a:solidFill>
-                <a:schemeClr val="tx2">
-                  <a:lumMod val="15000"/>
-                  <a:lumOff val="85000"/>
-                </a:schemeClr>
-              </a:solidFill>
-              <a:round/>
-            </a:ln>
-            <a:effectLst/>
-          </c:spPr>
-        </c:majorGridlines>
-        <c:numFmt formatCode="General" sourceLinked="1"/>
-        <c:majorTickMark val="none"/>
-        <c:minorTickMark val="none"/>
-        <c:tickLblPos val="nextTo"/>
-        <c:spPr>
-          <a:noFill/>
-          <a:ln>
-            <a:noFill/>
-          </a:ln>
-          <a:effectLst/>
-        </c:spPr>
-        <c:txPr>
-          <a:bodyPr rot="-60000000" spcFirstLastPara="1" vertOverflow="ellipsis" vert="horz" wrap="square" anchor="ctr" anchorCtr="1"/>
-          <a:lstStyle/>
-          <a:p>
-            <a:pPr>
-              <a:defRPr sz="1197" b="0" i="0" u="none" strike="noStrike" kern="1200" baseline="0">
-                <a:solidFill>
-                  <a:schemeClr val="tx2"/>
-                </a:solidFill>
-                <a:latin typeface="+mn-lt"/>
-                <a:ea typeface="+mn-ea"/>
-                <a:cs typeface="+mn-cs"/>
-              </a:defRPr>
-            </a:pPr>
-            <a:endParaRPr lang="en-US"/>
-          </a:p>
-        </c:txPr>
-        <c:crossAx val="355301032"/>
-        <c:crosses val="autoZero"/>
-        <c:crossBetween val="between"/>
-      </c:valAx>
-      <c:spPr>
-        <a:noFill/>
-        <a:ln>
-          <a:noFill/>
-        </a:ln>
-        <a:effectLst/>
-      </c:spPr>
-    </c:plotArea>
-    <c:legend>
-      <c:legendPos val="b"/>
-      <c:overlay val="0"/>
-      <c:spPr>
-        <a:noFill/>
-        <a:ln>
-          <a:noFill/>
-        </a:ln>
-        <a:effectLst/>
-      </c:spPr>
-      <c:txPr>
-        <a:bodyPr rot="0" spcFirstLastPara="1" vertOverflow="ellipsis" vert="horz" wrap="square" anchor="ctr" anchorCtr="1"/>
-        <a:lstStyle/>
-        <a:p>
-          <a:pPr>
-            <a:defRPr sz="1197" b="0" i="0" u="none" strike="noStrike" kern="1200" baseline="0">
-              <a:solidFill>
-                <a:schemeClr val="tx2"/>
-              </a:solidFill>
-              <a:latin typeface="+mn-lt"/>
-              <a:ea typeface="+mn-ea"/>
-              <a:cs typeface="+mn-cs"/>
-            </a:defRPr>
-          </a:pPr>
-          <a:endParaRPr lang="en-US"/>
-        </a:p>
-      </c:txPr>
-    </c:legend>
-    <c:plotVisOnly val="1"/>
-    <c:dispBlanksAs val="gap"/>
-    <c:showDLblsOverMax val="0"/>
-  </c:chart>
-  <c:spPr>
-    <a:noFill/>
-    <a:ln>
-      <a:noFill/>
-    </a:ln>
-    <a:effectLst/>
-  </c:spPr>
-  <c:txPr>
-    <a:bodyPr/>
-    <a:lstStyle/>
-    <a:p>
-      <a:pPr>
-        <a:defRPr/>
-      </a:pPr>
-      <a:endParaRPr lang="en-US"/>
-    </a:p>
-  </c:txPr>
-  <c:externalData r:id="rId3">
-    <c:autoUpdate val="0"/>
-  </c:externalData>
-</c:chartSpace>
-</file>
-
 <file path=ppt/charts/colors1.xml><?xml version="1.0" encoding="utf-8"?>
 <cs:colorStyle xmlns:cs="http://schemas.microsoft.com/office/drawing/2012/chartStyle" xmlns:a="http://schemas.openxmlformats.org/drawingml/2006/main" meth="cycle" id="10">
   <a:schemeClr val="accent1"/>
@@ -3214,2552 +808,7 @@
 </cs:colorStyle>
 </file>
 
-<file path=ppt/charts/colors2.xml><?xml version="1.0" encoding="utf-8"?>
-<cs:colorStyle xmlns:cs="http://schemas.microsoft.com/office/drawing/2012/chartStyle" xmlns:a="http://schemas.openxmlformats.org/drawingml/2006/main" meth="cycle" id="10">
-  <a:schemeClr val="accent1"/>
-  <a:schemeClr val="accent2"/>
-  <a:schemeClr val="accent3"/>
-  <a:schemeClr val="accent4"/>
-  <a:schemeClr val="accent5"/>
-  <a:schemeClr val="accent6"/>
-  <cs:variation/>
-  <cs:variation>
-    <a:lumMod val="60000"/>
-  </cs:variation>
-  <cs:variation>
-    <a:lumMod val="80000"/>
-    <a:lumOff val="20000"/>
-  </cs:variation>
-  <cs:variation>
-    <a:lumMod val="80000"/>
-  </cs:variation>
-  <cs:variation>
-    <a:lumMod val="60000"/>
-    <a:lumOff val="40000"/>
-  </cs:variation>
-  <cs:variation>
-    <a:lumMod val="50000"/>
-  </cs:variation>
-  <cs:variation>
-    <a:lumMod val="70000"/>
-    <a:lumOff val="30000"/>
-  </cs:variation>
-  <cs:variation>
-    <a:lumMod val="70000"/>
-  </cs:variation>
-  <cs:variation>
-    <a:lumMod val="50000"/>
-    <a:lumOff val="50000"/>
-  </cs:variation>
-</cs:colorStyle>
-</file>
-
-<file path=ppt/charts/colors3.xml><?xml version="1.0" encoding="utf-8"?>
-<cs:colorStyle xmlns:cs="http://schemas.microsoft.com/office/drawing/2012/chartStyle" xmlns:a="http://schemas.openxmlformats.org/drawingml/2006/main" meth="cycle" id="10">
-  <a:schemeClr val="accent1"/>
-  <a:schemeClr val="accent2"/>
-  <a:schemeClr val="accent3"/>
-  <a:schemeClr val="accent4"/>
-  <a:schemeClr val="accent5"/>
-  <a:schemeClr val="accent6"/>
-  <cs:variation/>
-  <cs:variation>
-    <a:lumMod val="60000"/>
-  </cs:variation>
-  <cs:variation>
-    <a:lumMod val="80000"/>
-    <a:lumOff val="20000"/>
-  </cs:variation>
-  <cs:variation>
-    <a:lumMod val="80000"/>
-  </cs:variation>
-  <cs:variation>
-    <a:lumMod val="60000"/>
-    <a:lumOff val="40000"/>
-  </cs:variation>
-  <cs:variation>
-    <a:lumMod val="50000"/>
-  </cs:variation>
-  <cs:variation>
-    <a:lumMod val="70000"/>
-    <a:lumOff val="30000"/>
-  </cs:variation>
-  <cs:variation>
-    <a:lumMod val="70000"/>
-  </cs:variation>
-  <cs:variation>
-    <a:lumMod val="50000"/>
-    <a:lumOff val="50000"/>
-  </cs:variation>
-</cs:colorStyle>
-</file>
-
-<file path=ppt/charts/colors4.xml><?xml version="1.0" encoding="utf-8"?>
-<cs:colorStyle xmlns:cs="http://schemas.microsoft.com/office/drawing/2012/chartStyle" xmlns:a="http://schemas.openxmlformats.org/drawingml/2006/main" meth="cycle" id="10">
-  <a:schemeClr val="accent1"/>
-  <a:schemeClr val="accent2"/>
-  <a:schemeClr val="accent3"/>
-  <a:schemeClr val="accent4"/>
-  <a:schemeClr val="accent5"/>
-  <a:schemeClr val="accent6"/>
-  <cs:variation/>
-  <cs:variation>
-    <a:lumMod val="60000"/>
-  </cs:variation>
-  <cs:variation>
-    <a:lumMod val="80000"/>
-    <a:lumOff val="20000"/>
-  </cs:variation>
-  <cs:variation>
-    <a:lumMod val="80000"/>
-  </cs:variation>
-  <cs:variation>
-    <a:lumMod val="60000"/>
-    <a:lumOff val="40000"/>
-  </cs:variation>
-  <cs:variation>
-    <a:lumMod val="50000"/>
-  </cs:variation>
-  <cs:variation>
-    <a:lumMod val="70000"/>
-    <a:lumOff val="30000"/>
-  </cs:variation>
-  <cs:variation>
-    <a:lumMod val="70000"/>
-  </cs:variation>
-  <cs:variation>
-    <a:lumMod val="50000"/>
-    <a:lumOff val="50000"/>
-  </cs:variation>
-</cs:colorStyle>
-</file>
-
-<file path=ppt/charts/colors5.xml><?xml version="1.0" encoding="utf-8"?>
-<cs:colorStyle xmlns:cs="http://schemas.microsoft.com/office/drawing/2012/chartStyle" xmlns:a="http://schemas.openxmlformats.org/drawingml/2006/main" meth="cycle" id="10">
-  <a:schemeClr val="accent1"/>
-  <a:schemeClr val="accent2"/>
-  <a:schemeClr val="accent3"/>
-  <a:schemeClr val="accent4"/>
-  <a:schemeClr val="accent5"/>
-  <a:schemeClr val="accent6"/>
-  <cs:variation/>
-  <cs:variation>
-    <a:lumMod val="60000"/>
-  </cs:variation>
-  <cs:variation>
-    <a:lumMod val="80000"/>
-    <a:lumOff val="20000"/>
-  </cs:variation>
-  <cs:variation>
-    <a:lumMod val="80000"/>
-  </cs:variation>
-  <cs:variation>
-    <a:lumMod val="60000"/>
-    <a:lumOff val="40000"/>
-  </cs:variation>
-  <cs:variation>
-    <a:lumMod val="50000"/>
-  </cs:variation>
-  <cs:variation>
-    <a:lumMod val="70000"/>
-    <a:lumOff val="30000"/>
-  </cs:variation>
-  <cs:variation>
-    <a:lumMod val="70000"/>
-  </cs:variation>
-  <cs:variation>
-    <a:lumMod val="50000"/>
-    <a:lumOff val="50000"/>
-  </cs:variation>
-</cs:colorStyle>
-</file>
-
-<file path=ppt/charts/colors6.xml><?xml version="1.0" encoding="utf-8"?>
-<cs:colorStyle xmlns:cs="http://schemas.microsoft.com/office/drawing/2012/chartStyle" xmlns:a="http://schemas.openxmlformats.org/drawingml/2006/main" meth="cycle" id="10">
-  <a:schemeClr val="accent1"/>
-  <a:schemeClr val="accent2"/>
-  <a:schemeClr val="accent3"/>
-  <a:schemeClr val="accent4"/>
-  <a:schemeClr val="accent5"/>
-  <a:schemeClr val="accent6"/>
-  <cs:variation/>
-  <cs:variation>
-    <a:lumMod val="60000"/>
-  </cs:variation>
-  <cs:variation>
-    <a:lumMod val="80000"/>
-    <a:lumOff val="20000"/>
-  </cs:variation>
-  <cs:variation>
-    <a:lumMod val="80000"/>
-  </cs:variation>
-  <cs:variation>
-    <a:lumMod val="60000"/>
-    <a:lumOff val="40000"/>
-  </cs:variation>
-  <cs:variation>
-    <a:lumMod val="50000"/>
-  </cs:variation>
-  <cs:variation>
-    <a:lumMod val="70000"/>
-    <a:lumOff val="30000"/>
-  </cs:variation>
-  <cs:variation>
-    <a:lumMod val="70000"/>
-  </cs:variation>
-  <cs:variation>
-    <a:lumMod val="50000"/>
-    <a:lumOff val="50000"/>
-  </cs:variation>
-</cs:colorStyle>
-</file>
-
 <file path=ppt/charts/style1.xml><?xml version="1.0" encoding="utf-8"?>
-<cs:chartStyle xmlns:cs="http://schemas.microsoft.com/office/drawing/2012/chartStyle" xmlns:a="http://schemas.openxmlformats.org/drawingml/2006/main" id="207">
-  <cs:axisTitle>
-    <cs:lnRef idx="0"/>
-    <cs:fillRef idx="0"/>
-    <cs:effectRef idx="0"/>
-    <cs:fontRef idx="minor">
-      <a:schemeClr val="tx2"/>
-    </cs:fontRef>
-    <cs:defRPr sz="1197" b="1" kern="1200"/>
-  </cs:axisTitle>
-  <cs:categoryAxis>
-    <cs:lnRef idx="0"/>
-    <cs:fillRef idx="0"/>
-    <cs:effectRef idx="0"/>
-    <cs:fontRef idx="minor">
-      <a:schemeClr val="tx2"/>
-    </cs:fontRef>
-    <cs:spPr>
-      <a:ln w="9525" cap="flat" cmpd="sng" algn="ctr">
-        <a:solidFill>
-          <a:schemeClr val="tx2">
-            <a:lumMod val="15000"/>
-            <a:lumOff val="85000"/>
-          </a:schemeClr>
-        </a:solidFill>
-        <a:round/>
-      </a:ln>
-    </cs:spPr>
-    <cs:defRPr sz="1197" kern="1200"/>
-  </cs:categoryAxis>
-  <cs:chartArea mods="allowNoFillOverride allowNoLineOverride">
-    <cs:lnRef idx="0"/>
-    <cs:fillRef idx="0"/>
-    <cs:effectRef idx="0"/>
-    <cs:fontRef idx="minor">
-      <a:schemeClr val="tx2"/>
-    </cs:fontRef>
-    <cs:spPr>
-      <a:solidFill>
-        <a:schemeClr val="bg1"/>
-      </a:solidFill>
-      <a:ln w="9525" cap="flat" cmpd="sng" algn="ctr">
-        <a:solidFill>
-          <a:schemeClr val="tx2">
-            <a:lumMod val="15000"/>
-            <a:lumOff val="85000"/>
-          </a:schemeClr>
-        </a:solidFill>
-        <a:round/>
-      </a:ln>
-    </cs:spPr>
-    <cs:defRPr sz="1197" kern="1200"/>
-  </cs:chartArea>
-  <cs:dataLabel>
-    <cs:lnRef idx="0"/>
-    <cs:fillRef idx="0"/>
-    <cs:effectRef idx="0"/>
-    <cs:fontRef idx="minor">
-      <a:schemeClr val="tx2"/>
-    </cs:fontRef>
-    <cs:defRPr sz="1197" kern="1200"/>
-  </cs:dataLabel>
-  <cs:dataLabelCallout>
-    <cs:lnRef idx="0"/>
-    <cs:fillRef idx="0"/>
-    <cs:effectRef idx="0"/>
-    <cs:fontRef idx="minor">
-      <a:schemeClr val="dk2">
-        <a:lumMod val="75000"/>
-      </a:schemeClr>
-    </cs:fontRef>
-    <cs:spPr>
-      <a:solidFill>
-        <a:schemeClr val="lt1"/>
-      </a:solidFill>
-      <a:ln>
-        <a:solidFill>
-          <a:schemeClr val="dk1">
-            <a:lumMod val="25000"/>
-            <a:lumOff val="75000"/>
-          </a:schemeClr>
-        </a:solidFill>
-      </a:ln>
-    </cs:spPr>
-    <cs:defRPr sz="1197" kern="1200"/>
-    <cs:bodyPr rot="0" spcFirstLastPara="1" vertOverflow="clip" horzOverflow="clip" vert="horz" wrap="square" lIns="36576" tIns="18288" rIns="36576" bIns="18288" anchor="ctr" anchorCtr="1">
-      <a:spAutoFit/>
-    </cs:bodyPr>
-  </cs:dataLabelCallout>
-  <cs:dataPoint>
-    <cs:lnRef idx="0"/>
-    <cs:fillRef idx="3">
-      <cs:styleClr val="auto"/>
-    </cs:fillRef>
-    <cs:effectRef idx="2"/>
-    <cs:fontRef idx="minor">
-      <a:schemeClr val="tx2"/>
-    </cs:fontRef>
-  </cs:dataPoint>
-  <cs:dataPoint3D>
-    <cs:lnRef idx="0"/>
-    <cs:fillRef idx="3">
-      <cs:styleClr val="auto"/>
-    </cs:fillRef>
-    <cs:effectRef idx="2"/>
-    <cs:fontRef idx="minor">
-      <a:schemeClr val="tx2"/>
-    </cs:fontRef>
-  </cs:dataPoint3D>
-  <cs:dataPointLine>
-    <cs:lnRef idx="0">
-      <cs:styleClr val="auto"/>
-    </cs:lnRef>
-    <cs:fillRef idx="3"/>
-    <cs:effectRef idx="2"/>
-    <cs:fontRef idx="minor">
-      <a:schemeClr val="tx2"/>
-    </cs:fontRef>
-    <cs:spPr>
-      <a:ln w="31750" cap="rnd">
-        <a:solidFill>
-          <a:schemeClr val="phClr"/>
-        </a:solidFill>
-        <a:round/>
-      </a:ln>
-    </cs:spPr>
-  </cs:dataPointLine>
-  <cs:dataPointMarker>
-    <cs:lnRef idx="0"/>
-    <cs:fillRef idx="3">
-      <cs:styleClr val="auto"/>
-    </cs:fillRef>
-    <cs:effectRef idx="2"/>
-    <cs:fontRef idx="minor">
-      <a:schemeClr val="tx2"/>
-    </cs:fontRef>
-    <cs:spPr>
-      <a:ln w="12700">
-        <a:solidFill>
-          <a:schemeClr val="lt2"/>
-        </a:solidFill>
-        <a:round/>
-      </a:ln>
-    </cs:spPr>
-  </cs:dataPointMarker>
-  <cs:dataPointMarkerLayout symbol="circle" size="6"/>
-  <cs:dataPointWireframe>
-    <cs:lnRef idx="0">
-      <cs:styleClr val="auto"/>
-    </cs:lnRef>
-    <cs:fillRef idx="3"/>
-    <cs:effectRef idx="2"/>
-    <cs:fontRef idx="minor">
-      <a:schemeClr val="tx2"/>
-    </cs:fontRef>
-    <cs:spPr>
-      <a:ln w="9525" cap="rnd">
-        <a:solidFill>
-          <a:schemeClr val="phClr"/>
-        </a:solidFill>
-        <a:round/>
-      </a:ln>
-    </cs:spPr>
-  </cs:dataPointWireframe>
-  <cs:dataTable>
-    <cs:lnRef idx="0"/>
-    <cs:fillRef idx="0"/>
-    <cs:effectRef idx="0"/>
-    <cs:fontRef idx="minor">
-      <a:schemeClr val="tx2"/>
-    </cs:fontRef>
-    <cs:spPr>
-      <a:ln w="9525">
-        <a:solidFill>
-          <a:schemeClr val="tx2">
-            <a:lumMod val="15000"/>
-            <a:lumOff val="85000"/>
-          </a:schemeClr>
-        </a:solidFill>
-      </a:ln>
-    </cs:spPr>
-    <cs:defRPr sz="1197" kern="1200"/>
-  </cs:dataTable>
-  <cs:downBar>
-    <cs:lnRef idx="0"/>
-    <cs:fillRef idx="0"/>
-    <cs:effectRef idx="0"/>
-    <cs:fontRef idx="minor">
-      <a:schemeClr val="dk1"/>
-    </cs:fontRef>
-    <cs:spPr>
-      <a:solidFill>
-        <a:schemeClr val="dk1">
-          <a:lumMod val="65000"/>
-          <a:lumOff val="35000"/>
-        </a:schemeClr>
-      </a:solidFill>
-      <a:ln w="9525">
-        <a:solidFill>
-          <a:schemeClr val="tx1">
-            <a:lumMod val="65000"/>
-            <a:lumOff val="35000"/>
-          </a:schemeClr>
-        </a:solidFill>
-      </a:ln>
-    </cs:spPr>
-  </cs:downBar>
-  <cs:dropLine>
-    <cs:lnRef idx="0"/>
-    <cs:fillRef idx="0"/>
-    <cs:effectRef idx="0"/>
-    <cs:fontRef idx="minor">
-      <a:schemeClr val="tx2"/>
-    </cs:fontRef>
-    <cs:spPr>
-      <a:ln w="9525">
-        <a:solidFill>
-          <a:schemeClr val="tx2">
-            <a:lumMod val="60000"/>
-            <a:lumOff val="40000"/>
-          </a:schemeClr>
-        </a:solidFill>
-        <a:prstDash val="dash"/>
-      </a:ln>
-    </cs:spPr>
-  </cs:dropLine>
-  <cs:errorBar>
-    <cs:lnRef idx="0"/>
-    <cs:fillRef idx="0"/>
-    <cs:effectRef idx="0"/>
-    <cs:fontRef idx="minor">
-      <a:schemeClr val="tx2"/>
-    </cs:fontRef>
-    <cs:spPr>
-      <a:ln w="9525">
-        <a:solidFill>
-          <a:schemeClr val="tx2">
-            <a:lumMod val="75000"/>
-            <a:lumOff val="25000"/>
-          </a:schemeClr>
-        </a:solidFill>
-        <a:round/>
-      </a:ln>
-    </cs:spPr>
-  </cs:errorBar>
-  <cs:floor>
-    <cs:lnRef idx="0"/>
-    <cs:fillRef idx="0"/>
-    <cs:effectRef idx="0"/>
-    <cs:fontRef idx="minor">
-      <a:schemeClr val="tx2"/>
-    </cs:fontRef>
-  </cs:floor>
-  <cs:gridlineMajor>
-    <cs:lnRef idx="0"/>
-    <cs:fillRef idx="0"/>
-    <cs:effectRef idx="0"/>
-    <cs:fontRef idx="minor">
-      <a:schemeClr val="tx2"/>
-    </cs:fontRef>
-    <cs:spPr>
-      <a:ln w="9525" cap="flat" cmpd="sng" algn="ctr">
-        <a:solidFill>
-          <a:schemeClr val="tx2">
-            <a:lumMod val="15000"/>
-            <a:lumOff val="85000"/>
-          </a:schemeClr>
-        </a:solidFill>
-        <a:round/>
-      </a:ln>
-    </cs:spPr>
-  </cs:gridlineMajor>
-  <cs:gridlineMinor>
-    <cs:lnRef idx="0"/>
-    <cs:fillRef idx="0"/>
-    <cs:effectRef idx="0"/>
-    <cs:fontRef idx="minor">
-      <a:schemeClr val="tx2"/>
-    </cs:fontRef>
-    <cs:spPr>
-      <a:ln>
-        <a:solidFill>
-          <a:schemeClr val="tx2">
-            <a:lumMod val="5000"/>
-            <a:lumOff val="95000"/>
-          </a:schemeClr>
-        </a:solidFill>
-      </a:ln>
-    </cs:spPr>
-  </cs:gridlineMinor>
-  <cs:hiLoLine>
-    <cs:lnRef idx="0"/>
-    <cs:fillRef idx="0"/>
-    <cs:effectRef idx="0"/>
-    <cs:fontRef idx="minor">
-      <a:schemeClr val="tx2"/>
-    </cs:fontRef>
-    <cs:spPr>
-      <a:ln w="9525">
-        <a:solidFill>
-          <a:schemeClr val="tx2">
-            <a:lumMod val="60000"/>
-            <a:lumOff val="40000"/>
-          </a:schemeClr>
-        </a:solidFill>
-        <a:prstDash val="dash"/>
-      </a:ln>
-    </cs:spPr>
-  </cs:hiLoLine>
-  <cs:leaderLine>
-    <cs:lnRef idx="0"/>
-    <cs:fillRef idx="0"/>
-    <cs:effectRef idx="0"/>
-    <cs:fontRef idx="minor">
-      <a:schemeClr val="tx2"/>
-    </cs:fontRef>
-    <cs:spPr>
-      <a:ln w="9525">
-        <a:solidFill>
-          <a:schemeClr val="tx2">
-            <a:lumMod val="35000"/>
-            <a:lumOff val="65000"/>
-          </a:schemeClr>
-        </a:solidFill>
-      </a:ln>
-    </cs:spPr>
-  </cs:leaderLine>
-  <cs:legend>
-    <cs:lnRef idx="0"/>
-    <cs:fillRef idx="0"/>
-    <cs:effectRef idx="0"/>
-    <cs:fontRef idx="minor">
-      <a:schemeClr val="tx2"/>
-    </cs:fontRef>
-    <cs:defRPr sz="1197" kern="1200"/>
-  </cs:legend>
-  <cs:plotArea>
-    <cs:lnRef idx="0"/>
-    <cs:fillRef idx="0"/>
-    <cs:effectRef idx="0"/>
-    <cs:fontRef idx="minor">
-      <a:schemeClr val="tx2"/>
-    </cs:fontRef>
-  </cs:plotArea>
-  <cs:plotArea3D>
-    <cs:lnRef idx="0"/>
-    <cs:fillRef idx="0"/>
-    <cs:effectRef idx="0"/>
-    <cs:fontRef idx="minor">
-      <a:schemeClr val="tx2"/>
-    </cs:fontRef>
-  </cs:plotArea3D>
-  <cs:seriesAxis>
-    <cs:lnRef idx="0"/>
-    <cs:fillRef idx="0"/>
-    <cs:effectRef idx="0"/>
-    <cs:fontRef idx="minor">
-      <a:schemeClr val="tx2"/>
-    </cs:fontRef>
-    <cs:spPr>
-      <a:ln w="9525" cap="flat" cmpd="sng" algn="ctr">
-        <a:solidFill>
-          <a:schemeClr val="tx2">
-            <a:lumMod val="15000"/>
-            <a:lumOff val="85000"/>
-          </a:schemeClr>
-        </a:solidFill>
-        <a:round/>
-      </a:ln>
-    </cs:spPr>
-    <cs:defRPr sz="1197" kern="1200"/>
-  </cs:seriesAxis>
-  <cs:seriesLine>
-    <cs:lnRef idx="0"/>
-    <cs:fillRef idx="0"/>
-    <cs:effectRef idx="0"/>
-    <cs:fontRef idx="minor">
-      <a:schemeClr val="tx2"/>
-    </cs:fontRef>
-    <cs:spPr>
-      <a:ln w="9525">
-        <a:solidFill>
-          <a:schemeClr val="tx2">
-            <a:lumMod val="60000"/>
-            <a:lumOff val="40000"/>
-          </a:schemeClr>
-        </a:solidFill>
-        <a:prstDash val="dash"/>
-      </a:ln>
-    </cs:spPr>
-  </cs:seriesLine>
-  <cs:title>
-    <cs:lnRef idx="0"/>
-    <cs:fillRef idx="0"/>
-    <cs:effectRef idx="0"/>
-    <cs:fontRef idx="minor">
-      <a:schemeClr val="tx2"/>
-    </cs:fontRef>
-    <cs:defRPr sz="2128" b="1" kern="1200"/>
-  </cs:title>
-  <cs:trendline>
-    <cs:lnRef idx="0">
-      <cs:styleClr val="auto"/>
-    </cs:lnRef>
-    <cs:fillRef idx="0"/>
-    <cs:effectRef idx="0"/>
-    <cs:fontRef idx="minor">
-      <a:schemeClr val="tx2"/>
-    </cs:fontRef>
-    <cs:spPr>
-      <a:ln w="19050" cap="rnd">
-        <a:solidFill>
-          <a:schemeClr val="phClr"/>
-        </a:solidFill>
-        <a:prstDash val="sysDash"/>
-      </a:ln>
-    </cs:spPr>
-  </cs:trendline>
-  <cs:trendlineLabel>
-    <cs:lnRef idx="0"/>
-    <cs:fillRef idx="0"/>
-    <cs:effectRef idx="0"/>
-    <cs:fontRef idx="minor">
-      <a:schemeClr val="tx2"/>
-    </cs:fontRef>
-    <cs:defRPr sz="1197" kern="1200"/>
-  </cs:trendlineLabel>
-  <cs:upBar>
-    <cs:lnRef idx="0"/>
-    <cs:fillRef idx="0"/>
-    <cs:effectRef idx="0"/>
-    <cs:fontRef idx="minor">
-      <a:schemeClr val="tx2"/>
-    </cs:fontRef>
-    <cs:spPr>
-      <a:solidFill>
-        <a:schemeClr val="lt1"/>
-      </a:solidFill>
-      <a:ln w="9525">
-        <a:solidFill>
-          <a:schemeClr val="tx1">
-            <a:lumMod val="15000"/>
-            <a:lumOff val="85000"/>
-          </a:schemeClr>
-        </a:solidFill>
-      </a:ln>
-    </cs:spPr>
-  </cs:upBar>
-  <cs:valueAxis>
-    <cs:lnRef idx="0"/>
-    <cs:fillRef idx="0"/>
-    <cs:effectRef idx="0"/>
-    <cs:fontRef idx="minor">
-      <a:schemeClr val="tx2"/>
-    </cs:fontRef>
-    <cs:defRPr sz="1197" kern="1200"/>
-  </cs:valueAxis>
-  <cs:wall>
-    <cs:lnRef idx="0"/>
-    <cs:fillRef idx="0"/>
-    <cs:effectRef idx="0"/>
-    <cs:fontRef idx="minor">
-      <a:schemeClr val="tx2"/>
-    </cs:fontRef>
-  </cs:wall>
-</cs:chartStyle>
-</file>
-
-<file path=ppt/charts/style2.xml><?xml version="1.0" encoding="utf-8"?>
-<cs:chartStyle xmlns:cs="http://schemas.microsoft.com/office/drawing/2012/chartStyle" xmlns:a="http://schemas.openxmlformats.org/drawingml/2006/main" id="207">
-  <cs:axisTitle>
-    <cs:lnRef idx="0"/>
-    <cs:fillRef idx="0"/>
-    <cs:effectRef idx="0"/>
-    <cs:fontRef idx="minor">
-      <a:schemeClr val="tx2"/>
-    </cs:fontRef>
-    <cs:defRPr sz="1197" b="1" kern="1200"/>
-  </cs:axisTitle>
-  <cs:categoryAxis>
-    <cs:lnRef idx="0"/>
-    <cs:fillRef idx="0"/>
-    <cs:effectRef idx="0"/>
-    <cs:fontRef idx="minor">
-      <a:schemeClr val="tx2"/>
-    </cs:fontRef>
-    <cs:spPr>
-      <a:ln w="9525" cap="flat" cmpd="sng" algn="ctr">
-        <a:solidFill>
-          <a:schemeClr val="tx2">
-            <a:lumMod val="15000"/>
-            <a:lumOff val="85000"/>
-          </a:schemeClr>
-        </a:solidFill>
-        <a:round/>
-      </a:ln>
-    </cs:spPr>
-    <cs:defRPr sz="1197" kern="1200"/>
-  </cs:categoryAxis>
-  <cs:chartArea mods="allowNoFillOverride allowNoLineOverride">
-    <cs:lnRef idx="0"/>
-    <cs:fillRef idx="0"/>
-    <cs:effectRef idx="0"/>
-    <cs:fontRef idx="minor">
-      <a:schemeClr val="tx2"/>
-    </cs:fontRef>
-    <cs:spPr>
-      <a:solidFill>
-        <a:schemeClr val="bg1"/>
-      </a:solidFill>
-      <a:ln w="9525" cap="flat" cmpd="sng" algn="ctr">
-        <a:solidFill>
-          <a:schemeClr val="tx2">
-            <a:lumMod val="15000"/>
-            <a:lumOff val="85000"/>
-          </a:schemeClr>
-        </a:solidFill>
-        <a:round/>
-      </a:ln>
-    </cs:spPr>
-    <cs:defRPr sz="1197" kern="1200"/>
-  </cs:chartArea>
-  <cs:dataLabel>
-    <cs:lnRef idx="0"/>
-    <cs:fillRef idx="0"/>
-    <cs:effectRef idx="0"/>
-    <cs:fontRef idx="minor">
-      <a:schemeClr val="tx2"/>
-    </cs:fontRef>
-    <cs:defRPr sz="1197" kern="1200"/>
-  </cs:dataLabel>
-  <cs:dataLabelCallout>
-    <cs:lnRef idx="0"/>
-    <cs:fillRef idx="0"/>
-    <cs:effectRef idx="0"/>
-    <cs:fontRef idx="minor">
-      <a:schemeClr val="dk2">
-        <a:lumMod val="75000"/>
-      </a:schemeClr>
-    </cs:fontRef>
-    <cs:spPr>
-      <a:solidFill>
-        <a:schemeClr val="lt1"/>
-      </a:solidFill>
-      <a:ln>
-        <a:solidFill>
-          <a:schemeClr val="dk1">
-            <a:lumMod val="25000"/>
-            <a:lumOff val="75000"/>
-          </a:schemeClr>
-        </a:solidFill>
-      </a:ln>
-    </cs:spPr>
-    <cs:defRPr sz="1197" kern="1200"/>
-    <cs:bodyPr rot="0" spcFirstLastPara="1" vertOverflow="clip" horzOverflow="clip" vert="horz" wrap="square" lIns="36576" tIns="18288" rIns="36576" bIns="18288" anchor="ctr" anchorCtr="1">
-      <a:spAutoFit/>
-    </cs:bodyPr>
-  </cs:dataLabelCallout>
-  <cs:dataPoint>
-    <cs:lnRef idx="0"/>
-    <cs:fillRef idx="3">
-      <cs:styleClr val="auto"/>
-    </cs:fillRef>
-    <cs:effectRef idx="2"/>
-    <cs:fontRef idx="minor">
-      <a:schemeClr val="tx2"/>
-    </cs:fontRef>
-  </cs:dataPoint>
-  <cs:dataPoint3D>
-    <cs:lnRef idx="0"/>
-    <cs:fillRef idx="3">
-      <cs:styleClr val="auto"/>
-    </cs:fillRef>
-    <cs:effectRef idx="2"/>
-    <cs:fontRef idx="minor">
-      <a:schemeClr val="tx2"/>
-    </cs:fontRef>
-  </cs:dataPoint3D>
-  <cs:dataPointLine>
-    <cs:lnRef idx="0">
-      <cs:styleClr val="auto"/>
-    </cs:lnRef>
-    <cs:fillRef idx="3"/>
-    <cs:effectRef idx="2"/>
-    <cs:fontRef idx="minor">
-      <a:schemeClr val="tx2"/>
-    </cs:fontRef>
-    <cs:spPr>
-      <a:ln w="31750" cap="rnd">
-        <a:solidFill>
-          <a:schemeClr val="phClr"/>
-        </a:solidFill>
-        <a:round/>
-      </a:ln>
-    </cs:spPr>
-  </cs:dataPointLine>
-  <cs:dataPointMarker>
-    <cs:lnRef idx="0"/>
-    <cs:fillRef idx="3">
-      <cs:styleClr val="auto"/>
-    </cs:fillRef>
-    <cs:effectRef idx="2"/>
-    <cs:fontRef idx="minor">
-      <a:schemeClr val="tx2"/>
-    </cs:fontRef>
-    <cs:spPr>
-      <a:ln w="12700">
-        <a:solidFill>
-          <a:schemeClr val="lt2"/>
-        </a:solidFill>
-        <a:round/>
-      </a:ln>
-    </cs:spPr>
-  </cs:dataPointMarker>
-  <cs:dataPointMarkerLayout symbol="circle" size="6"/>
-  <cs:dataPointWireframe>
-    <cs:lnRef idx="0">
-      <cs:styleClr val="auto"/>
-    </cs:lnRef>
-    <cs:fillRef idx="3"/>
-    <cs:effectRef idx="2"/>
-    <cs:fontRef idx="minor">
-      <a:schemeClr val="tx2"/>
-    </cs:fontRef>
-    <cs:spPr>
-      <a:ln w="9525" cap="rnd">
-        <a:solidFill>
-          <a:schemeClr val="phClr"/>
-        </a:solidFill>
-        <a:round/>
-      </a:ln>
-    </cs:spPr>
-  </cs:dataPointWireframe>
-  <cs:dataTable>
-    <cs:lnRef idx="0"/>
-    <cs:fillRef idx="0"/>
-    <cs:effectRef idx="0"/>
-    <cs:fontRef idx="minor">
-      <a:schemeClr val="tx2"/>
-    </cs:fontRef>
-    <cs:spPr>
-      <a:ln w="9525">
-        <a:solidFill>
-          <a:schemeClr val="tx2">
-            <a:lumMod val="15000"/>
-            <a:lumOff val="85000"/>
-          </a:schemeClr>
-        </a:solidFill>
-      </a:ln>
-    </cs:spPr>
-    <cs:defRPr sz="1197" kern="1200"/>
-  </cs:dataTable>
-  <cs:downBar>
-    <cs:lnRef idx="0"/>
-    <cs:fillRef idx="0"/>
-    <cs:effectRef idx="0"/>
-    <cs:fontRef idx="minor">
-      <a:schemeClr val="dk1"/>
-    </cs:fontRef>
-    <cs:spPr>
-      <a:solidFill>
-        <a:schemeClr val="dk1">
-          <a:lumMod val="65000"/>
-          <a:lumOff val="35000"/>
-        </a:schemeClr>
-      </a:solidFill>
-      <a:ln w="9525">
-        <a:solidFill>
-          <a:schemeClr val="tx1">
-            <a:lumMod val="65000"/>
-            <a:lumOff val="35000"/>
-          </a:schemeClr>
-        </a:solidFill>
-      </a:ln>
-    </cs:spPr>
-  </cs:downBar>
-  <cs:dropLine>
-    <cs:lnRef idx="0"/>
-    <cs:fillRef idx="0"/>
-    <cs:effectRef idx="0"/>
-    <cs:fontRef idx="minor">
-      <a:schemeClr val="tx2"/>
-    </cs:fontRef>
-    <cs:spPr>
-      <a:ln w="9525">
-        <a:solidFill>
-          <a:schemeClr val="tx2">
-            <a:lumMod val="60000"/>
-            <a:lumOff val="40000"/>
-          </a:schemeClr>
-        </a:solidFill>
-        <a:prstDash val="dash"/>
-      </a:ln>
-    </cs:spPr>
-  </cs:dropLine>
-  <cs:errorBar>
-    <cs:lnRef idx="0"/>
-    <cs:fillRef idx="0"/>
-    <cs:effectRef idx="0"/>
-    <cs:fontRef idx="minor">
-      <a:schemeClr val="tx2"/>
-    </cs:fontRef>
-    <cs:spPr>
-      <a:ln w="9525">
-        <a:solidFill>
-          <a:schemeClr val="tx2">
-            <a:lumMod val="75000"/>
-            <a:lumOff val="25000"/>
-          </a:schemeClr>
-        </a:solidFill>
-        <a:round/>
-      </a:ln>
-    </cs:spPr>
-  </cs:errorBar>
-  <cs:floor>
-    <cs:lnRef idx="0"/>
-    <cs:fillRef idx="0"/>
-    <cs:effectRef idx="0"/>
-    <cs:fontRef idx="minor">
-      <a:schemeClr val="tx2"/>
-    </cs:fontRef>
-  </cs:floor>
-  <cs:gridlineMajor>
-    <cs:lnRef idx="0"/>
-    <cs:fillRef idx="0"/>
-    <cs:effectRef idx="0"/>
-    <cs:fontRef idx="minor">
-      <a:schemeClr val="tx2"/>
-    </cs:fontRef>
-    <cs:spPr>
-      <a:ln w="9525" cap="flat" cmpd="sng" algn="ctr">
-        <a:solidFill>
-          <a:schemeClr val="tx2">
-            <a:lumMod val="15000"/>
-            <a:lumOff val="85000"/>
-          </a:schemeClr>
-        </a:solidFill>
-        <a:round/>
-      </a:ln>
-    </cs:spPr>
-  </cs:gridlineMajor>
-  <cs:gridlineMinor>
-    <cs:lnRef idx="0"/>
-    <cs:fillRef idx="0"/>
-    <cs:effectRef idx="0"/>
-    <cs:fontRef idx="minor">
-      <a:schemeClr val="tx2"/>
-    </cs:fontRef>
-    <cs:spPr>
-      <a:ln>
-        <a:solidFill>
-          <a:schemeClr val="tx2">
-            <a:lumMod val="5000"/>
-            <a:lumOff val="95000"/>
-          </a:schemeClr>
-        </a:solidFill>
-      </a:ln>
-    </cs:spPr>
-  </cs:gridlineMinor>
-  <cs:hiLoLine>
-    <cs:lnRef idx="0"/>
-    <cs:fillRef idx="0"/>
-    <cs:effectRef idx="0"/>
-    <cs:fontRef idx="minor">
-      <a:schemeClr val="tx2"/>
-    </cs:fontRef>
-    <cs:spPr>
-      <a:ln w="9525">
-        <a:solidFill>
-          <a:schemeClr val="tx2">
-            <a:lumMod val="60000"/>
-            <a:lumOff val="40000"/>
-          </a:schemeClr>
-        </a:solidFill>
-        <a:prstDash val="dash"/>
-      </a:ln>
-    </cs:spPr>
-  </cs:hiLoLine>
-  <cs:leaderLine>
-    <cs:lnRef idx="0"/>
-    <cs:fillRef idx="0"/>
-    <cs:effectRef idx="0"/>
-    <cs:fontRef idx="minor">
-      <a:schemeClr val="tx2"/>
-    </cs:fontRef>
-    <cs:spPr>
-      <a:ln w="9525">
-        <a:solidFill>
-          <a:schemeClr val="tx2">
-            <a:lumMod val="35000"/>
-            <a:lumOff val="65000"/>
-          </a:schemeClr>
-        </a:solidFill>
-      </a:ln>
-    </cs:spPr>
-  </cs:leaderLine>
-  <cs:legend>
-    <cs:lnRef idx="0"/>
-    <cs:fillRef idx="0"/>
-    <cs:effectRef idx="0"/>
-    <cs:fontRef idx="minor">
-      <a:schemeClr val="tx2"/>
-    </cs:fontRef>
-    <cs:defRPr sz="1197" kern="1200"/>
-  </cs:legend>
-  <cs:plotArea>
-    <cs:lnRef idx="0"/>
-    <cs:fillRef idx="0"/>
-    <cs:effectRef idx="0"/>
-    <cs:fontRef idx="minor">
-      <a:schemeClr val="tx2"/>
-    </cs:fontRef>
-  </cs:plotArea>
-  <cs:plotArea3D>
-    <cs:lnRef idx="0"/>
-    <cs:fillRef idx="0"/>
-    <cs:effectRef idx="0"/>
-    <cs:fontRef idx="minor">
-      <a:schemeClr val="tx2"/>
-    </cs:fontRef>
-  </cs:plotArea3D>
-  <cs:seriesAxis>
-    <cs:lnRef idx="0"/>
-    <cs:fillRef idx="0"/>
-    <cs:effectRef idx="0"/>
-    <cs:fontRef idx="minor">
-      <a:schemeClr val="tx2"/>
-    </cs:fontRef>
-    <cs:spPr>
-      <a:ln w="9525" cap="flat" cmpd="sng" algn="ctr">
-        <a:solidFill>
-          <a:schemeClr val="tx2">
-            <a:lumMod val="15000"/>
-            <a:lumOff val="85000"/>
-          </a:schemeClr>
-        </a:solidFill>
-        <a:round/>
-      </a:ln>
-    </cs:spPr>
-    <cs:defRPr sz="1197" kern="1200"/>
-  </cs:seriesAxis>
-  <cs:seriesLine>
-    <cs:lnRef idx="0"/>
-    <cs:fillRef idx="0"/>
-    <cs:effectRef idx="0"/>
-    <cs:fontRef idx="minor">
-      <a:schemeClr val="tx2"/>
-    </cs:fontRef>
-    <cs:spPr>
-      <a:ln w="9525">
-        <a:solidFill>
-          <a:schemeClr val="tx2">
-            <a:lumMod val="60000"/>
-            <a:lumOff val="40000"/>
-          </a:schemeClr>
-        </a:solidFill>
-        <a:prstDash val="dash"/>
-      </a:ln>
-    </cs:spPr>
-  </cs:seriesLine>
-  <cs:title>
-    <cs:lnRef idx="0"/>
-    <cs:fillRef idx="0"/>
-    <cs:effectRef idx="0"/>
-    <cs:fontRef idx="minor">
-      <a:schemeClr val="tx2"/>
-    </cs:fontRef>
-    <cs:defRPr sz="2128" b="1" kern="1200"/>
-  </cs:title>
-  <cs:trendline>
-    <cs:lnRef idx="0">
-      <cs:styleClr val="auto"/>
-    </cs:lnRef>
-    <cs:fillRef idx="0"/>
-    <cs:effectRef idx="0"/>
-    <cs:fontRef idx="minor">
-      <a:schemeClr val="tx2"/>
-    </cs:fontRef>
-    <cs:spPr>
-      <a:ln w="19050" cap="rnd">
-        <a:solidFill>
-          <a:schemeClr val="phClr"/>
-        </a:solidFill>
-        <a:prstDash val="sysDash"/>
-      </a:ln>
-    </cs:spPr>
-  </cs:trendline>
-  <cs:trendlineLabel>
-    <cs:lnRef idx="0"/>
-    <cs:fillRef idx="0"/>
-    <cs:effectRef idx="0"/>
-    <cs:fontRef idx="minor">
-      <a:schemeClr val="tx2"/>
-    </cs:fontRef>
-    <cs:defRPr sz="1197" kern="1200"/>
-  </cs:trendlineLabel>
-  <cs:upBar>
-    <cs:lnRef idx="0"/>
-    <cs:fillRef idx="0"/>
-    <cs:effectRef idx="0"/>
-    <cs:fontRef idx="minor">
-      <a:schemeClr val="tx2"/>
-    </cs:fontRef>
-    <cs:spPr>
-      <a:solidFill>
-        <a:schemeClr val="lt1"/>
-      </a:solidFill>
-      <a:ln w="9525">
-        <a:solidFill>
-          <a:schemeClr val="tx1">
-            <a:lumMod val="15000"/>
-            <a:lumOff val="85000"/>
-          </a:schemeClr>
-        </a:solidFill>
-      </a:ln>
-    </cs:spPr>
-  </cs:upBar>
-  <cs:valueAxis>
-    <cs:lnRef idx="0"/>
-    <cs:fillRef idx="0"/>
-    <cs:effectRef idx="0"/>
-    <cs:fontRef idx="minor">
-      <a:schemeClr val="tx2"/>
-    </cs:fontRef>
-    <cs:defRPr sz="1197" kern="1200"/>
-  </cs:valueAxis>
-  <cs:wall>
-    <cs:lnRef idx="0"/>
-    <cs:fillRef idx="0"/>
-    <cs:effectRef idx="0"/>
-    <cs:fontRef idx="minor">
-      <a:schemeClr val="tx2"/>
-    </cs:fontRef>
-  </cs:wall>
-</cs:chartStyle>
-</file>
-
-<file path=ppt/charts/style3.xml><?xml version="1.0" encoding="utf-8"?>
-<cs:chartStyle xmlns:cs="http://schemas.microsoft.com/office/drawing/2012/chartStyle" xmlns:a="http://schemas.openxmlformats.org/drawingml/2006/main" id="207">
-  <cs:axisTitle>
-    <cs:lnRef idx="0"/>
-    <cs:fillRef idx="0"/>
-    <cs:effectRef idx="0"/>
-    <cs:fontRef idx="minor">
-      <a:schemeClr val="tx2"/>
-    </cs:fontRef>
-    <cs:defRPr sz="1197" b="1" kern="1200"/>
-  </cs:axisTitle>
-  <cs:categoryAxis>
-    <cs:lnRef idx="0"/>
-    <cs:fillRef idx="0"/>
-    <cs:effectRef idx="0"/>
-    <cs:fontRef idx="minor">
-      <a:schemeClr val="tx2"/>
-    </cs:fontRef>
-    <cs:spPr>
-      <a:ln w="9525" cap="flat" cmpd="sng" algn="ctr">
-        <a:solidFill>
-          <a:schemeClr val="tx2">
-            <a:lumMod val="15000"/>
-            <a:lumOff val="85000"/>
-          </a:schemeClr>
-        </a:solidFill>
-        <a:round/>
-      </a:ln>
-    </cs:spPr>
-    <cs:defRPr sz="1197" kern="1200"/>
-  </cs:categoryAxis>
-  <cs:chartArea mods="allowNoFillOverride allowNoLineOverride">
-    <cs:lnRef idx="0"/>
-    <cs:fillRef idx="0"/>
-    <cs:effectRef idx="0"/>
-    <cs:fontRef idx="minor">
-      <a:schemeClr val="tx2"/>
-    </cs:fontRef>
-    <cs:spPr>
-      <a:solidFill>
-        <a:schemeClr val="bg1"/>
-      </a:solidFill>
-      <a:ln w="9525" cap="flat" cmpd="sng" algn="ctr">
-        <a:solidFill>
-          <a:schemeClr val="tx2">
-            <a:lumMod val="15000"/>
-            <a:lumOff val="85000"/>
-          </a:schemeClr>
-        </a:solidFill>
-        <a:round/>
-      </a:ln>
-    </cs:spPr>
-    <cs:defRPr sz="1197" kern="1200"/>
-  </cs:chartArea>
-  <cs:dataLabel>
-    <cs:lnRef idx="0"/>
-    <cs:fillRef idx="0"/>
-    <cs:effectRef idx="0"/>
-    <cs:fontRef idx="minor">
-      <a:schemeClr val="tx2"/>
-    </cs:fontRef>
-    <cs:defRPr sz="1197" kern="1200"/>
-  </cs:dataLabel>
-  <cs:dataLabelCallout>
-    <cs:lnRef idx="0"/>
-    <cs:fillRef idx="0"/>
-    <cs:effectRef idx="0"/>
-    <cs:fontRef idx="minor">
-      <a:schemeClr val="dk2">
-        <a:lumMod val="75000"/>
-      </a:schemeClr>
-    </cs:fontRef>
-    <cs:spPr>
-      <a:solidFill>
-        <a:schemeClr val="lt1"/>
-      </a:solidFill>
-      <a:ln>
-        <a:solidFill>
-          <a:schemeClr val="dk1">
-            <a:lumMod val="25000"/>
-            <a:lumOff val="75000"/>
-          </a:schemeClr>
-        </a:solidFill>
-      </a:ln>
-    </cs:spPr>
-    <cs:defRPr sz="1197" kern="1200"/>
-    <cs:bodyPr rot="0" spcFirstLastPara="1" vertOverflow="clip" horzOverflow="clip" vert="horz" wrap="square" lIns="36576" tIns="18288" rIns="36576" bIns="18288" anchor="ctr" anchorCtr="1">
-      <a:spAutoFit/>
-    </cs:bodyPr>
-  </cs:dataLabelCallout>
-  <cs:dataPoint>
-    <cs:lnRef idx="0"/>
-    <cs:fillRef idx="3">
-      <cs:styleClr val="auto"/>
-    </cs:fillRef>
-    <cs:effectRef idx="2"/>
-    <cs:fontRef idx="minor">
-      <a:schemeClr val="tx2"/>
-    </cs:fontRef>
-  </cs:dataPoint>
-  <cs:dataPoint3D>
-    <cs:lnRef idx="0"/>
-    <cs:fillRef idx="3">
-      <cs:styleClr val="auto"/>
-    </cs:fillRef>
-    <cs:effectRef idx="2"/>
-    <cs:fontRef idx="minor">
-      <a:schemeClr val="tx2"/>
-    </cs:fontRef>
-  </cs:dataPoint3D>
-  <cs:dataPointLine>
-    <cs:lnRef idx="0">
-      <cs:styleClr val="auto"/>
-    </cs:lnRef>
-    <cs:fillRef idx="3"/>
-    <cs:effectRef idx="2"/>
-    <cs:fontRef idx="minor">
-      <a:schemeClr val="tx2"/>
-    </cs:fontRef>
-    <cs:spPr>
-      <a:ln w="31750" cap="rnd">
-        <a:solidFill>
-          <a:schemeClr val="phClr"/>
-        </a:solidFill>
-        <a:round/>
-      </a:ln>
-    </cs:spPr>
-  </cs:dataPointLine>
-  <cs:dataPointMarker>
-    <cs:lnRef idx="0"/>
-    <cs:fillRef idx="3">
-      <cs:styleClr val="auto"/>
-    </cs:fillRef>
-    <cs:effectRef idx="2"/>
-    <cs:fontRef idx="minor">
-      <a:schemeClr val="tx2"/>
-    </cs:fontRef>
-    <cs:spPr>
-      <a:ln w="12700">
-        <a:solidFill>
-          <a:schemeClr val="lt2"/>
-        </a:solidFill>
-        <a:round/>
-      </a:ln>
-    </cs:spPr>
-  </cs:dataPointMarker>
-  <cs:dataPointMarkerLayout symbol="circle" size="6"/>
-  <cs:dataPointWireframe>
-    <cs:lnRef idx="0">
-      <cs:styleClr val="auto"/>
-    </cs:lnRef>
-    <cs:fillRef idx="3"/>
-    <cs:effectRef idx="2"/>
-    <cs:fontRef idx="minor">
-      <a:schemeClr val="tx2"/>
-    </cs:fontRef>
-    <cs:spPr>
-      <a:ln w="9525" cap="rnd">
-        <a:solidFill>
-          <a:schemeClr val="phClr"/>
-        </a:solidFill>
-        <a:round/>
-      </a:ln>
-    </cs:spPr>
-  </cs:dataPointWireframe>
-  <cs:dataTable>
-    <cs:lnRef idx="0"/>
-    <cs:fillRef idx="0"/>
-    <cs:effectRef idx="0"/>
-    <cs:fontRef idx="minor">
-      <a:schemeClr val="tx2"/>
-    </cs:fontRef>
-    <cs:spPr>
-      <a:ln w="9525">
-        <a:solidFill>
-          <a:schemeClr val="tx2">
-            <a:lumMod val="15000"/>
-            <a:lumOff val="85000"/>
-          </a:schemeClr>
-        </a:solidFill>
-      </a:ln>
-    </cs:spPr>
-    <cs:defRPr sz="1197" kern="1200"/>
-  </cs:dataTable>
-  <cs:downBar>
-    <cs:lnRef idx="0"/>
-    <cs:fillRef idx="0"/>
-    <cs:effectRef idx="0"/>
-    <cs:fontRef idx="minor">
-      <a:schemeClr val="dk1"/>
-    </cs:fontRef>
-    <cs:spPr>
-      <a:solidFill>
-        <a:schemeClr val="dk1">
-          <a:lumMod val="65000"/>
-          <a:lumOff val="35000"/>
-        </a:schemeClr>
-      </a:solidFill>
-      <a:ln w="9525">
-        <a:solidFill>
-          <a:schemeClr val="tx1">
-            <a:lumMod val="65000"/>
-            <a:lumOff val="35000"/>
-          </a:schemeClr>
-        </a:solidFill>
-      </a:ln>
-    </cs:spPr>
-  </cs:downBar>
-  <cs:dropLine>
-    <cs:lnRef idx="0"/>
-    <cs:fillRef idx="0"/>
-    <cs:effectRef idx="0"/>
-    <cs:fontRef idx="minor">
-      <a:schemeClr val="tx2"/>
-    </cs:fontRef>
-    <cs:spPr>
-      <a:ln w="9525">
-        <a:solidFill>
-          <a:schemeClr val="tx2">
-            <a:lumMod val="60000"/>
-            <a:lumOff val="40000"/>
-          </a:schemeClr>
-        </a:solidFill>
-        <a:prstDash val="dash"/>
-      </a:ln>
-    </cs:spPr>
-  </cs:dropLine>
-  <cs:errorBar>
-    <cs:lnRef idx="0"/>
-    <cs:fillRef idx="0"/>
-    <cs:effectRef idx="0"/>
-    <cs:fontRef idx="minor">
-      <a:schemeClr val="tx2"/>
-    </cs:fontRef>
-    <cs:spPr>
-      <a:ln w="9525">
-        <a:solidFill>
-          <a:schemeClr val="tx2">
-            <a:lumMod val="75000"/>
-            <a:lumOff val="25000"/>
-          </a:schemeClr>
-        </a:solidFill>
-        <a:round/>
-      </a:ln>
-    </cs:spPr>
-  </cs:errorBar>
-  <cs:floor>
-    <cs:lnRef idx="0"/>
-    <cs:fillRef idx="0"/>
-    <cs:effectRef idx="0"/>
-    <cs:fontRef idx="minor">
-      <a:schemeClr val="tx2"/>
-    </cs:fontRef>
-  </cs:floor>
-  <cs:gridlineMajor>
-    <cs:lnRef idx="0"/>
-    <cs:fillRef idx="0"/>
-    <cs:effectRef idx="0"/>
-    <cs:fontRef idx="minor">
-      <a:schemeClr val="tx2"/>
-    </cs:fontRef>
-    <cs:spPr>
-      <a:ln w="9525" cap="flat" cmpd="sng" algn="ctr">
-        <a:solidFill>
-          <a:schemeClr val="tx2">
-            <a:lumMod val="15000"/>
-            <a:lumOff val="85000"/>
-          </a:schemeClr>
-        </a:solidFill>
-        <a:round/>
-      </a:ln>
-    </cs:spPr>
-  </cs:gridlineMajor>
-  <cs:gridlineMinor>
-    <cs:lnRef idx="0"/>
-    <cs:fillRef idx="0"/>
-    <cs:effectRef idx="0"/>
-    <cs:fontRef idx="minor">
-      <a:schemeClr val="tx2"/>
-    </cs:fontRef>
-    <cs:spPr>
-      <a:ln>
-        <a:solidFill>
-          <a:schemeClr val="tx2">
-            <a:lumMod val="5000"/>
-            <a:lumOff val="95000"/>
-          </a:schemeClr>
-        </a:solidFill>
-      </a:ln>
-    </cs:spPr>
-  </cs:gridlineMinor>
-  <cs:hiLoLine>
-    <cs:lnRef idx="0"/>
-    <cs:fillRef idx="0"/>
-    <cs:effectRef idx="0"/>
-    <cs:fontRef idx="minor">
-      <a:schemeClr val="tx2"/>
-    </cs:fontRef>
-    <cs:spPr>
-      <a:ln w="9525">
-        <a:solidFill>
-          <a:schemeClr val="tx2">
-            <a:lumMod val="60000"/>
-            <a:lumOff val="40000"/>
-          </a:schemeClr>
-        </a:solidFill>
-        <a:prstDash val="dash"/>
-      </a:ln>
-    </cs:spPr>
-  </cs:hiLoLine>
-  <cs:leaderLine>
-    <cs:lnRef idx="0"/>
-    <cs:fillRef idx="0"/>
-    <cs:effectRef idx="0"/>
-    <cs:fontRef idx="minor">
-      <a:schemeClr val="tx2"/>
-    </cs:fontRef>
-    <cs:spPr>
-      <a:ln w="9525">
-        <a:solidFill>
-          <a:schemeClr val="tx2">
-            <a:lumMod val="35000"/>
-            <a:lumOff val="65000"/>
-          </a:schemeClr>
-        </a:solidFill>
-      </a:ln>
-    </cs:spPr>
-  </cs:leaderLine>
-  <cs:legend>
-    <cs:lnRef idx="0"/>
-    <cs:fillRef idx="0"/>
-    <cs:effectRef idx="0"/>
-    <cs:fontRef idx="minor">
-      <a:schemeClr val="tx2"/>
-    </cs:fontRef>
-    <cs:defRPr sz="1197" kern="1200"/>
-  </cs:legend>
-  <cs:plotArea>
-    <cs:lnRef idx="0"/>
-    <cs:fillRef idx="0"/>
-    <cs:effectRef idx="0"/>
-    <cs:fontRef idx="minor">
-      <a:schemeClr val="tx2"/>
-    </cs:fontRef>
-  </cs:plotArea>
-  <cs:plotArea3D>
-    <cs:lnRef idx="0"/>
-    <cs:fillRef idx="0"/>
-    <cs:effectRef idx="0"/>
-    <cs:fontRef idx="minor">
-      <a:schemeClr val="tx2"/>
-    </cs:fontRef>
-  </cs:plotArea3D>
-  <cs:seriesAxis>
-    <cs:lnRef idx="0"/>
-    <cs:fillRef idx="0"/>
-    <cs:effectRef idx="0"/>
-    <cs:fontRef idx="minor">
-      <a:schemeClr val="tx2"/>
-    </cs:fontRef>
-    <cs:spPr>
-      <a:ln w="9525" cap="flat" cmpd="sng" algn="ctr">
-        <a:solidFill>
-          <a:schemeClr val="tx2">
-            <a:lumMod val="15000"/>
-            <a:lumOff val="85000"/>
-          </a:schemeClr>
-        </a:solidFill>
-        <a:round/>
-      </a:ln>
-    </cs:spPr>
-    <cs:defRPr sz="1197" kern="1200"/>
-  </cs:seriesAxis>
-  <cs:seriesLine>
-    <cs:lnRef idx="0"/>
-    <cs:fillRef idx="0"/>
-    <cs:effectRef idx="0"/>
-    <cs:fontRef idx="minor">
-      <a:schemeClr val="tx2"/>
-    </cs:fontRef>
-    <cs:spPr>
-      <a:ln w="9525">
-        <a:solidFill>
-          <a:schemeClr val="tx2">
-            <a:lumMod val="60000"/>
-            <a:lumOff val="40000"/>
-          </a:schemeClr>
-        </a:solidFill>
-        <a:prstDash val="dash"/>
-      </a:ln>
-    </cs:spPr>
-  </cs:seriesLine>
-  <cs:title>
-    <cs:lnRef idx="0"/>
-    <cs:fillRef idx="0"/>
-    <cs:effectRef idx="0"/>
-    <cs:fontRef idx="minor">
-      <a:schemeClr val="tx2"/>
-    </cs:fontRef>
-    <cs:defRPr sz="2128" b="1" kern="1200"/>
-  </cs:title>
-  <cs:trendline>
-    <cs:lnRef idx="0">
-      <cs:styleClr val="auto"/>
-    </cs:lnRef>
-    <cs:fillRef idx="0"/>
-    <cs:effectRef idx="0"/>
-    <cs:fontRef idx="minor">
-      <a:schemeClr val="tx2"/>
-    </cs:fontRef>
-    <cs:spPr>
-      <a:ln w="19050" cap="rnd">
-        <a:solidFill>
-          <a:schemeClr val="phClr"/>
-        </a:solidFill>
-        <a:prstDash val="sysDash"/>
-      </a:ln>
-    </cs:spPr>
-  </cs:trendline>
-  <cs:trendlineLabel>
-    <cs:lnRef idx="0"/>
-    <cs:fillRef idx="0"/>
-    <cs:effectRef idx="0"/>
-    <cs:fontRef idx="minor">
-      <a:schemeClr val="tx2"/>
-    </cs:fontRef>
-    <cs:defRPr sz="1197" kern="1200"/>
-  </cs:trendlineLabel>
-  <cs:upBar>
-    <cs:lnRef idx="0"/>
-    <cs:fillRef idx="0"/>
-    <cs:effectRef idx="0"/>
-    <cs:fontRef idx="minor">
-      <a:schemeClr val="tx2"/>
-    </cs:fontRef>
-    <cs:spPr>
-      <a:solidFill>
-        <a:schemeClr val="lt1"/>
-      </a:solidFill>
-      <a:ln w="9525">
-        <a:solidFill>
-          <a:schemeClr val="tx1">
-            <a:lumMod val="15000"/>
-            <a:lumOff val="85000"/>
-          </a:schemeClr>
-        </a:solidFill>
-      </a:ln>
-    </cs:spPr>
-  </cs:upBar>
-  <cs:valueAxis>
-    <cs:lnRef idx="0"/>
-    <cs:fillRef idx="0"/>
-    <cs:effectRef idx="0"/>
-    <cs:fontRef idx="minor">
-      <a:schemeClr val="tx2"/>
-    </cs:fontRef>
-    <cs:defRPr sz="1197" kern="1200"/>
-  </cs:valueAxis>
-  <cs:wall>
-    <cs:lnRef idx="0"/>
-    <cs:fillRef idx="0"/>
-    <cs:effectRef idx="0"/>
-    <cs:fontRef idx="minor">
-      <a:schemeClr val="tx2"/>
-    </cs:fontRef>
-  </cs:wall>
-</cs:chartStyle>
-</file>
-
-<file path=ppt/charts/style4.xml><?xml version="1.0" encoding="utf-8"?>
-<cs:chartStyle xmlns:cs="http://schemas.microsoft.com/office/drawing/2012/chartStyle" xmlns:a="http://schemas.openxmlformats.org/drawingml/2006/main" id="207">
-  <cs:axisTitle>
-    <cs:lnRef idx="0"/>
-    <cs:fillRef idx="0"/>
-    <cs:effectRef idx="0"/>
-    <cs:fontRef idx="minor">
-      <a:schemeClr val="tx2"/>
-    </cs:fontRef>
-    <cs:defRPr sz="1197" b="1" kern="1200"/>
-  </cs:axisTitle>
-  <cs:categoryAxis>
-    <cs:lnRef idx="0"/>
-    <cs:fillRef idx="0"/>
-    <cs:effectRef idx="0"/>
-    <cs:fontRef idx="minor">
-      <a:schemeClr val="tx2"/>
-    </cs:fontRef>
-    <cs:spPr>
-      <a:ln w="9525" cap="flat" cmpd="sng" algn="ctr">
-        <a:solidFill>
-          <a:schemeClr val="tx2">
-            <a:lumMod val="15000"/>
-            <a:lumOff val="85000"/>
-          </a:schemeClr>
-        </a:solidFill>
-        <a:round/>
-      </a:ln>
-    </cs:spPr>
-    <cs:defRPr sz="1197" kern="1200"/>
-  </cs:categoryAxis>
-  <cs:chartArea mods="allowNoFillOverride allowNoLineOverride">
-    <cs:lnRef idx="0"/>
-    <cs:fillRef idx="0"/>
-    <cs:effectRef idx="0"/>
-    <cs:fontRef idx="minor">
-      <a:schemeClr val="tx2"/>
-    </cs:fontRef>
-    <cs:spPr>
-      <a:solidFill>
-        <a:schemeClr val="bg1"/>
-      </a:solidFill>
-      <a:ln w="9525" cap="flat" cmpd="sng" algn="ctr">
-        <a:solidFill>
-          <a:schemeClr val="tx2">
-            <a:lumMod val="15000"/>
-            <a:lumOff val="85000"/>
-          </a:schemeClr>
-        </a:solidFill>
-        <a:round/>
-      </a:ln>
-    </cs:spPr>
-    <cs:defRPr sz="1197" kern="1200"/>
-  </cs:chartArea>
-  <cs:dataLabel>
-    <cs:lnRef idx="0"/>
-    <cs:fillRef idx="0"/>
-    <cs:effectRef idx="0"/>
-    <cs:fontRef idx="minor">
-      <a:schemeClr val="tx2"/>
-    </cs:fontRef>
-    <cs:defRPr sz="1197" kern="1200"/>
-  </cs:dataLabel>
-  <cs:dataLabelCallout>
-    <cs:lnRef idx="0"/>
-    <cs:fillRef idx="0"/>
-    <cs:effectRef idx="0"/>
-    <cs:fontRef idx="minor">
-      <a:schemeClr val="dk2">
-        <a:lumMod val="75000"/>
-      </a:schemeClr>
-    </cs:fontRef>
-    <cs:spPr>
-      <a:solidFill>
-        <a:schemeClr val="lt1"/>
-      </a:solidFill>
-      <a:ln>
-        <a:solidFill>
-          <a:schemeClr val="dk1">
-            <a:lumMod val="25000"/>
-            <a:lumOff val="75000"/>
-          </a:schemeClr>
-        </a:solidFill>
-      </a:ln>
-    </cs:spPr>
-    <cs:defRPr sz="1197" kern="1200"/>
-    <cs:bodyPr rot="0" spcFirstLastPara="1" vertOverflow="clip" horzOverflow="clip" vert="horz" wrap="square" lIns="36576" tIns="18288" rIns="36576" bIns="18288" anchor="ctr" anchorCtr="1">
-      <a:spAutoFit/>
-    </cs:bodyPr>
-  </cs:dataLabelCallout>
-  <cs:dataPoint>
-    <cs:lnRef idx="0"/>
-    <cs:fillRef idx="3">
-      <cs:styleClr val="auto"/>
-    </cs:fillRef>
-    <cs:effectRef idx="2"/>
-    <cs:fontRef idx="minor">
-      <a:schemeClr val="tx2"/>
-    </cs:fontRef>
-  </cs:dataPoint>
-  <cs:dataPoint3D>
-    <cs:lnRef idx="0"/>
-    <cs:fillRef idx="3">
-      <cs:styleClr val="auto"/>
-    </cs:fillRef>
-    <cs:effectRef idx="2"/>
-    <cs:fontRef idx="minor">
-      <a:schemeClr val="tx2"/>
-    </cs:fontRef>
-  </cs:dataPoint3D>
-  <cs:dataPointLine>
-    <cs:lnRef idx="0">
-      <cs:styleClr val="auto"/>
-    </cs:lnRef>
-    <cs:fillRef idx="3"/>
-    <cs:effectRef idx="2"/>
-    <cs:fontRef idx="minor">
-      <a:schemeClr val="tx2"/>
-    </cs:fontRef>
-    <cs:spPr>
-      <a:ln w="31750" cap="rnd">
-        <a:solidFill>
-          <a:schemeClr val="phClr"/>
-        </a:solidFill>
-        <a:round/>
-      </a:ln>
-    </cs:spPr>
-  </cs:dataPointLine>
-  <cs:dataPointMarker>
-    <cs:lnRef idx="0"/>
-    <cs:fillRef idx="3">
-      <cs:styleClr val="auto"/>
-    </cs:fillRef>
-    <cs:effectRef idx="2"/>
-    <cs:fontRef idx="minor">
-      <a:schemeClr val="tx2"/>
-    </cs:fontRef>
-    <cs:spPr>
-      <a:ln w="12700">
-        <a:solidFill>
-          <a:schemeClr val="lt2"/>
-        </a:solidFill>
-        <a:round/>
-      </a:ln>
-    </cs:spPr>
-  </cs:dataPointMarker>
-  <cs:dataPointMarkerLayout symbol="circle" size="6"/>
-  <cs:dataPointWireframe>
-    <cs:lnRef idx="0">
-      <cs:styleClr val="auto"/>
-    </cs:lnRef>
-    <cs:fillRef idx="3"/>
-    <cs:effectRef idx="2"/>
-    <cs:fontRef idx="minor">
-      <a:schemeClr val="tx2"/>
-    </cs:fontRef>
-    <cs:spPr>
-      <a:ln w="9525" cap="rnd">
-        <a:solidFill>
-          <a:schemeClr val="phClr"/>
-        </a:solidFill>
-        <a:round/>
-      </a:ln>
-    </cs:spPr>
-  </cs:dataPointWireframe>
-  <cs:dataTable>
-    <cs:lnRef idx="0"/>
-    <cs:fillRef idx="0"/>
-    <cs:effectRef idx="0"/>
-    <cs:fontRef idx="minor">
-      <a:schemeClr val="tx2"/>
-    </cs:fontRef>
-    <cs:spPr>
-      <a:ln w="9525">
-        <a:solidFill>
-          <a:schemeClr val="tx2">
-            <a:lumMod val="15000"/>
-            <a:lumOff val="85000"/>
-          </a:schemeClr>
-        </a:solidFill>
-      </a:ln>
-    </cs:spPr>
-    <cs:defRPr sz="1197" kern="1200"/>
-  </cs:dataTable>
-  <cs:downBar>
-    <cs:lnRef idx="0"/>
-    <cs:fillRef idx="0"/>
-    <cs:effectRef idx="0"/>
-    <cs:fontRef idx="minor">
-      <a:schemeClr val="dk1"/>
-    </cs:fontRef>
-    <cs:spPr>
-      <a:solidFill>
-        <a:schemeClr val="dk1">
-          <a:lumMod val="65000"/>
-          <a:lumOff val="35000"/>
-        </a:schemeClr>
-      </a:solidFill>
-      <a:ln w="9525">
-        <a:solidFill>
-          <a:schemeClr val="tx1">
-            <a:lumMod val="65000"/>
-            <a:lumOff val="35000"/>
-          </a:schemeClr>
-        </a:solidFill>
-      </a:ln>
-    </cs:spPr>
-  </cs:downBar>
-  <cs:dropLine>
-    <cs:lnRef idx="0"/>
-    <cs:fillRef idx="0"/>
-    <cs:effectRef idx="0"/>
-    <cs:fontRef idx="minor">
-      <a:schemeClr val="tx2"/>
-    </cs:fontRef>
-    <cs:spPr>
-      <a:ln w="9525">
-        <a:solidFill>
-          <a:schemeClr val="tx2">
-            <a:lumMod val="60000"/>
-            <a:lumOff val="40000"/>
-          </a:schemeClr>
-        </a:solidFill>
-        <a:prstDash val="dash"/>
-      </a:ln>
-    </cs:spPr>
-  </cs:dropLine>
-  <cs:errorBar>
-    <cs:lnRef idx="0"/>
-    <cs:fillRef idx="0"/>
-    <cs:effectRef idx="0"/>
-    <cs:fontRef idx="minor">
-      <a:schemeClr val="tx2"/>
-    </cs:fontRef>
-    <cs:spPr>
-      <a:ln w="9525">
-        <a:solidFill>
-          <a:schemeClr val="tx2">
-            <a:lumMod val="75000"/>
-            <a:lumOff val="25000"/>
-          </a:schemeClr>
-        </a:solidFill>
-        <a:round/>
-      </a:ln>
-    </cs:spPr>
-  </cs:errorBar>
-  <cs:floor>
-    <cs:lnRef idx="0"/>
-    <cs:fillRef idx="0"/>
-    <cs:effectRef idx="0"/>
-    <cs:fontRef idx="minor">
-      <a:schemeClr val="tx2"/>
-    </cs:fontRef>
-  </cs:floor>
-  <cs:gridlineMajor>
-    <cs:lnRef idx="0"/>
-    <cs:fillRef idx="0"/>
-    <cs:effectRef idx="0"/>
-    <cs:fontRef idx="minor">
-      <a:schemeClr val="tx2"/>
-    </cs:fontRef>
-    <cs:spPr>
-      <a:ln w="9525" cap="flat" cmpd="sng" algn="ctr">
-        <a:solidFill>
-          <a:schemeClr val="tx2">
-            <a:lumMod val="15000"/>
-            <a:lumOff val="85000"/>
-          </a:schemeClr>
-        </a:solidFill>
-        <a:round/>
-      </a:ln>
-    </cs:spPr>
-  </cs:gridlineMajor>
-  <cs:gridlineMinor>
-    <cs:lnRef idx="0"/>
-    <cs:fillRef idx="0"/>
-    <cs:effectRef idx="0"/>
-    <cs:fontRef idx="minor">
-      <a:schemeClr val="tx2"/>
-    </cs:fontRef>
-    <cs:spPr>
-      <a:ln>
-        <a:solidFill>
-          <a:schemeClr val="tx2">
-            <a:lumMod val="5000"/>
-            <a:lumOff val="95000"/>
-          </a:schemeClr>
-        </a:solidFill>
-      </a:ln>
-    </cs:spPr>
-  </cs:gridlineMinor>
-  <cs:hiLoLine>
-    <cs:lnRef idx="0"/>
-    <cs:fillRef idx="0"/>
-    <cs:effectRef idx="0"/>
-    <cs:fontRef idx="minor">
-      <a:schemeClr val="tx2"/>
-    </cs:fontRef>
-    <cs:spPr>
-      <a:ln w="9525">
-        <a:solidFill>
-          <a:schemeClr val="tx2">
-            <a:lumMod val="60000"/>
-            <a:lumOff val="40000"/>
-          </a:schemeClr>
-        </a:solidFill>
-        <a:prstDash val="dash"/>
-      </a:ln>
-    </cs:spPr>
-  </cs:hiLoLine>
-  <cs:leaderLine>
-    <cs:lnRef idx="0"/>
-    <cs:fillRef idx="0"/>
-    <cs:effectRef idx="0"/>
-    <cs:fontRef idx="minor">
-      <a:schemeClr val="tx2"/>
-    </cs:fontRef>
-    <cs:spPr>
-      <a:ln w="9525">
-        <a:solidFill>
-          <a:schemeClr val="tx2">
-            <a:lumMod val="35000"/>
-            <a:lumOff val="65000"/>
-          </a:schemeClr>
-        </a:solidFill>
-      </a:ln>
-    </cs:spPr>
-  </cs:leaderLine>
-  <cs:legend>
-    <cs:lnRef idx="0"/>
-    <cs:fillRef idx="0"/>
-    <cs:effectRef idx="0"/>
-    <cs:fontRef idx="minor">
-      <a:schemeClr val="tx2"/>
-    </cs:fontRef>
-    <cs:defRPr sz="1197" kern="1200"/>
-  </cs:legend>
-  <cs:plotArea>
-    <cs:lnRef idx="0"/>
-    <cs:fillRef idx="0"/>
-    <cs:effectRef idx="0"/>
-    <cs:fontRef idx="minor">
-      <a:schemeClr val="tx2"/>
-    </cs:fontRef>
-  </cs:plotArea>
-  <cs:plotArea3D>
-    <cs:lnRef idx="0"/>
-    <cs:fillRef idx="0"/>
-    <cs:effectRef idx="0"/>
-    <cs:fontRef idx="minor">
-      <a:schemeClr val="tx2"/>
-    </cs:fontRef>
-  </cs:plotArea3D>
-  <cs:seriesAxis>
-    <cs:lnRef idx="0"/>
-    <cs:fillRef idx="0"/>
-    <cs:effectRef idx="0"/>
-    <cs:fontRef idx="minor">
-      <a:schemeClr val="tx2"/>
-    </cs:fontRef>
-    <cs:spPr>
-      <a:ln w="9525" cap="flat" cmpd="sng" algn="ctr">
-        <a:solidFill>
-          <a:schemeClr val="tx2">
-            <a:lumMod val="15000"/>
-            <a:lumOff val="85000"/>
-          </a:schemeClr>
-        </a:solidFill>
-        <a:round/>
-      </a:ln>
-    </cs:spPr>
-    <cs:defRPr sz="1197" kern="1200"/>
-  </cs:seriesAxis>
-  <cs:seriesLine>
-    <cs:lnRef idx="0"/>
-    <cs:fillRef idx="0"/>
-    <cs:effectRef idx="0"/>
-    <cs:fontRef idx="minor">
-      <a:schemeClr val="tx2"/>
-    </cs:fontRef>
-    <cs:spPr>
-      <a:ln w="9525">
-        <a:solidFill>
-          <a:schemeClr val="tx2">
-            <a:lumMod val="60000"/>
-            <a:lumOff val="40000"/>
-          </a:schemeClr>
-        </a:solidFill>
-        <a:prstDash val="dash"/>
-      </a:ln>
-    </cs:spPr>
-  </cs:seriesLine>
-  <cs:title>
-    <cs:lnRef idx="0"/>
-    <cs:fillRef idx="0"/>
-    <cs:effectRef idx="0"/>
-    <cs:fontRef idx="minor">
-      <a:schemeClr val="tx2"/>
-    </cs:fontRef>
-    <cs:defRPr sz="2128" b="1" kern="1200"/>
-  </cs:title>
-  <cs:trendline>
-    <cs:lnRef idx="0">
-      <cs:styleClr val="auto"/>
-    </cs:lnRef>
-    <cs:fillRef idx="0"/>
-    <cs:effectRef idx="0"/>
-    <cs:fontRef idx="minor">
-      <a:schemeClr val="tx2"/>
-    </cs:fontRef>
-    <cs:spPr>
-      <a:ln w="19050" cap="rnd">
-        <a:solidFill>
-          <a:schemeClr val="phClr"/>
-        </a:solidFill>
-        <a:prstDash val="sysDash"/>
-      </a:ln>
-    </cs:spPr>
-  </cs:trendline>
-  <cs:trendlineLabel>
-    <cs:lnRef idx="0"/>
-    <cs:fillRef idx="0"/>
-    <cs:effectRef idx="0"/>
-    <cs:fontRef idx="minor">
-      <a:schemeClr val="tx2"/>
-    </cs:fontRef>
-    <cs:defRPr sz="1197" kern="1200"/>
-  </cs:trendlineLabel>
-  <cs:upBar>
-    <cs:lnRef idx="0"/>
-    <cs:fillRef idx="0"/>
-    <cs:effectRef idx="0"/>
-    <cs:fontRef idx="minor">
-      <a:schemeClr val="tx2"/>
-    </cs:fontRef>
-    <cs:spPr>
-      <a:solidFill>
-        <a:schemeClr val="lt1"/>
-      </a:solidFill>
-      <a:ln w="9525">
-        <a:solidFill>
-          <a:schemeClr val="tx1">
-            <a:lumMod val="15000"/>
-            <a:lumOff val="85000"/>
-          </a:schemeClr>
-        </a:solidFill>
-      </a:ln>
-    </cs:spPr>
-  </cs:upBar>
-  <cs:valueAxis>
-    <cs:lnRef idx="0"/>
-    <cs:fillRef idx="0"/>
-    <cs:effectRef idx="0"/>
-    <cs:fontRef idx="minor">
-      <a:schemeClr val="tx2"/>
-    </cs:fontRef>
-    <cs:defRPr sz="1197" kern="1200"/>
-  </cs:valueAxis>
-  <cs:wall>
-    <cs:lnRef idx="0"/>
-    <cs:fillRef idx="0"/>
-    <cs:effectRef idx="0"/>
-    <cs:fontRef idx="minor">
-      <a:schemeClr val="tx2"/>
-    </cs:fontRef>
-  </cs:wall>
-</cs:chartStyle>
-</file>
-
-<file path=ppt/charts/style5.xml><?xml version="1.0" encoding="utf-8"?>
-<cs:chartStyle xmlns:cs="http://schemas.microsoft.com/office/drawing/2012/chartStyle" xmlns:a="http://schemas.openxmlformats.org/drawingml/2006/main" id="207">
-  <cs:axisTitle>
-    <cs:lnRef idx="0"/>
-    <cs:fillRef idx="0"/>
-    <cs:effectRef idx="0"/>
-    <cs:fontRef idx="minor">
-      <a:schemeClr val="tx2"/>
-    </cs:fontRef>
-    <cs:defRPr sz="1197" b="1" kern="1200"/>
-  </cs:axisTitle>
-  <cs:categoryAxis>
-    <cs:lnRef idx="0"/>
-    <cs:fillRef idx="0"/>
-    <cs:effectRef idx="0"/>
-    <cs:fontRef idx="minor">
-      <a:schemeClr val="tx2"/>
-    </cs:fontRef>
-    <cs:spPr>
-      <a:ln w="9525" cap="flat" cmpd="sng" algn="ctr">
-        <a:solidFill>
-          <a:schemeClr val="tx2">
-            <a:lumMod val="15000"/>
-            <a:lumOff val="85000"/>
-          </a:schemeClr>
-        </a:solidFill>
-        <a:round/>
-      </a:ln>
-    </cs:spPr>
-    <cs:defRPr sz="1197" kern="1200"/>
-  </cs:categoryAxis>
-  <cs:chartArea mods="allowNoFillOverride allowNoLineOverride">
-    <cs:lnRef idx="0"/>
-    <cs:fillRef idx="0"/>
-    <cs:effectRef idx="0"/>
-    <cs:fontRef idx="minor">
-      <a:schemeClr val="tx2"/>
-    </cs:fontRef>
-    <cs:spPr>
-      <a:solidFill>
-        <a:schemeClr val="bg1"/>
-      </a:solidFill>
-      <a:ln w="9525" cap="flat" cmpd="sng" algn="ctr">
-        <a:solidFill>
-          <a:schemeClr val="tx2">
-            <a:lumMod val="15000"/>
-            <a:lumOff val="85000"/>
-          </a:schemeClr>
-        </a:solidFill>
-        <a:round/>
-      </a:ln>
-    </cs:spPr>
-    <cs:defRPr sz="1197" kern="1200"/>
-  </cs:chartArea>
-  <cs:dataLabel>
-    <cs:lnRef idx="0"/>
-    <cs:fillRef idx="0"/>
-    <cs:effectRef idx="0"/>
-    <cs:fontRef idx="minor">
-      <a:schemeClr val="tx2"/>
-    </cs:fontRef>
-    <cs:defRPr sz="1197" kern="1200"/>
-  </cs:dataLabel>
-  <cs:dataLabelCallout>
-    <cs:lnRef idx="0"/>
-    <cs:fillRef idx="0"/>
-    <cs:effectRef idx="0"/>
-    <cs:fontRef idx="minor">
-      <a:schemeClr val="dk2">
-        <a:lumMod val="75000"/>
-      </a:schemeClr>
-    </cs:fontRef>
-    <cs:spPr>
-      <a:solidFill>
-        <a:schemeClr val="lt1"/>
-      </a:solidFill>
-      <a:ln>
-        <a:solidFill>
-          <a:schemeClr val="dk1">
-            <a:lumMod val="25000"/>
-            <a:lumOff val="75000"/>
-          </a:schemeClr>
-        </a:solidFill>
-      </a:ln>
-    </cs:spPr>
-    <cs:defRPr sz="1197" kern="1200"/>
-    <cs:bodyPr rot="0" spcFirstLastPara="1" vertOverflow="clip" horzOverflow="clip" vert="horz" wrap="square" lIns="36576" tIns="18288" rIns="36576" bIns="18288" anchor="ctr" anchorCtr="1">
-      <a:spAutoFit/>
-    </cs:bodyPr>
-  </cs:dataLabelCallout>
-  <cs:dataPoint>
-    <cs:lnRef idx="0"/>
-    <cs:fillRef idx="3">
-      <cs:styleClr val="auto"/>
-    </cs:fillRef>
-    <cs:effectRef idx="2"/>
-    <cs:fontRef idx="minor">
-      <a:schemeClr val="tx2"/>
-    </cs:fontRef>
-  </cs:dataPoint>
-  <cs:dataPoint3D>
-    <cs:lnRef idx="0"/>
-    <cs:fillRef idx="3">
-      <cs:styleClr val="auto"/>
-    </cs:fillRef>
-    <cs:effectRef idx="2"/>
-    <cs:fontRef idx="minor">
-      <a:schemeClr val="tx2"/>
-    </cs:fontRef>
-  </cs:dataPoint3D>
-  <cs:dataPointLine>
-    <cs:lnRef idx="0">
-      <cs:styleClr val="auto"/>
-    </cs:lnRef>
-    <cs:fillRef idx="3"/>
-    <cs:effectRef idx="2"/>
-    <cs:fontRef idx="minor">
-      <a:schemeClr val="tx2"/>
-    </cs:fontRef>
-    <cs:spPr>
-      <a:ln w="31750" cap="rnd">
-        <a:solidFill>
-          <a:schemeClr val="phClr"/>
-        </a:solidFill>
-        <a:round/>
-      </a:ln>
-    </cs:spPr>
-  </cs:dataPointLine>
-  <cs:dataPointMarker>
-    <cs:lnRef idx="0"/>
-    <cs:fillRef idx="3">
-      <cs:styleClr val="auto"/>
-    </cs:fillRef>
-    <cs:effectRef idx="2"/>
-    <cs:fontRef idx="minor">
-      <a:schemeClr val="tx2"/>
-    </cs:fontRef>
-    <cs:spPr>
-      <a:ln w="12700">
-        <a:solidFill>
-          <a:schemeClr val="lt2"/>
-        </a:solidFill>
-        <a:round/>
-      </a:ln>
-    </cs:spPr>
-  </cs:dataPointMarker>
-  <cs:dataPointMarkerLayout symbol="circle" size="6"/>
-  <cs:dataPointWireframe>
-    <cs:lnRef idx="0">
-      <cs:styleClr val="auto"/>
-    </cs:lnRef>
-    <cs:fillRef idx="3"/>
-    <cs:effectRef idx="2"/>
-    <cs:fontRef idx="minor">
-      <a:schemeClr val="tx2"/>
-    </cs:fontRef>
-    <cs:spPr>
-      <a:ln w="9525" cap="rnd">
-        <a:solidFill>
-          <a:schemeClr val="phClr"/>
-        </a:solidFill>
-        <a:round/>
-      </a:ln>
-    </cs:spPr>
-  </cs:dataPointWireframe>
-  <cs:dataTable>
-    <cs:lnRef idx="0"/>
-    <cs:fillRef idx="0"/>
-    <cs:effectRef idx="0"/>
-    <cs:fontRef idx="minor">
-      <a:schemeClr val="tx2"/>
-    </cs:fontRef>
-    <cs:spPr>
-      <a:ln w="9525">
-        <a:solidFill>
-          <a:schemeClr val="tx2">
-            <a:lumMod val="15000"/>
-            <a:lumOff val="85000"/>
-          </a:schemeClr>
-        </a:solidFill>
-      </a:ln>
-    </cs:spPr>
-    <cs:defRPr sz="1197" kern="1200"/>
-  </cs:dataTable>
-  <cs:downBar>
-    <cs:lnRef idx="0"/>
-    <cs:fillRef idx="0"/>
-    <cs:effectRef idx="0"/>
-    <cs:fontRef idx="minor">
-      <a:schemeClr val="dk1"/>
-    </cs:fontRef>
-    <cs:spPr>
-      <a:solidFill>
-        <a:schemeClr val="dk1">
-          <a:lumMod val="65000"/>
-          <a:lumOff val="35000"/>
-        </a:schemeClr>
-      </a:solidFill>
-      <a:ln w="9525">
-        <a:solidFill>
-          <a:schemeClr val="tx1">
-            <a:lumMod val="65000"/>
-            <a:lumOff val="35000"/>
-          </a:schemeClr>
-        </a:solidFill>
-      </a:ln>
-    </cs:spPr>
-  </cs:downBar>
-  <cs:dropLine>
-    <cs:lnRef idx="0"/>
-    <cs:fillRef idx="0"/>
-    <cs:effectRef idx="0"/>
-    <cs:fontRef idx="minor">
-      <a:schemeClr val="tx2"/>
-    </cs:fontRef>
-    <cs:spPr>
-      <a:ln w="9525">
-        <a:solidFill>
-          <a:schemeClr val="tx2">
-            <a:lumMod val="60000"/>
-            <a:lumOff val="40000"/>
-          </a:schemeClr>
-        </a:solidFill>
-        <a:prstDash val="dash"/>
-      </a:ln>
-    </cs:spPr>
-  </cs:dropLine>
-  <cs:errorBar>
-    <cs:lnRef idx="0"/>
-    <cs:fillRef idx="0"/>
-    <cs:effectRef idx="0"/>
-    <cs:fontRef idx="minor">
-      <a:schemeClr val="tx2"/>
-    </cs:fontRef>
-    <cs:spPr>
-      <a:ln w="9525">
-        <a:solidFill>
-          <a:schemeClr val="tx2">
-            <a:lumMod val="75000"/>
-            <a:lumOff val="25000"/>
-          </a:schemeClr>
-        </a:solidFill>
-        <a:round/>
-      </a:ln>
-    </cs:spPr>
-  </cs:errorBar>
-  <cs:floor>
-    <cs:lnRef idx="0"/>
-    <cs:fillRef idx="0"/>
-    <cs:effectRef idx="0"/>
-    <cs:fontRef idx="minor">
-      <a:schemeClr val="tx2"/>
-    </cs:fontRef>
-  </cs:floor>
-  <cs:gridlineMajor>
-    <cs:lnRef idx="0"/>
-    <cs:fillRef idx="0"/>
-    <cs:effectRef idx="0"/>
-    <cs:fontRef idx="minor">
-      <a:schemeClr val="tx2"/>
-    </cs:fontRef>
-    <cs:spPr>
-      <a:ln w="9525" cap="flat" cmpd="sng" algn="ctr">
-        <a:solidFill>
-          <a:schemeClr val="tx2">
-            <a:lumMod val="15000"/>
-            <a:lumOff val="85000"/>
-          </a:schemeClr>
-        </a:solidFill>
-        <a:round/>
-      </a:ln>
-    </cs:spPr>
-  </cs:gridlineMajor>
-  <cs:gridlineMinor>
-    <cs:lnRef idx="0"/>
-    <cs:fillRef idx="0"/>
-    <cs:effectRef idx="0"/>
-    <cs:fontRef idx="minor">
-      <a:schemeClr val="tx2"/>
-    </cs:fontRef>
-    <cs:spPr>
-      <a:ln>
-        <a:solidFill>
-          <a:schemeClr val="tx2">
-            <a:lumMod val="5000"/>
-            <a:lumOff val="95000"/>
-          </a:schemeClr>
-        </a:solidFill>
-      </a:ln>
-    </cs:spPr>
-  </cs:gridlineMinor>
-  <cs:hiLoLine>
-    <cs:lnRef idx="0"/>
-    <cs:fillRef idx="0"/>
-    <cs:effectRef idx="0"/>
-    <cs:fontRef idx="minor">
-      <a:schemeClr val="tx2"/>
-    </cs:fontRef>
-    <cs:spPr>
-      <a:ln w="9525">
-        <a:solidFill>
-          <a:schemeClr val="tx2">
-            <a:lumMod val="60000"/>
-            <a:lumOff val="40000"/>
-          </a:schemeClr>
-        </a:solidFill>
-        <a:prstDash val="dash"/>
-      </a:ln>
-    </cs:spPr>
-  </cs:hiLoLine>
-  <cs:leaderLine>
-    <cs:lnRef idx="0"/>
-    <cs:fillRef idx="0"/>
-    <cs:effectRef idx="0"/>
-    <cs:fontRef idx="minor">
-      <a:schemeClr val="tx2"/>
-    </cs:fontRef>
-    <cs:spPr>
-      <a:ln w="9525">
-        <a:solidFill>
-          <a:schemeClr val="tx2">
-            <a:lumMod val="35000"/>
-            <a:lumOff val="65000"/>
-          </a:schemeClr>
-        </a:solidFill>
-      </a:ln>
-    </cs:spPr>
-  </cs:leaderLine>
-  <cs:legend>
-    <cs:lnRef idx="0"/>
-    <cs:fillRef idx="0"/>
-    <cs:effectRef idx="0"/>
-    <cs:fontRef idx="minor">
-      <a:schemeClr val="tx2"/>
-    </cs:fontRef>
-    <cs:defRPr sz="1197" kern="1200"/>
-  </cs:legend>
-  <cs:plotArea>
-    <cs:lnRef idx="0"/>
-    <cs:fillRef idx="0"/>
-    <cs:effectRef idx="0"/>
-    <cs:fontRef idx="minor">
-      <a:schemeClr val="tx2"/>
-    </cs:fontRef>
-  </cs:plotArea>
-  <cs:plotArea3D>
-    <cs:lnRef idx="0"/>
-    <cs:fillRef idx="0"/>
-    <cs:effectRef idx="0"/>
-    <cs:fontRef idx="minor">
-      <a:schemeClr val="tx2"/>
-    </cs:fontRef>
-  </cs:plotArea3D>
-  <cs:seriesAxis>
-    <cs:lnRef idx="0"/>
-    <cs:fillRef idx="0"/>
-    <cs:effectRef idx="0"/>
-    <cs:fontRef idx="minor">
-      <a:schemeClr val="tx2"/>
-    </cs:fontRef>
-    <cs:spPr>
-      <a:ln w="9525" cap="flat" cmpd="sng" algn="ctr">
-        <a:solidFill>
-          <a:schemeClr val="tx2">
-            <a:lumMod val="15000"/>
-            <a:lumOff val="85000"/>
-          </a:schemeClr>
-        </a:solidFill>
-        <a:round/>
-      </a:ln>
-    </cs:spPr>
-    <cs:defRPr sz="1197" kern="1200"/>
-  </cs:seriesAxis>
-  <cs:seriesLine>
-    <cs:lnRef idx="0"/>
-    <cs:fillRef idx="0"/>
-    <cs:effectRef idx="0"/>
-    <cs:fontRef idx="minor">
-      <a:schemeClr val="tx2"/>
-    </cs:fontRef>
-    <cs:spPr>
-      <a:ln w="9525">
-        <a:solidFill>
-          <a:schemeClr val="tx2">
-            <a:lumMod val="60000"/>
-            <a:lumOff val="40000"/>
-          </a:schemeClr>
-        </a:solidFill>
-        <a:prstDash val="dash"/>
-      </a:ln>
-    </cs:spPr>
-  </cs:seriesLine>
-  <cs:title>
-    <cs:lnRef idx="0"/>
-    <cs:fillRef idx="0"/>
-    <cs:effectRef idx="0"/>
-    <cs:fontRef idx="minor">
-      <a:schemeClr val="tx2"/>
-    </cs:fontRef>
-    <cs:defRPr sz="2128" b="1" kern="1200"/>
-  </cs:title>
-  <cs:trendline>
-    <cs:lnRef idx="0">
-      <cs:styleClr val="auto"/>
-    </cs:lnRef>
-    <cs:fillRef idx="0"/>
-    <cs:effectRef idx="0"/>
-    <cs:fontRef idx="minor">
-      <a:schemeClr val="tx2"/>
-    </cs:fontRef>
-    <cs:spPr>
-      <a:ln w="19050" cap="rnd">
-        <a:solidFill>
-          <a:schemeClr val="phClr"/>
-        </a:solidFill>
-        <a:prstDash val="sysDash"/>
-      </a:ln>
-    </cs:spPr>
-  </cs:trendline>
-  <cs:trendlineLabel>
-    <cs:lnRef idx="0"/>
-    <cs:fillRef idx="0"/>
-    <cs:effectRef idx="0"/>
-    <cs:fontRef idx="minor">
-      <a:schemeClr val="tx2"/>
-    </cs:fontRef>
-    <cs:defRPr sz="1197" kern="1200"/>
-  </cs:trendlineLabel>
-  <cs:upBar>
-    <cs:lnRef idx="0"/>
-    <cs:fillRef idx="0"/>
-    <cs:effectRef idx="0"/>
-    <cs:fontRef idx="minor">
-      <a:schemeClr val="tx2"/>
-    </cs:fontRef>
-    <cs:spPr>
-      <a:solidFill>
-        <a:schemeClr val="lt1"/>
-      </a:solidFill>
-      <a:ln w="9525">
-        <a:solidFill>
-          <a:schemeClr val="tx1">
-            <a:lumMod val="15000"/>
-            <a:lumOff val="85000"/>
-          </a:schemeClr>
-        </a:solidFill>
-      </a:ln>
-    </cs:spPr>
-  </cs:upBar>
-  <cs:valueAxis>
-    <cs:lnRef idx="0"/>
-    <cs:fillRef idx="0"/>
-    <cs:effectRef idx="0"/>
-    <cs:fontRef idx="minor">
-      <a:schemeClr val="tx2"/>
-    </cs:fontRef>
-    <cs:defRPr sz="1197" kern="1200"/>
-  </cs:valueAxis>
-  <cs:wall>
-    <cs:lnRef idx="0"/>
-    <cs:fillRef idx="0"/>
-    <cs:effectRef idx="0"/>
-    <cs:fontRef idx="minor">
-      <a:schemeClr val="tx2"/>
-    </cs:fontRef>
-  </cs:wall>
-</cs:chartStyle>
-</file>
-
-<file path=ppt/charts/style6.xml><?xml version="1.0" encoding="utf-8"?>
 <cs:chartStyle xmlns:cs="http://schemas.microsoft.com/office/drawing/2012/chartStyle" xmlns:a="http://schemas.openxmlformats.org/drawingml/2006/main" id="207">
   <cs:axisTitle>
     <cs:lnRef idx="0"/>
@@ -14562,7 +9611,7 @@
     </p:spTree>
     <p:extLst>
       <p:ext uri="{BB962C8B-B14F-4D97-AF65-F5344CB8AC3E}">
-        <p14:creationId xmlns:p14="http://schemas.microsoft.com/office/powerpoint/2010/main" val="3149573085"/>
+        <p14:creationId xmlns:p14="http://schemas.microsoft.com/office/powerpoint/2010/main" val="606315968"/>
       </p:ext>
     </p:extLst>
   </p:cSld>
@@ -14623,26 +9672,31 @@
           </a:p>
         </p:txBody>
       </p:sp>
-      <p:graphicFrame>
-        <p:nvGraphicFramePr>
-          <p:cNvPr id="6" name="Content Placeholder 5" descr="Clustered column chart representing&#10;3 series combination chart for 4 categories"/>
-          <p:cNvGraphicFramePr>
-            <a:graphicFrameLocks noGrp="1"/>
-          </p:cNvGraphicFramePr>
+      <p:sp>
+        <p:nvSpPr>
+          <p:cNvPr id="4" name="Content Placeholder 3">
+            <a:extLst>
+              <a:ext uri="{FF2B5EF4-FFF2-40B4-BE49-F238E27FC236}">
+                <a16:creationId xmlns:a16="http://schemas.microsoft.com/office/drawing/2014/main" id="{2DC69717-7FFE-456C-A352-434E08B9D2A8}"/>
+              </a:ext>
+            </a:extLst>
+          </p:cNvPr>
+          <p:cNvSpPr>
+            <a:spLocks noGrp="1"/>
+          </p:cNvSpPr>
           <p:nvPr>
             <p:ph idx="1"/>
           </p:nvPr>
-        </p:nvGraphicFramePr>
-        <p:xfrm>
-          <a:off x="1295400" y="1828800"/>
-          <a:ext cx="9601200" cy="4343400"/>
-        </p:xfrm>
-        <a:graphic>
-          <a:graphicData uri="http://schemas.openxmlformats.org/drawingml/2006/chart">
-            <c:chart xmlns:c="http://schemas.openxmlformats.org/drawingml/2006/chart" xmlns:r="http://schemas.openxmlformats.org/officeDocument/2006/relationships" r:id="rId2"/>
-          </a:graphicData>
-        </a:graphic>
-      </p:graphicFrame>
+        </p:nvSpPr>
+        <p:spPr/>
+        <p:txBody>
+          <a:bodyPr/>
+          <a:lstStyle/>
+          <a:p>
+            <a:endParaRPr lang="en-US"/>
+          </a:p>
+        </p:txBody>
+      </p:sp>
     </p:spTree>
     <p:extLst>
       <p:ext uri="{BB962C8B-B14F-4D97-AF65-F5344CB8AC3E}">
@@ -14669,352 +9723,6 @@
 </file>
 
 <file path=ppt/slides/slide12.xml><?xml version="1.0" encoding="utf-8"?>
-<p:sld xmlns:a="http://schemas.openxmlformats.org/drawingml/2006/main" xmlns:r="http://schemas.openxmlformats.org/officeDocument/2006/relationships" xmlns:p="http://schemas.openxmlformats.org/presentationml/2006/main">
-  <p:cSld>
-    <p:spTree>
-      <p:nvGrpSpPr>
-        <p:cNvPr id="1" name=""/>
-        <p:cNvGrpSpPr/>
-        <p:nvPr/>
-      </p:nvGrpSpPr>
-      <p:grpSpPr>
-        <a:xfrm>
-          <a:off x="0" y="0"/>
-          <a:ext cx="0" cy="0"/>
-          <a:chOff x="0" y="0"/>
-          <a:chExt cx="0" cy="0"/>
-        </a:xfrm>
-      </p:grpSpPr>
-      <p:sp>
-        <p:nvSpPr>
-          <p:cNvPr id="2" name="Title 1"/>
-          <p:cNvSpPr>
-            <a:spLocks noGrp="1"/>
-          </p:cNvSpPr>
-          <p:nvPr>
-            <p:ph type="title"/>
-          </p:nvPr>
-        </p:nvSpPr>
-        <p:spPr/>
-        <p:txBody>
-          <a:bodyPr/>
-          <a:lstStyle/>
-          <a:p>
-            <a:r>
-              <a:rPr lang="en-US" dirty="0"/>
-              <a:t>Two Content Layout with Table</a:t>
-            </a:r>
-          </a:p>
-        </p:txBody>
-      </p:sp>
-      <p:sp>
-        <p:nvSpPr>
-          <p:cNvPr id="3" name="Content Placeholder 2"/>
-          <p:cNvSpPr>
-            <a:spLocks noGrp="1"/>
-          </p:cNvSpPr>
-          <p:nvPr>
-            <p:ph sz="half" idx="1"/>
-          </p:nvPr>
-        </p:nvSpPr>
-        <p:spPr/>
-        <p:txBody>
-          <a:bodyPr/>
-          <a:lstStyle/>
-          <a:p>
-            <a:r>
-              <a:rPr lang="en-US" dirty="0"/>
-              <a:t>First bullet point here</a:t>
-            </a:r>
-          </a:p>
-          <a:p>
-            <a:r>
-              <a:rPr lang="en-US" dirty="0"/>
-              <a:t>Second bullet point here</a:t>
-            </a:r>
-          </a:p>
-          <a:p>
-            <a:r>
-              <a:rPr lang="en-US" dirty="0"/>
-              <a:t>Third bullet point here</a:t>
-            </a:r>
-          </a:p>
-        </p:txBody>
-      </p:sp>
-      <p:graphicFrame>
-        <p:nvGraphicFramePr>
-          <p:cNvPr id="5" name="Content Placeholder 4"/>
-          <p:cNvGraphicFramePr>
-            <a:graphicFrameLocks noGrp="1"/>
-          </p:cNvGraphicFramePr>
-          <p:nvPr>
-            <p:ph sz="half" idx="2"/>
-            <p:extLst>
-              <p:ext uri="{D42A27DB-BD31-4B8C-83A1-F6EECF244321}">
-                <p14:modId xmlns:p14="http://schemas.microsoft.com/office/powerpoint/2010/main" val="2923187967"/>
-              </p:ext>
-            </p:extLst>
-          </p:nvPr>
-        </p:nvGraphicFramePr>
-        <p:xfrm>
-          <a:off x="6324600" y="1828800"/>
-          <a:ext cx="4572000" cy="2298700"/>
-        </p:xfrm>
-        <a:graphic>
-          <a:graphicData uri="http://schemas.openxmlformats.org/drawingml/2006/table">
-            <a:tbl>
-              <a:tblPr firstRow="1" bandRow="1">
-                <a:tableStyleId>{C4B1156A-380E-4F78-BDF5-A606A8083BF9}</a:tableStyleId>
-              </a:tblPr>
-              <a:tblGrid>
-                <a:gridCol w="1524000">
-                  <a:extLst>
-                    <a:ext uri="{9D8B030D-6E8A-4147-A177-3AD203B41FA5}">
-                      <a16:colId xmlns:a16="http://schemas.microsoft.com/office/drawing/2014/main" val="20000"/>
-                    </a:ext>
-                  </a:extLst>
-                </a:gridCol>
-                <a:gridCol w="1524000">
-                  <a:extLst>
-                    <a:ext uri="{9D8B030D-6E8A-4147-A177-3AD203B41FA5}">
-                      <a16:colId xmlns:a16="http://schemas.microsoft.com/office/drawing/2014/main" val="20001"/>
-                    </a:ext>
-                  </a:extLst>
-                </a:gridCol>
-                <a:gridCol w="1524000">
-                  <a:extLst>
-                    <a:ext uri="{9D8B030D-6E8A-4147-A177-3AD203B41FA5}">
-                      <a16:colId xmlns:a16="http://schemas.microsoft.com/office/drawing/2014/main" val="20002"/>
-                    </a:ext>
-                  </a:extLst>
-                </a:gridCol>
-              </a:tblGrid>
-              <a:tr h="574675">
-                <a:tc>
-                  <a:txBody>
-                    <a:bodyPr/>
-                    <a:lstStyle/>
-                    <a:p>
-                      <a:pPr algn="ctr"/>
-                      <a:r>
-                        <a:rPr lang="en-US" dirty="0"/>
-                        <a:t>Class</a:t>
-                      </a:r>
-                    </a:p>
-                  </a:txBody>
-                  <a:tcPr anchor="ctr"/>
-                </a:tc>
-                <a:tc>
-                  <a:txBody>
-                    <a:bodyPr/>
-                    <a:lstStyle/>
-                    <a:p>
-                      <a:pPr algn="ctr"/>
-                      <a:r>
-                        <a:rPr lang="en-US" dirty="0"/>
-                        <a:t>Group A</a:t>
-                      </a:r>
-                    </a:p>
-                  </a:txBody>
-                  <a:tcPr anchor="ctr"/>
-                </a:tc>
-                <a:tc>
-                  <a:txBody>
-                    <a:bodyPr/>
-                    <a:lstStyle/>
-                    <a:p>
-                      <a:pPr algn="ctr"/>
-                      <a:r>
-                        <a:rPr lang="en-US" dirty="0"/>
-                        <a:t>Group B</a:t>
-                      </a:r>
-                    </a:p>
-                  </a:txBody>
-                  <a:tcPr anchor="ctr"/>
-                </a:tc>
-                <a:extLst>
-                  <a:ext uri="{0D108BD9-81ED-4DB2-BD59-A6C34878D82A}">
-                    <a16:rowId xmlns:a16="http://schemas.microsoft.com/office/drawing/2014/main" val="10000"/>
-                  </a:ext>
-                </a:extLst>
-              </a:tr>
-              <a:tr h="574675">
-                <a:tc>
-                  <a:txBody>
-                    <a:bodyPr/>
-                    <a:lstStyle/>
-                    <a:p>
-                      <a:pPr algn="ctr"/>
-                      <a:r>
-                        <a:rPr lang="en-US" dirty="0"/>
-                        <a:t>Class 1</a:t>
-                      </a:r>
-                    </a:p>
-                  </a:txBody>
-                  <a:tcPr anchor="ctr"/>
-                </a:tc>
-                <a:tc>
-                  <a:txBody>
-                    <a:bodyPr/>
-                    <a:lstStyle/>
-                    <a:p>
-                      <a:pPr algn="ctr"/>
-                      <a:r>
-                        <a:rPr lang="en-US" dirty="0"/>
-                        <a:t>82</a:t>
-                      </a:r>
-                    </a:p>
-                  </a:txBody>
-                  <a:tcPr anchor="ctr"/>
-                </a:tc>
-                <a:tc>
-                  <a:txBody>
-                    <a:bodyPr/>
-                    <a:lstStyle/>
-                    <a:p>
-                      <a:pPr algn="ctr"/>
-                      <a:r>
-                        <a:rPr lang="en-US" dirty="0"/>
-                        <a:t>95</a:t>
-                      </a:r>
-                    </a:p>
-                  </a:txBody>
-                  <a:tcPr anchor="ctr"/>
-                </a:tc>
-                <a:extLst>
-                  <a:ext uri="{0D108BD9-81ED-4DB2-BD59-A6C34878D82A}">
-                    <a16:rowId xmlns:a16="http://schemas.microsoft.com/office/drawing/2014/main" val="10001"/>
-                  </a:ext>
-                </a:extLst>
-              </a:tr>
-              <a:tr h="574675">
-                <a:tc>
-                  <a:txBody>
-                    <a:bodyPr/>
-                    <a:lstStyle/>
-                    <a:p>
-                      <a:pPr algn="ctr"/>
-                      <a:r>
-                        <a:rPr lang="en-US" dirty="0"/>
-                        <a:t>Class 2</a:t>
-                      </a:r>
-                    </a:p>
-                  </a:txBody>
-                  <a:tcPr anchor="ctr"/>
-                </a:tc>
-                <a:tc>
-                  <a:txBody>
-                    <a:bodyPr/>
-                    <a:lstStyle/>
-                    <a:p>
-                      <a:pPr algn="ctr"/>
-                      <a:r>
-                        <a:rPr lang="en-US" dirty="0"/>
-                        <a:t>76</a:t>
-                      </a:r>
-                    </a:p>
-                  </a:txBody>
-                  <a:tcPr anchor="ctr"/>
-                </a:tc>
-                <a:tc>
-                  <a:txBody>
-                    <a:bodyPr/>
-                    <a:lstStyle/>
-                    <a:p>
-                      <a:pPr algn="ctr"/>
-                      <a:r>
-                        <a:rPr lang="en-US" dirty="0"/>
-                        <a:t>88</a:t>
-                      </a:r>
-                    </a:p>
-                  </a:txBody>
-                  <a:tcPr anchor="ctr"/>
-                </a:tc>
-                <a:extLst>
-                  <a:ext uri="{0D108BD9-81ED-4DB2-BD59-A6C34878D82A}">
-                    <a16:rowId xmlns:a16="http://schemas.microsoft.com/office/drawing/2014/main" val="10002"/>
-                  </a:ext>
-                </a:extLst>
-              </a:tr>
-              <a:tr h="574675">
-                <a:tc>
-                  <a:txBody>
-                    <a:bodyPr/>
-                    <a:lstStyle/>
-                    <a:p>
-                      <a:pPr algn="ctr"/>
-                      <a:r>
-                        <a:rPr lang="en-US" dirty="0"/>
-                        <a:t>Class 3</a:t>
-                      </a:r>
-                    </a:p>
-                  </a:txBody>
-                  <a:tcPr anchor="ctr"/>
-                </a:tc>
-                <a:tc>
-                  <a:txBody>
-                    <a:bodyPr/>
-                    <a:lstStyle/>
-                    <a:p>
-                      <a:pPr algn="ctr"/>
-                      <a:r>
-                        <a:rPr lang="en-US" dirty="0"/>
-                        <a:t>84</a:t>
-                      </a:r>
-                    </a:p>
-                  </a:txBody>
-                  <a:tcPr anchor="ctr"/>
-                </a:tc>
-                <a:tc>
-                  <a:txBody>
-                    <a:bodyPr/>
-                    <a:lstStyle/>
-                    <a:p>
-                      <a:pPr algn="ctr"/>
-                      <a:r>
-                        <a:rPr lang="en-US" dirty="0"/>
-                        <a:t>90</a:t>
-                      </a:r>
-                    </a:p>
-                  </a:txBody>
-                  <a:tcPr anchor="ctr"/>
-                </a:tc>
-                <a:extLst>
-                  <a:ext uri="{0D108BD9-81ED-4DB2-BD59-A6C34878D82A}">
-                    <a16:rowId xmlns:a16="http://schemas.microsoft.com/office/drawing/2014/main" val="10003"/>
-                  </a:ext>
-                </a:extLst>
-              </a:tr>
-            </a:tbl>
-          </a:graphicData>
-        </a:graphic>
-      </p:graphicFrame>
-    </p:spTree>
-    <p:extLst>
-      <p:ext uri="{BB962C8B-B14F-4D97-AF65-F5344CB8AC3E}">
-        <p14:creationId xmlns:p14="http://schemas.microsoft.com/office/powerpoint/2010/main" val="4213855386"/>
-      </p:ext>
-    </p:extLst>
-  </p:cSld>
-  <p:clrMapOvr>
-    <a:masterClrMapping/>
-  </p:clrMapOvr>
-  <mc:AlternateContent xmlns:mc="http://schemas.openxmlformats.org/markup-compatibility/2006" xmlns:p14="http://schemas.microsoft.com/office/powerpoint/2010/main">
-    <mc:Choice Requires="p14">
-      <p:transition spd="med" p14:dur="700">
-        <p:fade/>
-      </p:transition>
-    </mc:Choice>
-    <mc:Fallback xmlns="">
-      <p:transition spd="med">
-        <p:fade/>
-      </p:transition>
-    </mc:Fallback>
-  </mc:AlternateContent>
-</p:sld>
-</file>
-
-<file path=ppt/slides/slide13.xml><?xml version="1.0" encoding="utf-8"?>
 <p:sld xmlns:a="http://schemas.openxmlformats.org/drawingml/2006/main" xmlns:r="http://schemas.openxmlformats.org/officeDocument/2006/relationships" xmlns:p="http://schemas.openxmlformats.org/presentationml/2006/main">
   <p:cSld>
     <p:spTree>
@@ -15103,6 +9811,89 @@
 </p:sld>
 </file>
 
+<file path=ppt/slides/slide13.xml><?xml version="1.0" encoding="utf-8"?>
+<p:sld xmlns:a="http://schemas.openxmlformats.org/drawingml/2006/main" xmlns:r="http://schemas.openxmlformats.org/officeDocument/2006/relationships" xmlns:p="http://schemas.openxmlformats.org/presentationml/2006/main">
+  <p:cSld>
+    <p:spTree>
+      <p:nvGrpSpPr>
+        <p:cNvPr id="1" name=""/>
+        <p:cNvGrpSpPr/>
+        <p:nvPr/>
+      </p:nvGrpSpPr>
+      <p:grpSpPr>
+        <a:xfrm>
+          <a:off x="0" y="0"/>
+          <a:ext cx="0" cy="0"/>
+          <a:chOff x="0" y="0"/>
+          <a:chExt cx="0" cy="0"/>
+        </a:xfrm>
+      </p:grpSpPr>
+      <p:sp>
+        <p:nvSpPr>
+          <p:cNvPr id="2" name="Title 1"/>
+          <p:cNvSpPr>
+            <a:spLocks noGrp="1"/>
+          </p:cNvSpPr>
+          <p:nvPr>
+            <p:ph type="ctrTitle"/>
+          </p:nvPr>
+        </p:nvSpPr>
+        <p:spPr/>
+        <p:txBody>
+          <a:bodyPr/>
+          <a:lstStyle/>
+          <a:p>
+            <a:r>
+              <a:rPr lang="en-US" dirty="0"/>
+              <a:t>Add a Slide Title - 1</a:t>
+            </a:r>
+          </a:p>
+        </p:txBody>
+      </p:sp>
+      <p:sp>
+        <p:nvSpPr>
+          <p:cNvPr id="4" name="Subtitle 3"/>
+          <p:cNvSpPr>
+            <a:spLocks noGrp="1"/>
+          </p:cNvSpPr>
+          <p:nvPr>
+            <p:ph type="subTitle" idx="1"/>
+          </p:nvPr>
+        </p:nvSpPr>
+        <p:spPr/>
+        <p:txBody>
+          <a:bodyPr/>
+          <a:lstStyle/>
+          <a:p>
+            <a:endParaRPr lang="en-US"/>
+          </a:p>
+        </p:txBody>
+      </p:sp>
+    </p:spTree>
+    <p:extLst>
+      <p:ext uri="{BB962C8B-B14F-4D97-AF65-F5344CB8AC3E}">
+        <p14:creationId xmlns:p14="http://schemas.microsoft.com/office/powerpoint/2010/main" val="1636679273"/>
+      </p:ext>
+    </p:extLst>
+  </p:cSld>
+  <p:clrMapOvr>
+    <a:masterClrMapping/>
+  </p:clrMapOvr>
+  <mc:AlternateContent xmlns:mc="http://schemas.openxmlformats.org/markup-compatibility/2006" xmlns:p14="http://schemas.microsoft.com/office/powerpoint/2010/main">
+    <mc:Choice Requires="p14">
+      <p:transition spd="med" p14:dur="700">
+        <p:fade/>
+      </p:transition>
+    </mc:Choice>
+    <mc:Fallback xmlns="">
+      <p:transition spd="med">
+        <p:fade/>
+      </p:transition>
+    </mc:Fallback>
+  </mc:AlternateContent>
+</p:sld>
+</file>
+
 <file path=ppt/slides/slide14.xml><?xml version="1.0" encoding="utf-8"?>
 <p:sld xmlns:a="http://schemas.openxmlformats.org/drawingml/2006/main" xmlns:r="http://schemas.openxmlformats.org/officeDocument/2006/relationships" xmlns:p="http://schemas.openxmlformats.org/presentationml/2006/main">
   <p:cSld>
@@ -15127,7 +9918,7 @@
             <a:spLocks noGrp="1"/>
           </p:cNvSpPr>
           <p:nvPr>
-            <p:ph type="ctrTitle"/>
+            <p:ph type="title"/>
           </p:nvPr>
         </p:nvSpPr>
         <p:spPr/>
@@ -15137,19 +9928,19 @@
           <a:p>
             <a:r>
               <a:rPr lang="en-US" dirty="0"/>
-              <a:t>Add a Slide Title - 1</a:t>
-            </a:r>
-          </a:p>
-        </p:txBody>
-      </p:sp>
-      <p:sp>
-        <p:nvSpPr>
-          <p:cNvPr id="4" name="Subtitle 3"/>
+              <a:t>Add a Slide Title - 2</a:t>
+            </a:r>
+          </a:p>
+        </p:txBody>
+      </p:sp>
+      <p:sp>
+        <p:nvSpPr>
+          <p:cNvPr id="4" name="Text Placeholder 3"/>
           <p:cNvSpPr>
             <a:spLocks noGrp="1"/>
           </p:cNvSpPr>
           <p:nvPr>
-            <p:ph type="subTitle" idx="1"/>
+            <p:ph type="body" idx="1"/>
           </p:nvPr>
         </p:nvSpPr>
         <p:spPr/>
@@ -15164,7 +9955,7 @@
     </p:spTree>
     <p:extLst>
       <p:ext uri="{BB962C8B-B14F-4D97-AF65-F5344CB8AC3E}">
-        <p14:creationId xmlns:p14="http://schemas.microsoft.com/office/powerpoint/2010/main" val="1636679273"/>
+        <p14:creationId xmlns:p14="http://schemas.microsoft.com/office/powerpoint/2010/main" val="3374778722"/>
       </p:ext>
     </p:extLst>
   </p:cSld>
@@ -15220,89 +10011,6 @@
           <a:p>
             <a:r>
               <a:rPr lang="en-US" dirty="0"/>
-              <a:t>Add a Slide Title - 2</a:t>
-            </a:r>
-          </a:p>
-        </p:txBody>
-      </p:sp>
-      <p:sp>
-        <p:nvSpPr>
-          <p:cNvPr id="4" name="Text Placeholder 3"/>
-          <p:cNvSpPr>
-            <a:spLocks noGrp="1"/>
-          </p:cNvSpPr>
-          <p:nvPr>
-            <p:ph type="body" idx="1"/>
-          </p:nvPr>
-        </p:nvSpPr>
-        <p:spPr/>
-        <p:txBody>
-          <a:bodyPr/>
-          <a:lstStyle/>
-          <a:p>
-            <a:endParaRPr lang="en-US"/>
-          </a:p>
-        </p:txBody>
-      </p:sp>
-    </p:spTree>
-    <p:extLst>
-      <p:ext uri="{BB962C8B-B14F-4D97-AF65-F5344CB8AC3E}">
-        <p14:creationId xmlns:p14="http://schemas.microsoft.com/office/powerpoint/2010/main" val="3374778722"/>
-      </p:ext>
-    </p:extLst>
-  </p:cSld>
-  <p:clrMapOvr>
-    <a:masterClrMapping/>
-  </p:clrMapOvr>
-  <mc:AlternateContent xmlns:mc="http://schemas.openxmlformats.org/markup-compatibility/2006" xmlns:p14="http://schemas.microsoft.com/office/powerpoint/2010/main">
-    <mc:Choice Requires="p14">
-      <p:transition spd="med" p14:dur="700">
-        <p:fade/>
-      </p:transition>
-    </mc:Choice>
-    <mc:Fallback xmlns="">
-      <p:transition spd="med">
-        <p:fade/>
-      </p:transition>
-    </mc:Fallback>
-  </mc:AlternateContent>
-</p:sld>
-</file>
-
-<file path=ppt/slides/slide16.xml><?xml version="1.0" encoding="utf-8"?>
-<p:sld xmlns:a="http://schemas.openxmlformats.org/drawingml/2006/main" xmlns:r="http://schemas.openxmlformats.org/officeDocument/2006/relationships" xmlns:p="http://schemas.openxmlformats.org/presentationml/2006/main">
-  <p:cSld>
-    <p:spTree>
-      <p:nvGrpSpPr>
-        <p:cNvPr id="1" name=""/>
-        <p:cNvGrpSpPr/>
-        <p:nvPr/>
-      </p:nvGrpSpPr>
-      <p:grpSpPr>
-        <a:xfrm>
-          <a:off x="0" y="0"/>
-          <a:ext cx="0" cy="0"/>
-          <a:chOff x="0" y="0"/>
-          <a:chExt cx="0" cy="0"/>
-        </a:xfrm>
-      </p:grpSpPr>
-      <p:sp>
-        <p:nvSpPr>
-          <p:cNvPr id="2" name="Title 1"/>
-          <p:cNvSpPr>
-            <a:spLocks noGrp="1"/>
-          </p:cNvSpPr>
-          <p:nvPr>
-            <p:ph type="title"/>
-          </p:nvPr>
-        </p:nvSpPr>
-        <p:spPr/>
-        <p:txBody>
-          <a:bodyPr/>
-          <a:lstStyle/>
-          <a:p>
-            <a:r>
-              <a:rPr lang="en-US" dirty="0"/>
               <a:t>Add a Slide Title - 3</a:t>
             </a:r>
           </a:p>
@@ -15388,214 +10096,6 @@
     <p:extLst>
       <p:ext uri="{BB962C8B-B14F-4D97-AF65-F5344CB8AC3E}">
         <p14:creationId xmlns:p14="http://schemas.microsoft.com/office/powerpoint/2010/main" val="737118897"/>
-      </p:ext>
-    </p:extLst>
-  </p:cSld>
-  <p:clrMapOvr>
-    <a:masterClrMapping/>
-  </p:clrMapOvr>
-  <mc:AlternateContent xmlns:mc="http://schemas.openxmlformats.org/markup-compatibility/2006" xmlns:p14="http://schemas.microsoft.com/office/powerpoint/2010/main">
-    <mc:Choice Requires="p14">
-      <p:transition spd="med" p14:dur="700">
-        <p:fade/>
-      </p:transition>
-    </mc:Choice>
-    <mc:Fallback xmlns="">
-      <p:transition spd="med">
-        <p:fade/>
-      </p:transition>
-    </mc:Fallback>
-  </mc:AlternateContent>
-</p:sld>
-</file>
-
-<file path=ppt/slides/slide17.xml><?xml version="1.0" encoding="utf-8"?>
-<p:sld xmlns:a="http://schemas.openxmlformats.org/drawingml/2006/main" xmlns:r="http://schemas.openxmlformats.org/officeDocument/2006/relationships" xmlns:p="http://schemas.openxmlformats.org/presentationml/2006/main">
-  <p:cSld>
-    <p:spTree>
-      <p:nvGrpSpPr>
-        <p:cNvPr id="1" name=""/>
-        <p:cNvGrpSpPr/>
-        <p:nvPr/>
-      </p:nvGrpSpPr>
-      <p:grpSpPr>
-        <a:xfrm>
-          <a:off x="0" y="0"/>
-          <a:ext cx="0" cy="0"/>
-          <a:chOff x="0" y="0"/>
-          <a:chExt cx="0" cy="0"/>
-        </a:xfrm>
-      </p:grpSpPr>
-      <p:sp>
-        <p:nvSpPr>
-          <p:cNvPr id="2" name="Title 1"/>
-          <p:cNvSpPr>
-            <a:spLocks noGrp="1"/>
-          </p:cNvSpPr>
-          <p:nvPr>
-            <p:ph type="title"/>
-          </p:nvPr>
-        </p:nvSpPr>
-        <p:spPr/>
-        <p:txBody>
-          <a:bodyPr/>
-          <a:lstStyle/>
-          <a:p>
-            <a:r>
-              <a:rPr lang="en-US" dirty="0"/>
-              <a:t>Add a Slide Title - 4</a:t>
-            </a:r>
-          </a:p>
-        </p:txBody>
-      </p:sp>
-    </p:spTree>
-    <p:extLst>
-      <p:ext uri="{BB962C8B-B14F-4D97-AF65-F5344CB8AC3E}">
-        <p14:creationId xmlns:p14="http://schemas.microsoft.com/office/powerpoint/2010/main" val="3061729273"/>
-      </p:ext>
-    </p:extLst>
-  </p:cSld>
-  <p:clrMapOvr>
-    <a:masterClrMapping/>
-  </p:clrMapOvr>
-  <mc:AlternateContent xmlns:mc="http://schemas.openxmlformats.org/markup-compatibility/2006" xmlns:p14="http://schemas.microsoft.com/office/powerpoint/2010/main">
-    <mc:Choice Requires="p14">
-      <p:transition spd="med" p14:dur="700">
-        <p:fade/>
-      </p:transition>
-    </mc:Choice>
-    <mc:Fallback xmlns="">
-      <p:transition spd="med">
-        <p:fade/>
-      </p:transition>
-    </mc:Fallback>
-  </mc:AlternateContent>
-</p:sld>
-</file>
-
-<file path=ppt/slides/slide18.xml><?xml version="1.0" encoding="utf-8"?>
-<p:sld xmlns:a="http://schemas.openxmlformats.org/drawingml/2006/main" xmlns:r="http://schemas.openxmlformats.org/officeDocument/2006/relationships" xmlns:p="http://schemas.openxmlformats.org/presentationml/2006/main">
-  <p:cSld>
-    <p:spTree>
-      <p:nvGrpSpPr>
-        <p:cNvPr id="1" name=""/>
-        <p:cNvGrpSpPr/>
-        <p:nvPr/>
-      </p:nvGrpSpPr>
-      <p:grpSpPr>
-        <a:xfrm>
-          <a:off x="0" y="0"/>
-          <a:ext cx="0" cy="0"/>
-          <a:chOff x="0" y="0"/>
-          <a:chExt cx="0" cy="0"/>
-        </a:xfrm>
-      </p:grpSpPr>
-    </p:spTree>
-    <p:extLst>
-      <p:ext uri="{BB962C8B-B14F-4D97-AF65-F5344CB8AC3E}">
-        <p14:creationId xmlns:p14="http://schemas.microsoft.com/office/powerpoint/2010/main" val="1455343978"/>
-      </p:ext>
-    </p:extLst>
-  </p:cSld>
-  <p:clrMapOvr>
-    <a:masterClrMapping/>
-  </p:clrMapOvr>
-  <mc:AlternateContent xmlns:mc="http://schemas.openxmlformats.org/markup-compatibility/2006" xmlns:p14="http://schemas.microsoft.com/office/powerpoint/2010/main">
-    <mc:Choice Requires="p14">
-      <p:transition spd="med" p14:dur="700">
-        <p:fade/>
-      </p:transition>
-    </mc:Choice>
-    <mc:Fallback xmlns="">
-      <p:transition spd="med">
-        <p:fade/>
-      </p:transition>
-    </mc:Fallback>
-  </mc:AlternateContent>
-</p:sld>
-</file>
-
-<file path=ppt/slides/slide19.xml><?xml version="1.0" encoding="utf-8"?>
-<p:sld xmlns:a="http://schemas.openxmlformats.org/drawingml/2006/main" xmlns:r="http://schemas.openxmlformats.org/officeDocument/2006/relationships" xmlns:p="http://schemas.openxmlformats.org/presentationml/2006/main">
-  <p:cSld>
-    <p:spTree>
-      <p:nvGrpSpPr>
-        <p:cNvPr id="1" name=""/>
-        <p:cNvGrpSpPr/>
-        <p:nvPr/>
-      </p:nvGrpSpPr>
-      <p:grpSpPr>
-        <a:xfrm>
-          <a:off x="0" y="0"/>
-          <a:ext cx="0" cy="0"/>
-          <a:chOff x="0" y="0"/>
-          <a:chExt cx="0" cy="0"/>
-        </a:xfrm>
-      </p:grpSpPr>
-      <p:sp>
-        <p:nvSpPr>
-          <p:cNvPr id="2" name="Title 1"/>
-          <p:cNvSpPr>
-            <a:spLocks noGrp="1"/>
-          </p:cNvSpPr>
-          <p:nvPr>
-            <p:ph type="title"/>
-          </p:nvPr>
-        </p:nvSpPr>
-        <p:spPr/>
-        <p:txBody>
-          <a:bodyPr/>
-          <a:lstStyle/>
-          <a:p>
-            <a:r>
-              <a:rPr lang="en-US" dirty="0"/>
-              <a:t>Add a Slide Title - 5</a:t>
-            </a:r>
-          </a:p>
-        </p:txBody>
-      </p:sp>
-      <p:sp>
-        <p:nvSpPr>
-          <p:cNvPr id="5" name="Content Placeholder 4"/>
-          <p:cNvSpPr>
-            <a:spLocks noGrp="1"/>
-          </p:cNvSpPr>
-          <p:nvPr>
-            <p:ph idx="1"/>
-          </p:nvPr>
-        </p:nvSpPr>
-        <p:spPr/>
-        <p:txBody>
-          <a:bodyPr/>
-          <a:lstStyle/>
-          <a:p>
-            <a:endParaRPr lang="en-US"/>
-          </a:p>
-        </p:txBody>
-      </p:sp>
-      <p:sp>
-        <p:nvSpPr>
-          <p:cNvPr id="6" name="Text Placeholder 5"/>
-          <p:cNvSpPr>
-            <a:spLocks noGrp="1"/>
-          </p:cNvSpPr>
-          <p:nvPr>
-            <p:ph type="body" sz="half" idx="2"/>
-          </p:nvPr>
-        </p:nvSpPr>
-        <p:spPr/>
-        <p:txBody>
-          <a:bodyPr/>
-          <a:lstStyle/>
-          <a:p>
-            <a:endParaRPr lang="en-US"/>
-          </a:p>
-        </p:txBody>
-      </p:sp>
-    </p:spTree>
-    <p:extLst>
-      <p:ext uri="{BB962C8B-B14F-4D97-AF65-F5344CB8AC3E}">
-        <p14:creationId xmlns:p14="http://schemas.microsoft.com/office/powerpoint/2010/main" val="332843759"/>
       </p:ext>
     </p:extLst>
   </p:cSld>
@@ -15644,11 +10144,17 @@
             <p:ph type="title"/>
           </p:nvPr>
         </p:nvSpPr>
-        <p:spPr/>
+        <p:spPr>
+          <a:xfrm>
+            <a:off x="1295400" y="238356"/>
+            <a:ext cx="9601200" cy="1036850"/>
+          </a:xfrm>
+        </p:spPr>
         <p:txBody>
           <a:bodyPr/>
           <a:lstStyle/>
           <a:p>
+            <a:pPr algn="ctr"/>
             <a:r>
               <a:rPr lang="en-US" dirty="0"/>
               <a:t>AGENDA</a:t>
@@ -15696,228 +10202,6 @@
     <p:extLst>
       <p:ext uri="{BB962C8B-B14F-4D97-AF65-F5344CB8AC3E}">
         <p14:creationId xmlns:p14="http://schemas.microsoft.com/office/powerpoint/2010/main" val="3639872359"/>
-      </p:ext>
-    </p:extLst>
-  </p:cSld>
-  <p:clrMapOvr>
-    <a:masterClrMapping/>
-  </p:clrMapOvr>
-  <mc:AlternateContent xmlns:mc="http://schemas.openxmlformats.org/markup-compatibility/2006" xmlns:p14="http://schemas.microsoft.com/office/powerpoint/2010/main">
-    <mc:Choice Requires="p14">
-      <p:transition spd="med" p14:dur="700">
-        <p:fade/>
-      </p:transition>
-    </mc:Choice>
-    <mc:Fallback xmlns="">
-      <p:transition spd="med">
-        <p:fade/>
-      </p:transition>
-    </mc:Fallback>
-  </mc:AlternateContent>
-</p:sld>
-</file>
-
-<file path=ppt/slides/slide20.xml><?xml version="1.0" encoding="utf-8"?>
-<p:sld xmlns:a="http://schemas.openxmlformats.org/drawingml/2006/main" xmlns:r="http://schemas.openxmlformats.org/officeDocument/2006/relationships" xmlns:p="http://schemas.openxmlformats.org/presentationml/2006/main">
-  <p:cSld>
-    <p:spTree>
-      <p:nvGrpSpPr>
-        <p:cNvPr id="1" name=""/>
-        <p:cNvGrpSpPr/>
-        <p:nvPr/>
-      </p:nvGrpSpPr>
-      <p:grpSpPr>
-        <a:xfrm>
-          <a:off x="0" y="0"/>
-          <a:ext cx="0" cy="0"/>
-          <a:chOff x="0" y="0"/>
-          <a:chExt cx="0" cy="0"/>
-        </a:xfrm>
-      </p:grpSpPr>
-      <p:sp>
-        <p:nvSpPr>
-          <p:cNvPr id="2" name="Title 1"/>
-          <p:cNvSpPr>
-            <a:spLocks noGrp="1"/>
-          </p:cNvSpPr>
-          <p:nvPr>
-            <p:ph type="title"/>
-          </p:nvPr>
-        </p:nvSpPr>
-        <p:spPr/>
-        <p:txBody>
-          <a:bodyPr/>
-          <a:lstStyle/>
-          <a:p>
-            <a:r>
-              <a:rPr lang="en-US" dirty="0"/>
-              <a:t>Add a Slide Title - 6</a:t>
-            </a:r>
-          </a:p>
-        </p:txBody>
-      </p:sp>
-      <p:sp>
-        <p:nvSpPr>
-          <p:cNvPr id="5" name="Picture Placeholder 4" descr="An empty placeholder to add an image. Click on the placeholder and select the image that you wish to add"/>
-          <p:cNvSpPr>
-            <a:spLocks noGrp="1"/>
-          </p:cNvSpPr>
-          <p:nvPr>
-            <p:ph type="pic" idx="1"/>
-          </p:nvPr>
-        </p:nvSpPr>
-        <p:spPr/>
-      </p:sp>
-      <p:sp>
-        <p:nvSpPr>
-          <p:cNvPr id="6" name="Text Placeholder 5"/>
-          <p:cNvSpPr>
-            <a:spLocks noGrp="1"/>
-          </p:cNvSpPr>
-          <p:nvPr>
-            <p:ph type="body" sz="half" idx="2"/>
-          </p:nvPr>
-        </p:nvSpPr>
-        <p:spPr/>
-        <p:txBody>
-          <a:bodyPr/>
-          <a:lstStyle/>
-          <a:p>
-            <a:endParaRPr lang="en-US"/>
-          </a:p>
-        </p:txBody>
-      </p:sp>
-    </p:spTree>
-    <p:extLst>
-      <p:ext uri="{BB962C8B-B14F-4D97-AF65-F5344CB8AC3E}">
-        <p14:creationId xmlns:p14="http://schemas.microsoft.com/office/powerpoint/2010/main" val="4129926194"/>
-      </p:ext>
-    </p:extLst>
-  </p:cSld>
-  <p:clrMapOvr>
-    <a:masterClrMapping/>
-  </p:clrMapOvr>
-  <mc:AlternateContent xmlns:mc="http://schemas.openxmlformats.org/markup-compatibility/2006" xmlns:p14="http://schemas.microsoft.com/office/powerpoint/2010/main">
-    <mc:Choice Requires="p14">
-      <p:transition spd="med" p14:dur="700">
-        <p:fade/>
-      </p:transition>
-    </mc:Choice>
-    <mc:Fallback xmlns="">
-      <p:transition spd="med">
-        <p:fade/>
-      </p:transition>
-    </mc:Fallback>
-  </mc:AlternateContent>
-</p:sld>
-</file>
-
-<file path=ppt/slides/slide21.xml><?xml version="1.0" encoding="utf-8"?>
-<p:sld xmlns:a="http://schemas.openxmlformats.org/drawingml/2006/main" xmlns:r="http://schemas.openxmlformats.org/officeDocument/2006/relationships" xmlns:p="http://schemas.openxmlformats.org/presentationml/2006/main">
-  <p:cSld>
-    <p:spTree>
-      <p:nvGrpSpPr>
-        <p:cNvPr id="1" name=""/>
-        <p:cNvGrpSpPr/>
-        <p:nvPr/>
-      </p:nvGrpSpPr>
-      <p:grpSpPr>
-        <a:xfrm>
-          <a:off x="0" y="0"/>
-          <a:ext cx="0" cy="0"/>
-          <a:chOff x="0" y="0"/>
-          <a:chExt cx="0" cy="0"/>
-        </a:xfrm>
-      </p:grpSpPr>
-      <p:sp>
-        <p:nvSpPr>
-          <p:cNvPr id="2" name="Title 1"/>
-          <p:cNvSpPr>
-            <a:spLocks noGrp="1"/>
-          </p:cNvSpPr>
-          <p:nvPr>
-            <p:ph type="title"/>
-          </p:nvPr>
-        </p:nvSpPr>
-        <p:spPr/>
-        <p:txBody>
-          <a:bodyPr/>
-          <a:lstStyle/>
-          <a:p>
-            <a:r>
-              <a:rPr lang="en-US"/>
-              <a:t>Add a Slide Title - 7</a:t>
-            </a:r>
-            <a:endParaRPr lang="en-US" dirty="0"/>
-          </a:p>
-        </p:txBody>
-      </p:sp>
-      <p:sp>
-        <p:nvSpPr>
-          <p:cNvPr id="4" name="Picture Placeholder 3"/>
-          <p:cNvSpPr>
-            <a:spLocks noGrp="1"/>
-          </p:cNvSpPr>
-          <p:nvPr>
-            <p:ph type="pic" idx="1"/>
-          </p:nvPr>
-        </p:nvSpPr>
-        <p:spPr/>
-      </p:sp>
-      <p:sp>
-        <p:nvSpPr>
-          <p:cNvPr id="5" name="Text Placeholder 4"/>
-          <p:cNvSpPr>
-            <a:spLocks noGrp="1"/>
-          </p:cNvSpPr>
-          <p:nvPr>
-            <p:ph type="body" sz="half" idx="2"/>
-          </p:nvPr>
-        </p:nvSpPr>
-        <p:spPr/>
-        <p:txBody>
-          <a:bodyPr/>
-          <a:lstStyle/>
-          <a:p>
-            <a:endParaRPr lang="en-US"/>
-          </a:p>
-        </p:txBody>
-      </p:sp>
-      <p:sp>
-        <p:nvSpPr>
-          <p:cNvPr id="6" name="Picture Placeholder 5"/>
-          <p:cNvSpPr>
-            <a:spLocks noGrp="1"/>
-          </p:cNvSpPr>
-          <p:nvPr>
-            <p:ph type="pic" idx="13"/>
-          </p:nvPr>
-        </p:nvSpPr>
-        <p:spPr/>
-      </p:sp>
-      <p:sp>
-        <p:nvSpPr>
-          <p:cNvPr id="11" name="Text Placeholder 10"/>
-          <p:cNvSpPr>
-            <a:spLocks noGrp="1"/>
-          </p:cNvSpPr>
-          <p:nvPr>
-            <p:ph type="body" sz="half" idx="14"/>
-          </p:nvPr>
-        </p:nvSpPr>
-        <p:spPr/>
-        <p:txBody>
-          <a:bodyPr/>
-          <a:lstStyle/>
-          <a:p>
-            <a:endParaRPr lang="en-US"/>
-          </a:p>
-        </p:txBody>
-      </p:sp>
-    </p:spTree>
-    <p:extLst>
-      <p:ext uri="{BB962C8B-B14F-4D97-AF65-F5344CB8AC3E}">
-        <p14:creationId xmlns:p14="http://schemas.microsoft.com/office/powerpoint/2010/main" val="188841400"/>
       </p:ext>
     </p:extLst>
   </p:cSld>
@@ -15971,9 +10255,10 @@
           <a:bodyPr/>
           <a:lstStyle/>
           <a:p>
+            <a:pPr algn="ctr"/>
             <a:r>
               <a:rPr lang="en-US" dirty="0"/>
-              <a:t>Business Case</a:t>
+              <a:t>BUSINESS CASE</a:t>
             </a:r>
           </a:p>
         </p:txBody>
@@ -16077,7 +10362,7 @@
                 <a:ea typeface="Times New Roman" panose="02020603050405020304" pitchFamily="18" charset="0"/>
                 <a:cs typeface="Calibri" panose="020F0502020204030204" pitchFamily="34" charset="0"/>
               </a:rPr>
-              <a:t>Hypotheses:</a:t>
+              <a:t>Hypothesis:</a:t>
             </a:r>
             <a:r>
               <a:rPr lang="en-US" dirty="0">
@@ -16111,16 +10396,32 @@
                 <a:ea typeface="Times New Roman" panose="02020603050405020304" pitchFamily="18" charset="0"/>
                 <a:cs typeface="Calibri" panose="020F0502020204030204" pitchFamily="34" charset="0"/>
               </a:rPr>
-              <a:t>the style of beer with the highest alcohol by volume (ABV) is the most profitable.  As a result, the state with the lowest number of beers with high alcohol </a:t>
-            </a:r>
-            <a:r>
-              <a:rPr lang="en-US">
+              <a:t>the style of beer with the highest alcohol by volume (ABV) is the most profitable.  As a result, </a:t>
+            </a:r>
+            <a:r>
+              <a:rPr lang="en-US" dirty="0">
+                <a:latin typeface="Calibri" panose="020F0502020204030204" pitchFamily="34" charset="0"/>
+                <a:ea typeface="Times New Roman" panose="02020603050405020304" pitchFamily="18" charset="0"/>
+                <a:cs typeface="Calibri" panose="020F0502020204030204" pitchFamily="34" charset="0"/>
+              </a:rPr>
+              <a:t>identifying </a:t>
+            </a:r>
+            <a:r>
+              <a:rPr lang="en-US" dirty="0">
                 <a:effectLst/>
                 <a:latin typeface="Calibri" panose="020F0502020204030204" pitchFamily="34" charset="0"/>
                 <a:ea typeface="Times New Roman" panose="02020603050405020304" pitchFamily="18" charset="0"/>
                 <a:cs typeface="Calibri" panose="020F0502020204030204" pitchFamily="34" charset="0"/>
               </a:rPr>
-              <a:t>by volume</a:t>
+              <a:t>the states with the lowest number of beers with high alcohol by volume as the best locations for the new brewery </a:t>
+            </a:r>
+            <a:r>
+              <a:rPr lang="en-US" dirty="0">
+                <a:latin typeface="Calibri" panose="020F0502020204030204" pitchFamily="34" charset="0"/>
+                <a:ea typeface="Times New Roman" panose="02020603050405020304" pitchFamily="18" charset="0"/>
+                <a:cs typeface="Calibri" panose="020F0502020204030204" pitchFamily="34" charset="0"/>
+              </a:rPr>
+              <a:t>would be essential.</a:t>
             </a:r>
             <a:endParaRPr lang="en-US" dirty="0">
               <a:effectLst/>
@@ -16197,7 +10498,7 @@
             <a:pPr algn="ctr"/>
             <a:r>
               <a:rPr lang="en-US" dirty="0"/>
-              <a:t>Highest ABV Among Beer Styles</a:t>
+              <a:t>HIGHEST ABV AMONG BEER STYLES</a:t>
             </a:r>
           </a:p>
         </p:txBody>
@@ -16294,7 +10595,7 @@
             <a:pPr algn="ctr"/>
             <a:r>
               <a:rPr lang="en-US" dirty="0"/>
-              <a:t>Most Brewed Style of Beer</a:t>
+              <a:t>MOST BREWED STYLE OF BEER</a:t>
             </a:r>
           </a:p>
         </p:txBody>
@@ -16373,7 +10674,13 @@
       </p:grpSpPr>
       <p:sp>
         <p:nvSpPr>
-          <p:cNvPr id="2" name="Title 1"/>
+          <p:cNvPr id="2" name="Title 1">
+            <a:extLst>
+              <a:ext uri="{FF2B5EF4-FFF2-40B4-BE49-F238E27FC236}">
+                <a16:creationId xmlns:a16="http://schemas.microsoft.com/office/drawing/2014/main" id="{13344B47-1D50-4006-9A0E-65F593B68A99}"/>
+              </a:ext>
+            </a:extLst>
+          </p:cNvPr>
           <p:cNvSpPr>
             <a:spLocks noGrp="1"/>
           </p:cNvSpPr>
@@ -16381,42 +10688,35 @@
             <p:ph type="title"/>
           </p:nvPr>
         </p:nvSpPr>
-        <p:spPr/>
+        <p:spPr>
+          <a:xfrm>
+            <a:off x="1295400" y="255134"/>
+            <a:ext cx="9652000" cy="1036850"/>
+          </a:xfrm>
+        </p:spPr>
         <p:txBody>
           <a:bodyPr/>
           <a:lstStyle/>
           <a:p>
+            <a:pPr algn="ctr"/>
             <a:r>
               <a:rPr lang="en-US" dirty="0"/>
-              <a:t>Title and Content Layout with Chart</a:t>
-            </a:r>
-          </a:p>
-        </p:txBody>
-      </p:sp>
-      <p:graphicFrame>
-        <p:nvGraphicFramePr>
-          <p:cNvPr id="6" name="Content Placeholder 5" descr="Clustered column chart representing&#10;3 series combination chart for 4 categories"/>
-          <p:cNvGraphicFramePr>
-            <a:graphicFrameLocks noGrp="1"/>
-          </p:cNvGraphicFramePr>
-          <p:nvPr>
-            <p:ph idx="1"/>
-          </p:nvPr>
-        </p:nvGraphicFramePr>
-        <p:xfrm>
-          <a:off x="1295400" y="1828800"/>
-          <a:ext cx="9601200" cy="4343400"/>
-        </p:xfrm>
-        <a:graphic>
-          <a:graphicData uri="http://schemas.openxmlformats.org/drawingml/2006/chart">
-            <c:chart xmlns:c="http://schemas.openxmlformats.org/drawingml/2006/chart" xmlns:r="http://schemas.openxmlformats.org/officeDocument/2006/relationships" r:id="rId2"/>
-          </a:graphicData>
-        </a:graphic>
-      </p:graphicFrame>
+              <a:t>STATES WITH THE MOST POPULAR </a:t>
+            </a:r>
+            <a:br>
+              <a:rPr lang="en-US" dirty="0"/>
+            </a:br>
+            <a:r>
+              <a:rPr lang="en-US" dirty="0"/>
+              <a:t>STYLES OF BEER</a:t>
+            </a:r>
+          </a:p>
+        </p:txBody>
+      </p:sp>
     </p:spTree>
     <p:extLst>
       <p:ext uri="{BB962C8B-B14F-4D97-AF65-F5344CB8AC3E}">
-        <p14:creationId xmlns:p14="http://schemas.microsoft.com/office/powerpoint/2010/main" val="147951608"/>
+        <p14:creationId xmlns:p14="http://schemas.microsoft.com/office/powerpoint/2010/main" val="3534499074"/>
       </p:ext>
     </p:extLst>
   </p:cSld>
@@ -16467,40 +10767,59 @@
         </p:nvSpPr>
         <p:spPr/>
         <p:txBody>
-          <a:bodyPr/>
+          <a:bodyPr>
+            <a:normAutofit fontScale="90000"/>
+          </a:bodyPr>
           <a:lstStyle/>
           <a:p>
-            <a:r>
-              <a:rPr lang="en-US" dirty="0"/>
-              <a:t>Title and Content Layout with Chart</a:t>
-            </a:r>
-          </a:p>
-        </p:txBody>
-      </p:sp>
-      <p:graphicFrame>
-        <p:nvGraphicFramePr>
-          <p:cNvPr id="6" name="Content Placeholder 5" descr="Clustered column chart representing&#10;3 series combination chart for 4 categories"/>
-          <p:cNvGraphicFramePr>
-            <a:graphicFrameLocks noGrp="1"/>
-          </p:cNvGraphicFramePr>
+            <a:pPr algn="ctr"/>
+            <a:r>
+              <a:rPr lang="en-US" sz="3600" dirty="0"/>
+              <a:t>THE STATES WITH THE MOST BEER STYLES </a:t>
+            </a:r>
+            <a:br>
+              <a:rPr lang="en-US" sz="3600" dirty="0"/>
+            </a:br>
+            <a:r>
+              <a:rPr lang="en-US" sz="3600" dirty="0"/>
+              <a:t>WITH LOWEST ABV</a:t>
+            </a:r>
+          </a:p>
+        </p:txBody>
+      </p:sp>
+      <p:pic>
+        <p:nvPicPr>
+          <p:cNvPr id="10" name="Content Placeholder 9">
+            <a:extLst>
+              <a:ext uri="{FF2B5EF4-FFF2-40B4-BE49-F238E27FC236}">
+                <a16:creationId xmlns:a16="http://schemas.microsoft.com/office/drawing/2014/main" id="{7958DA25-A3CD-4FD7-9236-91CD820732CB}"/>
+              </a:ext>
+            </a:extLst>
+          </p:cNvPr>
+          <p:cNvPicPr>
+            <a:picLocks noGrp="1" noChangeAspect="1"/>
+          </p:cNvPicPr>
           <p:nvPr>
             <p:ph idx="1"/>
           </p:nvPr>
-        </p:nvGraphicFramePr>
-        <p:xfrm>
-          <a:off x="1295400" y="1828800"/>
-          <a:ext cx="9601200" cy="4343400"/>
-        </p:xfrm>
-        <a:graphic>
-          <a:graphicData uri="http://schemas.openxmlformats.org/drawingml/2006/chart">
-            <c:chart xmlns:c="http://schemas.openxmlformats.org/drawingml/2006/chart" xmlns:r="http://schemas.openxmlformats.org/officeDocument/2006/relationships" r:id="rId2"/>
-          </a:graphicData>
-        </a:graphic>
-      </p:graphicFrame>
+        </p:nvPicPr>
+        <p:blipFill>
+          <a:blip r:embed="rId2"/>
+          <a:stretch>
+            <a:fillRect/>
+          </a:stretch>
+        </p:blipFill>
+        <p:spPr>
+          <a:xfrm>
+            <a:off x="1988190" y="1828800"/>
+            <a:ext cx="9499999" cy="4639112"/>
+          </a:xfrm>
+        </p:spPr>
+      </p:pic>
     </p:spTree>
     <p:extLst>
       <p:ext uri="{BB962C8B-B14F-4D97-AF65-F5344CB8AC3E}">
-        <p14:creationId xmlns:p14="http://schemas.microsoft.com/office/powerpoint/2010/main" val="1515987278"/>
+        <p14:creationId xmlns:p14="http://schemas.microsoft.com/office/powerpoint/2010/main" val="147951608"/>
       </p:ext>
     </p:extLst>
   </p:cSld>
@@ -16555,36 +10874,53 @@
           <a:lstStyle/>
           <a:p>
             <a:r>
-              <a:rPr lang="en-US" dirty="0"/>
-              <a:t>Title and Content Layout with Chart</a:t>
-            </a:r>
-          </a:p>
-        </p:txBody>
-      </p:sp>
-      <p:graphicFrame>
-        <p:nvGraphicFramePr>
-          <p:cNvPr id="6" name="Content Placeholder 5" descr="Clustered column chart representing&#10;3 series combination chart for 4 categories"/>
-          <p:cNvGraphicFramePr>
-            <a:graphicFrameLocks noGrp="1"/>
-          </p:cNvGraphicFramePr>
+              <a:rPr lang="en-US" sz="3200" dirty="0"/>
+              <a:t>THE STATES WITH THE MOST BEER STYLES </a:t>
+            </a:r>
+            <a:br>
+              <a:rPr lang="en-US" sz="3200" dirty="0"/>
+            </a:br>
+            <a:r>
+              <a:rPr lang="en-US" sz="3200" dirty="0"/>
+              <a:t>			WITH HIGHEST ABV</a:t>
+            </a:r>
+            <a:endParaRPr lang="en-US" dirty="0"/>
+          </a:p>
+        </p:txBody>
+      </p:sp>
+      <p:pic>
+        <p:nvPicPr>
+          <p:cNvPr id="7" name="Content Placeholder 6">
+            <a:extLst>
+              <a:ext uri="{FF2B5EF4-FFF2-40B4-BE49-F238E27FC236}">
+                <a16:creationId xmlns:a16="http://schemas.microsoft.com/office/drawing/2014/main" id="{9D90A395-3420-4953-ABD5-8E906CE50550}"/>
+              </a:ext>
+            </a:extLst>
+          </p:cNvPr>
+          <p:cNvPicPr>
+            <a:picLocks noGrp="1" noChangeAspect="1"/>
+          </p:cNvPicPr>
           <p:nvPr>
             <p:ph idx="1"/>
           </p:nvPr>
-        </p:nvGraphicFramePr>
-        <p:xfrm>
-          <a:off x="1295400" y="1828800"/>
-          <a:ext cx="9601200" cy="4343400"/>
-        </p:xfrm>
-        <a:graphic>
-          <a:graphicData uri="http://schemas.openxmlformats.org/drawingml/2006/chart">
-            <c:chart xmlns:c="http://schemas.openxmlformats.org/drawingml/2006/chart" xmlns:r="http://schemas.openxmlformats.org/officeDocument/2006/relationships" r:id="rId2"/>
-          </a:graphicData>
-        </a:graphic>
-      </p:graphicFrame>
+        </p:nvPicPr>
+        <p:blipFill>
+          <a:blip r:embed="rId2"/>
+          <a:stretch>
+            <a:fillRect/>
+          </a:stretch>
+        </p:blipFill>
+        <p:spPr>
+          <a:xfrm>
+            <a:off x="3692348" y="1890590"/>
+            <a:ext cx="5515152" cy="4866169"/>
+          </a:xfrm>
+        </p:spPr>
+      </p:pic>
     </p:spTree>
     <p:extLst>
       <p:ext uri="{BB962C8B-B14F-4D97-AF65-F5344CB8AC3E}">
-        <p14:creationId xmlns:p14="http://schemas.microsoft.com/office/powerpoint/2010/main" val="3453114302"/>
+        <p14:creationId xmlns:p14="http://schemas.microsoft.com/office/powerpoint/2010/main" val="1515987278"/>
       </p:ext>
     </p:extLst>
   </p:cSld>
@@ -16638,37 +10974,39 @@
           <a:bodyPr/>
           <a:lstStyle/>
           <a:p>
-            <a:r>
-              <a:rPr lang="en-US" dirty="0"/>
-              <a:t>Title and Content Layout with Chart</a:t>
-            </a:r>
-          </a:p>
-        </p:txBody>
-      </p:sp>
-      <p:graphicFrame>
-        <p:nvGraphicFramePr>
-          <p:cNvPr id="6" name="Content Placeholder 5" descr="Clustered column chart representing&#10;3 series combination chart for 4 categories"/>
-          <p:cNvGraphicFramePr>
-            <a:graphicFrameLocks noGrp="1"/>
-          </p:cNvGraphicFramePr>
+            <a:endParaRPr lang="en-US" dirty="0"/>
+          </a:p>
+        </p:txBody>
+      </p:sp>
+      <p:sp>
+        <p:nvSpPr>
+          <p:cNvPr id="4" name="Content Placeholder 3">
+            <a:extLst>
+              <a:ext uri="{FF2B5EF4-FFF2-40B4-BE49-F238E27FC236}">
+                <a16:creationId xmlns:a16="http://schemas.microsoft.com/office/drawing/2014/main" id="{9608C667-5F8C-4B6A-A038-9259A2F87FFE}"/>
+              </a:ext>
+            </a:extLst>
+          </p:cNvPr>
+          <p:cNvSpPr>
+            <a:spLocks noGrp="1"/>
+          </p:cNvSpPr>
           <p:nvPr>
             <p:ph idx="1"/>
           </p:nvPr>
-        </p:nvGraphicFramePr>
-        <p:xfrm>
-          <a:off x="1295400" y="1828800"/>
-          <a:ext cx="9601200" cy="4343400"/>
-        </p:xfrm>
-        <a:graphic>
-          <a:graphicData uri="http://schemas.openxmlformats.org/drawingml/2006/chart">
-            <c:chart xmlns:c="http://schemas.openxmlformats.org/drawingml/2006/chart" xmlns:r="http://schemas.openxmlformats.org/officeDocument/2006/relationships" r:id="rId2"/>
-          </a:graphicData>
-        </a:graphic>
-      </p:graphicFrame>
+        </p:nvSpPr>
+        <p:spPr/>
+        <p:txBody>
+          <a:bodyPr/>
+          <a:lstStyle/>
+          <a:p>
+            <a:endParaRPr lang="en-US"/>
+          </a:p>
+        </p:txBody>
+      </p:sp>
     </p:spTree>
     <p:extLst>
       <p:ext uri="{BB962C8B-B14F-4D97-AF65-F5344CB8AC3E}">
-        <p14:creationId xmlns:p14="http://schemas.microsoft.com/office/powerpoint/2010/main" val="606315968"/>
+        <p14:creationId xmlns:p14="http://schemas.microsoft.com/office/powerpoint/2010/main" val="3453114302"/>
       </p:ext>
     </p:extLst>
   </p:cSld>

--- a/presentation.pptx
+++ b/presentation.pptx
@@ -139,12 +139,151 @@
 <p1510:revInfo xmlns:a="http://schemas.openxmlformats.org/drawingml/2006/main" xmlns:r="http://schemas.openxmlformats.org/officeDocument/2006/relationships" xmlns:p1510="http://schemas.microsoft.com/office/powerpoint/2015/10/main">
   <p1510:revLst>
     <p1510:client id="{7E24A39F-0D87-4E33-94B7-E787E42C6DAC}" v="3" dt="2021-07-31T20:52:22.737"/>
+    <p1510:client id="{B9E9EEF3-C588-46BB-9AAD-B038E7A68C32}" v="2" dt="2021-08-01T18:49:53.894"/>
   </p1510:revLst>
 </p1510:revInfo>
 </file>
 
 <file path=ppt/changesInfos/changesInfo1.xml><?xml version="1.0" encoding="utf-8"?>
 <pc:chgInfo xmlns:a="http://schemas.openxmlformats.org/drawingml/2006/main" xmlns:r="http://schemas.openxmlformats.org/officeDocument/2006/relationships" xmlns:ac="http://schemas.microsoft.com/office/drawing/2013/main/command" xmlns:pc="http://schemas.microsoft.com/office/powerpoint/2013/main/command">
+  <pc:docChgLst>
+    <pc:chgData name="Grey Hardy" userId="be27e65c1c4cc39e" providerId="LiveId" clId="{B9E9EEF3-C588-46BB-9AAD-B038E7A68C32}"/>
+    <pc:docChg chg="custSel modSld">
+      <pc:chgData name="Grey Hardy" userId="be27e65c1c4cc39e" providerId="LiveId" clId="{B9E9EEF3-C588-46BB-9AAD-B038E7A68C32}" dt="2021-08-01T18:55:25.751" v="320" actId="1076"/>
+      <pc:docMkLst>
+        <pc:docMk/>
+      </pc:docMkLst>
+      <pc:sldChg chg="modSp mod">
+        <pc:chgData name="Grey Hardy" userId="be27e65c1c4cc39e" providerId="LiveId" clId="{B9E9EEF3-C588-46BB-9AAD-B038E7A68C32}" dt="2021-08-01T18:51:38.752" v="68" actId="20577"/>
+        <pc:sldMkLst>
+          <pc:docMk/>
+          <pc:sldMk cId="3639872359" sldId="258"/>
+        </pc:sldMkLst>
+        <pc:spChg chg="mod">
+          <ac:chgData name="Grey Hardy" userId="be27e65c1c4cc39e" providerId="LiveId" clId="{B9E9EEF3-C588-46BB-9AAD-B038E7A68C32}" dt="2021-08-01T18:51:38.752" v="68" actId="20577"/>
+          <ac:spMkLst>
+            <pc:docMk/>
+            <pc:sldMk cId="3639872359" sldId="258"/>
+            <ac:spMk id="2" creationId="{00000000-0000-0000-0000-000000000000}"/>
+          </ac:spMkLst>
+        </pc:spChg>
+      </pc:sldChg>
+      <pc:sldChg chg="modSp mod">
+        <pc:chgData name="Grey Hardy" userId="be27e65c1c4cc39e" providerId="LiveId" clId="{B9E9EEF3-C588-46BB-9AAD-B038E7A68C32}" dt="2021-08-01T18:51:54.071" v="87" actId="20577"/>
+        <pc:sldMkLst>
+          <pc:docMk/>
+          <pc:sldMk cId="3574231650" sldId="259"/>
+        </pc:sldMkLst>
+        <pc:spChg chg="mod">
+          <ac:chgData name="Grey Hardy" userId="be27e65c1c4cc39e" providerId="LiveId" clId="{B9E9EEF3-C588-46BB-9AAD-B038E7A68C32}" dt="2021-08-01T18:51:54.071" v="87" actId="20577"/>
+          <ac:spMkLst>
+            <pc:docMk/>
+            <pc:sldMk cId="3574231650" sldId="259"/>
+            <ac:spMk id="2" creationId="{00000000-0000-0000-0000-000000000000}"/>
+          </ac:spMkLst>
+        </pc:spChg>
+      </pc:sldChg>
+      <pc:sldChg chg="modSp mod">
+        <pc:chgData name="Grey Hardy" userId="be27e65c1c4cc39e" providerId="LiveId" clId="{B9E9EEF3-C588-46BB-9AAD-B038E7A68C32}" dt="2021-08-01T18:51:32.561" v="62" actId="20577"/>
+        <pc:sldMkLst>
+          <pc:docMk/>
+          <pc:sldMk cId="4040915266" sldId="270"/>
+        </pc:sldMkLst>
+        <pc:spChg chg="mod">
+          <ac:chgData name="Grey Hardy" userId="be27e65c1c4cc39e" providerId="LiveId" clId="{B9E9EEF3-C588-46BB-9AAD-B038E7A68C32}" dt="2021-08-01T18:51:32.561" v="62" actId="20577"/>
+          <ac:spMkLst>
+            <pc:docMk/>
+            <pc:sldMk cId="4040915266" sldId="270"/>
+            <ac:spMk id="2" creationId="{00000000-0000-0000-0000-000000000000}"/>
+          </ac:spMkLst>
+        </pc:spChg>
+      </pc:sldChg>
+      <pc:sldChg chg="modSp mod">
+        <pc:chgData name="Grey Hardy" userId="be27e65c1c4cc39e" providerId="LiveId" clId="{B9E9EEF3-C588-46BB-9AAD-B038E7A68C32}" dt="2021-08-01T18:52:14.491" v="113" actId="20577"/>
+        <pc:sldMkLst>
+          <pc:docMk/>
+          <pc:sldMk cId="3751628259" sldId="271"/>
+        </pc:sldMkLst>
+        <pc:spChg chg="mod">
+          <ac:chgData name="Grey Hardy" userId="be27e65c1c4cc39e" providerId="LiveId" clId="{B9E9EEF3-C588-46BB-9AAD-B038E7A68C32}" dt="2021-08-01T18:52:14.491" v="113" actId="20577"/>
+          <ac:spMkLst>
+            <pc:docMk/>
+            <pc:sldMk cId="3751628259" sldId="271"/>
+            <ac:spMk id="2" creationId="{00000000-0000-0000-0000-000000000000}"/>
+          </ac:spMkLst>
+        </pc:spChg>
+      </pc:sldChg>
+      <pc:sldChg chg="modSp mod">
+        <pc:chgData name="Grey Hardy" userId="be27e65c1c4cc39e" providerId="LiveId" clId="{B9E9EEF3-C588-46BB-9AAD-B038E7A68C32}" dt="2021-08-01T18:53:49.900" v="243" actId="1076"/>
+        <pc:sldMkLst>
+          <pc:docMk/>
+          <pc:sldMk cId="147951608" sldId="273"/>
+        </pc:sldMkLst>
+        <pc:spChg chg="mod">
+          <ac:chgData name="Grey Hardy" userId="be27e65c1c4cc39e" providerId="LiveId" clId="{B9E9EEF3-C588-46BB-9AAD-B038E7A68C32}" dt="2021-08-01T18:53:49.900" v="243" actId="1076"/>
+          <ac:spMkLst>
+            <pc:docMk/>
+            <pc:sldMk cId="147951608" sldId="273"/>
+            <ac:spMk id="2" creationId="{00000000-0000-0000-0000-000000000000}"/>
+          </ac:spMkLst>
+        </pc:spChg>
+      </pc:sldChg>
+      <pc:sldChg chg="modSp mod">
+        <pc:chgData name="Grey Hardy" userId="be27e65c1c4cc39e" providerId="LiveId" clId="{B9E9EEF3-C588-46BB-9AAD-B038E7A68C32}" dt="2021-08-01T18:55:25.751" v="320" actId="1076"/>
+        <pc:sldMkLst>
+          <pc:docMk/>
+          <pc:sldMk cId="1515987278" sldId="274"/>
+        </pc:sldMkLst>
+        <pc:spChg chg="mod">
+          <ac:chgData name="Grey Hardy" userId="be27e65c1c4cc39e" providerId="LiveId" clId="{B9E9EEF3-C588-46BB-9AAD-B038E7A68C32}" dt="2021-08-01T18:55:25.751" v="320" actId="1076"/>
+          <ac:spMkLst>
+            <pc:docMk/>
+            <pc:sldMk cId="1515987278" sldId="274"/>
+            <ac:spMk id="2" creationId="{00000000-0000-0000-0000-000000000000}"/>
+          </ac:spMkLst>
+        </pc:spChg>
+      </pc:sldChg>
+      <pc:sldChg chg="addSp delSp modSp mod">
+        <pc:chgData name="Grey Hardy" userId="be27e65c1c4cc39e" providerId="LiveId" clId="{B9E9EEF3-C588-46BB-9AAD-B038E7A68C32}" dt="2021-08-01T18:52:54.538" v="160" actId="6549"/>
+        <pc:sldMkLst>
+          <pc:docMk/>
+          <pc:sldMk cId="3534499074" sldId="279"/>
+        </pc:sldMkLst>
+        <pc:spChg chg="mod">
+          <ac:chgData name="Grey Hardy" userId="be27e65c1c4cc39e" providerId="LiveId" clId="{B9E9EEF3-C588-46BB-9AAD-B038E7A68C32}" dt="2021-08-01T18:52:54.538" v="160" actId="6549"/>
+          <ac:spMkLst>
+            <pc:docMk/>
+            <pc:sldMk cId="3534499074" sldId="279"/>
+            <ac:spMk id="2" creationId="{13344B47-1D50-4006-9A0E-65F593B68A99}"/>
+          </ac:spMkLst>
+        </pc:spChg>
+        <pc:spChg chg="add del">
+          <ac:chgData name="Grey Hardy" userId="be27e65c1c4cc39e" providerId="LiveId" clId="{B9E9EEF3-C588-46BB-9AAD-B038E7A68C32}" dt="2021-08-01T18:49:53.894" v="36"/>
+          <ac:spMkLst>
+            <pc:docMk/>
+            <pc:sldMk cId="3534499074" sldId="279"/>
+            <ac:spMk id="3" creationId="{29FF328F-83F4-4969-BB9A-01CD3FFFD7F4}"/>
+          </ac:spMkLst>
+        </pc:spChg>
+        <pc:picChg chg="add del mod">
+          <ac:chgData name="Grey Hardy" userId="be27e65c1c4cc39e" providerId="LiveId" clId="{B9E9EEF3-C588-46BB-9AAD-B038E7A68C32}" dt="2021-08-01T18:51:02.476" v="46" actId="478"/>
+          <ac:picMkLst>
+            <pc:docMk/>
+            <pc:sldMk cId="3534499074" sldId="279"/>
+            <ac:picMk id="5" creationId="{1EFA147C-4E6E-47F7-8F0B-D211EE79FE0C}"/>
+          </ac:picMkLst>
+        </pc:picChg>
+        <pc:picChg chg="add mod">
+          <ac:chgData name="Grey Hardy" userId="be27e65c1c4cc39e" providerId="LiveId" clId="{B9E9EEF3-C588-46BB-9AAD-B038E7A68C32}" dt="2021-08-01T18:51:09.304" v="49" actId="1076"/>
+          <ac:picMkLst>
+            <pc:docMk/>
+            <pc:sldMk cId="3534499074" sldId="279"/>
+            <ac:picMk id="7" creationId="{6B02B601-73D1-4A8B-A39C-F8BE2FC338FD}"/>
+          </ac:picMkLst>
+        </pc:picChg>
+      </pc:sldChg>
+    </pc:docChg>
+  </pc:docChgLst>
   <pc:docChgLst>
     <pc:chgData name="Grey Hardy" userId="be27e65c1c4cc39e" providerId="LiveId" clId="{7E24A39F-0D87-4E33-94B7-E787E42C6DAC}"/>
     <pc:docChg chg="custSel addSld delSld modSld">
@@ -10157,7 +10296,7 @@
             <a:pPr algn="ctr"/>
             <a:r>
               <a:rPr lang="en-US" dirty="0"/>
-              <a:t>AGENDA</a:t>
+              <a:t>Agenda</a:t>
             </a:r>
           </a:p>
         </p:txBody>
@@ -10258,7 +10397,7 @@
             <a:pPr algn="ctr"/>
             <a:r>
               <a:rPr lang="en-US" dirty="0"/>
-              <a:t>BUSINESS CASE</a:t>
+              <a:t>Business Case</a:t>
             </a:r>
           </a:p>
         </p:txBody>
@@ -10498,7 +10637,7 @@
             <a:pPr algn="ctr"/>
             <a:r>
               <a:rPr lang="en-US" dirty="0"/>
-              <a:t>HIGHEST ABV AMONG BEER STYLES</a:t>
+              <a:t>Highest ABV Among Beer Styles</a:t>
             </a:r>
           </a:p>
         </p:txBody>
@@ -10595,7 +10734,7 @@
             <a:pPr algn="ctr"/>
             <a:r>
               <a:rPr lang="en-US" dirty="0"/>
-              <a:t>MOST BREWED STYLE OF BEER</a:t>
+              <a:t>Most Brewed Style of Beer</a:t>
             </a:r>
           </a:p>
         </p:txBody>
@@ -10700,19 +10839,50 @@
           <a:p>
             <a:pPr algn="ctr"/>
             <a:r>
-              <a:rPr lang="en-US" dirty="0"/>
-              <a:t>STATES WITH THE MOST POPULAR </a:t>
+              <a:rPr lang="en-US" sz="3200" dirty="0"/>
+              <a:t>The States with the Most Beer Styles </a:t>
             </a:r>
             <a:br>
-              <a:rPr lang="en-US" dirty="0"/>
+              <a:rPr lang="en-US" sz="3200" dirty="0"/>
             </a:br>
             <a:r>
-              <a:rPr lang="en-US" dirty="0"/>
-              <a:t>STYLES OF BEER</a:t>
-            </a:r>
-          </a:p>
-        </p:txBody>
-      </p:sp>
+              <a:rPr lang="en-US" sz="3200" dirty="0"/>
+              <a:t>with Lowest ABV</a:t>
+            </a:r>
+            <a:endParaRPr lang="en-US" dirty="0"/>
+          </a:p>
+        </p:txBody>
+      </p:sp>
+      <p:pic>
+        <p:nvPicPr>
+          <p:cNvPr id="7" name="Picture 6" descr="Background pattern&#10;&#10;Description automatically generated">
+            <a:extLst>
+              <a:ext uri="{FF2B5EF4-FFF2-40B4-BE49-F238E27FC236}">
+                <a16:creationId xmlns:a16="http://schemas.microsoft.com/office/drawing/2014/main" id="{6B02B601-73D1-4A8B-A39C-F8BE2FC338FD}"/>
+              </a:ext>
+            </a:extLst>
+          </p:cNvPr>
+          <p:cNvPicPr>
+            <a:picLocks noChangeAspect="1"/>
+          </p:cNvPicPr>
+          <p:nvPr/>
+        </p:nvPicPr>
+        <p:blipFill>
+          <a:blip r:embed="rId2"/>
+          <a:stretch>
+            <a:fillRect/>
+          </a:stretch>
+        </p:blipFill>
+        <p:spPr>
+          <a:xfrm>
+            <a:off x="1217842" y="1600130"/>
+            <a:ext cx="10068993" cy="5257870"/>
+          </a:xfrm>
+          <a:prstGeom prst="rect">
+            <a:avLst/>
+          </a:prstGeom>
+        </p:spPr>
+      </p:pic>
     </p:spTree>
     <p:extLst>
       <p:ext uri="{BB962C8B-B14F-4D97-AF65-F5344CB8AC3E}">
@@ -10765,7 +10935,12 @@
             <p:ph type="title"/>
           </p:nvPr>
         </p:nvSpPr>
-        <p:spPr/>
+        <p:spPr>
+          <a:xfrm>
+            <a:off x="1295399" y="242306"/>
+            <a:ext cx="10120745" cy="901896"/>
+          </a:xfrm>
+        </p:spPr>
         <p:txBody>
           <a:bodyPr>
             <a:normAutofit fontScale="90000"/>
@@ -10775,14 +10950,7 @@
             <a:pPr algn="ctr"/>
             <a:r>
               <a:rPr lang="en-US" sz="3600" dirty="0"/>
-              <a:t>THE STATES WITH THE MOST BEER STYLES </a:t>
-            </a:r>
-            <a:br>
-              <a:rPr lang="en-US" sz="3600" dirty="0"/>
-            </a:br>
-            <a:r>
-              <a:rPr lang="en-US" sz="3600" dirty="0"/>
-              <a:t>WITH LOWEST ABV</a:t>
+              <a:t>The States with the Most Beer Styles with Highest ABV</a:t>
             </a:r>
           </a:p>
         </p:txBody>
@@ -10868,23 +11036,26 @@
             <p:ph type="title"/>
           </p:nvPr>
         </p:nvSpPr>
-        <p:spPr/>
-        <p:txBody>
-          <a:bodyPr/>
+        <p:spPr>
+          <a:xfrm>
+            <a:off x="1313874" y="609599"/>
+            <a:ext cx="10093036" cy="747039"/>
+          </a:xfrm>
+        </p:spPr>
+        <p:txBody>
+          <a:bodyPr>
+            <a:normAutofit/>
+          </a:bodyPr>
           <a:lstStyle/>
           <a:p>
             <a:r>
               <a:rPr lang="en-US" sz="3200" dirty="0"/>
-              <a:t>THE STATES WITH THE MOST BEER STYLES </a:t>
-            </a:r>
-            <a:br>
-              <a:rPr lang="en-US" sz="3200" dirty="0"/>
-            </a:br>
-            <a:r>
-              <a:rPr lang="en-US" sz="3200" dirty="0"/>
-              <a:t>			WITH HIGHEST ABV</a:t>
-            </a:r>
-            <a:endParaRPr lang="en-US" dirty="0"/>
+              <a:t>The </a:t>
+            </a:r>
+            <a:r>
+              <a:rPr lang="en-US" dirty="0"/>
+              <a:t>States with the Most Beer styles with Highest ABV</a:t>
+            </a:r>
           </a:p>
         </p:txBody>
       </p:sp>

--- a/presentation.pptx
+++ b/presentation.pptx
@@ -425,995 +425,6 @@
     </pc:docChg>
   </pc:docChgLst>
 </pc:chgInfo>
-</file>
-
-<file path=ppt/charts/chart1.xml><?xml version="1.0" encoding="utf-8"?>
-<c:chartSpace xmlns:c="http://schemas.openxmlformats.org/drawingml/2006/chart" xmlns:a="http://schemas.openxmlformats.org/drawingml/2006/main" xmlns:r="http://schemas.openxmlformats.org/officeDocument/2006/relationships" xmlns:c16r2="http://schemas.microsoft.com/office/drawing/2015/06/chart">
-  <c:date1904 val="0"/>
-  <c:lang val="en-US"/>
-  <c:roundedCorners val="0"/>
-  <mc:AlternateContent xmlns:mc="http://schemas.openxmlformats.org/markup-compatibility/2006">
-    <mc:Choice xmlns:c14="http://schemas.microsoft.com/office/drawing/2007/8/2/chart" Requires="c14">
-      <c14:style val="102"/>
-    </mc:Choice>
-    <mc:Fallback>
-      <c:style val="2"/>
-    </mc:Fallback>
-  </mc:AlternateContent>
-  <c:chart>
-    <c:autoTitleDeleted val="1"/>
-    <c:plotArea>
-      <c:layout/>
-      <c:barChart>
-        <c:barDir val="col"/>
-        <c:grouping val="clustered"/>
-        <c:varyColors val="0"/>
-        <c:ser>
-          <c:idx val="0"/>
-          <c:order val="0"/>
-          <c:tx>
-            <c:strRef>
-              <c:f>Sheet1!$B$1</c:f>
-              <c:strCache>
-                <c:ptCount val="1"/>
-                <c:pt idx="0">
-                  <c:v>Series 1</c:v>
-                </c:pt>
-              </c:strCache>
-            </c:strRef>
-          </c:tx>
-          <c:spPr>
-            <a:gradFill rotWithShape="1">
-              <a:gsLst>
-                <a:gs pos="0">
-                  <a:schemeClr val="accent1">
-                    <a:satMod val="103000"/>
-                    <a:lumMod val="102000"/>
-                    <a:tint val="94000"/>
-                  </a:schemeClr>
-                </a:gs>
-                <a:gs pos="50000">
-                  <a:schemeClr val="accent1">
-                    <a:satMod val="110000"/>
-                    <a:lumMod val="100000"/>
-                    <a:shade val="100000"/>
-                  </a:schemeClr>
-                </a:gs>
-                <a:gs pos="100000">
-                  <a:schemeClr val="accent1">
-                    <a:lumMod val="99000"/>
-                    <a:satMod val="120000"/>
-                    <a:shade val="78000"/>
-                  </a:schemeClr>
-                </a:gs>
-              </a:gsLst>
-              <a:lin ang="5400000" scaled="0"/>
-            </a:gradFill>
-            <a:ln>
-              <a:noFill/>
-            </a:ln>
-            <a:effectLst/>
-          </c:spPr>
-          <c:invertIfNegative val="0"/>
-          <c:cat>
-            <c:strRef>
-              <c:f>Sheet1!$A$2:$A$5</c:f>
-              <c:strCache>
-                <c:ptCount val="4"/>
-                <c:pt idx="0">
-                  <c:v>Category 1</c:v>
-                </c:pt>
-                <c:pt idx="1">
-                  <c:v>Category 2</c:v>
-                </c:pt>
-                <c:pt idx="2">
-                  <c:v>Category 3</c:v>
-                </c:pt>
-                <c:pt idx="3">
-                  <c:v>Category 4</c:v>
-                </c:pt>
-              </c:strCache>
-            </c:strRef>
-          </c:cat>
-          <c:val>
-            <c:numRef>
-              <c:f>Sheet1!$B$2:$B$5</c:f>
-              <c:numCache>
-                <c:formatCode>General</c:formatCode>
-                <c:ptCount val="4"/>
-                <c:pt idx="0">
-                  <c:v>4.3</c:v>
-                </c:pt>
-                <c:pt idx="1">
-                  <c:v>2.5</c:v>
-                </c:pt>
-                <c:pt idx="2">
-                  <c:v>3.5</c:v>
-                </c:pt>
-                <c:pt idx="3">
-                  <c:v>4.5</c:v>
-                </c:pt>
-              </c:numCache>
-            </c:numRef>
-          </c:val>
-          <c:extLst>
-            <c:ext xmlns:c16="http://schemas.microsoft.com/office/drawing/2014/chart" uri="{C3380CC4-5D6E-409C-BE32-E72D297353CC}">
-              <c16:uniqueId val="{00000000-A655-4A76-B9D5-8F6E90FF977F}"/>
-            </c:ext>
-          </c:extLst>
-        </c:ser>
-        <c:ser>
-          <c:idx val="1"/>
-          <c:order val="1"/>
-          <c:tx>
-            <c:strRef>
-              <c:f>Sheet1!$C$1</c:f>
-              <c:strCache>
-                <c:ptCount val="1"/>
-                <c:pt idx="0">
-                  <c:v>Series 2</c:v>
-                </c:pt>
-              </c:strCache>
-            </c:strRef>
-          </c:tx>
-          <c:spPr>
-            <a:gradFill rotWithShape="1">
-              <a:gsLst>
-                <a:gs pos="0">
-                  <a:schemeClr val="accent2">
-                    <a:satMod val="103000"/>
-                    <a:lumMod val="102000"/>
-                    <a:tint val="94000"/>
-                  </a:schemeClr>
-                </a:gs>
-                <a:gs pos="50000">
-                  <a:schemeClr val="accent2">
-                    <a:satMod val="110000"/>
-                    <a:lumMod val="100000"/>
-                    <a:shade val="100000"/>
-                  </a:schemeClr>
-                </a:gs>
-                <a:gs pos="100000">
-                  <a:schemeClr val="accent2">
-                    <a:lumMod val="99000"/>
-                    <a:satMod val="120000"/>
-                    <a:shade val="78000"/>
-                  </a:schemeClr>
-                </a:gs>
-              </a:gsLst>
-              <a:lin ang="5400000" scaled="0"/>
-            </a:gradFill>
-            <a:ln>
-              <a:noFill/>
-            </a:ln>
-            <a:effectLst/>
-          </c:spPr>
-          <c:invertIfNegative val="0"/>
-          <c:cat>
-            <c:strRef>
-              <c:f>Sheet1!$A$2:$A$5</c:f>
-              <c:strCache>
-                <c:ptCount val="4"/>
-                <c:pt idx="0">
-                  <c:v>Category 1</c:v>
-                </c:pt>
-                <c:pt idx="1">
-                  <c:v>Category 2</c:v>
-                </c:pt>
-                <c:pt idx="2">
-                  <c:v>Category 3</c:v>
-                </c:pt>
-                <c:pt idx="3">
-                  <c:v>Category 4</c:v>
-                </c:pt>
-              </c:strCache>
-            </c:strRef>
-          </c:cat>
-          <c:val>
-            <c:numRef>
-              <c:f>Sheet1!$C$2:$C$5</c:f>
-              <c:numCache>
-                <c:formatCode>General</c:formatCode>
-                <c:ptCount val="4"/>
-                <c:pt idx="0">
-                  <c:v>2.4</c:v>
-                </c:pt>
-                <c:pt idx="1">
-                  <c:v>4.4000000000000004</c:v>
-                </c:pt>
-                <c:pt idx="2">
-                  <c:v>1.8</c:v>
-                </c:pt>
-                <c:pt idx="3">
-                  <c:v>2.8</c:v>
-                </c:pt>
-              </c:numCache>
-            </c:numRef>
-          </c:val>
-          <c:extLst>
-            <c:ext xmlns:c16="http://schemas.microsoft.com/office/drawing/2014/chart" uri="{C3380CC4-5D6E-409C-BE32-E72D297353CC}">
-              <c16:uniqueId val="{00000001-A655-4A76-B9D5-8F6E90FF977F}"/>
-            </c:ext>
-          </c:extLst>
-        </c:ser>
-        <c:ser>
-          <c:idx val="2"/>
-          <c:order val="2"/>
-          <c:tx>
-            <c:strRef>
-              <c:f>Sheet1!$D$1</c:f>
-              <c:strCache>
-                <c:ptCount val="1"/>
-                <c:pt idx="0">
-                  <c:v>Series 3</c:v>
-                </c:pt>
-              </c:strCache>
-            </c:strRef>
-          </c:tx>
-          <c:spPr>
-            <a:gradFill rotWithShape="1">
-              <a:gsLst>
-                <a:gs pos="0">
-                  <a:schemeClr val="accent3">
-                    <a:satMod val="103000"/>
-                    <a:lumMod val="102000"/>
-                    <a:tint val="94000"/>
-                  </a:schemeClr>
-                </a:gs>
-                <a:gs pos="50000">
-                  <a:schemeClr val="accent3">
-                    <a:satMod val="110000"/>
-                    <a:lumMod val="100000"/>
-                    <a:shade val="100000"/>
-                  </a:schemeClr>
-                </a:gs>
-                <a:gs pos="100000">
-                  <a:schemeClr val="accent3">
-                    <a:lumMod val="99000"/>
-                    <a:satMod val="120000"/>
-                    <a:shade val="78000"/>
-                  </a:schemeClr>
-                </a:gs>
-              </a:gsLst>
-              <a:lin ang="5400000" scaled="0"/>
-            </a:gradFill>
-            <a:ln>
-              <a:noFill/>
-            </a:ln>
-            <a:effectLst/>
-          </c:spPr>
-          <c:invertIfNegative val="0"/>
-          <c:cat>
-            <c:strRef>
-              <c:f>Sheet1!$A$2:$A$5</c:f>
-              <c:strCache>
-                <c:ptCount val="4"/>
-                <c:pt idx="0">
-                  <c:v>Category 1</c:v>
-                </c:pt>
-                <c:pt idx="1">
-                  <c:v>Category 2</c:v>
-                </c:pt>
-                <c:pt idx="2">
-                  <c:v>Category 3</c:v>
-                </c:pt>
-                <c:pt idx="3">
-                  <c:v>Category 4</c:v>
-                </c:pt>
-              </c:strCache>
-            </c:strRef>
-          </c:cat>
-          <c:val>
-            <c:numRef>
-              <c:f>Sheet1!$D$2:$D$5</c:f>
-              <c:numCache>
-                <c:formatCode>General</c:formatCode>
-                <c:ptCount val="4"/>
-                <c:pt idx="0">
-                  <c:v>2</c:v>
-                </c:pt>
-                <c:pt idx="1">
-                  <c:v>2</c:v>
-                </c:pt>
-                <c:pt idx="2">
-                  <c:v>3</c:v>
-                </c:pt>
-                <c:pt idx="3">
-                  <c:v>5</c:v>
-                </c:pt>
-              </c:numCache>
-            </c:numRef>
-          </c:val>
-          <c:extLst>
-            <c:ext xmlns:c16="http://schemas.microsoft.com/office/drawing/2014/chart" uri="{C3380CC4-5D6E-409C-BE32-E72D297353CC}">
-              <c16:uniqueId val="{00000002-A655-4A76-B9D5-8F6E90FF977F}"/>
-            </c:ext>
-          </c:extLst>
-        </c:ser>
-        <c:dLbls>
-          <c:showLegendKey val="0"/>
-          <c:showVal val="0"/>
-          <c:showCatName val="0"/>
-          <c:showSerName val="0"/>
-          <c:showPercent val="0"/>
-          <c:showBubbleSize val="0"/>
-        </c:dLbls>
-        <c:gapWidth val="100"/>
-        <c:overlap val="-24"/>
-        <c:axId val="355301032"/>
-        <c:axId val="355303776"/>
-      </c:barChart>
-      <c:catAx>
-        <c:axId val="355301032"/>
-        <c:scaling>
-          <c:orientation val="minMax"/>
-        </c:scaling>
-        <c:delete val="0"/>
-        <c:axPos val="b"/>
-        <c:numFmt formatCode="General" sourceLinked="1"/>
-        <c:majorTickMark val="none"/>
-        <c:minorTickMark val="none"/>
-        <c:tickLblPos val="nextTo"/>
-        <c:spPr>
-          <a:noFill/>
-          <a:ln w="9525" cap="flat" cmpd="sng" algn="ctr">
-            <a:solidFill>
-              <a:schemeClr val="tx2">
-                <a:lumMod val="15000"/>
-                <a:lumOff val="85000"/>
-              </a:schemeClr>
-            </a:solidFill>
-            <a:round/>
-          </a:ln>
-          <a:effectLst/>
-        </c:spPr>
-        <c:txPr>
-          <a:bodyPr rot="-60000000" spcFirstLastPara="1" vertOverflow="ellipsis" vert="horz" wrap="square" anchor="ctr" anchorCtr="1"/>
-          <a:lstStyle/>
-          <a:p>
-            <a:pPr>
-              <a:defRPr sz="1197" b="0" i="0" u="none" strike="noStrike" kern="1200" baseline="0">
-                <a:solidFill>
-                  <a:schemeClr val="tx2"/>
-                </a:solidFill>
-                <a:latin typeface="+mn-lt"/>
-                <a:ea typeface="+mn-ea"/>
-                <a:cs typeface="+mn-cs"/>
-              </a:defRPr>
-            </a:pPr>
-            <a:endParaRPr lang="en-US"/>
-          </a:p>
-        </c:txPr>
-        <c:crossAx val="355303776"/>
-        <c:crosses val="autoZero"/>
-        <c:auto val="1"/>
-        <c:lblAlgn val="ctr"/>
-        <c:lblOffset val="100"/>
-        <c:noMultiLvlLbl val="0"/>
-      </c:catAx>
-      <c:valAx>
-        <c:axId val="355303776"/>
-        <c:scaling>
-          <c:orientation val="minMax"/>
-        </c:scaling>
-        <c:delete val="0"/>
-        <c:axPos val="l"/>
-        <c:majorGridlines>
-          <c:spPr>
-            <a:ln w="9525" cap="flat" cmpd="sng" algn="ctr">
-              <a:solidFill>
-                <a:schemeClr val="tx2">
-                  <a:lumMod val="15000"/>
-                  <a:lumOff val="85000"/>
-                </a:schemeClr>
-              </a:solidFill>
-              <a:round/>
-            </a:ln>
-            <a:effectLst/>
-          </c:spPr>
-        </c:majorGridlines>
-        <c:numFmt formatCode="General" sourceLinked="1"/>
-        <c:majorTickMark val="none"/>
-        <c:minorTickMark val="none"/>
-        <c:tickLblPos val="nextTo"/>
-        <c:spPr>
-          <a:noFill/>
-          <a:ln>
-            <a:noFill/>
-          </a:ln>
-          <a:effectLst/>
-        </c:spPr>
-        <c:txPr>
-          <a:bodyPr rot="-60000000" spcFirstLastPara="1" vertOverflow="ellipsis" vert="horz" wrap="square" anchor="ctr" anchorCtr="1"/>
-          <a:lstStyle/>
-          <a:p>
-            <a:pPr>
-              <a:defRPr sz="1197" b="0" i="0" u="none" strike="noStrike" kern="1200" baseline="0">
-                <a:solidFill>
-                  <a:schemeClr val="tx2"/>
-                </a:solidFill>
-                <a:latin typeface="+mn-lt"/>
-                <a:ea typeface="+mn-ea"/>
-                <a:cs typeface="+mn-cs"/>
-              </a:defRPr>
-            </a:pPr>
-            <a:endParaRPr lang="en-US"/>
-          </a:p>
-        </c:txPr>
-        <c:crossAx val="355301032"/>
-        <c:crosses val="autoZero"/>
-        <c:crossBetween val="between"/>
-      </c:valAx>
-      <c:spPr>
-        <a:noFill/>
-        <a:ln>
-          <a:noFill/>
-        </a:ln>
-        <a:effectLst/>
-      </c:spPr>
-    </c:plotArea>
-    <c:legend>
-      <c:legendPos val="b"/>
-      <c:overlay val="0"/>
-      <c:spPr>
-        <a:noFill/>
-        <a:ln>
-          <a:noFill/>
-        </a:ln>
-        <a:effectLst/>
-      </c:spPr>
-      <c:txPr>
-        <a:bodyPr rot="0" spcFirstLastPara="1" vertOverflow="ellipsis" vert="horz" wrap="square" anchor="ctr" anchorCtr="1"/>
-        <a:lstStyle/>
-        <a:p>
-          <a:pPr>
-            <a:defRPr sz="1197" b="0" i="0" u="none" strike="noStrike" kern="1200" baseline="0">
-              <a:solidFill>
-                <a:schemeClr val="tx2"/>
-              </a:solidFill>
-              <a:latin typeface="+mn-lt"/>
-              <a:ea typeface="+mn-ea"/>
-              <a:cs typeface="+mn-cs"/>
-            </a:defRPr>
-          </a:pPr>
-          <a:endParaRPr lang="en-US"/>
-        </a:p>
-      </c:txPr>
-    </c:legend>
-    <c:plotVisOnly val="1"/>
-    <c:dispBlanksAs val="gap"/>
-    <c:showDLblsOverMax val="0"/>
-  </c:chart>
-  <c:spPr>
-    <a:noFill/>
-    <a:ln>
-      <a:noFill/>
-    </a:ln>
-    <a:effectLst/>
-  </c:spPr>
-  <c:txPr>
-    <a:bodyPr/>
-    <a:lstStyle/>
-    <a:p>
-      <a:pPr>
-        <a:defRPr/>
-      </a:pPr>
-      <a:endParaRPr lang="en-US"/>
-    </a:p>
-  </c:txPr>
-  <c:externalData r:id="rId3">
-    <c:autoUpdate val="0"/>
-  </c:externalData>
-</c:chartSpace>
-</file>
-
-<file path=ppt/charts/colors1.xml><?xml version="1.0" encoding="utf-8"?>
-<cs:colorStyle xmlns:cs="http://schemas.microsoft.com/office/drawing/2012/chartStyle" xmlns:a="http://schemas.openxmlformats.org/drawingml/2006/main" meth="cycle" id="10">
-  <a:schemeClr val="accent1"/>
-  <a:schemeClr val="accent2"/>
-  <a:schemeClr val="accent3"/>
-  <a:schemeClr val="accent4"/>
-  <a:schemeClr val="accent5"/>
-  <a:schemeClr val="accent6"/>
-  <cs:variation/>
-  <cs:variation>
-    <a:lumMod val="60000"/>
-  </cs:variation>
-  <cs:variation>
-    <a:lumMod val="80000"/>
-    <a:lumOff val="20000"/>
-  </cs:variation>
-  <cs:variation>
-    <a:lumMod val="80000"/>
-  </cs:variation>
-  <cs:variation>
-    <a:lumMod val="60000"/>
-    <a:lumOff val="40000"/>
-  </cs:variation>
-  <cs:variation>
-    <a:lumMod val="50000"/>
-  </cs:variation>
-  <cs:variation>
-    <a:lumMod val="70000"/>
-    <a:lumOff val="30000"/>
-  </cs:variation>
-  <cs:variation>
-    <a:lumMod val="70000"/>
-  </cs:variation>
-  <cs:variation>
-    <a:lumMod val="50000"/>
-    <a:lumOff val="50000"/>
-  </cs:variation>
-</cs:colorStyle>
-</file>
-
-<file path=ppt/charts/style1.xml><?xml version="1.0" encoding="utf-8"?>
-<cs:chartStyle xmlns:cs="http://schemas.microsoft.com/office/drawing/2012/chartStyle" xmlns:a="http://schemas.openxmlformats.org/drawingml/2006/main" id="207">
-  <cs:axisTitle>
-    <cs:lnRef idx="0"/>
-    <cs:fillRef idx="0"/>
-    <cs:effectRef idx="0"/>
-    <cs:fontRef idx="minor">
-      <a:schemeClr val="tx2"/>
-    </cs:fontRef>
-    <cs:defRPr sz="1197" b="1" kern="1200"/>
-  </cs:axisTitle>
-  <cs:categoryAxis>
-    <cs:lnRef idx="0"/>
-    <cs:fillRef idx="0"/>
-    <cs:effectRef idx="0"/>
-    <cs:fontRef idx="minor">
-      <a:schemeClr val="tx2"/>
-    </cs:fontRef>
-    <cs:spPr>
-      <a:ln w="9525" cap="flat" cmpd="sng" algn="ctr">
-        <a:solidFill>
-          <a:schemeClr val="tx2">
-            <a:lumMod val="15000"/>
-            <a:lumOff val="85000"/>
-          </a:schemeClr>
-        </a:solidFill>
-        <a:round/>
-      </a:ln>
-    </cs:spPr>
-    <cs:defRPr sz="1197" kern="1200"/>
-  </cs:categoryAxis>
-  <cs:chartArea mods="allowNoFillOverride allowNoLineOverride">
-    <cs:lnRef idx="0"/>
-    <cs:fillRef idx="0"/>
-    <cs:effectRef idx="0"/>
-    <cs:fontRef idx="minor">
-      <a:schemeClr val="tx2"/>
-    </cs:fontRef>
-    <cs:spPr>
-      <a:solidFill>
-        <a:schemeClr val="bg1"/>
-      </a:solidFill>
-      <a:ln w="9525" cap="flat" cmpd="sng" algn="ctr">
-        <a:solidFill>
-          <a:schemeClr val="tx2">
-            <a:lumMod val="15000"/>
-            <a:lumOff val="85000"/>
-          </a:schemeClr>
-        </a:solidFill>
-        <a:round/>
-      </a:ln>
-    </cs:spPr>
-    <cs:defRPr sz="1197" kern="1200"/>
-  </cs:chartArea>
-  <cs:dataLabel>
-    <cs:lnRef idx="0"/>
-    <cs:fillRef idx="0"/>
-    <cs:effectRef idx="0"/>
-    <cs:fontRef idx="minor">
-      <a:schemeClr val="tx2"/>
-    </cs:fontRef>
-    <cs:defRPr sz="1197" kern="1200"/>
-  </cs:dataLabel>
-  <cs:dataLabelCallout>
-    <cs:lnRef idx="0"/>
-    <cs:fillRef idx="0"/>
-    <cs:effectRef idx="0"/>
-    <cs:fontRef idx="minor">
-      <a:schemeClr val="dk2">
-        <a:lumMod val="75000"/>
-      </a:schemeClr>
-    </cs:fontRef>
-    <cs:spPr>
-      <a:solidFill>
-        <a:schemeClr val="lt1"/>
-      </a:solidFill>
-      <a:ln>
-        <a:solidFill>
-          <a:schemeClr val="dk1">
-            <a:lumMod val="25000"/>
-            <a:lumOff val="75000"/>
-          </a:schemeClr>
-        </a:solidFill>
-      </a:ln>
-    </cs:spPr>
-    <cs:defRPr sz="1197" kern="1200"/>
-    <cs:bodyPr rot="0" spcFirstLastPara="1" vertOverflow="clip" horzOverflow="clip" vert="horz" wrap="square" lIns="36576" tIns="18288" rIns="36576" bIns="18288" anchor="ctr" anchorCtr="1">
-      <a:spAutoFit/>
-    </cs:bodyPr>
-  </cs:dataLabelCallout>
-  <cs:dataPoint>
-    <cs:lnRef idx="0"/>
-    <cs:fillRef idx="3">
-      <cs:styleClr val="auto"/>
-    </cs:fillRef>
-    <cs:effectRef idx="2"/>
-    <cs:fontRef idx="minor">
-      <a:schemeClr val="tx2"/>
-    </cs:fontRef>
-  </cs:dataPoint>
-  <cs:dataPoint3D>
-    <cs:lnRef idx="0"/>
-    <cs:fillRef idx="3">
-      <cs:styleClr val="auto"/>
-    </cs:fillRef>
-    <cs:effectRef idx="2"/>
-    <cs:fontRef idx="minor">
-      <a:schemeClr val="tx2"/>
-    </cs:fontRef>
-  </cs:dataPoint3D>
-  <cs:dataPointLine>
-    <cs:lnRef idx="0">
-      <cs:styleClr val="auto"/>
-    </cs:lnRef>
-    <cs:fillRef idx="3"/>
-    <cs:effectRef idx="2"/>
-    <cs:fontRef idx="minor">
-      <a:schemeClr val="tx2"/>
-    </cs:fontRef>
-    <cs:spPr>
-      <a:ln w="31750" cap="rnd">
-        <a:solidFill>
-          <a:schemeClr val="phClr"/>
-        </a:solidFill>
-        <a:round/>
-      </a:ln>
-    </cs:spPr>
-  </cs:dataPointLine>
-  <cs:dataPointMarker>
-    <cs:lnRef idx="0"/>
-    <cs:fillRef idx="3">
-      <cs:styleClr val="auto"/>
-    </cs:fillRef>
-    <cs:effectRef idx="2"/>
-    <cs:fontRef idx="minor">
-      <a:schemeClr val="tx2"/>
-    </cs:fontRef>
-    <cs:spPr>
-      <a:ln w="12700">
-        <a:solidFill>
-          <a:schemeClr val="lt2"/>
-        </a:solidFill>
-        <a:round/>
-      </a:ln>
-    </cs:spPr>
-  </cs:dataPointMarker>
-  <cs:dataPointMarkerLayout symbol="circle" size="6"/>
-  <cs:dataPointWireframe>
-    <cs:lnRef idx="0">
-      <cs:styleClr val="auto"/>
-    </cs:lnRef>
-    <cs:fillRef idx="3"/>
-    <cs:effectRef idx="2"/>
-    <cs:fontRef idx="minor">
-      <a:schemeClr val="tx2"/>
-    </cs:fontRef>
-    <cs:spPr>
-      <a:ln w="9525" cap="rnd">
-        <a:solidFill>
-          <a:schemeClr val="phClr"/>
-        </a:solidFill>
-        <a:round/>
-      </a:ln>
-    </cs:spPr>
-  </cs:dataPointWireframe>
-  <cs:dataTable>
-    <cs:lnRef idx="0"/>
-    <cs:fillRef idx="0"/>
-    <cs:effectRef idx="0"/>
-    <cs:fontRef idx="minor">
-      <a:schemeClr val="tx2"/>
-    </cs:fontRef>
-    <cs:spPr>
-      <a:ln w="9525">
-        <a:solidFill>
-          <a:schemeClr val="tx2">
-            <a:lumMod val="15000"/>
-            <a:lumOff val="85000"/>
-          </a:schemeClr>
-        </a:solidFill>
-      </a:ln>
-    </cs:spPr>
-    <cs:defRPr sz="1197" kern="1200"/>
-  </cs:dataTable>
-  <cs:downBar>
-    <cs:lnRef idx="0"/>
-    <cs:fillRef idx="0"/>
-    <cs:effectRef idx="0"/>
-    <cs:fontRef idx="minor">
-      <a:schemeClr val="dk1"/>
-    </cs:fontRef>
-    <cs:spPr>
-      <a:solidFill>
-        <a:schemeClr val="dk1">
-          <a:lumMod val="65000"/>
-          <a:lumOff val="35000"/>
-        </a:schemeClr>
-      </a:solidFill>
-      <a:ln w="9525">
-        <a:solidFill>
-          <a:schemeClr val="tx1">
-            <a:lumMod val="65000"/>
-            <a:lumOff val="35000"/>
-          </a:schemeClr>
-        </a:solidFill>
-      </a:ln>
-    </cs:spPr>
-  </cs:downBar>
-  <cs:dropLine>
-    <cs:lnRef idx="0"/>
-    <cs:fillRef idx="0"/>
-    <cs:effectRef idx="0"/>
-    <cs:fontRef idx="minor">
-      <a:schemeClr val="tx2"/>
-    </cs:fontRef>
-    <cs:spPr>
-      <a:ln w="9525">
-        <a:solidFill>
-          <a:schemeClr val="tx2">
-            <a:lumMod val="60000"/>
-            <a:lumOff val="40000"/>
-          </a:schemeClr>
-        </a:solidFill>
-        <a:prstDash val="dash"/>
-      </a:ln>
-    </cs:spPr>
-  </cs:dropLine>
-  <cs:errorBar>
-    <cs:lnRef idx="0"/>
-    <cs:fillRef idx="0"/>
-    <cs:effectRef idx="0"/>
-    <cs:fontRef idx="minor">
-      <a:schemeClr val="tx2"/>
-    </cs:fontRef>
-    <cs:spPr>
-      <a:ln w="9525">
-        <a:solidFill>
-          <a:schemeClr val="tx2">
-            <a:lumMod val="75000"/>
-            <a:lumOff val="25000"/>
-          </a:schemeClr>
-        </a:solidFill>
-        <a:round/>
-      </a:ln>
-    </cs:spPr>
-  </cs:errorBar>
-  <cs:floor>
-    <cs:lnRef idx="0"/>
-    <cs:fillRef idx="0"/>
-    <cs:effectRef idx="0"/>
-    <cs:fontRef idx="minor">
-      <a:schemeClr val="tx2"/>
-    </cs:fontRef>
-  </cs:floor>
-  <cs:gridlineMajor>
-    <cs:lnRef idx="0"/>
-    <cs:fillRef idx="0"/>
-    <cs:effectRef idx="0"/>
-    <cs:fontRef idx="minor">
-      <a:schemeClr val="tx2"/>
-    </cs:fontRef>
-    <cs:spPr>
-      <a:ln w="9525" cap="flat" cmpd="sng" algn="ctr">
-        <a:solidFill>
-          <a:schemeClr val="tx2">
-            <a:lumMod val="15000"/>
-            <a:lumOff val="85000"/>
-          </a:schemeClr>
-        </a:solidFill>
-        <a:round/>
-      </a:ln>
-    </cs:spPr>
-  </cs:gridlineMajor>
-  <cs:gridlineMinor>
-    <cs:lnRef idx="0"/>
-    <cs:fillRef idx="0"/>
-    <cs:effectRef idx="0"/>
-    <cs:fontRef idx="minor">
-      <a:schemeClr val="tx2"/>
-    </cs:fontRef>
-    <cs:spPr>
-      <a:ln>
-        <a:solidFill>
-          <a:schemeClr val="tx2">
-            <a:lumMod val="5000"/>
-            <a:lumOff val="95000"/>
-          </a:schemeClr>
-        </a:solidFill>
-      </a:ln>
-    </cs:spPr>
-  </cs:gridlineMinor>
-  <cs:hiLoLine>
-    <cs:lnRef idx="0"/>
-    <cs:fillRef idx="0"/>
-    <cs:effectRef idx="0"/>
-    <cs:fontRef idx="minor">
-      <a:schemeClr val="tx2"/>
-    </cs:fontRef>
-    <cs:spPr>
-      <a:ln w="9525">
-        <a:solidFill>
-          <a:schemeClr val="tx2">
-            <a:lumMod val="60000"/>
-            <a:lumOff val="40000"/>
-          </a:schemeClr>
-        </a:solidFill>
-        <a:prstDash val="dash"/>
-      </a:ln>
-    </cs:spPr>
-  </cs:hiLoLine>
-  <cs:leaderLine>
-    <cs:lnRef idx="0"/>
-    <cs:fillRef idx="0"/>
-    <cs:effectRef idx="0"/>
-    <cs:fontRef idx="minor">
-      <a:schemeClr val="tx2"/>
-    </cs:fontRef>
-    <cs:spPr>
-      <a:ln w="9525">
-        <a:solidFill>
-          <a:schemeClr val="tx2">
-            <a:lumMod val="35000"/>
-            <a:lumOff val="65000"/>
-          </a:schemeClr>
-        </a:solidFill>
-      </a:ln>
-    </cs:spPr>
-  </cs:leaderLine>
-  <cs:legend>
-    <cs:lnRef idx="0"/>
-    <cs:fillRef idx="0"/>
-    <cs:effectRef idx="0"/>
-    <cs:fontRef idx="minor">
-      <a:schemeClr val="tx2"/>
-    </cs:fontRef>
-    <cs:defRPr sz="1197" kern="1200"/>
-  </cs:legend>
-  <cs:plotArea>
-    <cs:lnRef idx="0"/>
-    <cs:fillRef idx="0"/>
-    <cs:effectRef idx="0"/>
-    <cs:fontRef idx="minor">
-      <a:schemeClr val="tx2"/>
-    </cs:fontRef>
-  </cs:plotArea>
-  <cs:plotArea3D>
-    <cs:lnRef idx="0"/>
-    <cs:fillRef idx="0"/>
-    <cs:effectRef idx="0"/>
-    <cs:fontRef idx="minor">
-      <a:schemeClr val="tx2"/>
-    </cs:fontRef>
-  </cs:plotArea3D>
-  <cs:seriesAxis>
-    <cs:lnRef idx="0"/>
-    <cs:fillRef idx="0"/>
-    <cs:effectRef idx="0"/>
-    <cs:fontRef idx="minor">
-      <a:schemeClr val="tx2"/>
-    </cs:fontRef>
-    <cs:spPr>
-      <a:ln w="9525" cap="flat" cmpd="sng" algn="ctr">
-        <a:solidFill>
-          <a:schemeClr val="tx2">
-            <a:lumMod val="15000"/>
-            <a:lumOff val="85000"/>
-          </a:schemeClr>
-        </a:solidFill>
-        <a:round/>
-      </a:ln>
-    </cs:spPr>
-    <cs:defRPr sz="1197" kern="1200"/>
-  </cs:seriesAxis>
-  <cs:seriesLine>
-    <cs:lnRef idx="0"/>
-    <cs:fillRef idx="0"/>
-    <cs:effectRef idx="0"/>
-    <cs:fontRef idx="minor">
-      <a:schemeClr val="tx2"/>
-    </cs:fontRef>
-    <cs:spPr>
-      <a:ln w="9525">
-        <a:solidFill>
-          <a:schemeClr val="tx2">
-            <a:lumMod val="60000"/>
-            <a:lumOff val="40000"/>
-          </a:schemeClr>
-        </a:solidFill>
-        <a:prstDash val="dash"/>
-      </a:ln>
-    </cs:spPr>
-  </cs:seriesLine>
-  <cs:title>
-    <cs:lnRef idx="0"/>
-    <cs:fillRef idx="0"/>
-    <cs:effectRef idx="0"/>
-    <cs:fontRef idx="minor">
-      <a:schemeClr val="tx2"/>
-    </cs:fontRef>
-    <cs:defRPr sz="2128" b="1" kern="1200"/>
-  </cs:title>
-  <cs:trendline>
-    <cs:lnRef idx="0">
-      <cs:styleClr val="auto"/>
-    </cs:lnRef>
-    <cs:fillRef idx="0"/>
-    <cs:effectRef idx="0"/>
-    <cs:fontRef idx="minor">
-      <a:schemeClr val="tx2"/>
-    </cs:fontRef>
-    <cs:spPr>
-      <a:ln w="19050" cap="rnd">
-        <a:solidFill>
-          <a:schemeClr val="phClr"/>
-        </a:solidFill>
-        <a:prstDash val="sysDash"/>
-      </a:ln>
-    </cs:spPr>
-  </cs:trendline>
-  <cs:trendlineLabel>
-    <cs:lnRef idx="0"/>
-    <cs:fillRef idx="0"/>
-    <cs:effectRef idx="0"/>
-    <cs:fontRef idx="minor">
-      <a:schemeClr val="tx2"/>
-    </cs:fontRef>
-    <cs:defRPr sz="1197" kern="1200"/>
-  </cs:trendlineLabel>
-  <cs:upBar>
-    <cs:lnRef idx="0"/>
-    <cs:fillRef idx="0"/>
-    <cs:effectRef idx="0"/>
-    <cs:fontRef idx="minor">
-      <a:schemeClr val="tx2"/>
-    </cs:fontRef>
-    <cs:spPr>
-      <a:solidFill>
-        <a:schemeClr val="lt1"/>
-      </a:solidFill>
-      <a:ln w="9525">
-        <a:solidFill>
-          <a:schemeClr val="tx1">
-            <a:lumMod val="15000"/>
-            <a:lumOff val="85000"/>
-          </a:schemeClr>
-        </a:solidFill>
-      </a:ln>
-    </cs:spPr>
-  </cs:upBar>
-  <cs:valueAxis>
-    <cs:lnRef idx="0"/>
-    <cs:fillRef idx="0"/>
-    <cs:effectRef idx="0"/>
-    <cs:fontRef idx="minor">
-      <a:schemeClr val="tx2"/>
-    </cs:fontRef>
-    <cs:defRPr sz="1197" kern="1200"/>
-  </cs:valueAxis>
-  <cs:wall>
-    <cs:lnRef idx="0"/>
-    <cs:fillRef idx="0"/>
-    <cs:effectRef idx="0"/>
-    <cs:fontRef idx="minor">
-      <a:schemeClr val="tx2"/>
-    </cs:fontRef>
-  </cs:wall>
-</cs:chartStyle>
 </file>
 
 <file path=ppt/diagrams/colors1.xml><?xml version="1.0" encoding="utf-8"?>
@@ -9673,14 +8684,14 @@
   <p:clrMapOvr>
     <a:masterClrMapping/>
   </p:clrMapOvr>
-  <mc:AlternateContent xmlns:mc="http://schemas.openxmlformats.org/markup-compatibility/2006" xmlns:p14="http://schemas.microsoft.com/office/powerpoint/2010/main">
-    <mc:Choice Requires="p14">
-      <p:transition spd="med" p14:dur="700">
-        <p:fade/>
+  <mc:AlternateContent xmlns:mc="http://schemas.openxmlformats.org/markup-compatibility/2006">
+    <mc:Choice xmlns:p14="http://schemas.microsoft.com/office/powerpoint/2010/main" Requires="p14">
+      <p:transition spd="slow" p14:dur="3400">
+        <p14:reveal/>
       </p:transition>
     </mc:Choice>
-    <mc:Fallback xmlns="">
-      <p:transition spd="med">
+    <mc:Fallback>
+      <p:transition spd="slow">
         <p:fade/>
       </p:transition>
     </mc:Fallback>
@@ -9707,7 +8718,13 @@
       </p:grpSpPr>
       <p:sp>
         <p:nvSpPr>
-          <p:cNvPr id="2" name="Title 1"/>
+          <p:cNvPr id="4" name="Title 1">
+            <a:extLst>
+              <a:ext uri="{FF2B5EF4-FFF2-40B4-BE49-F238E27FC236}">
+                <a16:creationId xmlns:a16="http://schemas.microsoft.com/office/drawing/2014/main" id="{10B17E3B-7B54-46F8-818D-3240FD835A44}"/>
+              </a:ext>
+            </a:extLst>
+          </p:cNvPr>
           <p:cNvSpPr>
             <a:spLocks noGrp="1"/>
           </p:cNvSpPr>
@@ -9715,38 +8732,73 @@
             <p:ph type="title"/>
           </p:nvPr>
         </p:nvSpPr>
-        <p:spPr/>
+        <p:spPr>
+          <a:xfrm>
+            <a:off x="1295400" y="255588"/>
+            <a:ext cx="9601200" cy="1036637"/>
+          </a:xfrm>
+        </p:spPr>
         <p:txBody>
           <a:bodyPr/>
           <a:lstStyle/>
           <a:p>
+            <a:pPr algn="ctr"/>
             <a:r>
               <a:rPr lang="en-US" dirty="0"/>
-              <a:t>Title and Content Layout with Chart</a:t>
-            </a:r>
-          </a:p>
-        </p:txBody>
-      </p:sp>
-      <p:graphicFrame>
-        <p:nvGraphicFramePr>
-          <p:cNvPr id="6" name="Content Placeholder 5" descr="Clustered column chart representing&#10;3 series combination chart for 4 categories"/>
-          <p:cNvGraphicFramePr>
-            <a:graphicFrameLocks noGrp="1"/>
-          </p:cNvGraphicFramePr>
+              <a:t>ABV vs IBU(International Bitterness Units)</a:t>
+            </a:r>
+          </a:p>
+        </p:txBody>
+      </p:sp>
+      <p:pic>
+        <p:nvPicPr>
+          <p:cNvPr id="9" name="Picture 2">
+            <a:extLst>
+              <a:ext uri="{FF2B5EF4-FFF2-40B4-BE49-F238E27FC236}">
+                <a16:creationId xmlns:a16="http://schemas.microsoft.com/office/drawing/2014/main" id="{04B3CACD-AF17-4598-A66A-6610C3ED54B6}"/>
+              </a:ext>
+            </a:extLst>
+          </p:cNvPr>
+          <p:cNvPicPr>
+            <a:picLocks noGrp="1" noChangeAspect="1" noChangeArrowheads="1"/>
+          </p:cNvPicPr>
           <p:nvPr>
             <p:ph idx="1"/>
           </p:nvPr>
-        </p:nvGraphicFramePr>
-        <p:xfrm>
-          <a:off x="1295400" y="1828800"/>
-          <a:ext cx="9601200" cy="4343400"/>
-        </p:xfrm>
-        <a:graphic>
-          <a:graphicData uri="http://schemas.openxmlformats.org/drawingml/2006/chart">
-            <c:chart xmlns:c="http://schemas.openxmlformats.org/drawingml/2006/chart" xmlns:r="http://schemas.openxmlformats.org/officeDocument/2006/relationships" r:id="rId2"/>
-          </a:graphicData>
-        </a:graphic>
-      </p:graphicFrame>
+        </p:nvPicPr>
+        <p:blipFill>
+          <a:blip r:embed="rId2">
+            <a:extLst>
+              <a:ext uri="{28A0092B-C50C-407E-A947-70E740481C1C}">
+                <a14:useLocalDpi xmlns:a14="http://schemas.microsoft.com/office/drawing/2010/main" val="0"/>
+              </a:ext>
+            </a:extLst>
+          </a:blip>
+          <a:srcRect/>
+          <a:stretch>
+            <a:fillRect/>
+          </a:stretch>
+        </p:blipFill>
+        <p:spPr bwMode="auto">
+          <a:xfrm>
+            <a:off x="2200939" y="2324309"/>
+            <a:ext cx="7451811" cy="3598026"/>
+          </a:xfrm>
+          <a:prstGeom prst="rect">
+            <a:avLst/>
+          </a:prstGeom>
+          <a:noFill/>
+          <a:extLst>
+            <a:ext uri="{909E8E84-426E-40DD-AFC4-6F175D3DCCD1}">
+              <a14:hiddenFill xmlns:a14="http://schemas.microsoft.com/office/drawing/2010/main">
+                <a:solidFill>
+                  <a:srgbClr val="FFFFFF"/>
+                </a:solidFill>
+              </a14:hiddenFill>
+            </a:ext>
+          </a:extLst>
+        </p:spPr>
+      </p:pic>
     </p:spTree>
     <p:extLst>
       <p:ext uri="{BB962C8B-B14F-4D97-AF65-F5344CB8AC3E}">
@@ -10347,15 +9399,15 @@
   <p:clrMapOvr>
     <a:masterClrMapping/>
   </p:clrMapOvr>
-  <mc:AlternateContent xmlns:mc="http://schemas.openxmlformats.org/markup-compatibility/2006" xmlns:p14="http://schemas.microsoft.com/office/powerpoint/2010/main">
-    <mc:Choice Requires="p14">
-      <p:transition spd="med" p14:dur="700">
-        <p:fade/>
+  <mc:AlternateContent xmlns:mc="http://schemas.openxmlformats.org/markup-compatibility/2006">
+    <mc:Choice xmlns:p14="http://schemas.microsoft.com/office/powerpoint/2010/main" Requires="p14">
+      <p:transition p14:dur="100">
+        <p:cut/>
       </p:transition>
     </mc:Choice>
-    <mc:Fallback xmlns="">
-      <p:transition spd="med">
-        <p:fade/>
+    <mc:Fallback>
+      <p:transition>
+        <p:cut/>
       </p:transition>
     </mc:Fallback>
   </mc:AlternateContent>
@@ -10950,7 +10002,14 @@
             <a:pPr algn="ctr"/>
             <a:r>
               <a:rPr lang="en-US" sz="3600" dirty="0"/>
-              <a:t>The States with the Most Beer Styles with Highest ABV</a:t>
+              <a:t>The States with the Most Beer Styles </a:t>
+            </a:r>
+            <a:br>
+              <a:rPr lang="en-US" sz="3600" dirty="0"/>
+            </a:br>
+            <a:r>
+              <a:rPr lang="en-US" sz="3600" dirty="0"/>
+              <a:t>with Highest ABV</a:t>
             </a:r>
           </a:p>
         </p:txBody>
@@ -11038,23 +10097,31 @@
         </p:nvSpPr>
         <p:spPr>
           <a:xfrm>
-            <a:off x="1313874" y="609599"/>
-            <a:ext cx="10093036" cy="747039"/>
+            <a:off x="1313874" y="361507"/>
+            <a:ext cx="10093036" cy="995131"/>
           </a:xfrm>
         </p:spPr>
         <p:txBody>
-          <a:bodyPr>
+          <a:bodyPr anchor="t">
             <a:normAutofit/>
           </a:bodyPr>
           <a:lstStyle/>
           <a:p>
+            <a:pPr algn="ctr"/>
             <a:r>
               <a:rPr lang="en-US" sz="3200" dirty="0"/>
               <a:t>The </a:t>
             </a:r>
             <a:r>
               <a:rPr lang="en-US" dirty="0"/>
-              <a:t>States with the Most Beer styles with Highest ABV</a:t>
+              <a:t>States with the Most Beer styles</a:t>
+            </a:r>
+            <a:br>
+              <a:rPr lang="en-US" dirty="0"/>
+            </a:br>
+            <a:r>
+              <a:rPr lang="en-US" dirty="0"/>
+              <a:t> with Highest ABV</a:t>
             </a:r>
           </a:p>
         </p:txBody>
@@ -11145,35 +10212,1164 @@
           <a:bodyPr/>
           <a:lstStyle/>
           <a:p>
-            <a:endParaRPr lang="en-US" dirty="0"/>
-          </a:p>
-        </p:txBody>
-      </p:sp>
-      <p:sp>
-        <p:nvSpPr>
-          <p:cNvPr id="4" name="Content Placeholder 3">
+            <a:pPr algn="ctr"/>
+            <a:r>
+              <a:rPr lang="en-US" dirty="0"/>
+              <a:t>Statistical Analysis Of Beer Styles </a:t>
+            </a:r>
+            <a:br>
+              <a:rPr lang="en-US" dirty="0"/>
+            </a:br>
+            <a:r>
+              <a:rPr lang="en-US" dirty="0"/>
+              <a:t>With The Lowest ABV</a:t>
+            </a:r>
+          </a:p>
+        </p:txBody>
+      </p:sp>
+      <p:graphicFrame>
+        <p:nvGraphicFramePr>
+          <p:cNvPr id="19" name="Table 19">
             <a:extLst>
               <a:ext uri="{FF2B5EF4-FFF2-40B4-BE49-F238E27FC236}">
-                <a16:creationId xmlns:a16="http://schemas.microsoft.com/office/drawing/2014/main" id="{9608C667-5F8C-4B6A-A038-9259A2F87FFE}"/>
+                <a16:creationId xmlns:a16="http://schemas.microsoft.com/office/drawing/2014/main" id="{A3CE090A-53FA-477F-9E1B-85AB127DF722}"/>
               </a:ext>
             </a:extLst>
           </p:cNvPr>
-          <p:cNvSpPr>
-            <a:spLocks noGrp="1"/>
-          </p:cNvSpPr>
+          <p:cNvGraphicFramePr>
+            <a:graphicFrameLocks noGrp="1"/>
+          </p:cNvGraphicFramePr>
           <p:nvPr>
             <p:ph idx="1"/>
+            <p:extLst>
+              <p:ext uri="{D42A27DB-BD31-4B8C-83A1-F6EECF244321}">
+                <p14:modId xmlns:p14="http://schemas.microsoft.com/office/powerpoint/2010/main" val="3249773727"/>
+              </p:ext>
+            </p:extLst>
           </p:nvPr>
-        </p:nvSpPr>
-        <p:spPr/>
-        <p:txBody>
-          <a:bodyPr/>
-          <a:lstStyle/>
-          <a:p>
-            <a:endParaRPr lang="en-US"/>
-          </a:p>
-        </p:txBody>
-      </p:sp>
+        </p:nvGraphicFramePr>
+        <p:xfrm>
+          <a:off x="710606" y="1935125"/>
+          <a:ext cx="10152324" cy="3498111"/>
+        </p:xfrm>
+        <a:graphic>
+          <a:graphicData uri="http://schemas.openxmlformats.org/drawingml/2006/table">
+            <a:tbl>
+              <a:tblPr firstRow="1" bandRow="1">
+                <a:tableStyleId>{C4B1156A-380E-4F78-BDF5-A606A8083BF9}</a:tableStyleId>
+              </a:tblPr>
+              <a:tblGrid>
+                <a:gridCol w="1382236">
+                  <a:extLst>
+                    <a:ext uri="{9D8B030D-6E8A-4147-A177-3AD203B41FA5}">
+                      <a16:colId xmlns:a16="http://schemas.microsoft.com/office/drawing/2014/main" val="3946166269"/>
+                    </a:ext>
+                  </a:extLst>
+                </a:gridCol>
+                <a:gridCol w="978195">
+                  <a:extLst>
+                    <a:ext uri="{9D8B030D-6E8A-4147-A177-3AD203B41FA5}">
+                      <a16:colId xmlns:a16="http://schemas.microsoft.com/office/drawing/2014/main" val="2770960223"/>
+                    </a:ext>
+                  </a:extLst>
+                </a:gridCol>
+                <a:gridCol w="1203251">
+                  <a:extLst>
+                    <a:ext uri="{9D8B030D-6E8A-4147-A177-3AD203B41FA5}">
+                      <a16:colId xmlns:a16="http://schemas.microsoft.com/office/drawing/2014/main" val="3526468715"/>
+                    </a:ext>
+                  </a:extLst>
+                </a:gridCol>
+                <a:gridCol w="1254642">
+                  <a:extLst>
+                    <a:ext uri="{9D8B030D-6E8A-4147-A177-3AD203B41FA5}">
+                      <a16:colId xmlns:a16="http://schemas.microsoft.com/office/drawing/2014/main" val="3966768706"/>
+                    </a:ext>
+                  </a:extLst>
+                </a:gridCol>
+                <a:gridCol w="1020726">
+                  <a:extLst>
+                    <a:ext uri="{9D8B030D-6E8A-4147-A177-3AD203B41FA5}">
+                      <a16:colId xmlns:a16="http://schemas.microsoft.com/office/drawing/2014/main" val="3767354426"/>
+                    </a:ext>
+                  </a:extLst>
+                </a:gridCol>
+                <a:gridCol w="1063256">
+                  <a:extLst>
+                    <a:ext uri="{9D8B030D-6E8A-4147-A177-3AD203B41FA5}">
+                      <a16:colId xmlns:a16="http://schemas.microsoft.com/office/drawing/2014/main" val="1027994300"/>
+                    </a:ext>
+                  </a:extLst>
+                </a:gridCol>
+                <a:gridCol w="1031358">
+                  <a:extLst>
+                    <a:ext uri="{9D8B030D-6E8A-4147-A177-3AD203B41FA5}">
+                      <a16:colId xmlns:a16="http://schemas.microsoft.com/office/drawing/2014/main" val="2849211390"/>
+                    </a:ext>
+                  </a:extLst>
+                </a:gridCol>
+                <a:gridCol w="1052623">
+                  <a:extLst>
+                    <a:ext uri="{9D8B030D-6E8A-4147-A177-3AD203B41FA5}">
+                      <a16:colId xmlns:a16="http://schemas.microsoft.com/office/drawing/2014/main" val="4227703204"/>
+                    </a:ext>
+                  </a:extLst>
+                </a:gridCol>
+                <a:gridCol w="1166037">
+                  <a:extLst>
+                    <a:ext uri="{9D8B030D-6E8A-4147-A177-3AD203B41FA5}">
+                      <a16:colId xmlns:a16="http://schemas.microsoft.com/office/drawing/2014/main" val="59447908"/>
+                    </a:ext>
+                  </a:extLst>
+                </a:gridCol>
+              </a:tblGrid>
+              <a:tr h="392261">
+                <a:tc>
+                  <a:txBody>
+                    <a:bodyPr/>
+                    <a:lstStyle/>
+                    <a:p>
+                      <a:pPr algn="ctr"/>
+                      <a:r>
+                        <a:rPr lang="en-US" b="1" dirty="0"/>
+                        <a:t>Style</a:t>
+                      </a:r>
+                    </a:p>
+                  </a:txBody>
+                  <a:tcPr/>
+                </a:tc>
+                <a:tc>
+                  <a:txBody>
+                    <a:bodyPr/>
+                    <a:lstStyle/>
+                    <a:p>
+                      <a:pPr algn="ctr"/>
+                      <a:r>
+                        <a:rPr lang="en-US" b="1" dirty="0"/>
+                        <a:t>Count</a:t>
+                      </a:r>
+                    </a:p>
+                  </a:txBody>
+                  <a:tcPr/>
+                </a:tc>
+                <a:tc>
+                  <a:txBody>
+                    <a:bodyPr/>
+                    <a:lstStyle/>
+                    <a:p>
+                      <a:pPr algn="ctr"/>
+                      <a:r>
+                        <a:rPr lang="en-US" b="1" dirty="0"/>
+                        <a:t>Mean</a:t>
+                      </a:r>
+                    </a:p>
+                  </a:txBody>
+                  <a:tcPr/>
+                </a:tc>
+                <a:tc>
+                  <a:txBody>
+                    <a:bodyPr/>
+                    <a:lstStyle/>
+                    <a:p>
+                      <a:pPr algn="ctr"/>
+                      <a:r>
+                        <a:rPr lang="en-US" b="1" dirty="0"/>
+                        <a:t>Std</a:t>
+                      </a:r>
+                    </a:p>
+                  </a:txBody>
+                  <a:tcPr/>
+                </a:tc>
+                <a:tc>
+                  <a:txBody>
+                    <a:bodyPr/>
+                    <a:lstStyle/>
+                    <a:p>
+                      <a:pPr algn="ctr"/>
+                      <a:r>
+                        <a:rPr lang="en-US" b="1" dirty="0"/>
+                        <a:t>Min</a:t>
+                      </a:r>
+                    </a:p>
+                  </a:txBody>
+                  <a:tcPr/>
+                </a:tc>
+                <a:tc>
+                  <a:txBody>
+                    <a:bodyPr/>
+                    <a:lstStyle/>
+                    <a:p>
+                      <a:pPr algn="ctr"/>
+                      <a:r>
+                        <a:rPr lang="en-US" b="1" dirty="0"/>
+                        <a:t>25%</a:t>
+                      </a:r>
+                    </a:p>
+                  </a:txBody>
+                  <a:tcPr/>
+                </a:tc>
+                <a:tc>
+                  <a:txBody>
+                    <a:bodyPr/>
+                    <a:lstStyle/>
+                    <a:p>
+                      <a:pPr algn="ctr"/>
+                      <a:r>
+                        <a:rPr lang="en-US" b="1" dirty="0"/>
+                        <a:t>50%</a:t>
+                      </a:r>
+                    </a:p>
+                  </a:txBody>
+                  <a:tcPr/>
+                </a:tc>
+                <a:tc>
+                  <a:txBody>
+                    <a:bodyPr/>
+                    <a:lstStyle/>
+                    <a:p>
+                      <a:pPr algn="ctr"/>
+                      <a:r>
+                        <a:rPr lang="en-US" b="1" dirty="0"/>
+                        <a:t>75%</a:t>
+                      </a:r>
+                    </a:p>
+                  </a:txBody>
+                  <a:tcPr/>
+                </a:tc>
+                <a:tc>
+                  <a:txBody>
+                    <a:bodyPr/>
+                    <a:lstStyle/>
+                    <a:p>
+                      <a:pPr algn="ctr"/>
+                      <a:r>
+                        <a:rPr lang="en-US" b="1" dirty="0"/>
+                        <a:t>Max</a:t>
+                      </a:r>
+                    </a:p>
+                  </a:txBody>
+                  <a:tcPr/>
+                </a:tc>
+                <a:extLst>
+                  <a:ext uri="{0D108BD9-81ED-4DB2-BD59-A6C34878D82A}">
+                    <a16:rowId xmlns:a16="http://schemas.microsoft.com/office/drawing/2014/main" val="3923056492"/>
+                  </a:ext>
+                </a:extLst>
+              </a:tr>
+              <a:tr h="392261">
+                <a:tc>
+                  <a:txBody>
+                    <a:bodyPr/>
+                    <a:lstStyle/>
+                    <a:p>
+                      <a:pPr algn="ctr"/>
+                      <a:r>
+                        <a:rPr lang="en-US" dirty="0"/>
+                        <a:t>Quad</a:t>
+                      </a:r>
+                    </a:p>
+                  </a:txBody>
+                  <a:tcPr/>
+                </a:tc>
+                <a:tc>
+                  <a:txBody>
+                    <a:bodyPr/>
+                    <a:lstStyle/>
+                    <a:p>
+                      <a:pPr algn="ctr" fontAlgn="b"/>
+                      <a:r>
+                        <a:rPr lang="en-US" sz="1600" b="0" i="0" u="none" strike="noStrike" dirty="0">
+                          <a:solidFill>
+                            <a:srgbClr val="000000"/>
+                          </a:solidFill>
+                          <a:effectLst/>
+                          <a:latin typeface="+mn-lt"/>
+                        </a:rPr>
+                        <a:t>4</a:t>
+                      </a:r>
+                    </a:p>
+                  </a:txBody>
+                  <a:tcPr marL="7620" marR="7620" marT="7620" marB="0" anchor="b"/>
+                </a:tc>
+                <a:tc>
+                  <a:txBody>
+                    <a:bodyPr/>
+                    <a:lstStyle/>
+                    <a:p>
+                      <a:pPr algn="ctr" fontAlgn="b"/>
+                      <a:r>
+                        <a:rPr lang="en-US" sz="1600" b="0" i="0" u="none" strike="noStrike">
+                          <a:solidFill>
+                            <a:srgbClr val="000000"/>
+                          </a:solidFill>
+                          <a:effectLst/>
+                          <a:latin typeface="+mn-lt"/>
+                        </a:rPr>
+                        <a:t>24</a:t>
+                      </a:r>
+                    </a:p>
+                  </a:txBody>
+                  <a:tcPr marL="7620" marR="7620" marT="7620" marB="0" anchor="b"/>
+                </a:tc>
+                <a:tc>
+                  <a:txBody>
+                    <a:bodyPr/>
+                    <a:lstStyle/>
+                    <a:p>
+                      <a:pPr algn="ctr" fontAlgn="b"/>
+                      <a:r>
+                        <a:rPr lang="en-US" sz="1600" b="0" i="0" u="none" strike="noStrike" dirty="0">
+                          <a:solidFill>
+                            <a:srgbClr val="000000"/>
+                          </a:solidFill>
+                          <a:effectLst/>
+                          <a:latin typeface="+mn-lt"/>
+                        </a:rPr>
+                        <a:t>19.33907961</a:t>
+                      </a:r>
+                    </a:p>
+                  </a:txBody>
+                  <a:tcPr marL="7620" marR="7620" marT="7620" marB="0" anchor="b"/>
+                </a:tc>
+                <a:tc>
+                  <a:txBody>
+                    <a:bodyPr/>
+                    <a:lstStyle/>
+                    <a:p>
+                      <a:pPr algn="ctr" fontAlgn="b"/>
+                      <a:r>
+                        <a:rPr lang="en-US" sz="1600" b="0" i="0" u="none" strike="noStrike" dirty="0">
+                          <a:solidFill>
+                            <a:srgbClr val="000000"/>
+                          </a:solidFill>
+                          <a:effectLst/>
+                          <a:latin typeface="+mn-lt"/>
+                        </a:rPr>
+                        <a:t>10</a:t>
+                      </a:r>
+                    </a:p>
+                  </a:txBody>
+                  <a:tcPr marL="7620" marR="7620" marT="7620" marB="0" anchor="b"/>
+                </a:tc>
+                <a:tc>
+                  <a:txBody>
+                    <a:bodyPr/>
+                    <a:lstStyle/>
+                    <a:p>
+                      <a:pPr algn="ctr" fontAlgn="b"/>
+                      <a:r>
+                        <a:rPr lang="en-US" sz="1600" b="0" i="0" u="none" strike="noStrike">
+                          <a:solidFill>
+                            <a:srgbClr val="000000"/>
+                          </a:solidFill>
+                          <a:effectLst/>
+                          <a:latin typeface="+mn-lt"/>
+                        </a:rPr>
+                        <a:t>10</a:t>
+                      </a:r>
+                    </a:p>
+                  </a:txBody>
+                  <a:tcPr marL="7620" marR="7620" marT="7620" marB="0" anchor="b"/>
+                </a:tc>
+                <a:tc>
+                  <a:txBody>
+                    <a:bodyPr/>
+                    <a:lstStyle/>
+                    <a:p>
+                      <a:pPr algn="ctr" fontAlgn="b"/>
+                      <a:r>
+                        <a:rPr lang="en-US" sz="1600" b="0" i="0" u="none" strike="noStrike">
+                          <a:solidFill>
+                            <a:srgbClr val="000000"/>
+                          </a:solidFill>
+                          <a:effectLst/>
+                          <a:latin typeface="+mn-lt"/>
+                        </a:rPr>
+                        <a:t>17.5</a:t>
+                      </a:r>
+                    </a:p>
+                  </a:txBody>
+                  <a:tcPr marL="7620" marR="7620" marT="7620" marB="0" anchor="b"/>
+                </a:tc>
+                <a:tc>
+                  <a:txBody>
+                    <a:bodyPr/>
+                    <a:lstStyle/>
+                    <a:p>
+                      <a:pPr algn="ctr" fontAlgn="b"/>
+                      <a:r>
+                        <a:rPr lang="en-US" sz="1600" b="0" i="0" u="none" strike="noStrike">
+                          <a:solidFill>
+                            <a:srgbClr val="000000"/>
+                          </a:solidFill>
+                          <a:effectLst/>
+                          <a:latin typeface="+mn-lt"/>
+                        </a:rPr>
+                        <a:t>31.5</a:t>
+                      </a:r>
+                    </a:p>
+                  </a:txBody>
+                  <a:tcPr marL="7620" marR="7620" marT="7620" marB="0" anchor="b"/>
+                </a:tc>
+                <a:tc>
+                  <a:txBody>
+                    <a:bodyPr/>
+                    <a:lstStyle/>
+                    <a:p>
+                      <a:pPr algn="ctr" fontAlgn="b"/>
+                      <a:r>
+                        <a:rPr lang="en-US" sz="1600" b="0" i="0" u="none" strike="noStrike" dirty="0">
+                          <a:solidFill>
+                            <a:srgbClr val="000000"/>
+                          </a:solidFill>
+                          <a:effectLst/>
+                          <a:latin typeface="+mn-lt"/>
+                        </a:rPr>
+                        <a:t>51</a:t>
+                      </a:r>
+                    </a:p>
+                  </a:txBody>
+                  <a:tcPr marL="7620" marR="7620" marT="7620" marB="0" anchor="b"/>
+                </a:tc>
+                <a:extLst>
+                  <a:ext uri="{0D108BD9-81ED-4DB2-BD59-A6C34878D82A}">
+                    <a16:rowId xmlns:a16="http://schemas.microsoft.com/office/drawing/2014/main" val="1683054460"/>
+                  </a:ext>
+                </a:extLst>
+              </a:tr>
+              <a:tr h="677054">
+                <a:tc>
+                  <a:txBody>
+                    <a:bodyPr/>
+                    <a:lstStyle/>
+                    <a:p>
+                      <a:pPr algn="ctr"/>
+                      <a:r>
+                        <a:rPr lang="en-US" dirty="0"/>
+                        <a:t>English </a:t>
+                      </a:r>
+                      <a:r>
+                        <a:rPr lang="en-US" dirty="0" err="1"/>
+                        <a:t>Barleywine</a:t>
+                      </a:r>
+                      <a:endParaRPr lang="en-US" dirty="0"/>
+                    </a:p>
+                  </a:txBody>
+                  <a:tcPr/>
+                </a:tc>
+                <a:tc>
+                  <a:txBody>
+                    <a:bodyPr/>
+                    <a:lstStyle/>
+                    <a:p>
+                      <a:pPr algn="ctr" fontAlgn="b"/>
+                      <a:r>
+                        <a:rPr lang="en-US" sz="1600" b="0" i="0" u="none" strike="noStrike" dirty="0">
+                          <a:solidFill>
+                            <a:srgbClr val="000000"/>
+                          </a:solidFill>
+                          <a:effectLst/>
+                          <a:latin typeface="+mn-lt"/>
+                        </a:rPr>
+                        <a:t>3</a:t>
+                      </a:r>
+                    </a:p>
+                  </a:txBody>
+                  <a:tcPr marL="7620" marR="7620" marT="7620" marB="0" anchor="b"/>
+                </a:tc>
+                <a:tc>
+                  <a:txBody>
+                    <a:bodyPr/>
+                    <a:lstStyle/>
+                    <a:p>
+                      <a:pPr algn="ctr" fontAlgn="b"/>
+                      <a:r>
+                        <a:rPr lang="en-US" sz="1600" b="0" i="0" u="none" strike="noStrike" dirty="0">
+                          <a:solidFill>
+                            <a:srgbClr val="000000"/>
+                          </a:solidFill>
+                          <a:effectLst/>
+                          <a:latin typeface="+mn-lt"/>
+                        </a:rPr>
+                        <a:t>17</a:t>
+                      </a:r>
+                    </a:p>
+                  </a:txBody>
+                  <a:tcPr marL="7620" marR="7620" marT="7620" marB="0" anchor="b"/>
+                </a:tc>
+                <a:tc>
+                  <a:txBody>
+                    <a:bodyPr/>
+                    <a:lstStyle/>
+                    <a:p>
+                      <a:pPr algn="ctr" fontAlgn="b"/>
+                      <a:r>
+                        <a:rPr lang="en-US" sz="1600" b="0" i="0" u="none" strike="noStrike" dirty="0">
+                          <a:solidFill>
+                            <a:srgbClr val="000000"/>
+                          </a:solidFill>
+                          <a:effectLst/>
+                          <a:latin typeface="+mn-lt"/>
+                        </a:rPr>
+                        <a:t>13.85640646</a:t>
+                      </a:r>
+                    </a:p>
+                  </a:txBody>
+                  <a:tcPr marL="7620" marR="7620" marT="7620" marB="0" anchor="b"/>
+                </a:tc>
+                <a:tc>
+                  <a:txBody>
+                    <a:bodyPr/>
+                    <a:lstStyle/>
+                    <a:p>
+                      <a:pPr algn="ctr" fontAlgn="b"/>
+                      <a:r>
+                        <a:rPr lang="en-US" sz="1600" b="0" i="0" u="none" strike="noStrike" dirty="0">
+                          <a:solidFill>
+                            <a:srgbClr val="000000"/>
+                          </a:solidFill>
+                          <a:effectLst/>
+                          <a:latin typeface="+mn-lt"/>
+                        </a:rPr>
+                        <a:t>1</a:t>
+                      </a:r>
+                    </a:p>
+                  </a:txBody>
+                  <a:tcPr marL="7620" marR="7620" marT="7620" marB="0" anchor="b"/>
+                </a:tc>
+                <a:tc>
+                  <a:txBody>
+                    <a:bodyPr/>
+                    <a:lstStyle/>
+                    <a:p>
+                      <a:pPr algn="ctr" fontAlgn="b"/>
+                      <a:r>
+                        <a:rPr lang="en-US" sz="1600" b="0" i="0" u="none" strike="noStrike" dirty="0">
+                          <a:solidFill>
+                            <a:srgbClr val="000000"/>
+                          </a:solidFill>
+                          <a:effectLst/>
+                          <a:latin typeface="+mn-lt"/>
+                        </a:rPr>
+                        <a:t>13</a:t>
+                      </a:r>
+                    </a:p>
+                  </a:txBody>
+                  <a:tcPr marL="7620" marR="7620" marT="7620" marB="0" anchor="b"/>
+                </a:tc>
+                <a:tc>
+                  <a:txBody>
+                    <a:bodyPr/>
+                    <a:lstStyle/>
+                    <a:p>
+                      <a:pPr algn="ctr" fontAlgn="b"/>
+                      <a:r>
+                        <a:rPr lang="en-US" sz="1600" b="0" i="0" u="none" strike="noStrike" dirty="0">
+                          <a:solidFill>
+                            <a:srgbClr val="000000"/>
+                          </a:solidFill>
+                          <a:effectLst/>
+                          <a:latin typeface="+mn-lt"/>
+                        </a:rPr>
+                        <a:t>25</a:t>
+                      </a:r>
+                    </a:p>
+                  </a:txBody>
+                  <a:tcPr marL="7620" marR="7620" marT="7620" marB="0" anchor="b"/>
+                </a:tc>
+                <a:tc>
+                  <a:txBody>
+                    <a:bodyPr/>
+                    <a:lstStyle/>
+                    <a:p>
+                      <a:pPr algn="ctr" fontAlgn="b"/>
+                      <a:r>
+                        <a:rPr lang="en-US" sz="1600" b="0" i="0" u="none" strike="noStrike" dirty="0">
+                          <a:solidFill>
+                            <a:srgbClr val="000000"/>
+                          </a:solidFill>
+                          <a:effectLst/>
+                          <a:latin typeface="+mn-lt"/>
+                        </a:rPr>
+                        <a:t>25</a:t>
+                      </a:r>
+                    </a:p>
+                  </a:txBody>
+                  <a:tcPr marL="7620" marR="7620" marT="7620" marB="0" anchor="b"/>
+                </a:tc>
+                <a:tc>
+                  <a:txBody>
+                    <a:bodyPr/>
+                    <a:lstStyle/>
+                    <a:p>
+                      <a:pPr algn="ctr" fontAlgn="b"/>
+                      <a:r>
+                        <a:rPr lang="en-US" sz="1600" b="0" i="0" u="none" strike="noStrike" dirty="0">
+                          <a:solidFill>
+                            <a:srgbClr val="000000"/>
+                          </a:solidFill>
+                          <a:effectLst/>
+                          <a:latin typeface="+mn-lt"/>
+                        </a:rPr>
+                        <a:t>25</a:t>
+                      </a:r>
+                    </a:p>
+                  </a:txBody>
+                  <a:tcPr marL="7620" marR="7620" marT="7620" marB="0" anchor="b"/>
+                </a:tc>
+                <a:extLst>
+                  <a:ext uri="{0D108BD9-81ED-4DB2-BD59-A6C34878D82A}">
+                    <a16:rowId xmlns:a16="http://schemas.microsoft.com/office/drawing/2014/main" val="61997667"/>
+                  </a:ext>
+                </a:extLst>
+              </a:tr>
+              <a:tr h="967220">
+                <a:tc>
+                  <a:txBody>
+                    <a:bodyPr/>
+                    <a:lstStyle/>
+                    <a:p>
+                      <a:pPr algn="ctr"/>
+                      <a:r>
+                        <a:rPr lang="en-US" dirty="0"/>
+                        <a:t>Russian Imperial Stout</a:t>
+                      </a:r>
+                    </a:p>
+                  </a:txBody>
+                  <a:tcPr/>
+                </a:tc>
+                <a:tc>
+                  <a:txBody>
+                    <a:bodyPr/>
+                    <a:lstStyle/>
+                    <a:p>
+                      <a:pPr algn="ctr" fontAlgn="b"/>
+                      <a:r>
+                        <a:rPr lang="en-US" sz="1600" b="0" i="0" u="none" strike="noStrike">
+                          <a:solidFill>
+                            <a:srgbClr val="000000"/>
+                          </a:solidFill>
+                          <a:effectLst/>
+                          <a:latin typeface="+mn-lt"/>
+                        </a:rPr>
+                        <a:t>11</a:t>
+                      </a:r>
+                    </a:p>
+                  </a:txBody>
+                  <a:tcPr marL="7620" marR="7620" marT="7620" marB="0" anchor="b"/>
+                </a:tc>
+                <a:tc>
+                  <a:txBody>
+                    <a:bodyPr/>
+                    <a:lstStyle/>
+                    <a:p>
+                      <a:pPr algn="ctr" fontAlgn="b"/>
+                      <a:r>
+                        <a:rPr lang="en-US" sz="1600" b="0" i="0" u="none" strike="noStrike">
+                          <a:solidFill>
+                            <a:srgbClr val="000000"/>
+                          </a:solidFill>
+                          <a:effectLst/>
+                          <a:latin typeface="+mn-lt"/>
+                        </a:rPr>
+                        <a:t>221.6363636</a:t>
+                      </a:r>
+                    </a:p>
+                  </a:txBody>
+                  <a:tcPr marL="7620" marR="7620" marT="7620" marB="0" anchor="b"/>
+                </a:tc>
+                <a:tc>
+                  <a:txBody>
+                    <a:bodyPr/>
+                    <a:lstStyle/>
+                    <a:p>
+                      <a:pPr algn="ctr" fontAlgn="b"/>
+                      <a:r>
+                        <a:rPr lang="en-US" sz="1600" b="0" i="0" u="none" strike="noStrike">
+                          <a:solidFill>
+                            <a:srgbClr val="000000"/>
+                          </a:solidFill>
+                          <a:effectLst/>
+                          <a:latin typeface="+mn-lt"/>
+                        </a:rPr>
+                        <a:t>202.9405197</a:t>
+                      </a:r>
+                    </a:p>
+                  </a:txBody>
+                  <a:tcPr marL="7620" marR="7620" marT="7620" marB="0" anchor="b"/>
+                </a:tc>
+                <a:tc>
+                  <a:txBody>
+                    <a:bodyPr/>
+                    <a:lstStyle/>
+                    <a:p>
+                      <a:pPr algn="ctr" fontAlgn="b"/>
+                      <a:r>
+                        <a:rPr lang="en-US" sz="1600" b="0" i="0" u="none" strike="noStrike">
+                          <a:solidFill>
+                            <a:srgbClr val="000000"/>
+                          </a:solidFill>
+                          <a:effectLst/>
+                          <a:latin typeface="+mn-lt"/>
+                        </a:rPr>
+                        <a:t>6</a:t>
+                      </a:r>
+                    </a:p>
+                  </a:txBody>
+                  <a:tcPr marL="7620" marR="7620" marT="7620" marB="0" anchor="b"/>
+                </a:tc>
+                <a:tc>
+                  <a:txBody>
+                    <a:bodyPr/>
+                    <a:lstStyle/>
+                    <a:p>
+                      <a:pPr algn="ctr" fontAlgn="b"/>
+                      <a:r>
+                        <a:rPr lang="en-US" sz="1600" b="0" i="0" u="none" strike="noStrike">
+                          <a:solidFill>
+                            <a:srgbClr val="000000"/>
+                          </a:solidFill>
+                          <a:effectLst/>
+                          <a:latin typeface="+mn-lt"/>
+                        </a:rPr>
+                        <a:t>21</a:t>
+                      </a:r>
+                    </a:p>
+                  </a:txBody>
+                  <a:tcPr marL="7620" marR="7620" marT="7620" marB="0" anchor="b"/>
+                </a:tc>
+                <a:tc>
+                  <a:txBody>
+                    <a:bodyPr/>
+                    <a:lstStyle/>
+                    <a:p>
+                      <a:pPr algn="ctr" fontAlgn="b"/>
+                      <a:r>
+                        <a:rPr lang="en-US" sz="1600" b="0" i="0" u="none" strike="noStrike">
+                          <a:solidFill>
+                            <a:srgbClr val="000000"/>
+                          </a:solidFill>
+                          <a:effectLst/>
+                          <a:latin typeface="+mn-lt"/>
+                        </a:rPr>
+                        <a:t>166</a:t>
+                      </a:r>
+                    </a:p>
+                  </a:txBody>
+                  <a:tcPr marL="7620" marR="7620" marT="7620" marB="0" anchor="b"/>
+                </a:tc>
+                <a:tc>
+                  <a:txBody>
+                    <a:bodyPr/>
+                    <a:lstStyle/>
+                    <a:p>
+                      <a:pPr algn="ctr" fontAlgn="b"/>
+                      <a:r>
+                        <a:rPr lang="en-US" sz="1600" b="0" i="0" u="none" strike="noStrike">
+                          <a:solidFill>
+                            <a:srgbClr val="000000"/>
+                          </a:solidFill>
+                          <a:effectLst/>
+                          <a:latin typeface="+mn-lt"/>
+                        </a:rPr>
+                        <a:t>390.5</a:t>
+                      </a:r>
+                    </a:p>
+                  </a:txBody>
+                  <a:tcPr marL="7620" marR="7620" marT="7620" marB="0" anchor="b"/>
+                </a:tc>
+                <a:tc>
+                  <a:txBody>
+                    <a:bodyPr/>
+                    <a:lstStyle/>
+                    <a:p>
+                      <a:pPr algn="ctr" fontAlgn="b"/>
+                      <a:r>
+                        <a:rPr lang="en-US" sz="1600" b="0" i="0" u="none" strike="noStrike" dirty="0">
+                          <a:solidFill>
+                            <a:srgbClr val="000000"/>
+                          </a:solidFill>
+                          <a:effectLst/>
+                          <a:latin typeface="+mn-lt"/>
+                        </a:rPr>
+                        <a:t>503</a:t>
+                      </a:r>
+                    </a:p>
+                  </a:txBody>
+                  <a:tcPr marL="7620" marR="7620" marT="7620" marB="0" anchor="b"/>
+                </a:tc>
+                <a:extLst>
+                  <a:ext uri="{0D108BD9-81ED-4DB2-BD59-A6C34878D82A}">
+                    <a16:rowId xmlns:a16="http://schemas.microsoft.com/office/drawing/2014/main" val="1661376284"/>
+                  </a:ext>
+                </a:extLst>
+              </a:tr>
+              <a:tr h="392261">
+                <a:tc>
+                  <a:txBody>
+                    <a:bodyPr/>
+                    <a:lstStyle/>
+                    <a:p>
+                      <a:pPr algn="ctr"/>
+                      <a:r>
+                        <a:rPr lang="en-US" dirty="0"/>
+                        <a:t>Rye Beer</a:t>
+                      </a:r>
+                    </a:p>
+                  </a:txBody>
+                  <a:tcPr/>
+                </a:tc>
+                <a:tc>
+                  <a:txBody>
+                    <a:bodyPr/>
+                    <a:lstStyle/>
+                    <a:p>
+                      <a:pPr algn="ctr" fontAlgn="b"/>
+                      <a:r>
+                        <a:rPr lang="en-US" sz="1600" b="0" i="0" u="none" strike="noStrike">
+                          <a:solidFill>
+                            <a:srgbClr val="000000"/>
+                          </a:solidFill>
+                          <a:effectLst/>
+                          <a:latin typeface="+mn-lt"/>
+                        </a:rPr>
+                        <a:t>18</a:t>
+                      </a:r>
+                    </a:p>
+                  </a:txBody>
+                  <a:tcPr marL="7620" marR="7620" marT="7620" marB="0" anchor="b"/>
+                </a:tc>
+                <a:tc>
+                  <a:txBody>
+                    <a:bodyPr/>
+                    <a:lstStyle/>
+                    <a:p>
+                      <a:pPr algn="ctr" fontAlgn="b"/>
+                      <a:r>
+                        <a:rPr lang="en-US" sz="1600" b="0" i="0" u="none" strike="noStrike">
+                          <a:solidFill>
+                            <a:srgbClr val="000000"/>
+                          </a:solidFill>
+                          <a:effectLst/>
+                          <a:latin typeface="+mn-lt"/>
+                        </a:rPr>
+                        <a:t>158.3888889</a:t>
+                      </a:r>
+                    </a:p>
+                  </a:txBody>
+                  <a:tcPr marL="7620" marR="7620" marT="7620" marB="0" anchor="b"/>
+                </a:tc>
+                <a:tc>
+                  <a:txBody>
+                    <a:bodyPr/>
+                    <a:lstStyle/>
+                    <a:p>
+                      <a:pPr algn="ctr" fontAlgn="b"/>
+                      <a:r>
+                        <a:rPr lang="en-US" sz="1600" b="0" i="0" u="none" strike="noStrike">
+                          <a:solidFill>
+                            <a:srgbClr val="000000"/>
+                          </a:solidFill>
+                          <a:effectLst/>
+                          <a:latin typeface="+mn-lt"/>
+                        </a:rPr>
+                        <a:t>154.5453061</a:t>
+                      </a:r>
+                    </a:p>
+                  </a:txBody>
+                  <a:tcPr marL="7620" marR="7620" marT="7620" marB="0" anchor="b"/>
+                </a:tc>
+                <a:tc>
+                  <a:txBody>
+                    <a:bodyPr/>
+                    <a:lstStyle/>
+                    <a:p>
+                      <a:pPr algn="ctr" fontAlgn="b"/>
+                      <a:r>
+                        <a:rPr lang="en-US" sz="1600" b="0" i="0" u="none" strike="noStrike">
+                          <a:solidFill>
+                            <a:srgbClr val="000000"/>
+                          </a:solidFill>
+                          <a:effectLst/>
+                          <a:latin typeface="+mn-lt"/>
+                        </a:rPr>
+                        <a:t>10</a:t>
+                      </a:r>
+                    </a:p>
+                  </a:txBody>
+                  <a:tcPr marL="7620" marR="7620" marT="7620" marB="0" anchor="b"/>
+                </a:tc>
+                <a:tc>
+                  <a:txBody>
+                    <a:bodyPr/>
+                    <a:lstStyle/>
+                    <a:p>
+                      <a:pPr algn="ctr" fontAlgn="b"/>
+                      <a:r>
+                        <a:rPr lang="en-US" sz="1600" b="0" i="0" u="none" strike="noStrike">
+                          <a:solidFill>
+                            <a:srgbClr val="000000"/>
+                          </a:solidFill>
+                          <a:effectLst/>
+                          <a:latin typeface="+mn-lt"/>
+                        </a:rPr>
+                        <a:t>47.25</a:t>
+                      </a:r>
+                    </a:p>
+                  </a:txBody>
+                  <a:tcPr marL="7620" marR="7620" marT="7620" marB="0" anchor="b"/>
+                </a:tc>
+                <a:tc>
+                  <a:txBody>
+                    <a:bodyPr/>
+                    <a:lstStyle/>
+                    <a:p>
+                      <a:pPr algn="ctr" fontAlgn="b"/>
+                      <a:r>
+                        <a:rPr lang="en-US" sz="1600" b="0" i="0" u="none" strike="noStrike">
+                          <a:solidFill>
+                            <a:srgbClr val="000000"/>
+                          </a:solidFill>
+                          <a:effectLst/>
+                          <a:latin typeface="+mn-lt"/>
+                        </a:rPr>
+                        <a:t>79.5</a:t>
+                      </a:r>
+                    </a:p>
+                  </a:txBody>
+                  <a:tcPr marL="7620" marR="7620" marT="7620" marB="0" anchor="b"/>
+                </a:tc>
+                <a:tc>
+                  <a:txBody>
+                    <a:bodyPr/>
+                    <a:lstStyle/>
+                    <a:p>
+                      <a:pPr algn="ctr" fontAlgn="b"/>
+                      <a:r>
+                        <a:rPr lang="en-US" sz="1600" b="0" i="0" u="none" strike="noStrike">
+                          <a:solidFill>
+                            <a:srgbClr val="000000"/>
+                          </a:solidFill>
+                          <a:effectLst/>
+                          <a:latin typeface="+mn-lt"/>
+                        </a:rPr>
+                        <a:t>278</a:t>
+                      </a:r>
+                    </a:p>
+                  </a:txBody>
+                  <a:tcPr marL="7620" marR="7620" marT="7620" marB="0" anchor="b"/>
+                </a:tc>
+                <a:tc>
+                  <a:txBody>
+                    <a:bodyPr/>
+                    <a:lstStyle/>
+                    <a:p>
+                      <a:pPr algn="ctr" fontAlgn="b"/>
+                      <a:r>
+                        <a:rPr lang="en-US" sz="1600" b="0" i="0" u="none" strike="noStrike" dirty="0">
+                          <a:solidFill>
+                            <a:srgbClr val="000000"/>
+                          </a:solidFill>
+                          <a:effectLst/>
+                          <a:latin typeface="+mn-lt"/>
+                        </a:rPr>
+                        <a:t>471</a:t>
+                      </a:r>
+                    </a:p>
+                  </a:txBody>
+                  <a:tcPr marL="7620" marR="7620" marT="7620" marB="0" anchor="b"/>
+                </a:tc>
+                <a:extLst>
+                  <a:ext uri="{0D108BD9-81ED-4DB2-BD59-A6C34878D82A}">
+                    <a16:rowId xmlns:a16="http://schemas.microsoft.com/office/drawing/2014/main" val="3101333022"/>
+                  </a:ext>
+                </a:extLst>
+              </a:tr>
+              <a:tr h="677054">
+                <a:tc>
+                  <a:txBody>
+                    <a:bodyPr/>
+                    <a:lstStyle/>
+                    <a:p>
+                      <a:pPr algn="ctr"/>
+                      <a:r>
+                        <a:rPr lang="en-US" dirty="0"/>
+                        <a:t>Baltic Porter</a:t>
+                      </a:r>
+                    </a:p>
+                  </a:txBody>
+                  <a:tcPr/>
+                </a:tc>
+                <a:tc>
+                  <a:txBody>
+                    <a:bodyPr/>
+                    <a:lstStyle/>
+                    <a:p>
+                      <a:pPr algn="ctr" fontAlgn="b"/>
+                      <a:r>
+                        <a:rPr lang="en-US" sz="1600" b="0" i="0" u="none" strike="noStrike" dirty="0">
+                          <a:solidFill>
+                            <a:srgbClr val="000000"/>
+                          </a:solidFill>
+                          <a:effectLst/>
+                          <a:latin typeface="+mn-lt"/>
+                        </a:rPr>
+                        <a:t>6</a:t>
+                      </a:r>
+                    </a:p>
+                  </a:txBody>
+                  <a:tcPr marL="7620" marR="7620" marT="7620" marB="0" anchor="b"/>
+                </a:tc>
+                <a:tc>
+                  <a:txBody>
+                    <a:bodyPr/>
+                    <a:lstStyle/>
+                    <a:p>
+                      <a:pPr algn="ctr" fontAlgn="b"/>
+                      <a:r>
+                        <a:rPr lang="en-US" sz="1600" b="0" i="0" u="none" strike="noStrike" dirty="0">
+                          <a:solidFill>
+                            <a:srgbClr val="000000"/>
+                          </a:solidFill>
+                          <a:effectLst/>
+                          <a:latin typeface="+mn-lt"/>
+                        </a:rPr>
+                        <a:t>215.5</a:t>
+                      </a:r>
+                    </a:p>
+                  </a:txBody>
+                  <a:tcPr marL="7620" marR="7620" marT="7620" marB="0" anchor="b"/>
+                </a:tc>
+                <a:tc>
+                  <a:txBody>
+                    <a:bodyPr/>
+                    <a:lstStyle/>
+                    <a:p>
+                      <a:pPr algn="ctr" fontAlgn="b"/>
+                      <a:r>
+                        <a:rPr lang="en-US" sz="1600" b="0" i="0" u="none" strike="noStrike" dirty="0">
+                          <a:solidFill>
+                            <a:srgbClr val="000000"/>
+                          </a:solidFill>
+                          <a:effectLst/>
+                          <a:latin typeface="+mn-lt"/>
+                        </a:rPr>
+                        <a:t>191.5638275</a:t>
+                      </a:r>
+                    </a:p>
+                  </a:txBody>
+                  <a:tcPr marL="7620" marR="7620" marT="7620" marB="0" anchor="b"/>
+                </a:tc>
+                <a:tc>
+                  <a:txBody>
+                    <a:bodyPr/>
+                    <a:lstStyle/>
+                    <a:p>
+                      <a:pPr algn="ctr" fontAlgn="b"/>
+                      <a:r>
+                        <a:rPr lang="en-US" sz="1600" b="0" i="0" u="none" strike="noStrike" dirty="0">
+                          <a:solidFill>
+                            <a:srgbClr val="000000"/>
+                          </a:solidFill>
+                          <a:effectLst/>
+                          <a:latin typeface="+mn-lt"/>
+                        </a:rPr>
+                        <a:t>46</a:t>
+                      </a:r>
+                    </a:p>
+                  </a:txBody>
+                  <a:tcPr marL="7620" marR="7620" marT="7620" marB="0" anchor="b"/>
+                </a:tc>
+                <a:tc>
+                  <a:txBody>
+                    <a:bodyPr/>
+                    <a:lstStyle/>
+                    <a:p>
+                      <a:pPr algn="ctr" fontAlgn="b"/>
+                      <a:r>
+                        <a:rPr lang="en-US" sz="1600" b="0" i="0" u="none" strike="noStrike" dirty="0">
+                          <a:solidFill>
+                            <a:srgbClr val="000000"/>
+                          </a:solidFill>
+                          <a:effectLst/>
+                          <a:latin typeface="+mn-lt"/>
+                        </a:rPr>
+                        <a:t>66.25</a:t>
+                      </a:r>
+                    </a:p>
+                  </a:txBody>
+                  <a:tcPr marL="7620" marR="7620" marT="7620" marB="0" anchor="b"/>
+                </a:tc>
+                <a:tc>
+                  <a:txBody>
+                    <a:bodyPr/>
+                    <a:lstStyle/>
+                    <a:p>
+                      <a:pPr algn="ctr" fontAlgn="b"/>
+                      <a:r>
+                        <a:rPr lang="en-US" sz="1600" b="0" i="0" u="none" strike="noStrike" dirty="0">
+                          <a:solidFill>
+                            <a:srgbClr val="000000"/>
+                          </a:solidFill>
+                          <a:effectLst/>
+                          <a:latin typeface="+mn-lt"/>
+                        </a:rPr>
+                        <a:t>155.5</a:t>
+                      </a:r>
+                    </a:p>
+                  </a:txBody>
+                  <a:tcPr marL="7620" marR="7620" marT="7620" marB="0" anchor="b"/>
+                </a:tc>
+                <a:tc>
+                  <a:txBody>
+                    <a:bodyPr/>
+                    <a:lstStyle/>
+                    <a:p>
+                      <a:pPr algn="ctr" fontAlgn="b"/>
+                      <a:r>
+                        <a:rPr lang="en-US" sz="1600" b="0" i="0" u="none" strike="noStrike" dirty="0">
+                          <a:solidFill>
+                            <a:srgbClr val="000000"/>
+                          </a:solidFill>
+                          <a:effectLst/>
+                          <a:latin typeface="+mn-lt"/>
+                        </a:rPr>
+                        <a:t>322</a:t>
+                      </a:r>
+                    </a:p>
+                  </a:txBody>
+                  <a:tcPr marL="7620" marR="7620" marT="7620" marB="0" anchor="b"/>
+                </a:tc>
+                <a:tc>
+                  <a:txBody>
+                    <a:bodyPr/>
+                    <a:lstStyle/>
+                    <a:p>
+                      <a:pPr algn="ctr" fontAlgn="b"/>
+                      <a:r>
+                        <a:rPr lang="en-US" sz="1600" b="0" i="0" u="none" strike="noStrike" dirty="0">
+                          <a:solidFill>
+                            <a:srgbClr val="000000"/>
+                          </a:solidFill>
+                          <a:effectLst/>
+                          <a:latin typeface="+mn-lt"/>
+                        </a:rPr>
+                        <a:t>522</a:t>
+                      </a:r>
+                    </a:p>
+                  </a:txBody>
+                  <a:tcPr marL="7620" marR="7620" marT="7620" marB="0" anchor="b"/>
+                </a:tc>
+                <a:extLst>
+                  <a:ext uri="{0D108BD9-81ED-4DB2-BD59-A6C34878D82A}">
+                    <a16:rowId xmlns:a16="http://schemas.microsoft.com/office/drawing/2014/main" val="1940678801"/>
+                  </a:ext>
+                </a:extLst>
+              </a:tr>
+            </a:tbl>
+          </a:graphicData>
+        </a:graphic>
+      </p:graphicFrame>
     </p:spTree>
     <p:extLst>
       <p:ext uri="{BB962C8B-B14F-4D97-AF65-F5344CB8AC3E}">

--- a/presentation.pptx
+++ b/presentation.pptx
@@ -8684,13 +8684,13 @@
   <p:clrMapOvr>
     <a:masterClrMapping/>
   </p:clrMapOvr>
-  <mc:AlternateContent xmlns:mc="http://schemas.openxmlformats.org/markup-compatibility/2006">
-    <mc:Choice xmlns:p14="http://schemas.microsoft.com/office/powerpoint/2010/main" Requires="p14">
+  <mc:AlternateContent xmlns:mc="http://schemas.openxmlformats.org/markup-compatibility/2006" xmlns:p14="http://schemas.microsoft.com/office/powerpoint/2010/main">
+    <mc:Choice Requires="p14">
       <p:transition spd="slow" p14:dur="3400">
         <p14:reveal/>
       </p:transition>
     </mc:Choice>
-    <mc:Fallback>
+    <mc:Fallback xmlns="">
       <p:transition spd="slow">
         <p:fade/>
       </p:transition>
@@ -8745,60 +8745,36 @@
             <a:pPr algn="ctr"/>
             <a:r>
               <a:rPr lang="en-US" dirty="0"/>
-              <a:t>ABV vs IBU(International Bitterness Units)</a:t>
-            </a:r>
-          </a:p>
-        </p:txBody>
-      </p:sp>
-      <p:pic>
-        <p:nvPicPr>
-          <p:cNvPr id="9" name="Picture 2">
+              <a:t>Distribution</a:t>
+            </a:r>
+          </a:p>
+        </p:txBody>
+      </p:sp>
+      <p:sp>
+        <p:nvSpPr>
+          <p:cNvPr id="2" name="Content Placeholder 1">
             <a:extLst>
               <a:ext uri="{FF2B5EF4-FFF2-40B4-BE49-F238E27FC236}">
-                <a16:creationId xmlns:a16="http://schemas.microsoft.com/office/drawing/2014/main" id="{04B3CACD-AF17-4598-A66A-6610C3ED54B6}"/>
+                <a16:creationId xmlns:a16="http://schemas.microsoft.com/office/drawing/2014/main" id="{9E43251F-2B20-40A1-AC35-9DAAF506F202}"/>
               </a:ext>
             </a:extLst>
           </p:cNvPr>
-          <p:cNvPicPr>
-            <a:picLocks noGrp="1" noChangeAspect="1" noChangeArrowheads="1"/>
-          </p:cNvPicPr>
+          <p:cNvSpPr>
+            <a:spLocks noGrp="1"/>
+          </p:cNvSpPr>
           <p:nvPr>
             <p:ph idx="1"/>
           </p:nvPr>
-        </p:nvPicPr>
-        <p:blipFill>
-          <a:blip r:embed="rId2">
-            <a:extLst>
-              <a:ext uri="{28A0092B-C50C-407E-A947-70E740481C1C}">
-                <a14:useLocalDpi xmlns:a14="http://schemas.microsoft.com/office/drawing/2010/main" val="0"/>
-              </a:ext>
-            </a:extLst>
-          </a:blip>
-          <a:srcRect/>
-          <a:stretch>
-            <a:fillRect/>
-          </a:stretch>
-        </p:blipFill>
-        <p:spPr bwMode="auto">
-          <a:xfrm>
-            <a:off x="2200939" y="2324309"/>
-            <a:ext cx="7451811" cy="3598026"/>
-          </a:xfrm>
-          <a:prstGeom prst="rect">
-            <a:avLst/>
-          </a:prstGeom>
-          <a:noFill/>
-          <a:extLst>
-            <a:ext uri="{909E8E84-426E-40DD-AFC4-6F175D3DCCD1}">
-              <a14:hiddenFill xmlns:a14="http://schemas.microsoft.com/office/drawing/2010/main">
-                <a:solidFill>
-                  <a:srgbClr val="FFFFFF"/>
-                </a:solidFill>
-              </a14:hiddenFill>
-            </a:ext>
-          </a:extLst>
-        </p:spPr>
-      </p:pic>
+        </p:nvSpPr>
+        <p:spPr/>
+        <p:txBody>
+          <a:bodyPr/>
+          <a:lstStyle/>
+          <a:p>
+            <a:endParaRPr lang="en-US"/>
+          </a:p>
+        </p:txBody>
+      </p:sp>
     </p:spTree>
     <p:extLst>
       <p:ext uri="{BB962C8B-B14F-4D97-AF65-F5344CB8AC3E}">
@@ -8856,38 +8832,63 @@
           <a:bodyPr/>
           <a:lstStyle/>
           <a:p>
+            <a:pPr algn="ctr"/>
             <a:r>
               <a:rPr lang="en-US" dirty="0"/>
-              <a:t>Title and Content Layout with Chart</a:t>
-            </a:r>
-          </a:p>
-        </p:txBody>
-      </p:sp>
-      <p:sp>
-        <p:nvSpPr>
-          <p:cNvPr id="4" name="Content Placeholder 3">
+              <a:t>ABV vs IBU(International Bitterness Units)</a:t>
+            </a:r>
+          </a:p>
+        </p:txBody>
+      </p:sp>
+      <p:pic>
+        <p:nvPicPr>
+          <p:cNvPr id="1026" name="Picture 2">
             <a:extLst>
               <a:ext uri="{FF2B5EF4-FFF2-40B4-BE49-F238E27FC236}">
-                <a16:creationId xmlns:a16="http://schemas.microsoft.com/office/drawing/2014/main" id="{2DC69717-7FFE-456C-A352-434E08B9D2A8}"/>
+                <a16:creationId xmlns:a16="http://schemas.microsoft.com/office/drawing/2014/main" id="{C3633B24-139B-424D-8896-659B578632F9}"/>
               </a:ext>
             </a:extLst>
           </p:cNvPr>
-          <p:cNvSpPr>
-            <a:spLocks noGrp="1"/>
-          </p:cNvSpPr>
+          <p:cNvPicPr>
+            <a:picLocks noGrp="1" noChangeAspect="1" noChangeArrowheads="1"/>
+          </p:cNvPicPr>
           <p:nvPr>
             <p:ph idx="1"/>
           </p:nvPr>
-        </p:nvSpPr>
-        <p:spPr/>
-        <p:txBody>
-          <a:bodyPr/>
-          <a:lstStyle/>
-          <a:p>
-            <a:endParaRPr lang="en-US"/>
-          </a:p>
-        </p:txBody>
-      </p:sp>
+        </p:nvPicPr>
+        <p:blipFill>
+          <a:blip r:embed="rId2">
+            <a:extLst>
+              <a:ext uri="{28A0092B-C50C-407E-A947-70E740481C1C}">
+                <a14:useLocalDpi xmlns:a14="http://schemas.microsoft.com/office/drawing/2010/main" val="0"/>
+              </a:ext>
+            </a:extLst>
+          </a:blip>
+          <a:srcRect/>
+          <a:stretch>
+            <a:fillRect/>
+          </a:stretch>
+        </p:blipFill>
+        <p:spPr bwMode="auto">
+          <a:xfrm>
+            <a:off x="2551814" y="1805861"/>
+            <a:ext cx="7240772" cy="4464629"/>
+          </a:xfrm>
+          <a:prstGeom prst="rect">
+            <a:avLst/>
+          </a:prstGeom>
+          <a:noFill/>
+          <a:extLst>
+            <a:ext uri="{909E8E84-426E-40DD-AFC4-6F175D3DCCD1}">
+              <a14:hiddenFill xmlns:a14="http://schemas.microsoft.com/office/drawing/2010/main">
+                <a:solidFill>
+                  <a:srgbClr val="FFFFFF"/>
+                </a:solidFill>
+              </a14:hiddenFill>
+            </a:ext>
+          </a:extLst>
+        </p:spPr>
+      </p:pic>
     </p:spTree>
     <p:extLst>
       <p:ext uri="{BB962C8B-B14F-4D97-AF65-F5344CB8AC3E}">
@@ -9399,13 +9400,13 @@
   <p:clrMapOvr>
     <a:masterClrMapping/>
   </p:clrMapOvr>
-  <mc:AlternateContent xmlns:mc="http://schemas.openxmlformats.org/markup-compatibility/2006">
-    <mc:Choice xmlns:p14="http://schemas.microsoft.com/office/powerpoint/2010/main" Requires="p14">
+  <mc:AlternateContent xmlns:mc="http://schemas.openxmlformats.org/markup-compatibility/2006" xmlns:p14="http://schemas.microsoft.com/office/powerpoint/2010/main">
+    <mc:Choice Requires="p14">
       <p:transition p14:dur="100">
         <p:cut/>
       </p:transition>
     </mc:Choice>
-    <mc:Fallback>
+    <mc:Fallback xmlns="">
       <p:transition>
         <p:cut/>
       </p:transition>
@@ -10243,7 +10244,7 @@
             <p:ph idx="1"/>
             <p:extLst>
               <p:ext uri="{D42A27DB-BD31-4B8C-83A1-F6EECF244321}">
-                <p14:modId xmlns:p14="http://schemas.microsoft.com/office/powerpoint/2010/main" val="3249773727"/>
+                <p14:modId xmlns:p14="http://schemas.microsoft.com/office/powerpoint/2010/main" val="4269970257"/>
               </p:ext>
             </p:extLst>
           </p:nvPr>

--- a/presentation.pptx
+++ b/presentation.pptx
@@ -5,27 +5,26 @@
     <p:sldMasterId id="2147483648" r:id="rId1"/>
   </p:sldMasterIdLst>
   <p:notesMasterIdLst>
-    <p:notesMasterId r:id="rId17"/>
+    <p:notesMasterId r:id="rId16"/>
   </p:notesMasterIdLst>
   <p:handoutMasterIdLst>
-    <p:handoutMasterId r:id="rId18"/>
+    <p:handoutMasterId r:id="rId17"/>
   </p:handoutMasterIdLst>
   <p:sldIdLst>
     <p:sldId id="257" r:id="rId2"/>
     <p:sldId id="258" r:id="rId3"/>
     <p:sldId id="270" r:id="rId4"/>
     <p:sldId id="259" r:id="rId5"/>
-    <p:sldId id="271" r:id="rId6"/>
-    <p:sldId id="279" r:id="rId7"/>
-    <p:sldId id="273" r:id="rId8"/>
-    <p:sldId id="274" r:id="rId9"/>
-    <p:sldId id="275" r:id="rId10"/>
-    <p:sldId id="276" r:id="rId11"/>
-    <p:sldId id="278" r:id="rId12"/>
-    <p:sldId id="261" r:id="rId13"/>
-    <p:sldId id="262" r:id="rId14"/>
-    <p:sldId id="263" r:id="rId15"/>
-    <p:sldId id="264" r:id="rId16"/>
+    <p:sldId id="280" r:id="rId6"/>
+    <p:sldId id="271" r:id="rId7"/>
+    <p:sldId id="279" r:id="rId8"/>
+    <p:sldId id="273" r:id="rId9"/>
+    <p:sldId id="274" r:id="rId10"/>
+    <p:sldId id="275" r:id="rId11"/>
+    <p:sldId id="276" r:id="rId12"/>
+    <p:sldId id="278" r:id="rId13"/>
+    <p:sldId id="261" r:id="rId14"/>
+    <p:sldId id="262" r:id="rId15"/>
   </p:sldIdLst>
   <p:sldSz cx="12192000" cy="6858000"/>
   <p:notesSz cx="6858000" cy="9144000"/>
@@ -1242,15 +1241,15 @@
       <dgm:spPr/>
     </dgm:pt>
     <dgm:pt modelId="{74020AF3-C700-4606-8917-C6A353D7963A}">
-      <dgm:prSet phldrT="[Text]"/>
+      <dgm:prSet phldrT="[Text]" custT="1"/>
       <dgm:spPr/>
       <dgm:t>
         <a:bodyPr/>
         <a:lstStyle/>
         <a:p>
           <a:r>
-            <a:rPr lang="en-US" dirty="0"/>
-            <a:t>Step 1 Title</a:t>
+            <a:rPr lang="en-US" sz="1100" dirty="0"/>
+            <a:t>Identify Data			</a:t>
           </a:r>
         </a:p>
       </dgm:t>
@@ -1283,15 +1282,16 @@
       </dgm:t>
     </dgm:pt>
     <dgm:pt modelId="{12E26E22-71B0-4386-A84F-ABF2FF66A99F}">
-      <dgm:prSet phldrT="[Text]"/>
+      <dgm:prSet phldrT="[Text]" custT="1"/>
       <dgm:spPr/>
       <dgm:t>
         <a:bodyPr/>
         <a:lstStyle/>
         <a:p>
+          <a:pPr algn="l"/>
           <a:r>
-            <a:rPr lang="en-US" dirty="0"/>
-            <a:t>Step 2 Title</a:t>
+            <a:rPr lang="en-US" sz="1100" dirty="0"/>
+            <a:t>Establish Questions/Hypothesis </a:t>
           </a:r>
         </a:p>
       </dgm:t>
@@ -1330,10 +1330,7 @@
         <a:bodyPr/>
         <a:lstStyle/>
         <a:p>
-          <a:r>
-            <a:rPr lang="en-US" dirty="0"/>
-            <a:t>Step 3 Title</a:t>
-          </a:r>
+          <a:endParaRPr lang="en-US" dirty="0"/>
         </a:p>
       </dgm:t>
       <dgm:extLst>
@@ -1371,10 +1368,7 @@
         <a:bodyPr/>
         <a:lstStyle/>
         <a:p>
-          <a:r>
-            <a:rPr lang="en-US" dirty="0"/>
-            <a:t>Step 4 Title</a:t>
-          </a:r>
+          <a:endParaRPr lang="en-US" dirty="0"/>
         </a:p>
       </dgm:t>
       <dgm:extLst>
@@ -1555,12 +1549,12 @@
         </a:fontRef>
       </dsp:style>
       <dsp:txBody>
-        <a:bodyPr spcFirstLastPara="0" vert="horz" wrap="square" lIns="132017" tIns="44006" rIns="44006" bIns="44006" numCol="1" spcCol="1270" anchor="ctr" anchorCtr="0">
+        <a:bodyPr spcFirstLastPara="0" vert="horz" wrap="square" lIns="44006" tIns="14669" rIns="14669" bIns="14669" numCol="1" spcCol="1270" anchor="ctr" anchorCtr="0">
           <a:noAutofit/>
         </a:bodyPr>
         <a:lstStyle/>
         <a:p>
-          <a:pPr marL="0" lvl="0" indent="0" algn="ctr" defTabSz="1466850">
+          <a:pPr marL="0" lvl="0" indent="0" algn="ctr" defTabSz="488950">
             <a:lnSpc>
               <a:spcPct val="90000"/>
             </a:lnSpc>
@@ -1573,8 +1567,8 @@
             <a:buNone/>
           </a:pPr>
           <a:r>
-            <a:rPr lang="en-US" sz="3300" kern="1200" dirty="0"/>
-            <a:t>Step 1 Title</a:t>
+            <a:rPr lang="en-US" sz="1100" kern="1200" dirty="0"/>
+            <a:t>Identify Data			</a:t>
           </a:r>
         </a:p>
       </dsp:txBody>
@@ -1634,12 +1628,12 @@
         </a:fontRef>
       </dsp:style>
       <dsp:txBody>
-        <a:bodyPr spcFirstLastPara="0" vert="horz" wrap="square" lIns="132017" tIns="44006" rIns="44006" bIns="44006" numCol="1" spcCol="1270" anchor="ctr" anchorCtr="0">
+        <a:bodyPr spcFirstLastPara="0" vert="horz" wrap="square" lIns="44006" tIns="14669" rIns="14669" bIns="14669" numCol="1" spcCol="1270" anchor="ctr" anchorCtr="0">
           <a:noAutofit/>
         </a:bodyPr>
         <a:lstStyle/>
         <a:p>
-          <a:pPr marL="0" lvl="0" indent="0" algn="ctr" defTabSz="1466850">
+          <a:pPr marL="0" lvl="0" indent="0" algn="l" defTabSz="488950">
             <a:lnSpc>
               <a:spcPct val="90000"/>
             </a:lnSpc>
@@ -1652,8 +1646,8 @@
             <a:buNone/>
           </a:pPr>
           <a:r>
-            <a:rPr lang="en-US" sz="3300" kern="1200" dirty="0"/>
-            <a:t>Step 2 Title</a:t>
+            <a:rPr lang="en-US" sz="1100" kern="1200" dirty="0"/>
+            <a:t>Establish Questions/Hypothesis </a:t>
           </a:r>
         </a:p>
       </dsp:txBody>
@@ -1713,12 +1707,12 @@
         </a:fontRef>
       </dsp:style>
       <dsp:txBody>
-        <a:bodyPr spcFirstLastPara="0" vert="horz" wrap="square" lIns="132017" tIns="44006" rIns="44006" bIns="44006" numCol="1" spcCol="1270" anchor="ctr" anchorCtr="0">
+        <a:bodyPr spcFirstLastPara="0" vert="horz" wrap="square" lIns="244031" tIns="81344" rIns="81344" bIns="81344" numCol="1" spcCol="1270" anchor="ctr" anchorCtr="0">
           <a:noAutofit/>
         </a:bodyPr>
         <a:lstStyle/>
         <a:p>
-          <a:pPr marL="0" lvl="0" indent="0" algn="ctr" defTabSz="1466850">
+          <a:pPr marL="0" lvl="0" indent="0" algn="ctr" defTabSz="2711450">
             <a:lnSpc>
               <a:spcPct val="90000"/>
             </a:lnSpc>
@@ -1730,10 +1724,7 @@
             </a:spcAft>
             <a:buNone/>
           </a:pPr>
-          <a:r>
-            <a:rPr lang="en-US" sz="3300" kern="1200" dirty="0"/>
-            <a:t>Step 3 Title</a:t>
-          </a:r>
+          <a:endParaRPr lang="en-US" sz="6100" kern="1200" dirty="0"/>
         </a:p>
       </dsp:txBody>
       <dsp:txXfrm>
@@ -1792,12 +1783,12 @@
         </a:fontRef>
       </dsp:style>
       <dsp:txBody>
-        <a:bodyPr spcFirstLastPara="0" vert="horz" wrap="square" lIns="132017" tIns="44006" rIns="44006" bIns="44006" numCol="1" spcCol="1270" anchor="ctr" anchorCtr="0">
+        <a:bodyPr spcFirstLastPara="0" vert="horz" wrap="square" lIns="244031" tIns="81344" rIns="81344" bIns="81344" numCol="1" spcCol="1270" anchor="ctr" anchorCtr="0">
           <a:noAutofit/>
         </a:bodyPr>
         <a:lstStyle/>
         <a:p>
-          <a:pPr marL="0" lvl="0" indent="0" algn="ctr" defTabSz="1466850">
+          <a:pPr marL="0" lvl="0" indent="0" algn="ctr" defTabSz="2711450">
             <a:lnSpc>
               <a:spcPct val="90000"/>
             </a:lnSpc>
@@ -1809,10 +1800,7 @@
             </a:spcAft>
             <a:buNone/>
           </a:pPr>
-          <a:r>
-            <a:rPr lang="en-US" sz="3300" kern="1200" dirty="0"/>
-            <a:t>Step 4 Title</a:t>
-          </a:r>
+          <a:endParaRPr lang="en-US" sz="6100" kern="1200" dirty="0"/>
         </a:p>
       </dsp:txBody>
       <dsp:txXfrm>
@@ -3223,7 +3211,7 @@
           <a:p>
             <a:fld id="{D63D5444-F62C-42C3-A75A-D9DBA807730F}" type="datetimeFigureOut">
               <a:rPr lang="en-US" smtClean="0"/>
-              <a:t>8/1/2021</a:t>
+              <a:t>8/2/2021</a:t>
             </a:fld>
             <a:endParaRPr lang="en-US"/>
           </a:p>
@@ -3388,7 +3376,7 @@
           <a:p>
             <a:fld id="{12CAA1FA-7B6A-47D2-8D61-F225D71B51FF}" type="datetimeFigureOut">
               <a:rPr lang="en-US" smtClean="0"/>
-              <a:t>8/1/2021</a:t>
+              <a:t>8/2/2021</a:t>
             </a:fld>
             <a:endParaRPr lang="en-US"/>
           </a:p>
@@ -4340,7 +4328,7 @@
           <a:p>
             <a:fld id="{A79A3335-6331-4872-A8B7-ECD55539F4D0}" type="datetimeFigureOut">
               <a:rPr lang="en-US" smtClean="0"/>
-              <a:t>8/1/2021</a:t>
+              <a:t>8/2/2021</a:t>
             </a:fld>
             <a:endParaRPr lang="en-US"/>
           </a:p>
@@ -4947,7 +4935,7 @@
           <a:p>
             <a:fld id="{A79A3335-6331-4872-A8B7-ECD55539F4D0}" type="datetimeFigureOut">
               <a:rPr lang="en-US" smtClean="0"/>
-              <a:t>8/1/2021</a:t>
+              <a:t>8/2/2021</a:t>
             </a:fld>
             <a:endParaRPr lang="en-US"/>
           </a:p>
@@ -5130,7 +5118,7 @@
           <a:p>
             <a:fld id="{A79A3335-6331-4872-A8B7-ECD55539F4D0}" type="datetimeFigureOut">
               <a:rPr lang="en-US" smtClean="0"/>
-              <a:t>8/1/2021</a:t>
+              <a:t>8/2/2021</a:t>
             </a:fld>
             <a:endParaRPr lang="en-US"/>
           </a:p>
@@ -5464,7 +5452,7 @@
           <a:p>
             <a:fld id="{A79A3335-6331-4872-A8B7-ECD55539F4D0}" type="datetimeFigureOut">
               <a:rPr lang="en-US" smtClean="0"/>
-              <a:t>8/1/2021</a:t>
+              <a:t>8/2/2021</a:t>
             </a:fld>
             <a:endParaRPr lang="en-US"/>
           </a:p>
@@ -5656,7 +5644,7 @@
           <a:p>
             <a:fld id="{A79A3335-6331-4872-A8B7-ECD55539F4D0}" type="datetimeFigureOut">
               <a:rPr lang="en-US" smtClean="0"/>
-              <a:t>8/1/2021</a:t>
+              <a:t>8/2/2021</a:t>
             </a:fld>
             <a:endParaRPr lang="en-US"/>
           </a:p>
@@ -6816,7 +6804,7 @@
           <a:p>
             <a:fld id="{A79A3335-6331-4872-A8B7-ECD55539F4D0}" type="datetimeFigureOut">
               <a:rPr lang="en-US" smtClean="0"/>
-              <a:t>8/1/2021</a:t>
+              <a:t>8/2/2021</a:t>
             </a:fld>
             <a:endParaRPr lang="en-US"/>
           </a:p>
@@ -7200,7 +7188,7 @@
           <a:p>
             <a:fld id="{A79A3335-6331-4872-A8B7-ECD55539F4D0}" type="datetimeFigureOut">
               <a:rPr lang="en-US" smtClean="0"/>
-              <a:t>8/1/2021</a:t>
+              <a:t>8/2/2021</a:t>
             </a:fld>
             <a:endParaRPr lang="en-US"/>
           </a:p>
@@ -7332,7 +7320,7 @@
           <a:p>
             <a:fld id="{A79A3335-6331-4872-A8B7-ECD55539F4D0}" type="datetimeFigureOut">
               <a:rPr lang="en-US" smtClean="0"/>
-              <a:t>8/1/2021</a:t>
+              <a:t>8/2/2021</a:t>
             </a:fld>
             <a:endParaRPr lang="en-US"/>
           </a:p>
@@ -7442,7 +7430,7 @@
           <a:p>
             <a:fld id="{A79A3335-6331-4872-A8B7-ECD55539F4D0}" type="datetimeFigureOut">
               <a:rPr lang="en-US" smtClean="0"/>
-              <a:t>8/1/2021</a:t>
+              <a:t>8/2/2021</a:t>
             </a:fld>
             <a:endParaRPr lang="en-US"/>
           </a:p>
@@ -7735,7 +7723,7 @@
           <a:p>
             <a:fld id="{A79A3335-6331-4872-A8B7-ECD55539F4D0}" type="datetimeFigureOut">
               <a:rPr lang="en-US" smtClean="0"/>
-              <a:t>8/1/2021</a:t>
+              <a:t>8/2/2021</a:t>
             </a:fld>
             <a:endParaRPr lang="en-US"/>
           </a:p>
@@ -8118,7 +8106,7 @@
             <a:fld id="{A79A3335-6331-4872-A8B7-ECD55539F4D0}" type="datetimeFigureOut">
               <a:rPr lang="en-US" smtClean="0"/>
               <a:pPr/>
-              <a:t>8/1/2021</a:t>
+              <a:t>8/2/2021</a:t>
             </a:fld>
             <a:endParaRPr lang="en-US"/>
           </a:p>
@@ -8700,1488 +8688,6 @@
 </file>
 
 <file path=ppt/slides/slide10.xml><?xml version="1.0" encoding="utf-8"?>
-<p:sld xmlns:a="http://schemas.openxmlformats.org/drawingml/2006/main" xmlns:r="http://schemas.openxmlformats.org/officeDocument/2006/relationships" xmlns:p="http://schemas.openxmlformats.org/presentationml/2006/main">
-  <p:cSld>
-    <p:spTree>
-      <p:nvGrpSpPr>
-        <p:cNvPr id="1" name=""/>
-        <p:cNvGrpSpPr/>
-        <p:nvPr/>
-      </p:nvGrpSpPr>
-      <p:grpSpPr>
-        <a:xfrm>
-          <a:off x="0" y="0"/>
-          <a:ext cx="0" cy="0"/>
-          <a:chOff x="0" y="0"/>
-          <a:chExt cx="0" cy="0"/>
-        </a:xfrm>
-      </p:grpSpPr>
-      <p:sp>
-        <p:nvSpPr>
-          <p:cNvPr id="4" name="Title 1">
-            <a:extLst>
-              <a:ext uri="{FF2B5EF4-FFF2-40B4-BE49-F238E27FC236}">
-                <a16:creationId xmlns:a16="http://schemas.microsoft.com/office/drawing/2014/main" id="{10B17E3B-7B54-46F8-818D-3240FD835A44}"/>
-              </a:ext>
-            </a:extLst>
-          </p:cNvPr>
-          <p:cNvSpPr>
-            <a:spLocks noGrp="1"/>
-          </p:cNvSpPr>
-          <p:nvPr>
-            <p:ph type="title"/>
-          </p:nvPr>
-        </p:nvSpPr>
-        <p:spPr>
-          <a:xfrm>
-            <a:off x="1295400" y="255588"/>
-            <a:ext cx="9601200" cy="1036637"/>
-          </a:xfrm>
-        </p:spPr>
-        <p:txBody>
-          <a:bodyPr/>
-          <a:lstStyle/>
-          <a:p>
-            <a:pPr algn="ctr"/>
-            <a:r>
-              <a:rPr lang="en-US" dirty="0"/>
-              <a:t>Distribution</a:t>
-            </a:r>
-          </a:p>
-        </p:txBody>
-      </p:sp>
-      <p:sp>
-        <p:nvSpPr>
-          <p:cNvPr id="2" name="Content Placeholder 1">
-            <a:extLst>
-              <a:ext uri="{FF2B5EF4-FFF2-40B4-BE49-F238E27FC236}">
-                <a16:creationId xmlns:a16="http://schemas.microsoft.com/office/drawing/2014/main" id="{9E43251F-2B20-40A1-AC35-9DAAF506F202}"/>
-              </a:ext>
-            </a:extLst>
-          </p:cNvPr>
-          <p:cNvSpPr>
-            <a:spLocks noGrp="1"/>
-          </p:cNvSpPr>
-          <p:nvPr>
-            <p:ph idx="1"/>
-          </p:nvPr>
-        </p:nvSpPr>
-        <p:spPr/>
-        <p:txBody>
-          <a:bodyPr/>
-          <a:lstStyle/>
-          <a:p>
-            <a:endParaRPr lang="en-US"/>
-          </a:p>
-        </p:txBody>
-      </p:sp>
-    </p:spTree>
-    <p:extLst>
-      <p:ext uri="{BB962C8B-B14F-4D97-AF65-F5344CB8AC3E}">
-        <p14:creationId xmlns:p14="http://schemas.microsoft.com/office/powerpoint/2010/main" val="606315968"/>
-      </p:ext>
-    </p:extLst>
-  </p:cSld>
-  <p:clrMapOvr>
-    <a:masterClrMapping/>
-  </p:clrMapOvr>
-  <mc:AlternateContent xmlns:mc="http://schemas.openxmlformats.org/markup-compatibility/2006" xmlns:p14="http://schemas.microsoft.com/office/powerpoint/2010/main">
-    <mc:Choice Requires="p14">
-      <p:transition spd="med" p14:dur="700">
-        <p:fade/>
-      </p:transition>
-    </mc:Choice>
-    <mc:Fallback xmlns="">
-      <p:transition spd="med">
-        <p:fade/>
-      </p:transition>
-    </mc:Fallback>
-  </mc:AlternateContent>
-</p:sld>
-</file>
-
-<file path=ppt/slides/slide11.xml><?xml version="1.0" encoding="utf-8"?>
-<p:sld xmlns:a="http://schemas.openxmlformats.org/drawingml/2006/main" xmlns:r="http://schemas.openxmlformats.org/officeDocument/2006/relationships" xmlns:p="http://schemas.openxmlformats.org/presentationml/2006/main">
-  <p:cSld>
-    <p:spTree>
-      <p:nvGrpSpPr>
-        <p:cNvPr id="1" name=""/>
-        <p:cNvGrpSpPr/>
-        <p:nvPr/>
-      </p:nvGrpSpPr>
-      <p:grpSpPr>
-        <a:xfrm>
-          <a:off x="0" y="0"/>
-          <a:ext cx="0" cy="0"/>
-          <a:chOff x="0" y="0"/>
-          <a:chExt cx="0" cy="0"/>
-        </a:xfrm>
-      </p:grpSpPr>
-      <p:sp>
-        <p:nvSpPr>
-          <p:cNvPr id="2" name="Title 1"/>
-          <p:cNvSpPr>
-            <a:spLocks noGrp="1"/>
-          </p:cNvSpPr>
-          <p:nvPr>
-            <p:ph type="title"/>
-          </p:nvPr>
-        </p:nvSpPr>
-        <p:spPr/>
-        <p:txBody>
-          <a:bodyPr/>
-          <a:lstStyle/>
-          <a:p>
-            <a:pPr algn="ctr"/>
-            <a:r>
-              <a:rPr lang="en-US" dirty="0"/>
-              <a:t>ABV vs IBU(International Bitterness Units)</a:t>
-            </a:r>
-          </a:p>
-        </p:txBody>
-      </p:sp>
-      <p:pic>
-        <p:nvPicPr>
-          <p:cNvPr id="1026" name="Picture 2">
-            <a:extLst>
-              <a:ext uri="{FF2B5EF4-FFF2-40B4-BE49-F238E27FC236}">
-                <a16:creationId xmlns:a16="http://schemas.microsoft.com/office/drawing/2014/main" id="{C3633B24-139B-424D-8896-659B578632F9}"/>
-              </a:ext>
-            </a:extLst>
-          </p:cNvPr>
-          <p:cNvPicPr>
-            <a:picLocks noGrp="1" noChangeAspect="1" noChangeArrowheads="1"/>
-          </p:cNvPicPr>
-          <p:nvPr>
-            <p:ph idx="1"/>
-          </p:nvPr>
-        </p:nvPicPr>
-        <p:blipFill>
-          <a:blip r:embed="rId2">
-            <a:extLst>
-              <a:ext uri="{28A0092B-C50C-407E-A947-70E740481C1C}">
-                <a14:useLocalDpi xmlns:a14="http://schemas.microsoft.com/office/drawing/2010/main" val="0"/>
-              </a:ext>
-            </a:extLst>
-          </a:blip>
-          <a:srcRect/>
-          <a:stretch>
-            <a:fillRect/>
-          </a:stretch>
-        </p:blipFill>
-        <p:spPr bwMode="auto">
-          <a:xfrm>
-            <a:off x="2551814" y="1805861"/>
-            <a:ext cx="7240772" cy="4464629"/>
-          </a:xfrm>
-          <a:prstGeom prst="rect">
-            <a:avLst/>
-          </a:prstGeom>
-          <a:noFill/>
-          <a:extLst>
-            <a:ext uri="{909E8E84-426E-40DD-AFC4-6F175D3DCCD1}">
-              <a14:hiddenFill xmlns:a14="http://schemas.microsoft.com/office/drawing/2010/main">
-                <a:solidFill>
-                  <a:srgbClr val="FFFFFF"/>
-                </a:solidFill>
-              </a14:hiddenFill>
-            </a:ext>
-          </a:extLst>
-        </p:spPr>
-      </p:pic>
-    </p:spTree>
-    <p:extLst>
-      <p:ext uri="{BB962C8B-B14F-4D97-AF65-F5344CB8AC3E}">
-        <p14:creationId xmlns:p14="http://schemas.microsoft.com/office/powerpoint/2010/main" val="211545084"/>
-      </p:ext>
-    </p:extLst>
-  </p:cSld>
-  <p:clrMapOvr>
-    <a:masterClrMapping/>
-  </p:clrMapOvr>
-  <mc:AlternateContent xmlns:mc="http://schemas.openxmlformats.org/markup-compatibility/2006" xmlns:p14="http://schemas.microsoft.com/office/powerpoint/2010/main">
-    <mc:Choice Requires="p14">
-      <p:transition spd="med" p14:dur="700">
-        <p:fade/>
-      </p:transition>
-    </mc:Choice>
-    <mc:Fallback xmlns="">
-      <p:transition spd="med">
-        <p:fade/>
-      </p:transition>
-    </mc:Fallback>
-  </mc:AlternateContent>
-</p:sld>
-</file>
-
-<file path=ppt/slides/slide12.xml><?xml version="1.0" encoding="utf-8"?>
-<p:sld xmlns:a="http://schemas.openxmlformats.org/drawingml/2006/main" xmlns:r="http://schemas.openxmlformats.org/officeDocument/2006/relationships" xmlns:p="http://schemas.openxmlformats.org/presentationml/2006/main">
-  <p:cSld>
-    <p:spTree>
-      <p:nvGrpSpPr>
-        <p:cNvPr id="1" name=""/>
-        <p:cNvGrpSpPr/>
-        <p:nvPr/>
-      </p:nvGrpSpPr>
-      <p:grpSpPr>
-        <a:xfrm>
-          <a:off x="0" y="0"/>
-          <a:ext cx="0" cy="0"/>
-          <a:chOff x="0" y="0"/>
-          <a:chExt cx="0" cy="0"/>
-        </a:xfrm>
-      </p:grpSpPr>
-      <p:sp>
-        <p:nvSpPr>
-          <p:cNvPr id="2" name="Title 1"/>
-          <p:cNvSpPr>
-            <a:spLocks noGrp="1"/>
-          </p:cNvSpPr>
-          <p:nvPr>
-            <p:ph type="title"/>
-          </p:nvPr>
-        </p:nvSpPr>
-        <p:spPr/>
-        <p:txBody>
-          <a:bodyPr/>
-          <a:lstStyle/>
-          <a:p>
-            <a:r>
-              <a:rPr lang="en-US" dirty="0"/>
-              <a:t>Title and Content Layout with SmartArt</a:t>
-            </a:r>
-          </a:p>
-        </p:txBody>
-      </p:sp>
-      <p:graphicFrame>
-        <p:nvGraphicFramePr>
-          <p:cNvPr id="6" name="Content Placeholder 5" descr="Basic Chevron Process diagram showing 4 steps arranged from left to right"/>
-          <p:cNvGraphicFramePr>
-            <a:graphicFrameLocks noGrp="1"/>
-          </p:cNvGraphicFramePr>
-          <p:nvPr>
-            <p:ph idx="1"/>
-            <p:extLst>
-              <p:ext uri="{D42A27DB-BD31-4B8C-83A1-F6EECF244321}">
-                <p14:modId xmlns:p14="http://schemas.microsoft.com/office/powerpoint/2010/main" val="2924780775"/>
-              </p:ext>
-            </p:extLst>
-          </p:nvPr>
-        </p:nvGraphicFramePr>
-        <p:xfrm>
-          <a:off x="1295400" y="1828800"/>
-          <a:ext cx="9601200" cy="4343400"/>
-        </p:xfrm>
-        <a:graphic>
-          <a:graphicData uri="http://schemas.openxmlformats.org/drawingml/2006/diagram">
-            <dgm:relIds xmlns:dgm="http://schemas.openxmlformats.org/drawingml/2006/diagram" xmlns:r="http://schemas.openxmlformats.org/officeDocument/2006/relationships" r:dm="rId2" r:lo="rId3" r:qs="rId4" r:cs="rId5"/>
-          </a:graphicData>
-        </a:graphic>
-      </p:graphicFrame>
-    </p:spTree>
-    <p:extLst>
-      <p:ext uri="{BB962C8B-B14F-4D97-AF65-F5344CB8AC3E}">
-        <p14:creationId xmlns:p14="http://schemas.microsoft.com/office/powerpoint/2010/main" val="3112142608"/>
-      </p:ext>
-    </p:extLst>
-  </p:cSld>
-  <p:clrMapOvr>
-    <a:masterClrMapping/>
-  </p:clrMapOvr>
-  <mc:AlternateContent xmlns:mc="http://schemas.openxmlformats.org/markup-compatibility/2006" xmlns:p14="http://schemas.microsoft.com/office/powerpoint/2010/main">
-    <mc:Choice Requires="p14">
-      <p:transition spd="med" p14:dur="700">
-        <p:fade/>
-      </p:transition>
-    </mc:Choice>
-    <mc:Fallback xmlns="">
-      <p:transition spd="med">
-        <p:fade/>
-      </p:transition>
-    </mc:Fallback>
-  </mc:AlternateContent>
-</p:sld>
-</file>
-
-<file path=ppt/slides/slide13.xml><?xml version="1.0" encoding="utf-8"?>
-<p:sld xmlns:a="http://schemas.openxmlformats.org/drawingml/2006/main" xmlns:r="http://schemas.openxmlformats.org/officeDocument/2006/relationships" xmlns:p="http://schemas.openxmlformats.org/presentationml/2006/main">
-  <p:cSld>
-    <p:spTree>
-      <p:nvGrpSpPr>
-        <p:cNvPr id="1" name=""/>
-        <p:cNvGrpSpPr/>
-        <p:nvPr/>
-      </p:nvGrpSpPr>
-      <p:grpSpPr>
-        <a:xfrm>
-          <a:off x="0" y="0"/>
-          <a:ext cx="0" cy="0"/>
-          <a:chOff x="0" y="0"/>
-          <a:chExt cx="0" cy="0"/>
-        </a:xfrm>
-      </p:grpSpPr>
-      <p:sp>
-        <p:nvSpPr>
-          <p:cNvPr id="2" name="Title 1"/>
-          <p:cNvSpPr>
-            <a:spLocks noGrp="1"/>
-          </p:cNvSpPr>
-          <p:nvPr>
-            <p:ph type="ctrTitle"/>
-          </p:nvPr>
-        </p:nvSpPr>
-        <p:spPr/>
-        <p:txBody>
-          <a:bodyPr/>
-          <a:lstStyle/>
-          <a:p>
-            <a:r>
-              <a:rPr lang="en-US" dirty="0"/>
-              <a:t>Add a Slide Title - 1</a:t>
-            </a:r>
-          </a:p>
-        </p:txBody>
-      </p:sp>
-      <p:sp>
-        <p:nvSpPr>
-          <p:cNvPr id="4" name="Subtitle 3"/>
-          <p:cNvSpPr>
-            <a:spLocks noGrp="1"/>
-          </p:cNvSpPr>
-          <p:nvPr>
-            <p:ph type="subTitle" idx="1"/>
-          </p:nvPr>
-        </p:nvSpPr>
-        <p:spPr/>
-        <p:txBody>
-          <a:bodyPr/>
-          <a:lstStyle/>
-          <a:p>
-            <a:endParaRPr lang="en-US"/>
-          </a:p>
-        </p:txBody>
-      </p:sp>
-    </p:spTree>
-    <p:extLst>
-      <p:ext uri="{BB962C8B-B14F-4D97-AF65-F5344CB8AC3E}">
-        <p14:creationId xmlns:p14="http://schemas.microsoft.com/office/powerpoint/2010/main" val="1636679273"/>
-      </p:ext>
-    </p:extLst>
-  </p:cSld>
-  <p:clrMapOvr>
-    <a:masterClrMapping/>
-  </p:clrMapOvr>
-  <mc:AlternateContent xmlns:mc="http://schemas.openxmlformats.org/markup-compatibility/2006" xmlns:p14="http://schemas.microsoft.com/office/powerpoint/2010/main">
-    <mc:Choice Requires="p14">
-      <p:transition spd="med" p14:dur="700">
-        <p:fade/>
-      </p:transition>
-    </mc:Choice>
-    <mc:Fallback xmlns="">
-      <p:transition spd="med">
-        <p:fade/>
-      </p:transition>
-    </mc:Fallback>
-  </mc:AlternateContent>
-</p:sld>
-</file>
-
-<file path=ppt/slides/slide14.xml><?xml version="1.0" encoding="utf-8"?>
-<p:sld xmlns:a="http://schemas.openxmlformats.org/drawingml/2006/main" xmlns:r="http://schemas.openxmlformats.org/officeDocument/2006/relationships" xmlns:p="http://schemas.openxmlformats.org/presentationml/2006/main">
-  <p:cSld>
-    <p:spTree>
-      <p:nvGrpSpPr>
-        <p:cNvPr id="1" name=""/>
-        <p:cNvGrpSpPr/>
-        <p:nvPr/>
-      </p:nvGrpSpPr>
-      <p:grpSpPr>
-        <a:xfrm>
-          <a:off x="0" y="0"/>
-          <a:ext cx="0" cy="0"/>
-          <a:chOff x="0" y="0"/>
-          <a:chExt cx="0" cy="0"/>
-        </a:xfrm>
-      </p:grpSpPr>
-      <p:sp>
-        <p:nvSpPr>
-          <p:cNvPr id="2" name="Title 1"/>
-          <p:cNvSpPr>
-            <a:spLocks noGrp="1"/>
-          </p:cNvSpPr>
-          <p:nvPr>
-            <p:ph type="title"/>
-          </p:nvPr>
-        </p:nvSpPr>
-        <p:spPr/>
-        <p:txBody>
-          <a:bodyPr/>
-          <a:lstStyle/>
-          <a:p>
-            <a:r>
-              <a:rPr lang="en-US" dirty="0"/>
-              <a:t>Add a Slide Title - 2</a:t>
-            </a:r>
-          </a:p>
-        </p:txBody>
-      </p:sp>
-      <p:sp>
-        <p:nvSpPr>
-          <p:cNvPr id="4" name="Text Placeholder 3"/>
-          <p:cNvSpPr>
-            <a:spLocks noGrp="1"/>
-          </p:cNvSpPr>
-          <p:nvPr>
-            <p:ph type="body" idx="1"/>
-          </p:nvPr>
-        </p:nvSpPr>
-        <p:spPr/>
-        <p:txBody>
-          <a:bodyPr/>
-          <a:lstStyle/>
-          <a:p>
-            <a:endParaRPr lang="en-US"/>
-          </a:p>
-        </p:txBody>
-      </p:sp>
-    </p:spTree>
-    <p:extLst>
-      <p:ext uri="{BB962C8B-B14F-4D97-AF65-F5344CB8AC3E}">
-        <p14:creationId xmlns:p14="http://schemas.microsoft.com/office/powerpoint/2010/main" val="3374778722"/>
-      </p:ext>
-    </p:extLst>
-  </p:cSld>
-  <p:clrMapOvr>
-    <a:masterClrMapping/>
-  </p:clrMapOvr>
-  <mc:AlternateContent xmlns:mc="http://schemas.openxmlformats.org/markup-compatibility/2006" xmlns:p14="http://schemas.microsoft.com/office/powerpoint/2010/main">
-    <mc:Choice Requires="p14">
-      <p:transition spd="med" p14:dur="700">
-        <p:fade/>
-      </p:transition>
-    </mc:Choice>
-    <mc:Fallback xmlns="">
-      <p:transition spd="med">
-        <p:fade/>
-      </p:transition>
-    </mc:Fallback>
-  </mc:AlternateContent>
-</p:sld>
-</file>
-
-<file path=ppt/slides/slide15.xml><?xml version="1.0" encoding="utf-8"?>
-<p:sld xmlns:a="http://schemas.openxmlformats.org/drawingml/2006/main" xmlns:r="http://schemas.openxmlformats.org/officeDocument/2006/relationships" xmlns:p="http://schemas.openxmlformats.org/presentationml/2006/main">
-  <p:cSld>
-    <p:spTree>
-      <p:nvGrpSpPr>
-        <p:cNvPr id="1" name=""/>
-        <p:cNvGrpSpPr/>
-        <p:nvPr/>
-      </p:nvGrpSpPr>
-      <p:grpSpPr>
-        <a:xfrm>
-          <a:off x="0" y="0"/>
-          <a:ext cx="0" cy="0"/>
-          <a:chOff x="0" y="0"/>
-          <a:chExt cx="0" cy="0"/>
-        </a:xfrm>
-      </p:grpSpPr>
-      <p:sp>
-        <p:nvSpPr>
-          <p:cNvPr id="2" name="Title 1"/>
-          <p:cNvSpPr>
-            <a:spLocks noGrp="1"/>
-          </p:cNvSpPr>
-          <p:nvPr>
-            <p:ph type="title"/>
-          </p:nvPr>
-        </p:nvSpPr>
-        <p:spPr/>
-        <p:txBody>
-          <a:bodyPr/>
-          <a:lstStyle/>
-          <a:p>
-            <a:r>
-              <a:rPr lang="en-US" dirty="0"/>
-              <a:t>Add a Slide Title - 3</a:t>
-            </a:r>
-          </a:p>
-        </p:txBody>
-      </p:sp>
-      <p:sp>
-        <p:nvSpPr>
-          <p:cNvPr id="11" name="Text Placeholder 10"/>
-          <p:cNvSpPr>
-            <a:spLocks noGrp="1"/>
-          </p:cNvSpPr>
-          <p:nvPr>
-            <p:ph type="body" idx="1"/>
-          </p:nvPr>
-        </p:nvSpPr>
-        <p:spPr/>
-        <p:txBody>
-          <a:bodyPr/>
-          <a:lstStyle/>
-          <a:p>
-            <a:endParaRPr lang="en-US"/>
-          </a:p>
-        </p:txBody>
-      </p:sp>
-      <p:sp>
-        <p:nvSpPr>
-          <p:cNvPr id="12" name="Content Placeholder 11"/>
-          <p:cNvSpPr>
-            <a:spLocks noGrp="1"/>
-          </p:cNvSpPr>
-          <p:nvPr>
-            <p:ph sz="half" idx="2"/>
-          </p:nvPr>
-        </p:nvSpPr>
-        <p:spPr/>
-        <p:txBody>
-          <a:bodyPr/>
-          <a:lstStyle/>
-          <a:p>
-            <a:endParaRPr lang="en-US"/>
-          </a:p>
-        </p:txBody>
-      </p:sp>
-      <p:sp>
-        <p:nvSpPr>
-          <p:cNvPr id="13" name="Text Placeholder 12"/>
-          <p:cNvSpPr>
-            <a:spLocks noGrp="1"/>
-          </p:cNvSpPr>
-          <p:nvPr>
-            <p:ph type="body" sz="quarter" idx="3"/>
-          </p:nvPr>
-        </p:nvSpPr>
-        <p:spPr/>
-        <p:txBody>
-          <a:bodyPr/>
-          <a:lstStyle/>
-          <a:p>
-            <a:endParaRPr lang="en-US"/>
-          </a:p>
-        </p:txBody>
-      </p:sp>
-      <p:sp>
-        <p:nvSpPr>
-          <p:cNvPr id="14" name="Content Placeholder 13"/>
-          <p:cNvSpPr>
-            <a:spLocks noGrp="1"/>
-          </p:cNvSpPr>
-          <p:nvPr>
-            <p:ph sz="quarter" idx="4"/>
-          </p:nvPr>
-        </p:nvSpPr>
-        <p:spPr/>
-        <p:txBody>
-          <a:bodyPr/>
-          <a:lstStyle/>
-          <a:p>
-            <a:endParaRPr lang="en-US"/>
-          </a:p>
-        </p:txBody>
-      </p:sp>
-    </p:spTree>
-    <p:extLst>
-      <p:ext uri="{BB962C8B-B14F-4D97-AF65-F5344CB8AC3E}">
-        <p14:creationId xmlns:p14="http://schemas.microsoft.com/office/powerpoint/2010/main" val="737118897"/>
-      </p:ext>
-    </p:extLst>
-  </p:cSld>
-  <p:clrMapOvr>
-    <a:masterClrMapping/>
-  </p:clrMapOvr>
-  <mc:AlternateContent xmlns:mc="http://schemas.openxmlformats.org/markup-compatibility/2006" xmlns:p14="http://schemas.microsoft.com/office/powerpoint/2010/main">
-    <mc:Choice Requires="p14">
-      <p:transition spd="med" p14:dur="700">
-        <p:fade/>
-      </p:transition>
-    </mc:Choice>
-    <mc:Fallback xmlns="">
-      <p:transition spd="med">
-        <p:fade/>
-      </p:transition>
-    </mc:Fallback>
-  </mc:AlternateContent>
-</p:sld>
-</file>
-
-<file path=ppt/slides/slide2.xml><?xml version="1.0" encoding="utf-8"?>
-<p:sld xmlns:a="http://schemas.openxmlformats.org/drawingml/2006/main" xmlns:r="http://schemas.openxmlformats.org/officeDocument/2006/relationships" xmlns:p="http://schemas.openxmlformats.org/presentationml/2006/main">
-  <p:cSld>
-    <p:spTree>
-      <p:nvGrpSpPr>
-        <p:cNvPr id="1" name=""/>
-        <p:cNvGrpSpPr/>
-        <p:nvPr/>
-      </p:nvGrpSpPr>
-      <p:grpSpPr>
-        <a:xfrm>
-          <a:off x="0" y="0"/>
-          <a:ext cx="0" cy="0"/>
-          <a:chOff x="0" y="0"/>
-          <a:chExt cx="0" cy="0"/>
-        </a:xfrm>
-      </p:grpSpPr>
-      <p:sp>
-        <p:nvSpPr>
-          <p:cNvPr id="2" name="Title 1"/>
-          <p:cNvSpPr>
-            <a:spLocks noGrp="1"/>
-          </p:cNvSpPr>
-          <p:nvPr>
-            <p:ph type="title"/>
-          </p:nvPr>
-        </p:nvSpPr>
-        <p:spPr>
-          <a:xfrm>
-            <a:off x="1295400" y="238356"/>
-            <a:ext cx="9601200" cy="1036850"/>
-          </a:xfrm>
-        </p:spPr>
-        <p:txBody>
-          <a:bodyPr/>
-          <a:lstStyle/>
-          <a:p>
-            <a:pPr algn="ctr"/>
-            <a:r>
-              <a:rPr lang="en-US" dirty="0"/>
-              <a:t>Agenda</a:t>
-            </a:r>
-          </a:p>
-        </p:txBody>
-      </p:sp>
-      <p:sp>
-        <p:nvSpPr>
-          <p:cNvPr id="3" name="Content Placeholder 2"/>
-          <p:cNvSpPr>
-            <a:spLocks noGrp="1"/>
-          </p:cNvSpPr>
-          <p:nvPr>
-            <p:ph idx="1"/>
-          </p:nvPr>
-        </p:nvSpPr>
-        <p:spPr/>
-        <p:txBody>
-          <a:bodyPr>
-            <a:normAutofit/>
-          </a:bodyPr>
-          <a:lstStyle/>
-          <a:p>
-            <a:r>
-              <a:rPr lang="en-US" sz="3600" dirty="0"/>
-              <a:t>Business Case Introduction - Grey </a:t>
-            </a:r>
-          </a:p>
-          <a:p>
-            <a:r>
-              <a:rPr lang="en-US" sz="3600" dirty="0"/>
-              <a:t>Analysis – Dawn </a:t>
-            </a:r>
-          </a:p>
-          <a:p>
-            <a:r>
-              <a:rPr lang="en-US" sz="3600" dirty="0"/>
-              <a:t>Conclusion – David</a:t>
-            </a:r>
-          </a:p>
-        </p:txBody>
-      </p:sp>
-    </p:spTree>
-    <p:extLst>
-      <p:ext uri="{BB962C8B-B14F-4D97-AF65-F5344CB8AC3E}">
-        <p14:creationId xmlns:p14="http://schemas.microsoft.com/office/powerpoint/2010/main" val="3639872359"/>
-      </p:ext>
-    </p:extLst>
-  </p:cSld>
-  <p:clrMapOvr>
-    <a:masterClrMapping/>
-  </p:clrMapOvr>
-  <mc:AlternateContent xmlns:mc="http://schemas.openxmlformats.org/markup-compatibility/2006" xmlns:p14="http://schemas.microsoft.com/office/powerpoint/2010/main">
-    <mc:Choice Requires="p14">
-      <p:transition p14:dur="100">
-        <p:cut/>
-      </p:transition>
-    </mc:Choice>
-    <mc:Fallback xmlns="">
-      <p:transition>
-        <p:cut/>
-      </p:transition>
-    </mc:Fallback>
-  </mc:AlternateContent>
-</p:sld>
-</file>
-
-<file path=ppt/slides/slide3.xml><?xml version="1.0" encoding="utf-8"?>
-<p:sld xmlns:a="http://schemas.openxmlformats.org/drawingml/2006/main" xmlns:r="http://schemas.openxmlformats.org/officeDocument/2006/relationships" xmlns:p="http://schemas.openxmlformats.org/presentationml/2006/main">
-  <p:cSld>
-    <p:spTree>
-      <p:nvGrpSpPr>
-        <p:cNvPr id="1" name=""/>
-        <p:cNvGrpSpPr/>
-        <p:nvPr/>
-      </p:nvGrpSpPr>
-      <p:grpSpPr>
-        <a:xfrm>
-          <a:off x="0" y="0"/>
-          <a:ext cx="0" cy="0"/>
-          <a:chOff x="0" y="0"/>
-          <a:chExt cx="0" cy="0"/>
-        </a:xfrm>
-      </p:grpSpPr>
-      <p:sp>
-        <p:nvSpPr>
-          <p:cNvPr id="2" name="Title 1"/>
-          <p:cNvSpPr>
-            <a:spLocks noGrp="1"/>
-          </p:cNvSpPr>
-          <p:nvPr>
-            <p:ph type="title"/>
-          </p:nvPr>
-        </p:nvSpPr>
-        <p:spPr/>
-        <p:txBody>
-          <a:bodyPr/>
-          <a:lstStyle/>
-          <a:p>
-            <a:pPr algn="ctr"/>
-            <a:r>
-              <a:rPr lang="en-US" dirty="0"/>
-              <a:t>Business Case</a:t>
-            </a:r>
-          </a:p>
-        </p:txBody>
-      </p:sp>
-      <p:sp>
-        <p:nvSpPr>
-          <p:cNvPr id="3" name="Content Placeholder 2"/>
-          <p:cNvSpPr>
-            <a:spLocks noGrp="1"/>
-          </p:cNvSpPr>
-          <p:nvPr>
-            <p:ph idx="1"/>
-          </p:nvPr>
-        </p:nvSpPr>
-        <p:spPr/>
-        <p:txBody>
-          <a:bodyPr>
-            <a:normAutofit/>
-          </a:bodyPr>
-          <a:lstStyle/>
-          <a:p>
-            <a:pPr marL="0" indent="0">
-              <a:buNone/>
-            </a:pPr>
-            <a:r>
-              <a:rPr lang="en-US" b="1" dirty="0">
-                <a:effectLst/>
-                <a:latin typeface="Calibri" panose="020F0502020204030204" pitchFamily="34" charset="0"/>
-                <a:ea typeface="Times New Roman" panose="02020603050405020304" pitchFamily="18" charset="0"/>
-                <a:cs typeface="Calibri" panose="020F0502020204030204" pitchFamily="34" charset="0"/>
-              </a:rPr>
-              <a:t>Business Development: </a:t>
-            </a:r>
-            <a:r>
-              <a:rPr lang="en-US" dirty="0">
-                <a:effectLst/>
-                <a:latin typeface="Calibri" panose="020F0502020204030204" pitchFamily="34" charset="0"/>
-                <a:ea typeface="Times New Roman" panose="02020603050405020304" pitchFamily="18" charset="0"/>
-                <a:cs typeface="Calibri" panose="020F0502020204030204" pitchFamily="34" charset="0"/>
-              </a:rPr>
-              <a:t>In 2017, an entrepreneur wanted to open a new brewery in the United States.  She needed to determine the best location.</a:t>
-            </a:r>
-          </a:p>
-          <a:p>
-            <a:pPr marL="0" indent="0">
-              <a:buNone/>
-            </a:pPr>
-            <a:r>
-              <a:rPr lang="en-US" dirty="0">
-                <a:latin typeface="Calibri" panose="020F0502020204030204" pitchFamily="34" charset="0"/>
-                <a:ea typeface="Times New Roman" panose="02020603050405020304" pitchFamily="18" charset="0"/>
-                <a:cs typeface="Calibri" panose="020F0502020204030204" pitchFamily="34" charset="0"/>
-              </a:rPr>
-              <a:t>An</a:t>
-            </a:r>
-            <a:r>
-              <a:rPr lang="en-US" dirty="0">
-                <a:effectLst/>
-                <a:latin typeface="Calibri" panose="020F0502020204030204" pitchFamily="34" charset="0"/>
-                <a:ea typeface="Times New Roman" panose="02020603050405020304" pitchFamily="18" charset="0"/>
-                <a:cs typeface="Calibri" panose="020F0502020204030204" pitchFamily="34" charset="0"/>
-              </a:rPr>
-              <a:t> analysis of 2,410 US craft beers and 510 US breweries was conducted to determine a competitive location.</a:t>
-            </a:r>
-          </a:p>
-          <a:p>
-            <a:pPr marL="0" marR="0" lvl="0" indent="0">
-              <a:lnSpc>
-                <a:spcPct val="107000"/>
-              </a:lnSpc>
-              <a:spcBef>
-                <a:spcPts val="0"/>
-              </a:spcBef>
-              <a:spcAft>
-                <a:spcPts val="0"/>
-              </a:spcAft>
-              <a:buNone/>
-            </a:pPr>
-            <a:endParaRPr lang="en-US" dirty="0">
-              <a:latin typeface="Calibri" panose="020F0502020204030204" pitchFamily="34" charset="0"/>
-              <a:ea typeface="Times New Roman" panose="02020603050405020304" pitchFamily="18" charset="0"/>
-              <a:cs typeface="Calibri" panose="020F0502020204030204" pitchFamily="34" charset="0"/>
-            </a:endParaRPr>
-          </a:p>
-          <a:p>
-            <a:pPr marL="0" marR="0" lvl="0" indent="0">
-              <a:lnSpc>
-                <a:spcPct val="107000"/>
-              </a:lnSpc>
-              <a:spcBef>
-                <a:spcPts val="0"/>
-              </a:spcBef>
-              <a:spcAft>
-                <a:spcPts val="0"/>
-              </a:spcAft>
-              <a:buNone/>
-            </a:pPr>
-            <a:r>
-              <a:rPr lang="en-US" b="1" dirty="0">
-                <a:latin typeface="Calibri" panose="020F0502020204030204" pitchFamily="34" charset="0"/>
-                <a:ea typeface="Times New Roman" panose="02020603050405020304" pitchFamily="18" charset="0"/>
-                <a:cs typeface="Calibri" panose="020F0502020204030204" pitchFamily="34" charset="0"/>
-              </a:rPr>
-              <a:t>Hypothesis:</a:t>
-            </a:r>
-            <a:r>
-              <a:rPr lang="en-US" dirty="0">
-                <a:latin typeface="Calibri" panose="020F0502020204030204" pitchFamily="34" charset="0"/>
-                <a:ea typeface="Times New Roman" panose="02020603050405020304" pitchFamily="18" charset="0"/>
-                <a:cs typeface="Calibri" panose="020F0502020204030204" pitchFamily="34" charset="0"/>
-              </a:rPr>
-              <a:t> </a:t>
-            </a:r>
-            <a:r>
-              <a:rPr lang="en-US" dirty="0">
-                <a:effectLst/>
-                <a:latin typeface="Calibri" panose="020F0502020204030204" pitchFamily="34" charset="0"/>
-                <a:ea typeface="Times New Roman" panose="02020603050405020304" pitchFamily="18" charset="0"/>
-                <a:cs typeface="Calibri" panose="020F0502020204030204" pitchFamily="34" charset="0"/>
-              </a:rPr>
-              <a:t>  </a:t>
-            </a:r>
-            <a:r>
-              <a:rPr lang="en-US" dirty="0">
-                <a:latin typeface="Calibri" panose="020F0502020204030204" pitchFamily="34" charset="0"/>
-                <a:ea typeface="Times New Roman" panose="02020603050405020304" pitchFamily="18" charset="0"/>
-                <a:cs typeface="Calibri" panose="020F0502020204030204" pitchFamily="34" charset="0"/>
-              </a:rPr>
-              <a:t>It was determined </a:t>
-            </a:r>
-            <a:r>
-              <a:rPr lang="en-US" dirty="0">
-                <a:effectLst/>
-                <a:latin typeface="Calibri" panose="020F0502020204030204" pitchFamily="34" charset="0"/>
-                <a:ea typeface="Times New Roman" panose="02020603050405020304" pitchFamily="18" charset="0"/>
-                <a:cs typeface="Calibri" panose="020F0502020204030204" pitchFamily="34" charset="0"/>
-              </a:rPr>
-              <a:t>the style of beer with the highest alcohol by volume (ABV) is the most profitable.  As a result, </a:t>
-            </a:r>
-            <a:r>
-              <a:rPr lang="en-US" dirty="0">
-                <a:latin typeface="Calibri" panose="020F0502020204030204" pitchFamily="34" charset="0"/>
-                <a:ea typeface="Times New Roman" panose="02020603050405020304" pitchFamily="18" charset="0"/>
-                <a:cs typeface="Calibri" panose="020F0502020204030204" pitchFamily="34" charset="0"/>
-              </a:rPr>
-              <a:t>identifying </a:t>
-            </a:r>
-            <a:r>
-              <a:rPr lang="en-US" dirty="0">
-                <a:effectLst/>
-                <a:latin typeface="Calibri" panose="020F0502020204030204" pitchFamily="34" charset="0"/>
-                <a:ea typeface="Times New Roman" panose="02020603050405020304" pitchFamily="18" charset="0"/>
-                <a:cs typeface="Calibri" panose="020F0502020204030204" pitchFamily="34" charset="0"/>
-              </a:rPr>
-              <a:t>the states with the lowest number of beers with high alcohol by volume as the best locations for the new brewery </a:t>
-            </a:r>
-            <a:r>
-              <a:rPr lang="en-US" dirty="0">
-                <a:latin typeface="Calibri" panose="020F0502020204030204" pitchFamily="34" charset="0"/>
-                <a:ea typeface="Times New Roman" panose="02020603050405020304" pitchFamily="18" charset="0"/>
-                <a:cs typeface="Calibri" panose="020F0502020204030204" pitchFamily="34" charset="0"/>
-              </a:rPr>
-              <a:t>would be essential.</a:t>
-            </a:r>
-            <a:endParaRPr lang="en-US" dirty="0">
-              <a:effectLst/>
-              <a:latin typeface="Calibri" panose="020F0502020204030204" pitchFamily="34" charset="0"/>
-              <a:ea typeface="Calibri" panose="020F0502020204030204" pitchFamily="34" charset="0"/>
-              <a:cs typeface="Times New Roman" panose="02020603050405020304" pitchFamily="18" charset="0"/>
-            </a:endParaRPr>
-          </a:p>
-          <a:p>
-            <a:pPr marL="0" indent="0">
-              <a:buNone/>
-            </a:pPr>
-            <a:endParaRPr lang="en-US" dirty="0"/>
-          </a:p>
-        </p:txBody>
-      </p:sp>
-    </p:spTree>
-    <p:extLst>
-      <p:ext uri="{BB962C8B-B14F-4D97-AF65-F5344CB8AC3E}">
-        <p14:creationId xmlns:p14="http://schemas.microsoft.com/office/powerpoint/2010/main" val="4040915266"/>
-      </p:ext>
-    </p:extLst>
-  </p:cSld>
-  <p:clrMapOvr>
-    <a:masterClrMapping/>
-  </p:clrMapOvr>
-  <mc:AlternateContent xmlns:mc="http://schemas.openxmlformats.org/markup-compatibility/2006" xmlns:p14="http://schemas.microsoft.com/office/powerpoint/2010/main">
-    <mc:Choice Requires="p14">
-      <p:transition spd="med" p14:dur="700">
-        <p:fade/>
-      </p:transition>
-    </mc:Choice>
-    <mc:Fallback xmlns="">
-      <p:transition spd="med">
-        <p:fade/>
-      </p:transition>
-    </mc:Fallback>
-  </mc:AlternateContent>
-</p:sld>
-</file>
-
-<file path=ppt/slides/slide4.xml><?xml version="1.0" encoding="utf-8"?>
-<p:sld xmlns:a="http://schemas.openxmlformats.org/drawingml/2006/main" xmlns:r="http://schemas.openxmlformats.org/officeDocument/2006/relationships" xmlns:p="http://schemas.openxmlformats.org/presentationml/2006/main">
-  <p:cSld>
-    <p:spTree>
-      <p:nvGrpSpPr>
-        <p:cNvPr id="1" name=""/>
-        <p:cNvGrpSpPr/>
-        <p:nvPr/>
-      </p:nvGrpSpPr>
-      <p:grpSpPr>
-        <a:xfrm>
-          <a:off x="0" y="0"/>
-          <a:ext cx="0" cy="0"/>
-          <a:chOff x="0" y="0"/>
-          <a:chExt cx="0" cy="0"/>
-        </a:xfrm>
-      </p:grpSpPr>
-      <p:sp>
-        <p:nvSpPr>
-          <p:cNvPr id="2" name="Title 1"/>
-          <p:cNvSpPr>
-            <a:spLocks noGrp="1"/>
-          </p:cNvSpPr>
-          <p:nvPr>
-            <p:ph type="title"/>
-          </p:nvPr>
-        </p:nvSpPr>
-        <p:spPr/>
-        <p:txBody>
-          <a:bodyPr/>
-          <a:lstStyle/>
-          <a:p>
-            <a:pPr algn="ctr"/>
-            <a:r>
-              <a:rPr lang="en-US" dirty="0"/>
-              <a:t>Highest ABV Among Beer Styles</a:t>
-            </a:r>
-          </a:p>
-        </p:txBody>
-      </p:sp>
-      <p:pic>
-        <p:nvPicPr>
-          <p:cNvPr id="5" name="Content Placeholder 4">
-            <a:extLst>
-              <a:ext uri="{FF2B5EF4-FFF2-40B4-BE49-F238E27FC236}">
-                <a16:creationId xmlns:a16="http://schemas.microsoft.com/office/drawing/2014/main" id="{EF17B44B-C8C8-400E-8AD0-22D77430ED0E}"/>
-              </a:ext>
-            </a:extLst>
-          </p:cNvPr>
-          <p:cNvPicPr>
-            <a:picLocks noGrp="1" noChangeAspect="1"/>
-          </p:cNvPicPr>
-          <p:nvPr>
-            <p:ph idx="1"/>
-          </p:nvPr>
-        </p:nvPicPr>
-        <p:blipFill>
-          <a:blip r:embed="rId2"/>
-          <a:stretch>
-            <a:fillRect/>
-          </a:stretch>
-        </p:blipFill>
-        <p:spPr>
-          <a:xfrm>
-            <a:off x="2777383" y="2009036"/>
-            <a:ext cx="6466941" cy="4593830"/>
-          </a:xfrm>
-          <a:prstGeom prst="rect">
-            <a:avLst/>
-          </a:prstGeom>
-        </p:spPr>
-      </p:pic>
-    </p:spTree>
-    <p:extLst>
-      <p:ext uri="{BB962C8B-B14F-4D97-AF65-F5344CB8AC3E}">
-        <p14:creationId xmlns:p14="http://schemas.microsoft.com/office/powerpoint/2010/main" val="3574231650"/>
-      </p:ext>
-    </p:extLst>
-  </p:cSld>
-  <p:clrMapOvr>
-    <a:masterClrMapping/>
-  </p:clrMapOvr>
-  <mc:AlternateContent xmlns:mc="http://schemas.openxmlformats.org/markup-compatibility/2006" xmlns:p14="http://schemas.microsoft.com/office/powerpoint/2010/main">
-    <mc:Choice Requires="p14">
-      <p:transition spd="med" p14:dur="700">
-        <p:fade/>
-      </p:transition>
-    </mc:Choice>
-    <mc:Fallback xmlns="">
-      <p:transition spd="med">
-        <p:fade/>
-      </p:transition>
-    </mc:Fallback>
-  </mc:AlternateContent>
-</p:sld>
-</file>
-
-<file path=ppt/slides/slide5.xml><?xml version="1.0" encoding="utf-8"?>
-<p:sld xmlns:a="http://schemas.openxmlformats.org/drawingml/2006/main" xmlns:r="http://schemas.openxmlformats.org/officeDocument/2006/relationships" xmlns:p="http://schemas.openxmlformats.org/presentationml/2006/main">
-  <p:cSld>
-    <p:spTree>
-      <p:nvGrpSpPr>
-        <p:cNvPr id="1" name=""/>
-        <p:cNvGrpSpPr/>
-        <p:nvPr/>
-      </p:nvGrpSpPr>
-      <p:grpSpPr>
-        <a:xfrm>
-          <a:off x="0" y="0"/>
-          <a:ext cx="0" cy="0"/>
-          <a:chOff x="0" y="0"/>
-          <a:chExt cx="0" cy="0"/>
-        </a:xfrm>
-      </p:grpSpPr>
-      <p:sp>
-        <p:nvSpPr>
-          <p:cNvPr id="2" name="Title 1"/>
-          <p:cNvSpPr>
-            <a:spLocks noGrp="1"/>
-          </p:cNvSpPr>
-          <p:nvPr>
-            <p:ph type="title"/>
-          </p:nvPr>
-        </p:nvSpPr>
-        <p:spPr/>
-        <p:txBody>
-          <a:bodyPr/>
-          <a:lstStyle/>
-          <a:p>
-            <a:pPr algn="ctr"/>
-            <a:r>
-              <a:rPr lang="en-US" dirty="0"/>
-              <a:t>Most Brewed Style of Beer</a:t>
-            </a:r>
-          </a:p>
-        </p:txBody>
-      </p:sp>
-      <p:pic>
-        <p:nvPicPr>
-          <p:cNvPr id="4" name="Picture 3" descr="Chart, bar chart&#10;&#10;Description automatically generated">
-            <a:extLst>
-              <a:ext uri="{FF2B5EF4-FFF2-40B4-BE49-F238E27FC236}">
-                <a16:creationId xmlns:a16="http://schemas.microsoft.com/office/drawing/2014/main" id="{AA36052D-97CF-4EC6-AE56-17A5A0E42801}"/>
-              </a:ext>
-            </a:extLst>
-          </p:cNvPr>
-          <p:cNvPicPr>
-            <a:picLocks noChangeAspect="1"/>
-          </p:cNvPicPr>
-          <p:nvPr/>
-        </p:nvPicPr>
-        <p:blipFill>
-          <a:blip r:embed="rId2"/>
-          <a:stretch>
-            <a:fillRect/>
-          </a:stretch>
-        </p:blipFill>
-        <p:spPr>
-          <a:xfrm>
-            <a:off x="3166653" y="1828800"/>
-            <a:ext cx="5858693" cy="4020111"/>
-          </a:xfrm>
-          <a:prstGeom prst="rect">
-            <a:avLst/>
-          </a:prstGeom>
-        </p:spPr>
-      </p:pic>
-    </p:spTree>
-    <p:extLst>
-      <p:ext uri="{BB962C8B-B14F-4D97-AF65-F5344CB8AC3E}">
-        <p14:creationId xmlns:p14="http://schemas.microsoft.com/office/powerpoint/2010/main" val="3751628259"/>
-      </p:ext>
-    </p:extLst>
-  </p:cSld>
-  <p:clrMapOvr>
-    <a:masterClrMapping/>
-  </p:clrMapOvr>
-  <mc:AlternateContent xmlns:mc="http://schemas.openxmlformats.org/markup-compatibility/2006" xmlns:p14="http://schemas.microsoft.com/office/powerpoint/2010/main">
-    <mc:Choice Requires="p14">
-      <p:transition spd="med" p14:dur="700">
-        <p:fade/>
-      </p:transition>
-    </mc:Choice>
-    <mc:Fallback xmlns="">
-      <p:transition spd="med">
-        <p:fade/>
-      </p:transition>
-    </mc:Fallback>
-  </mc:AlternateContent>
-</p:sld>
-</file>
-
-<file path=ppt/slides/slide6.xml><?xml version="1.0" encoding="utf-8"?>
-<p:sld xmlns:a="http://schemas.openxmlformats.org/drawingml/2006/main" xmlns:r="http://schemas.openxmlformats.org/officeDocument/2006/relationships" xmlns:p="http://schemas.openxmlformats.org/presentationml/2006/main">
-  <p:cSld>
-    <p:spTree>
-      <p:nvGrpSpPr>
-        <p:cNvPr id="1" name=""/>
-        <p:cNvGrpSpPr/>
-        <p:nvPr/>
-      </p:nvGrpSpPr>
-      <p:grpSpPr>
-        <a:xfrm>
-          <a:off x="0" y="0"/>
-          <a:ext cx="0" cy="0"/>
-          <a:chOff x="0" y="0"/>
-          <a:chExt cx="0" cy="0"/>
-        </a:xfrm>
-      </p:grpSpPr>
-      <p:sp>
-        <p:nvSpPr>
-          <p:cNvPr id="2" name="Title 1">
-            <a:extLst>
-              <a:ext uri="{FF2B5EF4-FFF2-40B4-BE49-F238E27FC236}">
-                <a16:creationId xmlns:a16="http://schemas.microsoft.com/office/drawing/2014/main" id="{13344B47-1D50-4006-9A0E-65F593B68A99}"/>
-              </a:ext>
-            </a:extLst>
-          </p:cNvPr>
-          <p:cNvSpPr>
-            <a:spLocks noGrp="1"/>
-          </p:cNvSpPr>
-          <p:nvPr>
-            <p:ph type="title"/>
-          </p:nvPr>
-        </p:nvSpPr>
-        <p:spPr>
-          <a:xfrm>
-            <a:off x="1295400" y="255134"/>
-            <a:ext cx="9652000" cy="1036850"/>
-          </a:xfrm>
-        </p:spPr>
-        <p:txBody>
-          <a:bodyPr/>
-          <a:lstStyle/>
-          <a:p>
-            <a:pPr algn="ctr"/>
-            <a:r>
-              <a:rPr lang="en-US" sz="3200" dirty="0"/>
-              <a:t>The States with the Most Beer Styles </a:t>
-            </a:r>
-            <a:br>
-              <a:rPr lang="en-US" sz="3200" dirty="0"/>
-            </a:br>
-            <a:r>
-              <a:rPr lang="en-US" sz="3200" dirty="0"/>
-              <a:t>with Lowest ABV</a:t>
-            </a:r>
-            <a:endParaRPr lang="en-US" dirty="0"/>
-          </a:p>
-        </p:txBody>
-      </p:sp>
-      <p:pic>
-        <p:nvPicPr>
-          <p:cNvPr id="7" name="Picture 6" descr="Background pattern&#10;&#10;Description automatically generated">
-            <a:extLst>
-              <a:ext uri="{FF2B5EF4-FFF2-40B4-BE49-F238E27FC236}">
-                <a16:creationId xmlns:a16="http://schemas.microsoft.com/office/drawing/2014/main" id="{6B02B601-73D1-4A8B-A39C-F8BE2FC338FD}"/>
-              </a:ext>
-            </a:extLst>
-          </p:cNvPr>
-          <p:cNvPicPr>
-            <a:picLocks noChangeAspect="1"/>
-          </p:cNvPicPr>
-          <p:nvPr/>
-        </p:nvPicPr>
-        <p:blipFill>
-          <a:blip r:embed="rId2"/>
-          <a:stretch>
-            <a:fillRect/>
-          </a:stretch>
-        </p:blipFill>
-        <p:spPr>
-          <a:xfrm>
-            <a:off x="1217842" y="1600130"/>
-            <a:ext cx="10068993" cy="5257870"/>
-          </a:xfrm>
-          <a:prstGeom prst="rect">
-            <a:avLst/>
-          </a:prstGeom>
-        </p:spPr>
-      </p:pic>
-    </p:spTree>
-    <p:extLst>
-      <p:ext uri="{BB962C8B-B14F-4D97-AF65-F5344CB8AC3E}">
-        <p14:creationId xmlns:p14="http://schemas.microsoft.com/office/powerpoint/2010/main" val="3534499074"/>
-      </p:ext>
-    </p:extLst>
-  </p:cSld>
-  <p:clrMapOvr>
-    <a:masterClrMapping/>
-  </p:clrMapOvr>
-  <mc:AlternateContent xmlns:mc="http://schemas.openxmlformats.org/markup-compatibility/2006" xmlns:p14="http://schemas.microsoft.com/office/powerpoint/2010/main">
-    <mc:Choice Requires="p14">
-      <p:transition spd="med" p14:dur="700">
-        <p:fade/>
-      </p:transition>
-    </mc:Choice>
-    <mc:Fallback xmlns="">
-      <p:transition spd="med">
-        <p:fade/>
-      </p:transition>
-    </mc:Fallback>
-  </mc:AlternateContent>
-</p:sld>
-</file>
-
-<file path=ppt/slides/slide7.xml><?xml version="1.0" encoding="utf-8"?>
-<p:sld xmlns:a="http://schemas.openxmlformats.org/drawingml/2006/main" xmlns:r="http://schemas.openxmlformats.org/officeDocument/2006/relationships" xmlns:p="http://schemas.openxmlformats.org/presentationml/2006/main">
-  <p:cSld>
-    <p:spTree>
-      <p:nvGrpSpPr>
-        <p:cNvPr id="1" name=""/>
-        <p:cNvGrpSpPr/>
-        <p:nvPr/>
-      </p:nvGrpSpPr>
-      <p:grpSpPr>
-        <a:xfrm>
-          <a:off x="0" y="0"/>
-          <a:ext cx="0" cy="0"/>
-          <a:chOff x="0" y="0"/>
-          <a:chExt cx="0" cy="0"/>
-        </a:xfrm>
-      </p:grpSpPr>
-      <p:sp>
-        <p:nvSpPr>
-          <p:cNvPr id="2" name="Title 1"/>
-          <p:cNvSpPr>
-            <a:spLocks noGrp="1"/>
-          </p:cNvSpPr>
-          <p:nvPr>
-            <p:ph type="title"/>
-          </p:nvPr>
-        </p:nvSpPr>
-        <p:spPr>
-          <a:xfrm>
-            <a:off x="1295399" y="242306"/>
-            <a:ext cx="10120745" cy="901896"/>
-          </a:xfrm>
-        </p:spPr>
-        <p:txBody>
-          <a:bodyPr>
-            <a:normAutofit fontScale="90000"/>
-          </a:bodyPr>
-          <a:lstStyle/>
-          <a:p>
-            <a:pPr algn="ctr"/>
-            <a:r>
-              <a:rPr lang="en-US" sz="3600" dirty="0"/>
-              <a:t>The States with the Most Beer Styles </a:t>
-            </a:r>
-            <a:br>
-              <a:rPr lang="en-US" sz="3600" dirty="0"/>
-            </a:br>
-            <a:r>
-              <a:rPr lang="en-US" sz="3600" dirty="0"/>
-              <a:t>with Highest ABV</a:t>
-            </a:r>
-          </a:p>
-        </p:txBody>
-      </p:sp>
-      <p:pic>
-        <p:nvPicPr>
-          <p:cNvPr id="10" name="Content Placeholder 9">
-            <a:extLst>
-              <a:ext uri="{FF2B5EF4-FFF2-40B4-BE49-F238E27FC236}">
-                <a16:creationId xmlns:a16="http://schemas.microsoft.com/office/drawing/2014/main" id="{7958DA25-A3CD-4FD7-9236-91CD820732CB}"/>
-              </a:ext>
-            </a:extLst>
-          </p:cNvPr>
-          <p:cNvPicPr>
-            <a:picLocks noGrp="1" noChangeAspect="1"/>
-          </p:cNvPicPr>
-          <p:nvPr>
-            <p:ph idx="1"/>
-          </p:nvPr>
-        </p:nvPicPr>
-        <p:blipFill>
-          <a:blip r:embed="rId2"/>
-          <a:stretch>
-            <a:fillRect/>
-          </a:stretch>
-        </p:blipFill>
-        <p:spPr>
-          <a:xfrm>
-            <a:off x="1988190" y="1828800"/>
-            <a:ext cx="9499999" cy="4639112"/>
-          </a:xfrm>
-        </p:spPr>
-      </p:pic>
-    </p:spTree>
-    <p:extLst>
-      <p:ext uri="{BB962C8B-B14F-4D97-AF65-F5344CB8AC3E}">
-        <p14:creationId xmlns:p14="http://schemas.microsoft.com/office/powerpoint/2010/main" val="147951608"/>
-      </p:ext>
-    </p:extLst>
-  </p:cSld>
-  <p:clrMapOvr>
-    <a:masterClrMapping/>
-  </p:clrMapOvr>
-  <mc:AlternateContent xmlns:mc="http://schemas.openxmlformats.org/markup-compatibility/2006" xmlns:p14="http://schemas.microsoft.com/office/powerpoint/2010/main">
-    <mc:Choice Requires="p14">
-      <p:transition spd="med" p14:dur="700">
-        <p:fade/>
-      </p:transition>
-    </mc:Choice>
-    <mc:Fallback xmlns="">
-      <p:transition spd="med">
-        <p:fade/>
-      </p:transition>
-    </mc:Fallback>
-  </mc:AlternateContent>
-</p:sld>
-</file>
-
-<file path=ppt/slides/slide8.xml><?xml version="1.0" encoding="utf-8"?>
-<p:sld xmlns:a="http://schemas.openxmlformats.org/drawingml/2006/main" xmlns:r="http://schemas.openxmlformats.org/officeDocument/2006/relationships" xmlns:p="http://schemas.openxmlformats.org/presentationml/2006/main">
-  <p:cSld>
-    <p:spTree>
-      <p:nvGrpSpPr>
-        <p:cNvPr id="1" name=""/>
-        <p:cNvGrpSpPr/>
-        <p:nvPr/>
-      </p:nvGrpSpPr>
-      <p:grpSpPr>
-        <a:xfrm>
-          <a:off x="0" y="0"/>
-          <a:ext cx="0" cy="0"/>
-          <a:chOff x="0" y="0"/>
-          <a:chExt cx="0" cy="0"/>
-        </a:xfrm>
-      </p:grpSpPr>
-      <p:sp>
-        <p:nvSpPr>
-          <p:cNvPr id="2" name="Title 1"/>
-          <p:cNvSpPr>
-            <a:spLocks noGrp="1"/>
-          </p:cNvSpPr>
-          <p:nvPr>
-            <p:ph type="title"/>
-          </p:nvPr>
-        </p:nvSpPr>
-        <p:spPr>
-          <a:xfrm>
-            <a:off x="1313874" y="361507"/>
-            <a:ext cx="10093036" cy="995131"/>
-          </a:xfrm>
-        </p:spPr>
-        <p:txBody>
-          <a:bodyPr anchor="t">
-            <a:normAutofit/>
-          </a:bodyPr>
-          <a:lstStyle/>
-          <a:p>
-            <a:pPr algn="ctr"/>
-            <a:r>
-              <a:rPr lang="en-US" sz="3200" dirty="0"/>
-              <a:t>The </a:t>
-            </a:r>
-            <a:r>
-              <a:rPr lang="en-US" dirty="0"/>
-              <a:t>States with the Most Beer styles</a:t>
-            </a:r>
-            <a:br>
-              <a:rPr lang="en-US" dirty="0"/>
-            </a:br>
-            <a:r>
-              <a:rPr lang="en-US" dirty="0"/>
-              <a:t> with Highest ABV</a:t>
-            </a:r>
-          </a:p>
-        </p:txBody>
-      </p:sp>
-      <p:pic>
-        <p:nvPicPr>
-          <p:cNvPr id="7" name="Content Placeholder 6">
-            <a:extLst>
-              <a:ext uri="{FF2B5EF4-FFF2-40B4-BE49-F238E27FC236}">
-                <a16:creationId xmlns:a16="http://schemas.microsoft.com/office/drawing/2014/main" id="{9D90A395-3420-4953-ABD5-8E906CE50550}"/>
-              </a:ext>
-            </a:extLst>
-          </p:cNvPr>
-          <p:cNvPicPr>
-            <a:picLocks noGrp="1" noChangeAspect="1"/>
-          </p:cNvPicPr>
-          <p:nvPr>
-            <p:ph idx="1"/>
-          </p:nvPr>
-        </p:nvPicPr>
-        <p:blipFill>
-          <a:blip r:embed="rId2"/>
-          <a:stretch>
-            <a:fillRect/>
-          </a:stretch>
-        </p:blipFill>
-        <p:spPr>
-          <a:xfrm>
-            <a:off x="3692348" y="1890590"/>
-            <a:ext cx="5515152" cy="4866169"/>
-          </a:xfrm>
-        </p:spPr>
-      </p:pic>
-    </p:spTree>
-    <p:extLst>
-      <p:ext uri="{BB962C8B-B14F-4D97-AF65-F5344CB8AC3E}">
-        <p14:creationId xmlns:p14="http://schemas.microsoft.com/office/powerpoint/2010/main" val="1515987278"/>
-      </p:ext>
-    </p:extLst>
-  </p:cSld>
-  <p:clrMapOvr>
-    <a:masterClrMapping/>
-  </p:clrMapOvr>
-  <mc:AlternateContent xmlns:mc="http://schemas.openxmlformats.org/markup-compatibility/2006" xmlns:p14="http://schemas.microsoft.com/office/powerpoint/2010/main">
-    <mc:Choice Requires="p14">
-      <p:transition spd="med" p14:dur="700">
-        <p:fade/>
-      </p:transition>
-    </mc:Choice>
-    <mc:Fallback xmlns="">
-      <p:transition spd="med">
-        <p:fade/>
-      </p:transition>
-    </mc:Fallback>
-  </mc:AlternateContent>
-</p:sld>
-</file>
-
-<file path=ppt/slides/slide9.xml><?xml version="1.0" encoding="utf-8"?>
 <p:sld xmlns:a="http://schemas.openxmlformats.org/drawingml/2006/main" xmlns:r="http://schemas.openxmlformats.org/officeDocument/2006/relationships" xmlns:p="http://schemas.openxmlformats.org/presentationml/2006/main">
   <p:cSld>
     <p:spTree>
@@ -11371,10 +9877,1698 @@
           </a:graphicData>
         </a:graphic>
       </p:graphicFrame>
+      <p:sp>
+        <p:nvSpPr>
+          <p:cNvPr id="4" name="Rectangle 1">
+            <a:extLst>
+              <a:ext uri="{FF2B5EF4-FFF2-40B4-BE49-F238E27FC236}">
+                <a16:creationId xmlns:a16="http://schemas.microsoft.com/office/drawing/2014/main" id="{0BF3F818-BB15-440B-B51C-DF0FB57FFB4F}"/>
+              </a:ext>
+            </a:extLst>
+          </p:cNvPr>
+          <p:cNvSpPr>
+            <a:spLocks noChangeArrowheads="1"/>
+          </p:cNvSpPr>
+          <p:nvPr/>
+        </p:nvSpPr>
+        <p:spPr bwMode="auto">
+          <a:xfrm>
+            <a:off x="710606" y="6109464"/>
+            <a:ext cx="10751292" cy="276999"/>
+          </a:xfrm>
+          <a:prstGeom prst="rect">
+            <a:avLst/>
+          </a:prstGeom>
+          <a:solidFill>
+            <a:srgbClr val="FFFFFF"/>
+          </a:solidFill>
+          <a:ln>
+            <a:noFill/>
+          </a:ln>
+          <a:effectLst/>
+          <a:extLst>
+            <a:ext uri="{91240B29-F687-4F45-9708-019B960494DF}">
+              <a14:hiddenLine xmlns:a14="http://schemas.microsoft.com/office/drawing/2010/main" w="9525">
+                <a:solidFill>
+                  <a:schemeClr val="tx1"/>
+                </a:solidFill>
+                <a:miter lim="800000"/>
+                <a:headEnd/>
+                <a:tailEnd/>
+              </a14:hiddenLine>
+            </a:ext>
+            <a:ext uri="{AF507438-7753-43E0-B8FC-AC1667EBCBE1}">
+              <a14:hiddenEffects xmlns:a14="http://schemas.microsoft.com/office/drawing/2010/main">
+                <a:effectLst>
+                  <a:outerShdw dist="35921" dir="2700000" algn="ctr" rotWithShape="0">
+                    <a:schemeClr val="bg2"/>
+                  </a:outerShdw>
+                </a:effectLst>
+              </a14:hiddenEffects>
+            </a:ext>
+          </a:extLst>
+        </p:spPr>
+        <p:txBody>
+          <a:bodyPr vert="horz" wrap="square" lIns="0" tIns="0" rIns="0" bIns="0" numCol="1" anchor="ctr" anchorCtr="0" compatLnSpc="1">
+            <a:prstTxWarp prst="textNoShape">
+              <a:avLst/>
+            </a:prstTxWarp>
+            <a:spAutoFit/>
+          </a:bodyPr>
+          <a:lstStyle/>
+          <a:p>
+            <a:pPr marL="0" marR="0" lvl="0" indent="0" algn="l" defTabSz="914400" rtl="0" eaLnBrk="0" fontAlgn="base" latinLnBrk="0" hangingPunct="0">
+              <a:lnSpc>
+                <a:spcPct val="100000"/>
+              </a:lnSpc>
+              <a:spcBef>
+                <a:spcPct val="0"/>
+              </a:spcBef>
+              <a:spcAft>
+                <a:spcPct val="0"/>
+              </a:spcAft>
+              <a:buClrTx/>
+              <a:buSzTx/>
+              <a:buFontTx/>
+              <a:buNone/>
+              <a:tabLst/>
+            </a:pPr>
+            <a:r>
+              <a:rPr kumimoji="0" lang="en-US" altLang="en-US" b="0" i="0" u="none" strike="noStrike" cap="none" normalizeH="0" baseline="0">
+                <a:ln>
+                  <a:noFill/>
+                </a:ln>
+                <a:solidFill>
+                  <a:srgbClr val="000000"/>
+                </a:solidFill>
+                <a:effectLst/>
+                <a:latin typeface="Courier New" panose="02070309020205020404" pitchFamily="49" charset="0"/>
+              </a:rPr>
+              <a:t>F_onewayResult(statistic=16.974056971673452, pvalue=8.914483349494272e-07)</a:t>
+            </a:r>
+            <a:r>
+              <a:rPr kumimoji="0" lang="en-US" altLang="en-US" b="0" i="0" u="none" strike="noStrike" cap="none" normalizeH="0" baseline="0">
+                <a:ln>
+                  <a:noFill/>
+                </a:ln>
+                <a:solidFill>
+                  <a:schemeClr val="tx1"/>
+                </a:solidFill>
+                <a:effectLst/>
+              </a:rPr>
+              <a:t> </a:t>
+            </a:r>
+            <a:endParaRPr kumimoji="0" lang="en-US" altLang="en-US" b="0" i="0" u="none" strike="noStrike" cap="none" normalizeH="0" baseline="0">
+              <a:ln>
+                <a:noFill/>
+              </a:ln>
+              <a:solidFill>
+                <a:schemeClr val="tx1"/>
+              </a:solidFill>
+              <a:effectLst/>
+              <a:latin typeface="Arial" panose="020B0604020202020204" pitchFamily="34" charset="0"/>
+            </a:endParaRPr>
+          </a:p>
+        </p:txBody>
+      </p:sp>
     </p:spTree>
     <p:extLst>
       <p:ext uri="{BB962C8B-B14F-4D97-AF65-F5344CB8AC3E}">
         <p14:creationId xmlns:p14="http://schemas.microsoft.com/office/powerpoint/2010/main" val="3453114302"/>
+      </p:ext>
+    </p:extLst>
+  </p:cSld>
+  <p:clrMapOvr>
+    <a:masterClrMapping/>
+  </p:clrMapOvr>
+  <mc:AlternateContent xmlns:mc="http://schemas.openxmlformats.org/markup-compatibility/2006" xmlns:p14="http://schemas.microsoft.com/office/powerpoint/2010/main">
+    <mc:Choice Requires="p14">
+      <p:transition spd="med" p14:dur="700">
+        <p:fade/>
+      </p:transition>
+    </mc:Choice>
+    <mc:Fallback xmlns="">
+      <p:transition spd="med">
+        <p:fade/>
+      </p:transition>
+    </mc:Fallback>
+  </mc:AlternateContent>
+</p:sld>
+</file>
+
+<file path=ppt/slides/slide11.xml><?xml version="1.0" encoding="utf-8"?>
+<p:sld xmlns:a="http://schemas.openxmlformats.org/drawingml/2006/main" xmlns:r="http://schemas.openxmlformats.org/officeDocument/2006/relationships" xmlns:p="http://schemas.openxmlformats.org/presentationml/2006/main">
+  <p:cSld>
+    <p:spTree>
+      <p:nvGrpSpPr>
+        <p:cNvPr id="1" name=""/>
+        <p:cNvGrpSpPr/>
+        <p:nvPr/>
+      </p:nvGrpSpPr>
+      <p:grpSpPr>
+        <a:xfrm>
+          <a:off x="0" y="0"/>
+          <a:ext cx="0" cy="0"/>
+          <a:chOff x="0" y="0"/>
+          <a:chExt cx="0" cy="0"/>
+        </a:xfrm>
+      </p:grpSpPr>
+      <p:sp>
+        <p:nvSpPr>
+          <p:cNvPr id="4" name="Title 1">
+            <a:extLst>
+              <a:ext uri="{FF2B5EF4-FFF2-40B4-BE49-F238E27FC236}">
+                <a16:creationId xmlns:a16="http://schemas.microsoft.com/office/drawing/2014/main" id="{10B17E3B-7B54-46F8-818D-3240FD835A44}"/>
+              </a:ext>
+            </a:extLst>
+          </p:cNvPr>
+          <p:cNvSpPr>
+            <a:spLocks noGrp="1"/>
+          </p:cNvSpPr>
+          <p:nvPr>
+            <p:ph type="title"/>
+          </p:nvPr>
+        </p:nvSpPr>
+        <p:spPr>
+          <a:xfrm>
+            <a:off x="1295400" y="255588"/>
+            <a:ext cx="9601200" cy="1036637"/>
+          </a:xfrm>
+        </p:spPr>
+        <p:txBody>
+          <a:bodyPr/>
+          <a:lstStyle/>
+          <a:p>
+            <a:pPr algn="ctr"/>
+            <a:r>
+              <a:rPr lang="en-US" dirty="0"/>
+              <a:t>Distribution of ABV vs. IBU </a:t>
+            </a:r>
+          </a:p>
+        </p:txBody>
+      </p:sp>
+      <p:pic>
+        <p:nvPicPr>
+          <p:cNvPr id="1026" name="Picture 2">
+            <a:extLst>
+              <a:ext uri="{FF2B5EF4-FFF2-40B4-BE49-F238E27FC236}">
+                <a16:creationId xmlns:a16="http://schemas.microsoft.com/office/drawing/2014/main" id="{90F3B527-4389-4C01-A609-AD81753DD216}"/>
+              </a:ext>
+            </a:extLst>
+          </p:cNvPr>
+          <p:cNvPicPr>
+            <a:picLocks noGrp="1" noChangeAspect="1" noChangeArrowheads="1"/>
+          </p:cNvPicPr>
+          <p:nvPr>
+            <p:ph idx="1"/>
+          </p:nvPr>
+        </p:nvPicPr>
+        <p:blipFill>
+          <a:blip r:embed="rId2">
+            <a:extLst>
+              <a:ext uri="{28A0092B-C50C-407E-A947-70E740481C1C}">
+                <a14:useLocalDpi xmlns:a14="http://schemas.microsoft.com/office/drawing/2010/main" val="0"/>
+              </a:ext>
+            </a:extLst>
+          </a:blip>
+          <a:srcRect/>
+          <a:stretch>
+            <a:fillRect/>
+          </a:stretch>
+        </p:blipFill>
+        <p:spPr bwMode="auto">
+          <a:xfrm>
+            <a:off x="561612" y="2228616"/>
+            <a:ext cx="4838095" cy="3352381"/>
+          </a:xfrm>
+          <a:prstGeom prst="rect">
+            <a:avLst/>
+          </a:prstGeom>
+          <a:noFill/>
+          <a:extLst>
+            <a:ext uri="{909E8E84-426E-40DD-AFC4-6F175D3DCCD1}">
+              <a14:hiddenFill xmlns:a14="http://schemas.microsoft.com/office/drawing/2010/main">
+                <a:solidFill>
+                  <a:srgbClr val="FFFFFF"/>
+                </a:solidFill>
+              </a14:hiddenFill>
+            </a:ext>
+          </a:extLst>
+        </p:spPr>
+      </p:pic>
+      <p:pic>
+        <p:nvPicPr>
+          <p:cNvPr id="1028" name="Picture 4">
+            <a:extLst>
+              <a:ext uri="{FF2B5EF4-FFF2-40B4-BE49-F238E27FC236}">
+                <a16:creationId xmlns:a16="http://schemas.microsoft.com/office/drawing/2014/main" id="{04BF3DEE-E25F-46B5-BDB6-CA1C75A28C42}"/>
+              </a:ext>
+            </a:extLst>
+          </p:cNvPr>
+          <p:cNvPicPr>
+            <a:picLocks noChangeAspect="1" noChangeArrowheads="1"/>
+          </p:cNvPicPr>
+          <p:nvPr/>
+        </p:nvPicPr>
+        <p:blipFill>
+          <a:blip r:embed="rId3">
+            <a:extLst>
+              <a:ext uri="{28A0092B-C50C-407E-A947-70E740481C1C}">
+                <a14:useLocalDpi xmlns:a14="http://schemas.microsoft.com/office/drawing/2010/main" val="0"/>
+              </a:ext>
+            </a:extLst>
+          </a:blip>
+          <a:srcRect/>
+          <a:stretch>
+            <a:fillRect/>
+          </a:stretch>
+        </p:blipFill>
+        <p:spPr bwMode="auto">
+          <a:xfrm>
+            <a:off x="5943600" y="2200734"/>
+            <a:ext cx="4953000" cy="3380263"/>
+          </a:xfrm>
+          <a:prstGeom prst="rect">
+            <a:avLst/>
+          </a:prstGeom>
+          <a:noFill/>
+          <a:extLst>
+            <a:ext uri="{909E8E84-426E-40DD-AFC4-6F175D3DCCD1}">
+              <a14:hiddenFill xmlns:a14="http://schemas.microsoft.com/office/drawing/2010/main">
+                <a:solidFill>
+                  <a:srgbClr val="FFFFFF"/>
+                </a:solidFill>
+              </a14:hiddenFill>
+            </a:ext>
+          </a:extLst>
+        </p:spPr>
+      </p:pic>
+    </p:spTree>
+    <p:extLst>
+      <p:ext uri="{BB962C8B-B14F-4D97-AF65-F5344CB8AC3E}">
+        <p14:creationId xmlns:p14="http://schemas.microsoft.com/office/powerpoint/2010/main" val="606315968"/>
+      </p:ext>
+    </p:extLst>
+  </p:cSld>
+  <p:clrMapOvr>
+    <a:masterClrMapping/>
+  </p:clrMapOvr>
+  <mc:AlternateContent xmlns:mc="http://schemas.openxmlformats.org/markup-compatibility/2006" xmlns:p14="http://schemas.microsoft.com/office/powerpoint/2010/main">
+    <mc:Choice Requires="p14">
+      <p:transition spd="med" p14:dur="700">
+        <p:fade/>
+      </p:transition>
+    </mc:Choice>
+    <mc:Fallback xmlns="">
+      <p:transition spd="med">
+        <p:fade/>
+      </p:transition>
+    </mc:Fallback>
+  </mc:AlternateContent>
+</p:sld>
+</file>
+
+<file path=ppt/slides/slide12.xml><?xml version="1.0" encoding="utf-8"?>
+<p:sld xmlns:a="http://schemas.openxmlformats.org/drawingml/2006/main" xmlns:r="http://schemas.openxmlformats.org/officeDocument/2006/relationships" xmlns:p="http://schemas.openxmlformats.org/presentationml/2006/main">
+  <p:cSld>
+    <p:spTree>
+      <p:nvGrpSpPr>
+        <p:cNvPr id="1" name=""/>
+        <p:cNvGrpSpPr/>
+        <p:nvPr/>
+      </p:nvGrpSpPr>
+      <p:grpSpPr>
+        <a:xfrm>
+          <a:off x="0" y="0"/>
+          <a:ext cx="0" cy="0"/>
+          <a:chOff x="0" y="0"/>
+          <a:chExt cx="0" cy="0"/>
+        </a:xfrm>
+      </p:grpSpPr>
+      <p:sp>
+        <p:nvSpPr>
+          <p:cNvPr id="2" name="Title 1"/>
+          <p:cNvSpPr>
+            <a:spLocks noGrp="1"/>
+          </p:cNvSpPr>
+          <p:nvPr>
+            <p:ph type="title"/>
+          </p:nvPr>
+        </p:nvSpPr>
+        <p:spPr/>
+        <p:txBody>
+          <a:bodyPr/>
+          <a:lstStyle/>
+          <a:p>
+            <a:pPr algn="ctr"/>
+            <a:r>
+              <a:rPr lang="en-US" dirty="0"/>
+              <a:t>ABV vs IBU(International Bitterness Units)</a:t>
+            </a:r>
+          </a:p>
+        </p:txBody>
+      </p:sp>
+      <p:pic>
+        <p:nvPicPr>
+          <p:cNvPr id="1026" name="Picture 2">
+            <a:extLst>
+              <a:ext uri="{FF2B5EF4-FFF2-40B4-BE49-F238E27FC236}">
+                <a16:creationId xmlns:a16="http://schemas.microsoft.com/office/drawing/2014/main" id="{C3633B24-139B-424D-8896-659B578632F9}"/>
+              </a:ext>
+            </a:extLst>
+          </p:cNvPr>
+          <p:cNvPicPr>
+            <a:picLocks noGrp="1" noChangeAspect="1" noChangeArrowheads="1"/>
+          </p:cNvPicPr>
+          <p:nvPr>
+            <p:ph idx="1"/>
+          </p:nvPr>
+        </p:nvPicPr>
+        <p:blipFill>
+          <a:blip r:embed="rId2">
+            <a:extLst>
+              <a:ext uri="{28A0092B-C50C-407E-A947-70E740481C1C}">
+                <a14:useLocalDpi xmlns:a14="http://schemas.microsoft.com/office/drawing/2010/main" val="0"/>
+              </a:ext>
+            </a:extLst>
+          </a:blip>
+          <a:srcRect/>
+          <a:stretch>
+            <a:fillRect/>
+          </a:stretch>
+        </p:blipFill>
+        <p:spPr bwMode="auto">
+          <a:xfrm>
+            <a:off x="2551814" y="1805861"/>
+            <a:ext cx="7240772" cy="4464629"/>
+          </a:xfrm>
+          <a:prstGeom prst="rect">
+            <a:avLst/>
+          </a:prstGeom>
+          <a:noFill/>
+          <a:extLst>
+            <a:ext uri="{909E8E84-426E-40DD-AFC4-6F175D3DCCD1}">
+              <a14:hiddenFill xmlns:a14="http://schemas.microsoft.com/office/drawing/2010/main">
+                <a:solidFill>
+                  <a:srgbClr val="FFFFFF"/>
+                </a:solidFill>
+              </a14:hiddenFill>
+            </a:ext>
+          </a:extLst>
+        </p:spPr>
+      </p:pic>
+    </p:spTree>
+    <p:extLst>
+      <p:ext uri="{BB962C8B-B14F-4D97-AF65-F5344CB8AC3E}">
+        <p14:creationId xmlns:p14="http://schemas.microsoft.com/office/powerpoint/2010/main" val="211545084"/>
+      </p:ext>
+    </p:extLst>
+  </p:cSld>
+  <p:clrMapOvr>
+    <a:masterClrMapping/>
+  </p:clrMapOvr>
+  <mc:AlternateContent xmlns:mc="http://schemas.openxmlformats.org/markup-compatibility/2006" xmlns:p14="http://schemas.microsoft.com/office/powerpoint/2010/main">
+    <mc:Choice Requires="p14">
+      <p:transition spd="med" p14:dur="700">
+        <p:fade/>
+      </p:transition>
+    </mc:Choice>
+    <mc:Fallback xmlns="">
+      <p:transition spd="med">
+        <p:fade/>
+      </p:transition>
+    </mc:Fallback>
+  </mc:AlternateContent>
+</p:sld>
+</file>
+
+<file path=ppt/slides/slide13.xml><?xml version="1.0" encoding="utf-8"?>
+<p:sld xmlns:a="http://schemas.openxmlformats.org/drawingml/2006/main" xmlns:r="http://schemas.openxmlformats.org/officeDocument/2006/relationships" xmlns:p="http://schemas.openxmlformats.org/presentationml/2006/main">
+  <p:cSld>
+    <p:spTree>
+      <p:nvGrpSpPr>
+        <p:cNvPr id="1" name=""/>
+        <p:cNvGrpSpPr/>
+        <p:nvPr/>
+      </p:nvGrpSpPr>
+      <p:grpSpPr>
+        <a:xfrm>
+          <a:off x="0" y="0"/>
+          <a:ext cx="0" cy="0"/>
+          <a:chOff x="0" y="0"/>
+          <a:chExt cx="0" cy="0"/>
+        </a:xfrm>
+      </p:grpSpPr>
+      <p:sp>
+        <p:nvSpPr>
+          <p:cNvPr id="2" name="Title 1"/>
+          <p:cNvSpPr>
+            <a:spLocks noGrp="1"/>
+          </p:cNvSpPr>
+          <p:nvPr>
+            <p:ph type="title"/>
+          </p:nvPr>
+        </p:nvSpPr>
+        <p:spPr/>
+        <p:txBody>
+          <a:bodyPr/>
+          <a:lstStyle/>
+          <a:p>
+            <a:r>
+              <a:rPr lang="en-US" dirty="0"/>
+              <a:t>Outline of Process Development</a:t>
+            </a:r>
+          </a:p>
+        </p:txBody>
+      </p:sp>
+      <p:graphicFrame>
+        <p:nvGraphicFramePr>
+          <p:cNvPr id="6" name="Content Placeholder 5" descr="Basic Chevron Process diagram showing 4 steps arranged from left to right"/>
+          <p:cNvGraphicFramePr>
+            <a:graphicFrameLocks noGrp="1"/>
+          </p:cNvGraphicFramePr>
+          <p:nvPr>
+            <p:ph idx="1"/>
+            <p:extLst>
+              <p:ext uri="{D42A27DB-BD31-4B8C-83A1-F6EECF244321}">
+                <p14:modId xmlns:p14="http://schemas.microsoft.com/office/powerpoint/2010/main" val="806942934"/>
+              </p:ext>
+            </p:extLst>
+          </p:nvPr>
+        </p:nvGraphicFramePr>
+        <p:xfrm>
+          <a:off x="1295400" y="1828800"/>
+          <a:ext cx="9601200" cy="4343400"/>
+        </p:xfrm>
+        <a:graphic>
+          <a:graphicData uri="http://schemas.openxmlformats.org/drawingml/2006/diagram">
+            <dgm:relIds xmlns:dgm="http://schemas.openxmlformats.org/drawingml/2006/diagram" xmlns:r="http://schemas.openxmlformats.org/officeDocument/2006/relationships" r:dm="rId2" r:lo="rId3" r:qs="rId4" r:cs="rId5"/>
+          </a:graphicData>
+        </a:graphic>
+      </p:graphicFrame>
+    </p:spTree>
+    <p:extLst>
+      <p:ext uri="{BB962C8B-B14F-4D97-AF65-F5344CB8AC3E}">
+        <p14:creationId xmlns:p14="http://schemas.microsoft.com/office/powerpoint/2010/main" val="3112142608"/>
+      </p:ext>
+    </p:extLst>
+  </p:cSld>
+  <p:clrMapOvr>
+    <a:masterClrMapping/>
+  </p:clrMapOvr>
+  <mc:AlternateContent xmlns:mc="http://schemas.openxmlformats.org/markup-compatibility/2006" xmlns:p14="http://schemas.microsoft.com/office/powerpoint/2010/main">
+    <mc:Choice Requires="p14">
+      <p:transition spd="med" p14:dur="700">
+        <p:fade/>
+      </p:transition>
+    </mc:Choice>
+    <mc:Fallback xmlns="">
+      <p:transition spd="med">
+        <p:fade/>
+      </p:transition>
+    </mc:Fallback>
+  </mc:AlternateContent>
+</p:sld>
+</file>
+
+<file path=ppt/slides/slide14.xml><?xml version="1.0" encoding="utf-8"?>
+<p:sld xmlns:a="http://schemas.openxmlformats.org/drawingml/2006/main" xmlns:r="http://schemas.openxmlformats.org/officeDocument/2006/relationships" xmlns:p="http://schemas.openxmlformats.org/presentationml/2006/main">
+  <p:cSld>
+    <p:spTree>
+      <p:nvGrpSpPr>
+        <p:cNvPr id="1" name=""/>
+        <p:cNvGrpSpPr/>
+        <p:nvPr/>
+      </p:nvGrpSpPr>
+      <p:grpSpPr>
+        <a:xfrm>
+          <a:off x="0" y="0"/>
+          <a:ext cx="0" cy="0"/>
+          <a:chOff x="0" y="0"/>
+          <a:chExt cx="0" cy="0"/>
+        </a:xfrm>
+      </p:grpSpPr>
+      <p:sp>
+        <p:nvSpPr>
+          <p:cNvPr id="2" name="Title 1"/>
+          <p:cNvSpPr>
+            <a:spLocks noGrp="1"/>
+          </p:cNvSpPr>
+          <p:nvPr>
+            <p:ph type="ctrTitle"/>
+          </p:nvPr>
+        </p:nvSpPr>
+        <p:spPr>
+          <a:xfrm>
+            <a:off x="1072116" y="596550"/>
+            <a:ext cx="6400800" cy="646332"/>
+          </a:xfrm>
+        </p:spPr>
+        <p:txBody>
+          <a:bodyPr/>
+          <a:lstStyle/>
+          <a:p>
+            <a:pPr algn="ctr"/>
+            <a:r>
+              <a:rPr lang="en-US" dirty="0"/>
+              <a:t>Conclusions</a:t>
+            </a:r>
+          </a:p>
+        </p:txBody>
+      </p:sp>
+      <p:sp>
+        <p:nvSpPr>
+          <p:cNvPr id="4" name="Subtitle 3"/>
+          <p:cNvSpPr>
+            <a:spLocks noGrp="1"/>
+          </p:cNvSpPr>
+          <p:nvPr>
+            <p:ph type="subTitle" idx="1"/>
+          </p:nvPr>
+        </p:nvSpPr>
+        <p:spPr>
+          <a:xfrm>
+            <a:off x="1158949" y="1488558"/>
+            <a:ext cx="6537251" cy="4683642"/>
+          </a:xfrm>
+        </p:spPr>
+        <p:txBody>
+          <a:bodyPr>
+            <a:normAutofit/>
+          </a:bodyPr>
+          <a:lstStyle/>
+          <a:p>
+            <a:pPr algn="l">
+              <a:buFont typeface="Arial" panose="020B0604020202020204" pitchFamily="34" charset="0"/>
+              <a:buChar char="•"/>
+            </a:pPr>
+            <a:r>
+              <a:rPr lang="en-US" b="0" i="0" dirty="0">
+                <a:effectLst/>
+                <a:latin typeface="Inter"/>
+              </a:rPr>
+              <a:t>There are a total of 2,410 individual beers in the dataset</a:t>
+            </a:r>
+          </a:p>
+          <a:p>
+            <a:pPr algn="l">
+              <a:buFont typeface="Arial" panose="020B0604020202020204" pitchFamily="34" charset="0"/>
+              <a:buChar char="•"/>
+            </a:pPr>
+            <a:r>
+              <a:rPr lang="en-US" dirty="0">
+                <a:latin typeface="Inter"/>
+              </a:rPr>
+              <a:t>The 5 beer styles with the highest abv are Quad, </a:t>
+            </a:r>
+            <a:r>
+              <a:rPr lang="en-US" dirty="0" err="1">
+                <a:latin typeface="Inter"/>
+              </a:rPr>
+              <a:t>Engish</a:t>
+            </a:r>
+            <a:r>
+              <a:rPr lang="en-US" dirty="0">
+                <a:latin typeface="Inter"/>
+              </a:rPr>
+              <a:t> </a:t>
+            </a:r>
+            <a:r>
+              <a:rPr lang="en-US" dirty="0" err="1">
+                <a:latin typeface="Inter"/>
+              </a:rPr>
+              <a:t>Barleywine</a:t>
+            </a:r>
+            <a:r>
+              <a:rPr lang="en-US" dirty="0">
+                <a:latin typeface="Inter"/>
+              </a:rPr>
+              <a:t>, Russian Imperial Stout, Rye Beer and Baltic Porter</a:t>
+            </a:r>
+          </a:p>
+          <a:p>
+            <a:pPr algn="l">
+              <a:buFont typeface="Arial" panose="020B0604020202020204" pitchFamily="34" charset="0"/>
+              <a:buChar char="•"/>
+            </a:pPr>
+            <a:r>
+              <a:rPr lang="en-US" b="0" i="0" dirty="0">
+                <a:effectLst/>
+                <a:latin typeface="Inter"/>
+              </a:rPr>
+              <a:t>The 5 state</a:t>
+            </a:r>
+            <a:r>
+              <a:rPr lang="en-US" dirty="0">
+                <a:latin typeface="Inter"/>
+              </a:rPr>
+              <a:t>s with the lowest number of High ABV beers are Utah, Arkansas, New Hampshire, North Dakota and Wisconsin</a:t>
+            </a:r>
+          </a:p>
+          <a:p>
+            <a:pPr algn="l">
+              <a:buFont typeface="Arial" panose="020B0604020202020204" pitchFamily="34" charset="0"/>
+              <a:buChar char="•"/>
+            </a:pPr>
+            <a:r>
+              <a:rPr lang="en-US" dirty="0">
+                <a:latin typeface="Inter"/>
+              </a:rPr>
+              <a:t>The most competitive combination of beer style to manufacture would be a Quad and the most competitive state would be Utah</a:t>
+            </a:r>
+          </a:p>
+          <a:p>
+            <a:pPr algn="l">
+              <a:buFont typeface="Arial" panose="020B0604020202020204" pitchFamily="34" charset="0"/>
+              <a:buChar char="•"/>
+            </a:pPr>
+            <a:r>
+              <a:rPr lang="en-US" dirty="0">
+                <a:latin typeface="Inter"/>
+              </a:rPr>
+              <a:t>The ABV of beer is evenly distributed </a:t>
+            </a:r>
+          </a:p>
+          <a:p>
+            <a:pPr algn="l">
+              <a:buFont typeface="Arial" panose="020B0604020202020204" pitchFamily="34" charset="0"/>
+              <a:buChar char="•"/>
+            </a:pPr>
+            <a:endParaRPr lang="en-US" dirty="0">
+              <a:latin typeface="Inter"/>
+            </a:endParaRPr>
+          </a:p>
+          <a:p>
+            <a:pPr algn="l">
+              <a:buFont typeface="Arial" panose="020B0604020202020204" pitchFamily="34" charset="0"/>
+              <a:buChar char="•"/>
+            </a:pPr>
+            <a:endParaRPr lang="en-US" b="0" i="0" dirty="0">
+              <a:effectLst/>
+              <a:latin typeface="Inter"/>
+            </a:endParaRPr>
+          </a:p>
+          <a:p>
+            <a:endParaRPr lang="en-US" dirty="0"/>
+          </a:p>
+        </p:txBody>
+      </p:sp>
+    </p:spTree>
+    <p:extLst>
+      <p:ext uri="{BB962C8B-B14F-4D97-AF65-F5344CB8AC3E}">
+        <p14:creationId xmlns:p14="http://schemas.microsoft.com/office/powerpoint/2010/main" val="1636679273"/>
+      </p:ext>
+    </p:extLst>
+  </p:cSld>
+  <p:clrMapOvr>
+    <a:masterClrMapping/>
+  </p:clrMapOvr>
+  <mc:AlternateContent xmlns:mc="http://schemas.openxmlformats.org/markup-compatibility/2006" xmlns:p14="http://schemas.microsoft.com/office/powerpoint/2010/main">
+    <mc:Choice Requires="p14">
+      <p:transition spd="med" p14:dur="700">
+        <p:fade/>
+      </p:transition>
+    </mc:Choice>
+    <mc:Fallback xmlns="">
+      <p:transition spd="med">
+        <p:fade/>
+      </p:transition>
+    </mc:Fallback>
+  </mc:AlternateContent>
+</p:sld>
+</file>
+
+<file path=ppt/slides/slide2.xml><?xml version="1.0" encoding="utf-8"?>
+<p:sld xmlns:a="http://schemas.openxmlformats.org/drawingml/2006/main" xmlns:r="http://schemas.openxmlformats.org/officeDocument/2006/relationships" xmlns:p="http://schemas.openxmlformats.org/presentationml/2006/main">
+  <p:cSld>
+    <p:spTree>
+      <p:nvGrpSpPr>
+        <p:cNvPr id="1" name=""/>
+        <p:cNvGrpSpPr/>
+        <p:nvPr/>
+      </p:nvGrpSpPr>
+      <p:grpSpPr>
+        <a:xfrm>
+          <a:off x="0" y="0"/>
+          <a:ext cx="0" cy="0"/>
+          <a:chOff x="0" y="0"/>
+          <a:chExt cx="0" cy="0"/>
+        </a:xfrm>
+      </p:grpSpPr>
+      <p:sp>
+        <p:nvSpPr>
+          <p:cNvPr id="2" name="Title 1"/>
+          <p:cNvSpPr>
+            <a:spLocks noGrp="1"/>
+          </p:cNvSpPr>
+          <p:nvPr>
+            <p:ph type="title"/>
+          </p:nvPr>
+        </p:nvSpPr>
+        <p:spPr>
+          <a:xfrm>
+            <a:off x="1295400" y="238356"/>
+            <a:ext cx="9601200" cy="1036850"/>
+          </a:xfrm>
+        </p:spPr>
+        <p:txBody>
+          <a:bodyPr/>
+          <a:lstStyle/>
+          <a:p>
+            <a:pPr algn="ctr"/>
+            <a:r>
+              <a:rPr lang="en-US" dirty="0"/>
+              <a:t>Agenda</a:t>
+            </a:r>
+          </a:p>
+        </p:txBody>
+      </p:sp>
+      <p:sp>
+        <p:nvSpPr>
+          <p:cNvPr id="3" name="Content Placeholder 2"/>
+          <p:cNvSpPr>
+            <a:spLocks noGrp="1"/>
+          </p:cNvSpPr>
+          <p:nvPr>
+            <p:ph idx="1"/>
+          </p:nvPr>
+        </p:nvSpPr>
+        <p:spPr/>
+        <p:txBody>
+          <a:bodyPr>
+            <a:normAutofit/>
+          </a:bodyPr>
+          <a:lstStyle/>
+          <a:p>
+            <a:r>
+              <a:rPr lang="en-US" sz="3600" dirty="0"/>
+              <a:t>Business Case Introduction - Grey </a:t>
+            </a:r>
+          </a:p>
+          <a:p>
+            <a:r>
+              <a:rPr lang="en-US" sz="3600" dirty="0"/>
+              <a:t>Analysis – Dawn </a:t>
+            </a:r>
+          </a:p>
+          <a:p>
+            <a:r>
+              <a:rPr lang="en-US" sz="3600" dirty="0"/>
+              <a:t>Conclusion – David</a:t>
+            </a:r>
+          </a:p>
+        </p:txBody>
+      </p:sp>
+    </p:spTree>
+    <p:extLst>
+      <p:ext uri="{BB962C8B-B14F-4D97-AF65-F5344CB8AC3E}">
+        <p14:creationId xmlns:p14="http://schemas.microsoft.com/office/powerpoint/2010/main" val="3639872359"/>
+      </p:ext>
+    </p:extLst>
+  </p:cSld>
+  <p:clrMapOvr>
+    <a:masterClrMapping/>
+  </p:clrMapOvr>
+  <mc:AlternateContent xmlns:mc="http://schemas.openxmlformats.org/markup-compatibility/2006" xmlns:p14="http://schemas.microsoft.com/office/powerpoint/2010/main">
+    <mc:Choice Requires="p14">
+      <p:transition p14:dur="100">
+        <p:cut/>
+      </p:transition>
+    </mc:Choice>
+    <mc:Fallback xmlns="">
+      <p:transition>
+        <p:cut/>
+      </p:transition>
+    </mc:Fallback>
+  </mc:AlternateContent>
+</p:sld>
+</file>
+
+<file path=ppt/slides/slide3.xml><?xml version="1.0" encoding="utf-8"?>
+<p:sld xmlns:a="http://schemas.openxmlformats.org/drawingml/2006/main" xmlns:r="http://schemas.openxmlformats.org/officeDocument/2006/relationships" xmlns:p="http://schemas.openxmlformats.org/presentationml/2006/main">
+  <p:cSld>
+    <p:spTree>
+      <p:nvGrpSpPr>
+        <p:cNvPr id="1" name=""/>
+        <p:cNvGrpSpPr/>
+        <p:nvPr/>
+      </p:nvGrpSpPr>
+      <p:grpSpPr>
+        <a:xfrm>
+          <a:off x="0" y="0"/>
+          <a:ext cx="0" cy="0"/>
+          <a:chOff x="0" y="0"/>
+          <a:chExt cx="0" cy="0"/>
+        </a:xfrm>
+      </p:grpSpPr>
+      <p:sp>
+        <p:nvSpPr>
+          <p:cNvPr id="2" name="Title 1"/>
+          <p:cNvSpPr>
+            <a:spLocks noGrp="1"/>
+          </p:cNvSpPr>
+          <p:nvPr>
+            <p:ph type="title"/>
+          </p:nvPr>
+        </p:nvSpPr>
+        <p:spPr/>
+        <p:txBody>
+          <a:bodyPr/>
+          <a:lstStyle/>
+          <a:p>
+            <a:pPr algn="ctr"/>
+            <a:r>
+              <a:rPr lang="en-US" dirty="0"/>
+              <a:t>Business Case</a:t>
+            </a:r>
+          </a:p>
+        </p:txBody>
+      </p:sp>
+      <p:sp>
+        <p:nvSpPr>
+          <p:cNvPr id="3" name="Content Placeholder 2"/>
+          <p:cNvSpPr>
+            <a:spLocks noGrp="1"/>
+          </p:cNvSpPr>
+          <p:nvPr>
+            <p:ph idx="1"/>
+          </p:nvPr>
+        </p:nvSpPr>
+        <p:spPr/>
+        <p:txBody>
+          <a:bodyPr>
+            <a:normAutofit/>
+          </a:bodyPr>
+          <a:lstStyle/>
+          <a:p>
+            <a:pPr marL="0" indent="0">
+              <a:buNone/>
+            </a:pPr>
+            <a:r>
+              <a:rPr lang="en-US" b="1" dirty="0">
+                <a:effectLst/>
+                <a:latin typeface="Calibri" panose="020F0502020204030204" pitchFamily="34" charset="0"/>
+                <a:ea typeface="Times New Roman" panose="02020603050405020304" pitchFamily="18" charset="0"/>
+                <a:cs typeface="Calibri" panose="020F0502020204030204" pitchFamily="34" charset="0"/>
+              </a:rPr>
+              <a:t>Business Development: </a:t>
+            </a:r>
+            <a:r>
+              <a:rPr lang="en-US" dirty="0">
+                <a:effectLst/>
+                <a:latin typeface="Calibri" panose="020F0502020204030204" pitchFamily="34" charset="0"/>
+                <a:ea typeface="Times New Roman" panose="02020603050405020304" pitchFamily="18" charset="0"/>
+                <a:cs typeface="Calibri" panose="020F0502020204030204" pitchFamily="34" charset="0"/>
+              </a:rPr>
+              <a:t>In 2017, an entrepreneur wanted to open a new brewery in the United States.  She needed to determine the best location.</a:t>
+            </a:r>
+          </a:p>
+          <a:p>
+            <a:pPr marL="0" indent="0">
+              <a:buNone/>
+            </a:pPr>
+            <a:r>
+              <a:rPr lang="en-US" dirty="0">
+                <a:latin typeface="Calibri" panose="020F0502020204030204" pitchFamily="34" charset="0"/>
+                <a:ea typeface="Times New Roman" panose="02020603050405020304" pitchFamily="18" charset="0"/>
+                <a:cs typeface="Calibri" panose="020F0502020204030204" pitchFamily="34" charset="0"/>
+              </a:rPr>
+              <a:t>An</a:t>
+            </a:r>
+            <a:r>
+              <a:rPr lang="en-US" dirty="0">
+                <a:effectLst/>
+                <a:latin typeface="Calibri" panose="020F0502020204030204" pitchFamily="34" charset="0"/>
+                <a:ea typeface="Times New Roman" panose="02020603050405020304" pitchFamily="18" charset="0"/>
+                <a:cs typeface="Calibri" panose="020F0502020204030204" pitchFamily="34" charset="0"/>
+              </a:rPr>
+              <a:t> analysis of 2,410 US craft beers and 510 US breweries was conducted to determine a competitive location.</a:t>
+            </a:r>
+          </a:p>
+          <a:p>
+            <a:pPr marL="0" marR="0" lvl="0" indent="0">
+              <a:lnSpc>
+                <a:spcPct val="107000"/>
+              </a:lnSpc>
+              <a:spcBef>
+                <a:spcPts val="0"/>
+              </a:spcBef>
+              <a:spcAft>
+                <a:spcPts val="0"/>
+              </a:spcAft>
+              <a:buNone/>
+            </a:pPr>
+            <a:endParaRPr lang="en-US" dirty="0">
+              <a:latin typeface="Calibri" panose="020F0502020204030204" pitchFamily="34" charset="0"/>
+              <a:ea typeface="Times New Roman" panose="02020603050405020304" pitchFamily="18" charset="0"/>
+              <a:cs typeface="Calibri" panose="020F0502020204030204" pitchFamily="34" charset="0"/>
+            </a:endParaRPr>
+          </a:p>
+          <a:p>
+            <a:pPr marL="0" marR="0" lvl="0" indent="0">
+              <a:lnSpc>
+                <a:spcPct val="107000"/>
+              </a:lnSpc>
+              <a:spcBef>
+                <a:spcPts val="0"/>
+              </a:spcBef>
+              <a:spcAft>
+                <a:spcPts val="0"/>
+              </a:spcAft>
+              <a:buNone/>
+            </a:pPr>
+            <a:r>
+              <a:rPr lang="en-US" b="1" dirty="0">
+                <a:latin typeface="Calibri" panose="020F0502020204030204" pitchFamily="34" charset="0"/>
+                <a:ea typeface="Times New Roman" panose="02020603050405020304" pitchFamily="18" charset="0"/>
+                <a:cs typeface="Calibri" panose="020F0502020204030204" pitchFamily="34" charset="0"/>
+              </a:rPr>
+              <a:t>Hypothesis:</a:t>
+            </a:r>
+            <a:r>
+              <a:rPr lang="en-US" dirty="0">
+                <a:latin typeface="Calibri" panose="020F0502020204030204" pitchFamily="34" charset="0"/>
+                <a:ea typeface="Times New Roman" panose="02020603050405020304" pitchFamily="18" charset="0"/>
+                <a:cs typeface="Calibri" panose="020F0502020204030204" pitchFamily="34" charset="0"/>
+              </a:rPr>
+              <a:t> </a:t>
+            </a:r>
+            <a:r>
+              <a:rPr lang="en-US" dirty="0">
+                <a:effectLst/>
+                <a:latin typeface="Calibri" panose="020F0502020204030204" pitchFamily="34" charset="0"/>
+                <a:ea typeface="Times New Roman" panose="02020603050405020304" pitchFamily="18" charset="0"/>
+                <a:cs typeface="Calibri" panose="020F0502020204030204" pitchFamily="34" charset="0"/>
+              </a:rPr>
+              <a:t>  </a:t>
+            </a:r>
+            <a:r>
+              <a:rPr lang="en-US" dirty="0">
+                <a:latin typeface="Calibri" panose="020F0502020204030204" pitchFamily="34" charset="0"/>
+                <a:ea typeface="Times New Roman" panose="02020603050405020304" pitchFamily="18" charset="0"/>
+                <a:cs typeface="Calibri" panose="020F0502020204030204" pitchFamily="34" charset="0"/>
+              </a:rPr>
+              <a:t>It was determined </a:t>
+            </a:r>
+            <a:r>
+              <a:rPr lang="en-US" dirty="0">
+                <a:effectLst/>
+                <a:latin typeface="Calibri" panose="020F0502020204030204" pitchFamily="34" charset="0"/>
+                <a:ea typeface="Times New Roman" panose="02020603050405020304" pitchFamily="18" charset="0"/>
+                <a:cs typeface="Calibri" panose="020F0502020204030204" pitchFamily="34" charset="0"/>
+              </a:rPr>
+              <a:t>the style of beer with the highest alcohol by volume (ABV) is the most profitable.  As a result, </a:t>
+            </a:r>
+            <a:r>
+              <a:rPr lang="en-US" dirty="0">
+                <a:latin typeface="Calibri" panose="020F0502020204030204" pitchFamily="34" charset="0"/>
+                <a:ea typeface="Times New Roman" panose="02020603050405020304" pitchFamily="18" charset="0"/>
+                <a:cs typeface="Calibri" panose="020F0502020204030204" pitchFamily="34" charset="0"/>
+              </a:rPr>
+              <a:t>identifying </a:t>
+            </a:r>
+            <a:r>
+              <a:rPr lang="en-US" dirty="0">
+                <a:effectLst/>
+                <a:latin typeface="Calibri" panose="020F0502020204030204" pitchFamily="34" charset="0"/>
+                <a:ea typeface="Times New Roman" panose="02020603050405020304" pitchFamily="18" charset="0"/>
+                <a:cs typeface="Calibri" panose="020F0502020204030204" pitchFamily="34" charset="0"/>
+              </a:rPr>
+              <a:t>the states with the lowest number of beers with high alcohol by volume as the best locations for the new brewery </a:t>
+            </a:r>
+            <a:r>
+              <a:rPr lang="en-US" dirty="0">
+                <a:latin typeface="Calibri" panose="020F0502020204030204" pitchFamily="34" charset="0"/>
+                <a:ea typeface="Times New Roman" panose="02020603050405020304" pitchFamily="18" charset="0"/>
+                <a:cs typeface="Calibri" panose="020F0502020204030204" pitchFamily="34" charset="0"/>
+              </a:rPr>
+              <a:t>would be essential.</a:t>
+            </a:r>
+            <a:endParaRPr lang="en-US" dirty="0">
+              <a:effectLst/>
+              <a:latin typeface="Calibri" panose="020F0502020204030204" pitchFamily="34" charset="0"/>
+              <a:ea typeface="Calibri" panose="020F0502020204030204" pitchFamily="34" charset="0"/>
+              <a:cs typeface="Times New Roman" panose="02020603050405020304" pitchFamily="18" charset="0"/>
+            </a:endParaRPr>
+          </a:p>
+          <a:p>
+            <a:pPr marL="0" indent="0">
+              <a:buNone/>
+            </a:pPr>
+            <a:endParaRPr lang="en-US" dirty="0"/>
+          </a:p>
+        </p:txBody>
+      </p:sp>
+    </p:spTree>
+    <p:extLst>
+      <p:ext uri="{BB962C8B-B14F-4D97-AF65-F5344CB8AC3E}">
+        <p14:creationId xmlns:p14="http://schemas.microsoft.com/office/powerpoint/2010/main" val="4040915266"/>
+      </p:ext>
+    </p:extLst>
+  </p:cSld>
+  <p:clrMapOvr>
+    <a:masterClrMapping/>
+  </p:clrMapOvr>
+  <mc:AlternateContent xmlns:mc="http://schemas.openxmlformats.org/markup-compatibility/2006" xmlns:p14="http://schemas.microsoft.com/office/powerpoint/2010/main">
+    <mc:Choice Requires="p14">
+      <p:transition spd="med" p14:dur="700">
+        <p:fade/>
+      </p:transition>
+    </mc:Choice>
+    <mc:Fallback xmlns="">
+      <p:transition spd="med">
+        <p:fade/>
+      </p:transition>
+    </mc:Fallback>
+  </mc:AlternateContent>
+</p:sld>
+</file>
+
+<file path=ppt/slides/slide4.xml><?xml version="1.0" encoding="utf-8"?>
+<p:sld xmlns:a="http://schemas.openxmlformats.org/drawingml/2006/main" xmlns:r="http://schemas.openxmlformats.org/officeDocument/2006/relationships" xmlns:p="http://schemas.openxmlformats.org/presentationml/2006/main">
+  <p:cSld>
+    <p:spTree>
+      <p:nvGrpSpPr>
+        <p:cNvPr id="1" name=""/>
+        <p:cNvGrpSpPr/>
+        <p:nvPr/>
+      </p:nvGrpSpPr>
+      <p:grpSpPr>
+        <a:xfrm>
+          <a:off x="0" y="0"/>
+          <a:ext cx="0" cy="0"/>
+          <a:chOff x="0" y="0"/>
+          <a:chExt cx="0" cy="0"/>
+        </a:xfrm>
+      </p:grpSpPr>
+      <p:sp>
+        <p:nvSpPr>
+          <p:cNvPr id="2" name="Title 1"/>
+          <p:cNvSpPr>
+            <a:spLocks noGrp="1"/>
+          </p:cNvSpPr>
+          <p:nvPr>
+            <p:ph type="title"/>
+          </p:nvPr>
+        </p:nvSpPr>
+        <p:spPr/>
+        <p:txBody>
+          <a:bodyPr/>
+          <a:lstStyle/>
+          <a:p>
+            <a:pPr algn="ctr"/>
+            <a:r>
+              <a:rPr lang="en-US" dirty="0"/>
+              <a:t>Highest ABV Among Beer Styles</a:t>
+            </a:r>
+          </a:p>
+        </p:txBody>
+      </p:sp>
+      <p:pic>
+        <p:nvPicPr>
+          <p:cNvPr id="5" name="Content Placeholder 4">
+            <a:extLst>
+              <a:ext uri="{FF2B5EF4-FFF2-40B4-BE49-F238E27FC236}">
+                <a16:creationId xmlns:a16="http://schemas.microsoft.com/office/drawing/2014/main" id="{EF17B44B-C8C8-400E-8AD0-22D77430ED0E}"/>
+              </a:ext>
+            </a:extLst>
+          </p:cNvPr>
+          <p:cNvPicPr>
+            <a:picLocks noGrp="1" noChangeAspect="1"/>
+          </p:cNvPicPr>
+          <p:nvPr>
+            <p:ph idx="1"/>
+          </p:nvPr>
+        </p:nvPicPr>
+        <p:blipFill>
+          <a:blip r:embed="rId2"/>
+          <a:stretch>
+            <a:fillRect/>
+          </a:stretch>
+        </p:blipFill>
+        <p:spPr>
+          <a:xfrm>
+            <a:off x="2777383" y="2009036"/>
+            <a:ext cx="6466941" cy="4593830"/>
+          </a:xfrm>
+          <a:prstGeom prst="rect">
+            <a:avLst/>
+          </a:prstGeom>
+        </p:spPr>
+      </p:pic>
+    </p:spTree>
+    <p:extLst>
+      <p:ext uri="{BB962C8B-B14F-4D97-AF65-F5344CB8AC3E}">
+        <p14:creationId xmlns:p14="http://schemas.microsoft.com/office/powerpoint/2010/main" val="3574231650"/>
+      </p:ext>
+    </p:extLst>
+  </p:cSld>
+  <p:clrMapOvr>
+    <a:masterClrMapping/>
+  </p:clrMapOvr>
+  <mc:AlternateContent xmlns:mc="http://schemas.openxmlformats.org/markup-compatibility/2006" xmlns:p14="http://schemas.microsoft.com/office/powerpoint/2010/main">
+    <mc:Choice Requires="p14">
+      <p:transition spd="med" p14:dur="700">
+        <p:fade/>
+      </p:transition>
+    </mc:Choice>
+    <mc:Fallback xmlns="">
+      <p:transition spd="med">
+        <p:fade/>
+      </p:transition>
+    </mc:Fallback>
+  </mc:AlternateContent>
+</p:sld>
+</file>
+
+<file path=ppt/slides/slide5.xml><?xml version="1.0" encoding="utf-8"?>
+<p:sld xmlns:a="http://schemas.openxmlformats.org/drawingml/2006/main" xmlns:r="http://schemas.openxmlformats.org/officeDocument/2006/relationships" xmlns:p="http://schemas.openxmlformats.org/presentationml/2006/main">
+  <p:cSld>
+    <p:spTree>
+      <p:nvGrpSpPr>
+        <p:cNvPr id="1" name=""/>
+        <p:cNvGrpSpPr/>
+        <p:nvPr/>
+      </p:nvGrpSpPr>
+      <p:grpSpPr>
+        <a:xfrm>
+          <a:off x="0" y="0"/>
+          <a:ext cx="0" cy="0"/>
+          <a:chOff x="0" y="0"/>
+          <a:chExt cx="0" cy="0"/>
+        </a:xfrm>
+      </p:grpSpPr>
+      <p:sp>
+        <p:nvSpPr>
+          <p:cNvPr id="2" name="Title 1">
+            <a:extLst>
+              <a:ext uri="{FF2B5EF4-FFF2-40B4-BE49-F238E27FC236}">
+                <a16:creationId xmlns:a16="http://schemas.microsoft.com/office/drawing/2014/main" id="{405DEE86-2D06-4A41-BBA2-78ED89E52E79}"/>
+              </a:ext>
+            </a:extLst>
+          </p:cNvPr>
+          <p:cNvSpPr>
+            <a:spLocks noGrp="1"/>
+          </p:cNvSpPr>
+          <p:nvPr>
+            <p:ph type="title"/>
+          </p:nvPr>
+        </p:nvSpPr>
+        <p:spPr/>
+        <p:txBody>
+          <a:bodyPr/>
+          <a:lstStyle/>
+          <a:p>
+            <a:pPr algn="ctr"/>
+            <a:r>
+              <a:rPr lang="en-US" dirty="0"/>
+              <a:t>The Styles Of Beer With The Lowest ABV</a:t>
+            </a:r>
+          </a:p>
+        </p:txBody>
+      </p:sp>
+      <p:pic>
+        <p:nvPicPr>
+          <p:cNvPr id="1026" name="Picture 2">
+            <a:extLst>
+              <a:ext uri="{FF2B5EF4-FFF2-40B4-BE49-F238E27FC236}">
+                <a16:creationId xmlns:a16="http://schemas.microsoft.com/office/drawing/2014/main" id="{499B1B41-9E7B-497C-B097-A7C12D0C54D2}"/>
+              </a:ext>
+            </a:extLst>
+          </p:cNvPr>
+          <p:cNvPicPr>
+            <a:picLocks noGrp="1" noChangeAspect="1" noChangeArrowheads="1"/>
+          </p:cNvPicPr>
+          <p:nvPr>
+            <p:ph idx="1"/>
+          </p:nvPr>
+        </p:nvPicPr>
+        <p:blipFill>
+          <a:blip r:embed="rId2">
+            <a:extLst>
+              <a:ext uri="{28A0092B-C50C-407E-A947-70E740481C1C}">
+                <a14:useLocalDpi xmlns:a14="http://schemas.microsoft.com/office/drawing/2010/main" val="0"/>
+              </a:ext>
+            </a:extLst>
+          </a:blip>
+          <a:srcRect/>
+          <a:stretch>
+            <a:fillRect/>
+          </a:stretch>
+        </p:blipFill>
+        <p:spPr bwMode="auto">
+          <a:xfrm>
+            <a:off x="1796902" y="1828800"/>
+            <a:ext cx="7687340" cy="4880344"/>
+          </a:xfrm>
+          <a:prstGeom prst="rect">
+            <a:avLst/>
+          </a:prstGeom>
+          <a:noFill/>
+          <a:extLst>
+            <a:ext uri="{909E8E84-426E-40DD-AFC4-6F175D3DCCD1}">
+              <a14:hiddenFill xmlns:a14="http://schemas.microsoft.com/office/drawing/2010/main">
+                <a:solidFill>
+                  <a:srgbClr val="FFFFFF"/>
+                </a:solidFill>
+              </a14:hiddenFill>
+            </a:ext>
+          </a:extLst>
+        </p:spPr>
+      </p:pic>
+    </p:spTree>
+    <p:extLst>
+      <p:ext uri="{BB962C8B-B14F-4D97-AF65-F5344CB8AC3E}">
+        <p14:creationId xmlns:p14="http://schemas.microsoft.com/office/powerpoint/2010/main" val="3983525330"/>
+      </p:ext>
+    </p:extLst>
+  </p:cSld>
+  <p:clrMapOvr>
+    <a:masterClrMapping/>
+  </p:clrMapOvr>
+  <mc:AlternateContent xmlns:mc="http://schemas.openxmlformats.org/markup-compatibility/2006" xmlns:p14="http://schemas.microsoft.com/office/powerpoint/2010/main">
+    <mc:Choice Requires="p14">
+      <p:transition spd="med" p14:dur="700">
+        <p:fade/>
+      </p:transition>
+    </mc:Choice>
+    <mc:Fallback xmlns="">
+      <p:transition spd="med">
+        <p:fade/>
+      </p:transition>
+    </mc:Fallback>
+  </mc:AlternateContent>
+</p:sld>
+</file>
+
+<file path=ppt/slides/slide6.xml><?xml version="1.0" encoding="utf-8"?>
+<p:sld xmlns:a="http://schemas.openxmlformats.org/drawingml/2006/main" xmlns:r="http://schemas.openxmlformats.org/officeDocument/2006/relationships" xmlns:p="http://schemas.openxmlformats.org/presentationml/2006/main">
+  <p:cSld>
+    <p:spTree>
+      <p:nvGrpSpPr>
+        <p:cNvPr id="1" name=""/>
+        <p:cNvGrpSpPr/>
+        <p:nvPr/>
+      </p:nvGrpSpPr>
+      <p:grpSpPr>
+        <a:xfrm>
+          <a:off x="0" y="0"/>
+          <a:ext cx="0" cy="0"/>
+          <a:chOff x="0" y="0"/>
+          <a:chExt cx="0" cy="0"/>
+        </a:xfrm>
+      </p:grpSpPr>
+      <p:sp>
+        <p:nvSpPr>
+          <p:cNvPr id="2" name="Title 1"/>
+          <p:cNvSpPr>
+            <a:spLocks noGrp="1"/>
+          </p:cNvSpPr>
+          <p:nvPr>
+            <p:ph type="title"/>
+          </p:nvPr>
+        </p:nvSpPr>
+        <p:spPr/>
+        <p:txBody>
+          <a:bodyPr/>
+          <a:lstStyle/>
+          <a:p>
+            <a:pPr algn="ctr"/>
+            <a:r>
+              <a:rPr lang="en-US" dirty="0"/>
+              <a:t>Most Brewed Style of Beer</a:t>
+            </a:r>
+          </a:p>
+        </p:txBody>
+      </p:sp>
+      <p:pic>
+        <p:nvPicPr>
+          <p:cNvPr id="4" name="Picture 3" descr="Chart, bar chart&#10;&#10;Description automatically generated">
+            <a:extLst>
+              <a:ext uri="{FF2B5EF4-FFF2-40B4-BE49-F238E27FC236}">
+                <a16:creationId xmlns:a16="http://schemas.microsoft.com/office/drawing/2014/main" id="{AA36052D-97CF-4EC6-AE56-17A5A0E42801}"/>
+              </a:ext>
+            </a:extLst>
+          </p:cNvPr>
+          <p:cNvPicPr>
+            <a:picLocks noChangeAspect="1"/>
+          </p:cNvPicPr>
+          <p:nvPr/>
+        </p:nvPicPr>
+        <p:blipFill>
+          <a:blip r:embed="rId2"/>
+          <a:stretch>
+            <a:fillRect/>
+          </a:stretch>
+        </p:blipFill>
+        <p:spPr>
+          <a:xfrm>
+            <a:off x="3106135" y="1828800"/>
+            <a:ext cx="5919211" cy="4061637"/>
+          </a:xfrm>
+          <a:prstGeom prst="rect">
+            <a:avLst/>
+          </a:prstGeom>
+        </p:spPr>
+      </p:pic>
+    </p:spTree>
+    <p:extLst>
+      <p:ext uri="{BB962C8B-B14F-4D97-AF65-F5344CB8AC3E}">
+        <p14:creationId xmlns:p14="http://schemas.microsoft.com/office/powerpoint/2010/main" val="3751628259"/>
+      </p:ext>
+    </p:extLst>
+  </p:cSld>
+  <p:clrMapOvr>
+    <a:masterClrMapping/>
+  </p:clrMapOvr>
+  <mc:AlternateContent xmlns:mc="http://schemas.openxmlformats.org/markup-compatibility/2006" xmlns:p14="http://schemas.microsoft.com/office/powerpoint/2010/main">
+    <mc:Choice Requires="p14">
+      <p:transition spd="med" p14:dur="700">
+        <p:fade/>
+      </p:transition>
+    </mc:Choice>
+    <mc:Fallback xmlns="">
+      <p:transition spd="med">
+        <p:fade/>
+      </p:transition>
+    </mc:Fallback>
+  </mc:AlternateContent>
+</p:sld>
+</file>
+
+<file path=ppt/slides/slide7.xml><?xml version="1.0" encoding="utf-8"?>
+<p:sld xmlns:a="http://schemas.openxmlformats.org/drawingml/2006/main" xmlns:r="http://schemas.openxmlformats.org/officeDocument/2006/relationships" xmlns:p="http://schemas.openxmlformats.org/presentationml/2006/main">
+  <p:cSld>
+    <p:spTree>
+      <p:nvGrpSpPr>
+        <p:cNvPr id="1" name=""/>
+        <p:cNvGrpSpPr/>
+        <p:nvPr/>
+      </p:nvGrpSpPr>
+      <p:grpSpPr>
+        <a:xfrm>
+          <a:off x="0" y="0"/>
+          <a:ext cx="0" cy="0"/>
+          <a:chOff x="0" y="0"/>
+          <a:chExt cx="0" cy="0"/>
+        </a:xfrm>
+      </p:grpSpPr>
+      <p:sp>
+        <p:nvSpPr>
+          <p:cNvPr id="2" name="Title 1">
+            <a:extLst>
+              <a:ext uri="{FF2B5EF4-FFF2-40B4-BE49-F238E27FC236}">
+                <a16:creationId xmlns:a16="http://schemas.microsoft.com/office/drawing/2014/main" id="{13344B47-1D50-4006-9A0E-65F593B68A99}"/>
+              </a:ext>
+            </a:extLst>
+          </p:cNvPr>
+          <p:cNvSpPr>
+            <a:spLocks noGrp="1"/>
+          </p:cNvSpPr>
+          <p:nvPr>
+            <p:ph type="title"/>
+          </p:nvPr>
+        </p:nvSpPr>
+        <p:spPr>
+          <a:xfrm>
+            <a:off x="1295400" y="255134"/>
+            <a:ext cx="9652000" cy="1036850"/>
+          </a:xfrm>
+        </p:spPr>
+        <p:txBody>
+          <a:bodyPr/>
+          <a:lstStyle/>
+          <a:p>
+            <a:pPr algn="ctr"/>
+            <a:r>
+              <a:rPr lang="en-US" sz="3200" dirty="0"/>
+              <a:t>The States with the Most Beer Styles </a:t>
+            </a:r>
+            <a:br>
+              <a:rPr lang="en-US" sz="3200" dirty="0"/>
+            </a:br>
+            <a:r>
+              <a:rPr lang="en-US" sz="3200" dirty="0"/>
+              <a:t>with Lowest ABV</a:t>
+            </a:r>
+            <a:endParaRPr lang="en-US" dirty="0"/>
+          </a:p>
+        </p:txBody>
+      </p:sp>
+      <p:pic>
+        <p:nvPicPr>
+          <p:cNvPr id="7" name="Picture 6" descr="Background pattern&#10;&#10;Description automatically generated">
+            <a:extLst>
+              <a:ext uri="{FF2B5EF4-FFF2-40B4-BE49-F238E27FC236}">
+                <a16:creationId xmlns:a16="http://schemas.microsoft.com/office/drawing/2014/main" id="{6B02B601-73D1-4A8B-A39C-F8BE2FC338FD}"/>
+              </a:ext>
+            </a:extLst>
+          </p:cNvPr>
+          <p:cNvPicPr>
+            <a:picLocks noChangeAspect="1"/>
+          </p:cNvPicPr>
+          <p:nvPr/>
+        </p:nvPicPr>
+        <p:blipFill>
+          <a:blip r:embed="rId2"/>
+          <a:stretch>
+            <a:fillRect/>
+          </a:stretch>
+        </p:blipFill>
+        <p:spPr>
+          <a:xfrm>
+            <a:off x="1217842" y="1600130"/>
+            <a:ext cx="10068993" cy="5257870"/>
+          </a:xfrm>
+          <a:prstGeom prst="rect">
+            <a:avLst/>
+          </a:prstGeom>
+        </p:spPr>
+      </p:pic>
+    </p:spTree>
+    <p:extLst>
+      <p:ext uri="{BB962C8B-B14F-4D97-AF65-F5344CB8AC3E}">
+        <p14:creationId xmlns:p14="http://schemas.microsoft.com/office/powerpoint/2010/main" val="3534499074"/>
+      </p:ext>
+    </p:extLst>
+  </p:cSld>
+  <p:clrMapOvr>
+    <a:masterClrMapping/>
+  </p:clrMapOvr>
+  <mc:AlternateContent xmlns:mc="http://schemas.openxmlformats.org/markup-compatibility/2006" xmlns:p14="http://schemas.microsoft.com/office/powerpoint/2010/main">
+    <mc:Choice Requires="p14">
+      <p:transition spd="med" p14:dur="700">
+        <p:fade/>
+      </p:transition>
+    </mc:Choice>
+    <mc:Fallback xmlns="">
+      <p:transition spd="med">
+        <p:fade/>
+      </p:transition>
+    </mc:Fallback>
+  </mc:AlternateContent>
+</p:sld>
+</file>
+
+<file path=ppt/slides/slide8.xml><?xml version="1.0" encoding="utf-8"?>
+<p:sld xmlns:a="http://schemas.openxmlformats.org/drawingml/2006/main" xmlns:r="http://schemas.openxmlformats.org/officeDocument/2006/relationships" xmlns:p="http://schemas.openxmlformats.org/presentationml/2006/main">
+  <p:cSld>
+    <p:spTree>
+      <p:nvGrpSpPr>
+        <p:cNvPr id="1" name=""/>
+        <p:cNvGrpSpPr/>
+        <p:nvPr/>
+      </p:nvGrpSpPr>
+      <p:grpSpPr>
+        <a:xfrm>
+          <a:off x="0" y="0"/>
+          <a:ext cx="0" cy="0"/>
+          <a:chOff x="0" y="0"/>
+          <a:chExt cx="0" cy="0"/>
+        </a:xfrm>
+      </p:grpSpPr>
+      <p:sp>
+        <p:nvSpPr>
+          <p:cNvPr id="2" name="Title 1"/>
+          <p:cNvSpPr>
+            <a:spLocks noGrp="1"/>
+          </p:cNvSpPr>
+          <p:nvPr>
+            <p:ph type="title"/>
+          </p:nvPr>
+        </p:nvSpPr>
+        <p:spPr>
+          <a:xfrm>
+            <a:off x="1295399" y="242306"/>
+            <a:ext cx="10120745" cy="901896"/>
+          </a:xfrm>
+        </p:spPr>
+        <p:txBody>
+          <a:bodyPr>
+            <a:normAutofit fontScale="90000"/>
+          </a:bodyPr>
+          <a:lstStyle/>
+          <a:p>
+            <a:pPr algn="ctr"/>
+            <a:r>
+              <a:rPr lang="en-US" sz="3600" dirty="0"/>
+              <a:t>The States with the Most Beer Styles </a:t>
+            </a:r>
+            <a:br>
+              <a:rPr lang="en-US" sz="3600" dirty="0"/>
+            </a:br>
+            <a:r>
+              <a:rPr lang="en-US" sz="3600" dirty="0"/>
+              <a:t>with Highest ABV</a:t>
+            </a:r>
+          </a:p>
+        </p:txBody>
+      </p:sp>
+      <p:pic>
+        <p:nvPicPr>
+          <p:cNvPr id="10" name="Content Placeholder 9">
+            <a:extLst>
+              <a:ext uri="{FF2B5EF4-FFF2-40B4-BE49-F238E27FC236}">
+                <a16:creationId xmlns:a16="http://schemas.microsoft.com/office/drawing/2014/main" id="{7958DA25-A3CD-4FD7-9236-91CD820732CB}"/>
+              </a:ext>
+            </a:extLst>
+          </p:cNvPr>
+          <p:cNvPicPr>
+            <a:picLocks noGrp="1" noChangeAspect="1"/>
+          </p:cNvPicPr>
+          <p:nvPr>
+            <p:ph idx="1"/>
+          </p:nvPr>
+        </p:nvPicPr>
+        <p:blipFill>
+          <a:blip r:embed="rId2"/>
+          <a:stretch>
+            <a:fillRect/>
+          </a:stretch>
+        </p:blipFill>
+        <p:spPr>
+          <a:xfrm>
+            <a:off x="1988190" y="1828800"/>
+            <a:ext cx="9499999" cy="4639112"/>
+          </a:xfrm>
+        </p:spPr>
+      </p:pic>
+    </p:spTree>
+    <p:extLst>
+      <p:ext uri="{BB962C8B-B14F-4D97-AF65-F5344CB8AC3E}">
+        <p14:creationId xmlns:p14="http://schemas.microsoft.com/office/powerpoint/2010/main" val="147951608"/>
+      </p:ext>
+    </p:extLst>
+  </p:cSld>
+  <p:clrMapOvr>
+    <a:masterClrMapping/>
+  </p:clrMapOvr>
+  <mc:AlternateContent xmlns:mc="http://schemas.openxmlformats.org/markup-compatibility/2006" xmlns:p14="http://schemas.microsoft.com/office/powerpoint/2010/main">
+    <mc:Choice Requires="p14">
+      <p:transition spd="med" p14:dur="700">
+        <p:fade/>
+      </p:transition>
+    </mc:Choice>
+    <mc:Fallback xmlns="">
+      <p:transition spd="med">
+        <p:fade/>
+      </p:transition>
+    </mc:Fallback>
+  </mc:AlternateContent>
+</p:sld>
+</file>
+
+<file path=ppt/slides/slide9.xml><?xml version="1.0" encoding="utf-8"?>
+<p:sld xmlns:a="http://schemas.openxmlformats.org/drawingml/2006/main" xmlns:r="http://schemas.openxmlformats.org/officeDocument/2006/relationships" xmlns:p="http://schemas.openxmlformats.org/presentationml/2006/main">
+  <p:cSld>
+    <p:spTree>
+      <p:nvGrpSpPr>
+        <p:cNvPr id="1" name=""/>
+        <p:cNvGrpSpPr/>
+        <p:nvPr/>
+      </p:nvGrpSpPr>
+      <p:grpSpPr>
+        <a:xfrm>
+          <a:off x="0" y="0"/>
+          <a:ext cx="0" cy="0"/>
+          <a:chOff x="0" y="0"/>
+          <a:chExt cx="0" cy="0"/>
+        </a:xfrm>
+      </p:grpSpPr>
+      <p:sp>
+        <p:nvSpPr>
+          <p:cNvPr id="2" name="Title 1"/>
+          <p:cNvSpPr>
+            <a:spLocks noGrp="1"/>
+          </p:cNvSpPr>
+          <p:nvPr>
+            <p:ph type="title"/>
+          </p:nvPr>
+        </p:nvSpPr>
+        <p:spPr>
+          <a:xfrm>
+            <a:off x="1313874" y="361507"/>
+            <a:ext cx="10093036" cy="995131"/>
+          </a:xfrm>
+        </p:spPr>
+        <p:txBody>
+          <a:bodyPr anchor="t">
+            <a:normAutofit/>
+          </a:bodyPr>
+          <a:lstStyle/>
+          <a:p>
+            <a:pPr algn="ctr"/>
+            <a:r>
+              <a:rPr lang="en-US" sz="3200" dirty="0"/>
+              <a:t>The </a:t>
+            </a:r>
+            <a:r>
+              <a:rPr lang="en-US" dirty="0"/>
+              <a:t>States with the Most Beer styles</a:t>
+            </a:r>
+            <a:br>
+              <a:rPr lang="en-US" dirty="0"/>
+            </a:br>
+            <a:r>
+              <a:rPr lang="en-US" dirty="0"/>
+              <a:t> with Highest ABV</a:t>
+            </a:r>
+          </a:p>
+        </p:txBody>
+      </p:sp>
+      <p:pic>
+        <p:nvPicPr>
+          <p:cNvPr id="7" name="Content Placeholder 6">
+            <a:extLst>
+              <a:ext uri="{FF2B5EF4-FFF2-40B4-BE49-F238E27FC236}">
+                <a16:creationId xmlns:a16="http://schemas.microsoft.com/office/drawing/2014/main" id="{9D90A395-3420-4953-ABD5-8E906CE50550}"/>
+              </a:ext>
+            </a:extLst>
+          </p:cNvPr>
+          <p:cNvPicPr>
+            <a:picLocks noGrp="1" noChangeAspect="1"/>
+          </p:cNvPicPr>
+          <p:nvPr>
+            <p:ph idx="1"/>
+          </p:nvPr>
+        </p:nvPicPr>
+        <p:blipFill>
+          <a:blip r:embed="rId2"/>
+          <a:stretch>
+            <a:fillRect/>
+          </a:stretch>
+        </p:blipFill>
+        <p:spPr>
+          <a:xfrm>
+            <a:off x="3692348" y="1890590"/>
+            <a:ext cx="5515152" cy="4866169"/>
+          </a:xfrm>
+        </p:spPr>
+      </p:pic>
+    </p:spTree>
+    <p:extLst>
+      <p:ext uri="{BB962C8B-B14F-4D97-AF65-F5344CB8AC3E}">
+        <p14:creationId xmlns:p14="http://schemas.microsoft.com/office/powerpoint/2010/main" val="1515987278"/>
       </p:ext>
     </p:extLst>
   </p:cSld>

--- a/presentation.pptx
+++ b/presentation.pptx
@@ -5,26 +5,25 @@
     <p:sldMasterId id="2147483648" r:id="rId1"/>
   </p:sldMasterIdLst>
   <p:notesMasterIdLst>
-    <p:notesMasterId r:id="rId16"/>
+    <p:notesMasterId r:id="rId15"/>
   </p:notesMasterIdLst>
   <p:handoutMasterIdLst>
-    <p:handoutMasterId r:id="rId17"/>
+    <p:handoutMasterId r:id="rId16"/>
   </p:handoutMasterIdLst>
   <p:sldIdLst>
     <p:sldId id="257" r:id="rId2"/>
     <p:sldId id="258" r:id="rId3"/>
-    <p:sldId id="270" r:id="rId4"/>
-    <p:sldId id="259" r:id="rId5"/>
-    <p:sldId id="280" r:id="rId6"/>
-    <p:sldId id="271" r:id="rId7"/>
-    <p:sldId id="279" r:id="rId8"/>
-    <p:sldId id="273" r:id="rId9"/>
-    <p:sldId id="274" r:id="rId10"/>
-    <p:sldId id="275" r:id="rId11"/>
-    <p:sldId id="276" r:id="rId12"/>
-    <p:sldId id="278" r:id="rId13"/>
-    <p:sldId id="261" r:id="rId14"/>
-    <p:sldId id="262" r:id="rId15"/>
+    <p:sldId id="261" r:id="rId4"/>
+    <p:sldId id="270" r:id="rId5"/>
+    <p:sldId id="259" r:id="rId6"/>
+    <p:sldId id="280" r:id="rId7"/>
+    <p:sldId id="271" r:id="rId8"/>
+    <p:sldId id="279" r:id="rId9"/>
+    <p:sldId id="273" r:id="rId10"/>
+    <p:sldId id="274" r:id="rId11"/>
+    <p:sldId id="275" r:id="rId12"/>
+    <p:sldId id="276" r:id="rId13"/>
+    <p:sldId id="262" r:id="rId14"/>
   </p:sldIdLst>
   <p:sldSz cx="12192000" cy="6858000"/>
   <p:notesSz cx="6858000" cy="9144000"/>
@@ -1241,15 +1240,27 @@
       <dgm:spPr/>
     </dgm:pt>
     <dgm:pt modelId="{74020AF3-C700-4606-8917-C6A353D7963A}">
-      <dgm:prSet phldrT="[Text]" custT="1"/>
+      <dgm:prSet phldrT="[Text]"/>
       <dgm:spPr/>
       <dgm:t>
-        <a:bodyPr/>
+        <a:bodyPr anchor="b"/>
         <a:lstStyle/>
         <a:p>
           <a:r>
-            <a:rPr lang="en-US" sz="1100" dirty="0"/>
-            <a:t>Identify Data			</a:t>
+            <a:rPr lang="en-US" sz="1200" dirty="0">
+              <a:latin typeface="+mn-lt"/>
+            </a:rPr>
+            <a:t>Develop </a:t>
+          </a:r>
+          <a:r>
+            <a:rPr lang="en-US" dirty="0"/>
+            <a:t>Business</a:t>
+          </a:r>
+          <a:r>
+            <a:rPr lang="en-US" sz="1200" dirty="0">
+              <a:latin typeface="+mn-lt"/>
+            </a:rPr>
+            <a:t> Case Identify Data for Analysis		</a:t>
           </a:r>
         </a:p>
       </dgm:t>
@@ -1282,16 +1293,16 @@
       </dgm:t>
     </dgm:pt>
     <dgm:pt modelId="{12E26E22-71B0-4386-A84F-ABF2FF66A99F}">
-      <dgm:prSet phldrT="[Text]" custT="1"/>
+      <dgm:prSet phldrT="[Text]"/>
       <dgm:spPr/>
       <dgm:t>
         <a:bodyPr/>
         <a:lstStyle/>
         <a:p>
-          <a:pPr algn="l"/>
+          <a:pPr algn="ctr"/>
           <a:r>
-            <a:rPr lang="en-US" sz="1100" dirty="0"/>
-            <a:t>Establish Questions/Hypothesis </a:t>
+            <a:rPr lang="en-US" sz="1200" dirty="0"/>
+            <a:t>Establish Questions &amp; Hypothesis </a:t>
           </a:r>
         </a:p>
       </dgm:t>
@@ -1330,7 +1341,18 @@
         <a:bodyPr/>
         <a:lstStyle/>
         <a:p>
-          <a:endParaRPr lang="en-US" dirty="0"/>
+          <a:r>
+            <a:rPr lang="en-US" sz="1200" dirty="0"/>
+            <a:t>Perform </a:t>
+          </a:r>
+          <a:r>
+            <a:rPr lang="en-US" dirty="0"/>
+            <a:t>Exploratory</a:t>
+          </a:r>
+          <a:r>
+            <a:rPr lang="en-US" sz="1200" dirty="0"/>
+            <a:t> Data Analysis</a:t>
+          </a:r>
         </a:p>
       </dgm:t>
       <dgm:extLst>
@@ -1368,7 +1390,10 @@
         <a:bodyPr/>
         <a:lstStyle/>
         <a:p>
-          <a:endParaRPr lang="en-US" dirty="0"/>
+          <a:r>
+            <a:rPr lang="en-US" sz="1200" dirty="0"/>
+            <a:t>Produce Research Analysis</a:t>
+          </a:r>
         </a:p>
       </dgm:t>
       <dgm:extLst>
@@ -1505,8 +1530,8 @@
       </dsp:nvSpPr>
       <dsp:spPr>
         <a:xfrm>
-          <a:off x="4453" y="1653197"/>
-          <a:ext cx="2592511" cy="1037004"/>
+          <a:off x="4779" y="1578858"/>
+          <a:ext cx="2782367" cy="1112946"/>
         </a:xfrm>
         <a:prstGeom prst="chevron">
           <a:avLst/>
@@ -1549,12 +1574,12 @@
         </a:fontRef>
       </dsp:style>
       <dsp:txBody>
-        <a:bodyPr spcFirstLastPara="0" vert="horz" wrap="square" lIns="44006" tIns="14669" rIns="14669" bIns="14669" numCol="1" spcCol="1270" anchor="ctr" anchorCtr="0">
+        <a:bodyPr spcFirstLastPara="0" vert="horz" wrap="square" lIns="60008" tIns="20003" rIns="20003" bIns="20003" numCol="1" spcCol="1270" anchor="b" anchorCtr="0">
           <a:noAutofit/>
         </a:bodyPr>
         <a:lstStyle/>
         <a:p>
-          <a:pPr marL="0" lvl="0" indent="0" algn="ctr" defTabSz="488950">
+          <a:pPr marL="0" lvl="0" indent="0" algn="ctr" defTabSz="666750">
             <a:lnSpc>
               <a:spcPct val="90000"/>
             </a:lnSpc>
@@ -1567,14 +1592,26 @@
             <a:buNone/>
           </a:pPr>
           <a:r>
-            <a:rPr lang="en-US" sz="1100" kern="1200" dirty="0"/>
-            <a:t>Identify Data			</a:t>
+            <a:rPr lang="en-US" sz="1500" kern="1200" dirty="0">
+              <a:latin typeface="+mn-lt"/>
+            </a:rPr>
+            <a:t>Develop </a:t>
+          </a:r>
+          <a:r>
+            <a:rPr lang="en-US" sz="1500" kern="1200" dirty="0"/>
+            <a:t>Business</a:t>
+          </a:r>
+          <a:r>
+            <a:rPr lang="en-US" sz="1500" kern="1200" dirty="0">
+              <a:latin typeface="+mn-lt"/>
+            </a:rPr>
+            <a:t> Case Identify Data for Analysis		</a:t>
           </a:r>
         </a:p>
       </dsp:txBody>
       <dsp:txXfrm>
-        <a:off x="522955" y="1653197"/>
-        <a:ext cx="1555507" cy="1037004"/>
+        <a:off x="561252" y="1578858"/>
+        <a:ext cx="1669421" cy="1112946"/>
       </dsp:txXfrm>
     </dsp:sp>
     <dsp:sp modelId="{919A589F-F74A-40C3-BE88-AB8730BCAB04}">
@@ -1584,8 +1621,8 @@
       </dsp:nvSpPr>
       <dsp:spPr>
         <a:xfrm>
-          <a:off x="2337714" y="1653197"/>
-          <a:ext cx="2592511" cy="1037004"/>
+          <a:off x="2508910" y="1578858"/>
+          <a:ext cx="2782367" cy="1112946"/>
         </a:xfrm>
         <a:prstGeom prst="chevron">
           <a:avLst/>
@@ -1628,12 +1665,12 @@
         </a:fontRef>
       </dsp:style>
       <dsp:txBody>
-        <a:bodyPr spcFirstLastPara="0" vert="horz" wrap="square" lIns="44006" tIns="14669" rIns="14669" bIns="14669" numCol="1" spcCol="1270" anchor="ctr" anchorCtr="0">
+        <a:bodyPr spcFirstLastPara="0" vert="horz" wrap="square" lIns="60008" tIns="20003" rIns="20003" bIns="20003" numCol="1" spcCol="1270" anchor="ctr" anchorCtr="0">
           <a:noAutofit/>
         </a:bodyPr>
         <a:lstStyle/>
         <a:p>
-          <a:pPr marL="0" lvl="0" indent="0" algn="l" defTabSz="488950">
+          <a:pPr marL="0" lvl="0" indent="0" algn="ctr" defTabSz="666750">
             <a:lnSpc>
               <a:spcPct val="90000"/>
             </a:lnSpc>
@@ -1646,14 +1683,14 @@
             <a:buNone/>
           </a:pPr>
           <a:r>
-            <a:rPr lang="en-US" sz="1100" kern="1200" dirty="0"/>
-            <a:t>Establish Questions/Hypothesis </a:t>
+            <a:rPr lang="en-US" sz="1500" kern="1200" dirty="0"/>
+            <a:t>Establish Questions &amp; Hypothesis </a:t>
           </a:r>
         </a:p>
       </dsp:txBody>
       <dsp:txXfrm>
-        <a:off x="2856216" y="1653197"/>
-        <a:ext cx="1555507" cy="1037004"/>
+        <a:off x="3065383" y="1578858"/>
+        <a:ext cx="1669421" cy="1112946"/>
       </dsp:txXfrm>
     </dsp:sp>
     <dsp:sp modelId="{268F2328-4548-422B-9C65-80797E16B241}">
@@ -1663,8 +1700,8 @@
       </dsp:nvSpPr>
       <dsp:spPr>
         <a:xfrm>
-          <a:off x="4670974" y="1653197"/>
-          <a:ext cx="2592511" cy="1037004"/>
+          <a:off x="5013040" y="1578858"/>
+          <a:ext cx="2782367" cy="1112946"/>
         </a:xfrm>
         <a:prstGeom prst="chevron">
           <a:avLst/>
@@ -1707,12 +1744,12 @@
         </a:fontRef>
       </dsp:style>
       <dsp:txBody>
-        <a:bodyPr spcFirstLastPara="0" vert="horz" wrap="square" lIns="244031" tIns="81344" rIns="81344" bIns="81344" numCol="1" spcCol="1270" anchor="ctr" anchorCtr="0">
+        <a:bodyPr spcFirstLastPara="0" vert="horz" wrap="square" lIns="60008" tIns="20003" rIns="20003" bIns="20003" numCol="1" spcCol="1270" anchor="ctr" anchorCtr="0">
           <a:noAutofit/>
         </a:bodyPr>
         <a:lstStyle/>
         <a:p>
-          <a:pPr marL="0" lvl="0" indent="0" algn="ctr" defTabSz="2711450">
+          <a:pPr marL="0" lvl="0" indent="0" algn="ctr" defTabSz="666750">
             <a:lnSpc>
               <a:spcPct val="90000"/>
             </a:lnSpc>
@@ -1724,12 +1761,15 @@
             </a:spcAft>
             <a:buNone/>
           </a:pPr>
-          <a:endParaRPr lang="en-US" sz="6100" kern="1200" dirty="0"/>
+          <a:r>
+            <a:rPr lang="en-US" sz="1500" kern="1200" dirty="0"/>
+            <a:t>Perform Exploratory Data Analysis</a:t>
+          </a:r>
         </a:p>
       </dsp:txBody>
       <dsp:txXfrm>
-        <a:off x="5189476" y="1653197"/>
-        <a:ext cx="1555507" cy="1037004"/>
+        <a:off x="5569513" y="1578858"/>
+        <a:ext cx="1669421" cy="1112946"/>
       </dsp:txXfrm>
     </dsp:sp>
     <dsp:sp modelId="{BDD0B0F7-A87C-4B5B-A4C3-4E4BE6EB0FE4}">
@@ -1739,8 +1779,8 @@
       </dsp:nvSpPr>
       <dsp:spPr>
         <a:xfrm>
-          <a:off x="7004234" y="1653197"/>
-          <a:ext cx="2592511" cy="1037004"/>
+          <a:off x="7517171" y="1578858"/>
+          <a:ext cx="2782367" cy="1112946"/>
         </a:xfrm>
         <a:prstGeom prst="chevron">
           <a:avLst/>
@@ -1783,12 +1823,12 @@
         </a:fontRef>
       </dsp:style>
       <dsp:txBody>
-        <a:bodyPr spcFirstLastPara="0" vert="horz" wrap="square" lIns="244031" tIns="81344" rIns="81344" bIns="81344" numCol="1" spcCol="1270" anchor="ctr" anchorCtr="0">
+        <a:bodyPr spcFirstLastPara="0" vert="horz" wrap="square" lIns="60008" tIns="20003" rIns="20003" bIns="20003" numCol="1" spcCol="1270" anchor="ctr" anchorCtr="0">
           <a:noAutofit/>
         </a:bodyPr>
         <a:lstStyle/>
         <a:p>
-          <a:pPr marL="0" lvl="0" indent="0" algn="ctr" defTabSz="2711450">
+          <a:pPr marL="0" lvl="0" indent="0" algn="ctr" defTabSz="666750">
             <a:lnSpc>
               <a:spcPct val="90000"/>
             </a:lnSpc>
@@ -1800,12 +1840,15 @@
             </a:spcAft>
             <a:buNone/>
           </a:pPr>
-          <a:endParaRPr lang="en-US" sz="6100" kern="1200" dirty="0"/>
+          <a:r>
+            <a:rPr lang="en-US" sz="1500" kern="1200" dirty="0"/>
+            <a:t>Produce Research Analysis</a:t>
+          </a:r>
         </a:p>
       </dsp:txBody>
       <dsp:txXfrm>
-        <a:off x="7522736" y="1653197"/>
-        <a:ext cx="1555507" cy="1037004"/>
+        <a:off x="8073644" y="1578858"/>
+        <a:ext cx="1669421" cy="1112946"/>
       </dsp:txXfrm>
     </dsp:sp>
   </dsp:spTree>
@@ -3178,7 +3221,7 @@
             </a:lvl1pPr>
           </a:lstStyle>
           <a:p>
-            <a:endParaRPr lang="en-US"/>
+            <a:endParaRPr lang="en-US" dirty="0"/>
           </a:p>
         </p:txBody>
       </p:sp>
@@ -3213,7 +3256,7 @@
               <a:rPr lang="en-US" smtClean="0"/>
               <a:t>8/2/2021</a:t>
             </a:fld>
-            <a:endParaRPr lang="en-US"/>
+            <a:endParaRPr lang="en-US" dirty="0"/>
           </a:p>
         </p:txBody>
       </p:sp>
@@ -3244,7 +3287,7 @@
             </a:lvl1pPr>
           </a:lstStyle>
           <a:p>
-            <a:endParaRPr lang="en-US"/>
+            <a:endParaRPr lang="en-US" dirty="0"/>
           </a:p>
         </p:txBody>
       </p:sp>
@@ -3279,7 +3322,7 @@
               <a:rPr lang="en-US" smtClean="0"/>
               <a:t>‹#›</a:t>
             </a:fld>
-            <a:endParaRPr lang="en-US"/>
+            <a:endParaRPr lang="en-US" dirty="0"/>
           </a:p>
         </p:txBody>
       </p:sp>
@@ -3343,7 +3386,7 @@
             </a:lvl1pPr>
           </a:lstStyle>
           <a:p>
-            <a:endParaRPr lang="en-US"/>
+            <a:endParaRPr lang="en-US" dirty="0"/>
           </a:p>
         </p:txBody>
       </p:sp>
@@ -3378,7 +3421,7 @@
               <a:rPr lang="en-US" smtClean="0"/>
               <a:t>8/2/2021</a:t>
             </a:fld>
-            <a:endParaRPr lang="en-US"/>
+            <a:endParaRPr lang="en-US" dirty="0"/>
           </a:p>
         </p:txBody>
       </p:sp>
@@ -3411,7 +3454,7 @@
           <a:bodyPr vert="horz" lIns="91440" tIns="45720" rIns="91440" bIns="45720" rtlCol="0" anchor="ctr"/>
           <a:lstStyle/>
           <a:p>
-            <a:endParaRPr lang="en-US"/>
+            <a:endParaRPr lang="en-US" dirty="0"/>
           </a:p>
         </p:txBody>
       </p:sp>
@@ -3501,7 +3544,7 @@
             </a:lvl1pPr>
           </a:lstStyle>
           <a:p>
-            <a:endParaRPr lang="en-US"/>
+            <a:endParaRPr lang="en-US" dirty="0"/>
           </a:p>
         </p:txBody>
       </p:sp>
@@ -3536,7 +3579,7 @@
               <a:rPr lang="en-US" smtClean="0"/>
               <a:t>‹#›</a:t>
             </a:fld>
-            <a:endParaRPr lang="en-US"/>
+            <a:endParaRPr lang="en-US" dirty="0"/>
           </a:p>
         </p:txBody>
       </p:sp>
@@ -3719,7 +3762,7 @@
               <a:rPr lang="en-US" smtClean="0"/>
               <a:t>1</a:t>
             </a:fld>
-            <a:endParaRPr lang="en-US"/>
+            <a:endParaRPr lang="en-US" dirty="0"/>
           </a:p>
         </p:txBody>
       </p:sp>
@@ -3836,7 +3879,7 @@
           </a:bodyPr>
           <a:lstStyle/>
           <a:p>
-            <a:endParaRPr lang="en-US" sz="1800"/>
+            <a:endParaRPr lang="en-US" sz="1800" dirty="0"/>
           </a:p>
         </p:txBody>
       </p:sp>
@@ -3900,7 +3943,7 @@
           <a:lstStyle/>
           <a:p>
             <a:pPr lvl="0"/>
-            <a:endParaRPr lang="en-US" sz="1800"/>
+            <a:endParaRPr lang="en-US" sz="1800" dirty="0"/>
           </a:p>
         </p:txBody>
       </p:sp>
@@ -3970,7 +4013,7 @@
           <a:lstStyle/>
           <a:p>
             <a:pPr lvl="0"/>
-            <a:endParaRPr lang="en-US" sz="1800"/>
+            <a:endParaRPr lang="en-US" sz="1800" dirty="0"/>
           </a:p>
         </p:txBody>
       </p:sp>
@@ -4212,10 +4255,9 @@
           </a:lstStyle>
           <a:p>
             <a:r>
-              <a:rPr lang="en-US"/>
+              <a:rPr lang="en-US" dirty="0"/>
               <a:t>Click icon to add picture</a:t>
             </a:r>
-            <a:endParaRPr lang="en-US" dirty="0"/>
           </a:p>
         </p:txBody>
       </p:sp>
@@ -4330,7 +4372,7 @@
               <a:rPr lang="en-US" smtClean="0"/>
               <a:t>8/2/2021</a:t>
             </a:fld>
-            <a:endParaRPr lang="en-US"/>
+            <a:endParaRPr lang="en-US" dirty="0"/>
           </a:p>
         </p:txBody>
       </p:sp>
@@ -4353,7 +4395,7 @@
               <a:rPr lang="en-US" smtClean="0"/>
               <a:t>‹#›</a:t>
             </a:fld>
-            <a:endParaRPr lang="en-US"/>
+            <a:endParaRPr lang="en-US" dirty="0"/>
           </a:p>
         </p:txBody>
       </p:sp>
@@ -4441,7 +4483,7 @@
           <a:lstStyle/>
           <a:p>
             <a:pPr algn="ctr"/>
-            <a:endParaRPr lang="en-US"/>
+            <a:endParaRPr lang="en-US" dirty="0"/>
           </a:p>
         </p:txBody>
       </p:sp>
@@ -4487,7 +4529,7 @@
           <a:lstStyle/>
           <a:p>
             <a:pPr algn="ctr"/>
-            <a:endParaRPr lang="en-US"/>
+            <a:endParaRPr lang="en-US" dirty="0"/>
           </a:p>
         </p:txBody>
       </p:sp>
@@ -4533,7 +4575,7 @@
           <a:lstStyle/>
           <a:p>
             <a:pPr algn="ctr"/>
-            <a:endParaRPr lang="en-US" sz="1800"/>
+            <a:endParaRPr lang="en-US" sz="1800" dirty="0"/>
           </a:p>
         </p:txBody>
       </p:sp>
@@ -4579,7 +4621,7 @@
           <a:lstStyle/>
           <a:p>
             <a:pPr algn="ctr"/>
-            <a:endParaRPr lang="en-US" sz="1800"/>
+            <a:endParaRPr lang="en-US" sz="1800" dirty="0"/>
           </a:p>
         </p:txBody>
       </p:sp>
@@ -4674,10 +4716,9 @@
           </a:lstStyle>
           <a:p>
             <a:r>
-              <a:rPr lang="en-US"/>
+              <a:rPr lang="en-US" dirty="0"/>
               <a:t>Click icon to add picture</a:t>
             </a:r>
-            <a:endParaRPr lang="en-US" dirty="0"/>
           </a:p>
         </p:txBody>
       </p:sp>
@@ -4815,10 +4856,9 @@
           </a:lstStyle>
           <a:p>
             <a:r>
-              <a:rPr lang="en-US"/>
+              <a:rPr lang="en-US" dirty="0"/>
               <a:t>Click icon to add picture</a:t>
             </a:r>
-            <a:endParaRPr lang="en-US" dirty="0"/>
           </a:p>
         </p:txBody>
       </p:sp>
@@ -4937,7 +4977,7 @@
               <a:rPr lang="en-US" smtClean="0"/>
               <a:t>8/2/2021</a:t>
             </a:fld>
-            <a:endParaRPr lang="en-US"/>
+            <a:endParaRPr lang="en-US" dirty="0"/>
           </a:p>
         </p:txBody>
       </p:sp>
@@ -4960,7 +5000,7 @@
               <a:rPr lang="en-US" smtClean="0"/>
               <a:t>‹#›</a:t>
             </a:fld>
-            <a:endParaRPr lang="en-US"/>
+            <a:endParaRPr lang="en-US" dirty="0"/>
           </a:p>
         </p:txBody>
       </p:sp>
@@ -5120,7 +5160,7 @@
               <a:rPr lang="en-US" smtClean="0"/>
               <a:t>8/2/2021</a:t>
             </a:fld>
-            <a:endParaRPr lang="en-US"/>
+            <a:endParaRPr lang="en-US" dirty="0"/>
           </a:p>
         </p:txBody>
       </p:sp>
@@ -5143,7 +5183,7 @@
               <a:rPr lang="en-US" smtClean="0"/>
               <a:t>‹#›</a:t>
             </a:fld>
-            <a:endParaRPr lang="en-US"/>
+            <a:endParaRPr lang="en-US" dirty="0"/>
           </a:p>
         </p:txBody>
       </p:sp>
@@ -5231,7 +5271,7 @@
           <a:lstStyle/>
           <a:p>
             <a:pPr algn="ctr"/>
-            <a:endParaRPr lang="en-US"/>
+            <a:endParaRPr lang="en-US" dirty="0"/>
           </a:p>
         </p:txBody>
       </p:sp>
@@ -5278,7 +5318,7 @@
           <a:lstStyle/>
           <a:p>
             <a:pPr algn="ctr"/>
-            <a:endParaRPr lang="en-US"/>
+            <a:endParaRPr lang="en-US" dirty="0"/>
           </a:p>
         </p:txBody>
       </p:sp>
@@ -5325,7 +5365,7 @@
           <a:lstStyle/>
           <a:p>
             <a:pPr algn="ctr"/>
-            <a:endParaRPr lang="en-US"/>
+            <a:endParaRPr lang="en-US" dirty="0"/>
           </a:p>
         </p:txBody>
       </p:sp>
@@ -5454,7 +5494,7 @@
               <a:rPr lang="en-US" smtClean="0"/>
               <a:t>8/2/2021</a:t>
             </a:fld>
-            <a:endParaRPr lang="en-US"/>
+            <a:endParaRPr lang="en-US" dirty="0"/>
           </a:p>
         </p:txBody>
       </p:sp>
@@ -5646,7 +5686,7 @@
               <a:rPr lang="en-US" smtClean="0"/>
               <a:t>8/2/2021</a:t>
             </a:fld>
-            <a:endParaRPr lang="en-US"/>
+            <a:endParaRPr lang="en-US" dirty="0"/>
           </a:p>
         </p:txBody>
       </p:sp>
@@ -5669,7 +5709,7 @@
               <a:rPr lang="en-US" smtClean="0"/>
               <a:t>‹#›</a:t>
             </a:fld>
-            <a:endParaRPr lang="en-US"/>
+            <a:endParaRPr lang="en-US" dirty="0"/>
           </a:p>
         </p:txBody>
       </p:sp>
@@ -5782,7 +5822,7 @@
           </a:bodyPr>
           <a:lstStyle/>
           <a:p>
-            <a:endParaRPr lang="en-US" sz="1800"/>
+            <a:endParaRPr lang="en-US" sz="1800" dirty="0"/>
           </a:p>
         </p:txBody>
       </p:sp>
@@ -5852,7 +5892,7 @@
           <a:lstStyle/>
           <a:p>
             <a:pPr lvl="0"/>
-            <a:endParaRPr lang="en-US" sz="1800"/>
+            <a:endParaRPr lang="en-US" sz="1800" dirty="0"/>
           </a:p>
         </p:txBody>
       </p:sp>
@@ -5922,7 +5962,7 @@
           <a:lstStyle/>
           <a:p>
             <a:pPr lvl="0"/>
-            <a:endParaRPr lang="en-US" sz="1800"/>
+            <a:endParaRPr lang="en-US" sz="1800" dirty="0"/>
           </a:p>
         </p:txBody>
       </p:sp>
@@ -6054,7 +6094,7 @@
           </a:lstStyle>
           <a:p>
             <a:r>
-              <a:rPr lang="en-US"/>
+              <a:rPr lang="en-US" dirty="0"/>
               <a:t>Click icon to add picture</a:t>
             </a:r>
           </a:p>
@@ -6221,7 +6261,7 @@
           </a:bodyPr>
           <a:lstStyle/>
           <a:p>
-            <a:endParaRPr lang="en-US" sz="1800"/>
+            <a:endParaRPr lang="en-US" sz="1800" dirty="0"/>
           </a:p>
         </p:txBody>
       </p:sp>
@@ -6291,7 +6331,7 @@
           <a:lstStyle/>
           <a:p>
             <a:pPr lvl="0"/>
-            <a:endParaRPr lang="en-US" sz="1800"/>
+            <a:endParaRPr lang="en-US" sz="1800" dirty="0"/>
           </a:p>
         </p:txBody>
       </p:sp>
@@ -6361,7 +6401,7 @@
           <a:lstStyle/>
           <a:p>
             <a:pPr lvl="0"/>
-            <a:endParaRPr lang="en-US" sz="1800"/>
+            <a:endParaRPr lang="en-US" sz="1800" dirty="0"/>
           </a:p>
         </p:txBody>
       </p:sp>
@@ -6431,7 +6471,7 @@
           <a:lstStyle/>
           <a:p>
             <a:pPr lvl="0"/>
-            <a:endParaRPr lang="en-US" sz="1800"/>
+            <a:endParaRPr lang="en-US" sz="1800" dirty="0"/>
           </a:p>
         </p:txBody>
       </p:sp>
@@ -6806,7 +6846,7 @@
               <a:rPr lang="en-US" smtClean="0"/>
               <a:t>8/2/2021</a:t>
             </a:fld>
-            <a:endParaRPr lang="en-US"/>
+            <a:endParaRPr lang="en-US" dirty="0"/>
           </a:p>
         </p:txBody>
       </p:sp>
@@ -6829,7 +6869,7 @@
               <a:rPr lang="en-US" smtClean="0"/>
               <a:t>‹#›</a:t>
             </a:fld>
-            <a:endParaRPr lang="en-US"/>
+            <a:endParaRPr lang="en-US" dirty="0"/>
           </a:p>
         </p:txBody>
       </p:sp>
@@ -7190,7 +7230,7 @@
               <a:rPr lang="en-US" smtClean="0"/>
               <a:t>8/2/2021</a:t>
             </a:fld>
-            <a:endParaRPr lang="en-US"/>
+            <a:endParaRPr lang="en-US" dirty="0"/>
           </a:p>
         </p:txBody>
       </p:sp>
@@ -7213,7 +7253,7 @@
               <a:rPr lang="en-US" smtClean="0"/>
               <a:t>‹#›</a:t>
             </a:fld>
-            <a:endParaRPr lang="en-US"/>
+            <a:endParaRPr lang="en-US" dirty="0"/>
           </a:p>
         </p:txBody>
       </p:sp>
@@ -7322,7 +7362,7 @@
               <a:rPr lang="en-US" smtClean="0"/>
               <a:t>8/2/2021</a:t>
             </a:fld>
-            <a:endParaRPr lang="en-US"/>
+            <a:endParaRPr lang="en-US" dirty="0"/>
           </a:p>
         </p:txBody>
       </p:sp>
@@ -7345,7 +7385,7 @@
               <a:rPr lang="en-US" smtClean="0"/>
               <a:t>‹#›</a:t>
             </a:fld>
-            <a:endParaRPr lang="en-US"/>
+            <a:endParaRPr lang="en-US" dirty="0"/>
           </a:p>
         </p:txBody>
       </p:sp>
@@ -7432,7 +7472,7 @@
               <a:rPr lang="en-US" smtClean="0"/>
               <a:t>8/2/2021</a:t>
             </a:fld>
-            <a:endParaRPr lang="en-US"/>
+            <a:endParaRPr lang="en-US" dirty="0"/>
           </a:p>
         </p:txBody>
       </p:sp>
@@ -7455,7 +7495,7 @@
               <a:rPr lang="en-US" smtClean="0"/>
               <a:t>‹#›</a:t>
             </a:fld>
-            <a:endParaRPr lang="en-US"/>
+            <a:endParaRPr lang="en-US" dirty="0"/>
           </a:p>
         </p:txBody>
       </p:sp>
@@ -7725,7 +7765,7 @@
               <a:rPr lang="en-US" smtClean="0"/>
               <a:t>8/2/2021</a:t>
             </a:fld>
-            <a:endParaRPr lang="en-US"/>
+            <a:endParaRPr lang="en-US" dirty="0"/>
           </a:p>
         </p:txBody>
       </p:sp>
@@ -7748,7 +7788,7 @@
               <a:rPr lang="en-US" smtClean="0"/>
               <a:t>‹#›</a:t>
             </a:fld>
-            <a:endParaRPr lang="en-US"/>
+            <a:endParaRPr lang="en-US" dirty="0"/>
           </a:p>
         </p:txBody>
       </p:sp>
@@ -7841,7 +7881,7 @@
           <a:lstStyle/>
           <a:p>
             <a:pPr algn="ctr"/>
-            <a:endParaRPr lang="en-US"/>
+            <a:endParaRPr lang="en-US" dirty="0"/>
           </a:p>
         </p:txBody>
       </p:sp>
@@ -7888,7 +7928,7 @@
           <a:lstStyle/>
           <a:p>
             <a:pPr algn="ctr"/>
-            <a:endParaRPr lang="en-US"/>
+            <a:endParaRPr lang="en-US" dirty="0"/>
           </a:p>
         </p:txBody>
       </p:sp>
@@ -7935,7 +7975,7 @@
           <a:lstStyle/>
           <a:p>
             <a:pPr algn="ctr"/>
-            <a:endParaRPr lang="en-US"/>
+            <a:endParaRPr lang="en-US" dirty="0"/>
           </a:p>
         </p:txBody>
       </p:sp>
@@ -8108,7 +8148,7 @@
               <a:pPr/>
               <a:t>8/2/2021</a:t>
             </a:fld>
-            <a:endParaRPr lang="en-US"/>
+            <a:endParaRPr lang="en-US" dirty="0"/>
           </a:p>
         </p:txBody>
       </p:sp>
@@ -8148,7 +8188,7 @@
               <a:pPr/>
               <a:t>‹#›</a:t>
             </a:fld>
-            <a:endParaRPr lang="en-US"/>
+            <a:endParaRPr lang="en-US" dirty="0"/>
           </a:p>
         </p:txBody>
       </p:sp>
@@ -8714,6 +8754,118 @@
             <p:ph type="title"/>
           </p:nvPr>
         </p:nvSpPr>
+        <p:spPr>
+          <a:xfrm>
+            <a:off x="1313874" y="361507"/>
+            <a:ext cx="10093036" cy="995131"/>
+          </a:xfrm>
+        </p:spPr>
+        <p:txBody>
+          <a:bodyPr anchor="t">
+            <a:normAutofit/>
+          </a:bodyPr>
+          <a:lstStyle/>
+          <a:p>
+            <a:pPr algn="ctr"/>
+            <a:r>
+              <a:rPr lang="en-US" sz="3200" dirty="0"/>
+              <a:t>The </a:t>
+            </a:r>
+            <a:r>
+              <a:rPr lang="en-US" dirty="0"/>
+              <a:t>States with the Most Beer styles</a:t>
+            </a:r>
+            <a:br>
+              <a:rPr lang="en-US" dirty="0"/>
+            </a:br>
+            <a:r>
+              <a:rPr lang="en-US" dirty="0"/>
+              <a:t> with Highest ABV</a:t>
+            </a:r>
+          </a:p>
+        </p:txBody>
+      </p:sp>
+      <p:pic>
+        <p:nvPicPr>
+          <p:cNvPr id="6" name="Content Placeholder 5">
+            <a:extLst>
+              <a:ext uri="{FF2B5EF4-FFF2-40B4-BE49-F238E27FC236}">
+                <a16:creationId xmlns:a16="http://schemas.microsoft.com/office/drawing/2014/main" id="{BA9CE192-57FF-4028-8089-CDF85BFA590D}"/>
+              </a:ext>
+            </a:extLst>
+          </p:cNvPr>
+          <p:cNvPicPr>
+            <a:picLocks noGrp="1" noChangeAspect="1"/>
+          </p:cNvPicPr>
+          <p:nvPr>
+            <p:ph idx="1"/>
+          </p:nvPr>
+        </p:nvPicPr>
+        <p:blipFill>
+          <a:blip r:embed="rId2"/>
+          <a:stretch>
+            <a:fillRect/>
+          </a:stretch>
+        </p:blipFill>
+        <p:spPr>
+          <a:xfrm>
+            <a:off x="2878283" y="2119746"/>
+            <a:ext cx="5476008" cy="4104410"/>
+          </a:xfrm>
+        </p:spPr>
+      </p:pic>
+    </p:spTree>
+    <p:extLst>
+      <p:ext uri="{BB962C8B-B14F-4D97-AF65-F5344CB8AC3E}">
+        <p14:creationId xmlns:p14="http://schemas.microsoft.com/office/powerpoint/2010/main" val="1515987278"/>
+      </p:ext>
+    </p:extLst>
+  </p:cSld>
+  <p:clrMapOvr>
+    <a:masterClrMapping/>
+  </p:clrMapOvr>
+  <mc:AlternateContent xmlns:mc="http://schemas.openxmlformats.org/markup-compatibility/2006" xmlns:p14="http://schemas.microsoft.com/office/powerpoint/2010/main">
+    <mc:Choice Requires="p14">
+      <p:transition spd="med" p14:dur="700">
+        <p:fade/>
+      </p:transition>
+    </mc:Choice>
+    <mc:Fallback xmlns="">
+      <p:transition spd="med">
+        <p:fade/>
+      </p:transition>
+    </mc:Fallback>
+  </mc:AlternateContent>
+</p:sld>
+</file>
+
+<file path=ppt/slides/slide11.xml><?xml version="1.0" encoding="utf-8"?>
+<p:sld xmlns:a="http://schemas.openxmlformats.org/drawingml/2006/main" xmlns:r="http://schemas.openxmlformats.org/officeDocument/2006/relationships" xmlns:p="http://schemas.openxmlformats.org/presentationml/2006/main">
+  <p:cSld>
+    <p:spTree>
+      <p:nvGrpSpPr>
+        <p:cNvPr id="1" name=""/>
+        <p:cNvGrpSpPr/>
+        <p:nvPr/>
+      </p:nvGrpSpPr>
+      <p:grpSpPr>
+        <a:xfrm>
+          <a:off x="0" y="0"/>
+          <a:ext cx="0" cy="0"/>
+          <a:chOff x="0" y="0"/>
+          <a:chExt cx="0" cy="0"/>
+        </a:xfrm>
+      </p:grpSpPr>
+      <p:sp>
+        <p:nvSpPr>
+          <p:cNvPr id="2" name="Title 1"/>
+          <p:cNvSpPr>
+            <a:spLocks noGrp="1"/>
+          </p:cNvSpPr>
+          <p:nvPr>
+            <p:ph type="title"/>
+          </p:nvPr>
+        </p:nvSpPr>
         <p:spPr/>
         <p:txBody>
           <a:bodyPr/>
@@ -8729,7 +8881,7 @@
             </a:br>
             <a:r>
               <a:rPr lang="en-US" dirty="0"/>
-              <a:t>With The Lowest ABV</a:t>
+              <a:t>With The Highest ABV</a:t>
             </a:r>
           </a:p>
         </p:txBody>
@@ -9005,7 +9157,7 @@
                     <a:p>
                       <a:pPr algn="ctr" fontAlgn="b"/>
                       <a:r>
-                        <a:rPr lang="en-US" sz="1600" b="0" i="0" u="none" strike="noStrike">
+                        <a:rPr lang="en-US" sz="1600" b="0" i="0" u="none" strike="noStrike" dirty="0">
                           <a:solidFill>
                             <a:srgbClr val="000000"/>
                           </a:solidFill>
@@ -9065,7 +9217,7 @@
                     <a:p>
                       <a:pPr algn="ctr" fontAlgn="b"/>
                       <a:r>
-                        <a:rPr lang="en-US" sz="1600" b="0" i="0" u="none" strike="noStrike">
+                        <a:rPr lang="en-US" sz="1600" b="0" i="0" u="none" strike="noStrike" dirty="0">
                           <a:solidFill>
                             <a:srgbClr val="000000"/>
                           </a:solidFill>
@@ -9085,7 +9237,7 @@
                     <a:p>
                       <a:pPr algn="ctr" fontAlgn="b"/>
                       <a:r>
-                        <a:rPr lang="en-US" sz="1600" b="0" i="0" u="none" strike="noStrike">
+                        <a:rPr lang="en-US" sz="1600" b="0" i="0" u="none" strike="noStrike" dirty="0">
                           <a:solidFill>
                             <a:srgbClr val="000000"/>
                           </a:solidFill>
@@ -9105,7 +9257,7 @@
                     <a:p>
                       <a:pPr algn="ctr" fontAlgn="b"/>
                       <a:r>
-                        <a:rPr lang="en-US" sz="1600" b="0" i="0" u="none" strike="noStrike">
+                        <a:rPr lang="en-US" sz="1600" b="0" i="0" u="none" strike="noStrike" dirty="0">
                           <a:solidFill>
                             <a:srgbClr val="000000"/>
                           </a:solidFill>
@@ -9153,13 +9305,8 @@
                       <a:pPr algn="ctr"/>
                       <a:r>
                         <a:rPr lang="en-US" dirty="0"/>
-                        <a:t>English </a:t>
+                        <a:t>English Barleywine</a:t>
                       </a:r>
-                      <a:r>
-                        <a:rPr lang="en-US" dirty="0" err="1"/>
-                        <a:t>Barleywine</a:t>
-                      </a:r>
-                      <a:endParaRPr lang="en-US" dirty="0"/>
                     </a:p>
                   </a:txBody>
                   <a:tcPr/>
@@ -9352,7 +9499,7 @@
                     <a:p>
                       <a:pPr algn="ctr" fontAlgn="b"/>
                       <a:r>
-                        <a:rPr lang="en-US" sz="1600" b="0" i="0" u="none" strike="noStrike">
+                        <a:rPr lang="en-US" sz="1600" b="0" i="0" u="none" strike="noStrike" dirty="0">
                           <a:solidFill>
                             <a:srgbClr val="000000"/>
                           </a:solidFill>
@@ -9372,7 +9519,7 @@
                     <a:p>
                       <a:pPr algn="ctr" fontAlgn="b"/>
                       <a:r>
-                        <a:rPr lang="en-US" sz="1600" b="0" i="0" u="none" strike="noStrike">
+                        <a:rPr lang="en-US" sz="1600" b="0" i="0" u="none" strike="noStrike" dirty="0">
                           <a:solidFill>
                             <a:srgbClr val="000000"/>
                           </a:solidFill>
@@ -9392,7 +9539,7 @@
                     <a:p>
                       <a:pPr algn="ctr" fontAlgn="b"/>
                       <a:r>
-                        <a:rPr lang="en-US" sz="1600" b="0" i="0" u="none" strike="noStrike">
+                        <a:rPr lang="en-US" sz="1600" b="0" i="0" u="none" strike="noStrike" dirty="0">
                           <a:solidFill>
                             <a:srgbClr val="000000"/>
                           </a:solidFill>
@@ -9412,7 +9559,7 @@
                     <a:p>
                       <a:pPr algn="ctr" fontAlgn="b"/>
                       <a:r>
-                        <a:rPr lang="en-US" sz="1600" b="0" i="0" u="none" strike="noStrike">
+                        <a:rPr lang="en-US" sz="1600" b="0" i="0" u="none" strike="noStrike" dirty="0">
                           <a:solidFill>
                             <a:srgbClr val="000000"/>
                           </a:solidFill>
@@ -9432,7 +9579,7 @@
                     <a:p>
                       <a:pPr algn="ctr" fontAlgn="b"/>
                       <a:r>
-                        <a:rPr lang="en-US" sz="1600" b="0" i="0" u="none" strike="noStrike">
+                        <a:rPr lang="en-US" sz="1600" b="0" i="0" u="none" strike="noStrike" dirty="0">
                           <a:solidFill>
                             <a:srgbClr val="000000"/>
                           </a:solidFill>
@@ -9452,7 +9599,7 @@
                     <a:p>
                       <a:pPr algn="ctr" fontAlgn="b"/>
                       <a:r>
-                        <a:rPr lang="en-US" sz="1600" b="0" i="0" u="none" strike="noStrike">
+                        <a:rPr lang="en-US" sz="1600" b="0" i="0" u="none" strike="noStrike" dirty="0">
                           <a:solidFill>
                             <a:srgbClr val="000000"/>
                           </a:solidFill>
@@ -9472,7 +9619,7 @@
                     <a:p>
                       <a:pPr algn="ctr" fontAlgn="b"/>
                       <a:r>
-                        <a:rPr lang="en-US" sz="1600" b="0" i="0" u="none" strike="noStrike">
+                        <a:rPr lang="en-US" sz="1600" b="0" i="0" u="none" strike="noStrike" dirty="0">
                           <a:solidFill>
                             <a:srgbClr val="000000"/>
                           </a:solidFill>
@@ -9533,7 +9680,7 @@
                     <a:p>
                       <a:pPr algn="ctr" fontAlgn="b"/>
                       <a:r>
-                        <a:rPr lang="en-US" sz="1600" b="0" i="0" u="none" strike="noStrike">
+                        <a:rPr lang="en-US" sz="1600" b="0" i="0" u="none" strike="noStrike" dirty="0">
                           <a:solidFill>
                             <a:srgbClr val="000000"/>
                           </a:solidFill>
@@ -9553,7 +9700,7 @@
                     <a:p>
                       <a:pPr algn="ctr" fontAlgn="b"/>
                       <a:r>
-                        <a:rPr lang="en-US" sz="1600" b="0" i="0" u="none" strike="noStrike">
+                        <a:rPr lang="en-US" sz="1600" b="0" i="0" u="none" strike="noStrike" dirty="0">
                           <a:solidFill>
                             <a:srgbClr val="000000"/>
                           </a:solidFill>
@@ -9573,7 +9720,7 @@
                     <a:p>
                       <a:pPr algn="ctr" fontAlgn="b"/>
                       <a:r>
-                        <a:rPr lang="en-US" sz="1600" b="0" i="0" u="none" strike="noStrike">
+                        <a:rPr lang="en-US" sz="1600" b="0" i="0" u="none" strike="noStrike" dirty="0">
                           <a:solidFill>
                             <a:srgbClr val="000000"/>
                           </a:solidFill>
@@ -9593,7 +9740,7 @@
                     <a:p>
                       <a:pPr algn="ctr" fontAlgn="b"/>
                       <a:r>
-                        <a:rPr lang="en-US" sz="1600" b="0" i="0" u="none" strike="noStrike">
+                        <a:rPr lang="en-US" sz="1600" b="0" i="0" u="none" strike="noStrike" dirty="0">
                           <a:solidFill>
                             <a:srgbClr val="000000"/>
                           </a:solidFill>
@@ -9613,7 +9760,7 @@
                     <a:p>
                       <a:pPr algn="ctr" fontAlgn="b"/>
                       <a:r>
-                        <a:rPr lang="en-US" sz="1600" b="0" i="0" u="none" strike="noStrike">
+                        <a:rPr lang="en-US" sz="1600" b="0" i="0" u="none" strike="noStrike" dirty="0">
                           <a:solidFill>
                             <a:srgbClr val="000000"/>
                           </a:solidFill>
@@ -9633,7 +9780,7 @@
                     <a:p>
                       <a:pPr algn="ctr" fontAlgn="b"/>
                       <a:r>
-                        <a:rPr lang="en-US" sz="1600" b="0" i="0" u="none" strike="noStrike">
+                        <a:rPr lang="en-US" sz="1600" b="0" i="0" u="none" strike="noStrike" dirty="0">
                           <a:solidFill>
                             <a:srgbClr val="000000"/>
                           </a:solidFill>
@@ -9653,7 +9800,7 @@
                     <a:p>
                       <a:pPr algn="ctr" fontAlgn="b"/>
                       <a:r>
-                        <a:rPr lang="en-US" sz="1600" b="0" i="0" u="none" strike="noStrike">
+                        <a:rPr lang="en-US" sz="1600" b="0" i="0" u="none" strike="noStrike" dirty="0">
                           <a:solidFill>
                             <a:srgbClr val="000000"/>
                           </a:solidFill>
@@ -9954,7 +10101,7 @@
               <a:tabLst/>
             </a:pPr>
             <a:r>
-              <a:rPr kumimoji="0" lang="en-US" altLang="en-US" b="0" i="0" u="none" strike="noStrike" cap="none" normalizeH="0" baseline="0">
+              <a:rPr kumimoji="0" lang="en-US" altLang="en-US" b="0" i="0" u="none" strike="noStrike" cap="none" normalizeH="0" baseline="0" dirty="0">
                 <a:ln>
                   <a:noFill/>
                 </a:ln>
@@ -9967,7 +10114,7 @@
               <a:t>F_onewayResult(statistic=16.974056971673452, pvalue=8.914483349494272e-07)</a:t>
             </a:r>
             <a:r>
-              <a:rPr kumimoji="0" lang="en-US" altLang="en-US" b="0" i="0" u="none" strike="noStrike" cap="none" normalizeH="0" baseline="0">
+              <a:rPr kumimoji="0" lang="en-US" altLang="en-US" b="0" i="0" u="none" strike="noStrike" cap="none" normalizeH="0" baseline="0" dirty="0">
                 <a:ln>
                   <a:noFill/>
                 </a:ln>
@@ -9978,7 +10125,7 @@
               </a:rPr>
               <a:t> </a:t>
             </a:r>
-            <a:endParaRPr kumimoji="0" lang="en-US" altLang="en-US" b="0" i="0" u="none" strike="noStrike" cap="none" normalizeH="0" baseline="0">
+            <a:endParaRPr kumimoji="0" lang="en-US" altLang="en-US" b="0" i="0" u="none" strike="noStrike" cap="none" normalizeH="0" baseline="0" dirty="0">
               <a:ln>
                 <a:noFill/>
               </a:ln>
@@ -10016,7 +10163,7 @@
 </p:sld>
 </file>
 
-<file path=ppt/slides/slide11.xml><?xml version="1.0" encoding="utf-8"?>
+<file path=ppt/slides/slide12.xml><?xml version="1.0" encoding="utf-8"?>
 <p:sld xmlns:a="http://schemas.openxmlformats.org/drawingml/2006/main" xmlns:r="http://schemas.openxmlformats.org/officeDocument/2006/relationships" xmlns:p="http://schemas.openxmlformats.org/presentationml/2006/main">
   <p:cSld>
     <p:spTree>
@@ -10069,19 +10216,17 @@
       </p:sp>
       <p:pic>
         <p:nvPicPr>
-          <p:cNvPr id="1026" name="Picture 2">
+          <p:cNvPr id="3074" name="Picture 2">
             <a:extLst>
               <a:ext uri="{FF2B5EF4-FFF2-40B4-BE49-F238E27FC236}">
-                <a16:creationId xmlns:a16="http://schemas.microsoft.com/office/drawing/2014/main" id="{90F3B527-4389-4C01-A609-AD81753DD216}"/>
+                <a16:creationId xmlns:a16="http://schemas.microsoft.com/office/drawing/2014/main" id="{4A414D8F-8D2E-4B08-B429-290E5C6A20CF}"/>
               </a:ext>
             </a:extLst>
           </p:cNvPr>
           <p:cNvPicPr>
-            <a:picLocks noGrp="1" noChangeAspect="1" noChangeArrowheads="1"/>
+            <a:picLocks noChangeAspect="1" noChangeArrowheads="1"/>
           </p:cNvPicPr>
-          <p:nvPr>
-            <p:ph idx="1"/>
-          </p:nvPr>
+          <p:nvPr/>
         </p:nvPicPr>
         <p:blipFill>
           <a:blip r:embed="rId2">
@@ -10098,8 +10243,8 @@
         </p:blipFill>
         <p:spPr bwMode="auto">
           <a:xfrm>
-            <a:off x="561612" y="2228616"/>
-            <a:ext cx="4838095" cy="3352381"/>
+            <a:off x="432522" y="2136197"/>
+            <a:ext cx="5380271" cy="3786621"/>
           </a:xfrm>
           <a:prstGeom prst="rect">
             <a:avLst/>
@@ -10118,10 +10263,10 @@
       </p:pic>
       <p:pic>
         <p:nvPicPr>
-          <p:cNvPr id="1028" name="Picture 4">
+          <p:cNvPr id="3076" name="Picture 4">
             <a:extLst>
               <a:ext uri="{FF2B5EF4-FFF2-40B4-BE49-F238E27FC236}">
-                <a16:creationId xmlns:a16="http://schemas.microsoft.com/office/drawing/2014/main" id="{04BF3DEE-E25F-46B5-BDB6-CA1C75A28C42}"/>
+                <a16:creationId xmlns:a16="http://schemas.microsoft.com/office/drawing/2014/main" id="{8870FE0B-266A-4202-B1E6-41FC8683A7B2}"/>
               </a:ext>
             </a:extLst>
           </p:cNvPr>
@@ -10145,8 +10290,8 @@
         </p:blipFill>
         <p:spPr bwMode="auto">
           <a:xfrm>
-            <a:off x="5943600" y="2200734"/>
-            <a:ext cx="4953000" cy="3380263"/>
+            <a:off x="6096001" y="2136197"/>
+            <a:ext cx="5760026" cy="3815216"/>
           </a:xfrm>
           <a:prstGeom prst="rect">
             <a:avLst/>
@@ -10167,120 +10312,6 @@
     <p:extLst>
       <p:ext uri="{BB962C8B-B14F-4D97-AF65-F5344CB8AC3E}">
         <p14:creationId xmlns:p14="http://schemas.microsoft.com/office/powerpoint/2010/main" val="606315968"/>
-      </p:ext>
-    </p:extLst>
-  </p:cSld>
-  <p:clrMapOvr>
-    <a:masterClrMapping/>
-  </p:clrMapOvr>
-  <mc:AlternateContent xmlns:mc="http://schemas.openxmlformats.org/markup-compatibility/2006" xmlns:p14="http://schemas.microsoft.com/office/powerpoint/2010/main">
-    <mc:Choice Requires="p14">
-      <p:transition spd="med" p14:dur="700">
-        <p:fade/>
-      </p:transition>
-    </mc:Choice>
-    <mc:Fallback xmlns="">
-      <p:transition spd="med">
-        <p:fade/>
-      </p:transition>
-    </mc:Fallback>
-  </mc:AlternateContent>
-</p:sld>
-</file>
-
-<file path=ppt/slides/slide12.xml><?xml version="1.0" encoding="utf-8"?>
-<p:sld xmlns:a="http://schemas.openxmlformats.org/drawingml/2006/main" xmlns:r="http://schemas.openxmlformats.org/officeDocument/2006/relationships" xmlns:p="http://schemas.openxmlformats.org/presentationml/2006/main">
-  <p:cSld>
-    <p:spTree>
-      <p:nvGrpSpPr>
-        <p:cNvPr id="1" name=""/>
-        <p:cNvGrpSpPr/>
-        <p:nvPr/>
-      </p:nvGrpSpPr>
-      <p:grpSpPr>
-        <a:xfrm>
-          <a:off x="0" y="0"/>
-          <a:ext cx="0" cy="0"/>
-          <a:chOff x="0" y="0"/>
-          <a:chExt cx="0" cy="0"/>
-        </a:xfrm>
-      </p:grpSpPr>
-      <p:sp>
-        <p:nvSpPr>
-          <p:cNvPr id="2" name="Title 1"/>
-          <p:cNvSpPr>
-            <a:spLocks noGrp="1"/>
-          </p:cNvSpPr>
-          <p:nvPr>
-            <p:ph type="title"/>
-          </p:nvPr>
-        </p:nvSpPr>
-        <p:spPr/>
-        <p:txBody>
-          <a:bodyPr/>
-          <a:lstStyle/>
-          <a:p>
-            <a:pPr algn="ctr"/>
-            <a:r>
-              <a:rPr lang="en-US" dirty="0"/>
-              <a:t>ABV vs IBU(International Bitterness Units)</a:t>
-            </a:r>
-          </a:p>
-        </p:txBody>
-      </p:sp>
-      <p:pic>
-        <p:nvPicPr>
-          <p:cNvPr id="1026" name="Picture 2">
-            <a:extLst>
-              <a:ext uri="{FF2B5EF4-FFF2-40B4-BE49-F238E27FC236}">
-                <a16:creationId xmlns:a16="http://schemas.microsoft.com/office/drawing/2014/main" id="{C3633B24-139B-424D-8896-659B578632F9}"/>
-              </a:ext>
-            </a:extLst>
-          </p:cNvPr>
-          <p:cNvPicPr>
-            <a:picLocks noGrp="1" noChangeAspect="1" noChangeArrowheads="1"/>
-          </p:cNvPicPr>
-          <p:nvPr>
-            <p:ph idx="1"/>
-          </p:nvPr>
-        </p:nvPicPr>
-        <p:blipFill>
-          <a:blip r:embed="rId2">
-            <a:extLst>
-              <a:ext uri="{28A0092B-C50C-407E-A947-70E740481C1C}">
-                <a14:useLocalDpi xmlns:a14="http://schemas.microsoft.com/office/drawing/2010/main" val="0"/>
-              </a:ext>
-            </a:extLst>
-          </a:blip>
-          <a:srcRect/>
-          <a:stretch>
-            <a:fillRect/>
-          </a:stretch>
-        </p:blipFill>
-        <p:spPr bwMode="auto">
-          <a:xfrm>
-            <a:off x="2551814" y="1805861"/>
-            <a:ext cx="7240772" cy="4464629"/>
-          </a:xfrm>
-          <a:prstGeom prst="rect">
-            <a:avLst/>
-          </a:prstGeom>
-          <a:noFill/>
-          <a:extLst>
-            <a:ext uri="{909E8E84-426E-40DD-AFC4-6F175D3DCCD1}">
-              <a14:hiddenFill xmlns:a14="http://schemas.microsoft.com/office/drawing/2010/main">
-                <a:solidFill>
-                  <a:srgbClr val="FFFFFF"/>
-                </a:solidFill>
-              </a14:hiddenFill>
-            </a:ext>
-          </a:extLst>
-        </p:spPr>
-      </p:pic>
-    </p:spTree>
-    <p:extLst>
-      <p:ext uri="{BB962C8B-B14F-4D97-AF65-F5344CB8AC3E}">
-        <p14:creationId xmlns:p14="http://schemas.microsoft.com/office/powerpoint/2010/main" val="211545084"/>
       </p:ext>
     </p:extLst>
   </p:cSld>
@@ -10326,95 +10357,6 @@
             <a:spLocks noGrp="1"/>
           </p:cNvSpPr>
           <p:nvPr>
-            <p:ph type="title"/>
-          </p:nvPr>
-        </p:nvSpPr>
-        <p:spPr/>
-        <p:txBody>
-          <a:bodyPr/>
-          <a:lstStyle/>
-          <a:p>
-            <a:r>
-              <a:rPr lang="en-US" dirty="0"/>
-              <a:t>Outline of Process Development</a:t>
-            </a:r>
-          </a:p>
-        </p:txBody>
-      </p:sp>
-      <p:graphicFrame>
-        <p:nvGraphicFramePr>
-          <p:cNvPr id="6" name="Content Placeholder 5" descr="Basic Chevron Process diagram showing 4 steps arranged from left to right"/>
-          <p:cNvGraphicFramePr>
-            <a:graphicFrameLocks noGrp="1"/>
-          </p:cNvGraphicFramePr>
-          <p:nvPr>
-            <p:ph idx="1"/>
-            <p:extLst>
-              <p:ext uri="{D42A27DB-BD31-4B8C-83A1-F6EECF244321}">
-                <p14:modId xmlns:p14="http://schemas.microsoft.com/office/powerpoint/2010/main" val="806942934"/>
-              </p:ext>
-            </p:extLst>
-          </p:nvPr>
-        </p:nvGraphicFramePr>
-        <p:xfrm>
-          <a:off x="1295400" y="1828800"/>
-          <a:ext cx="9601200" cy="4343400"/>
-        </p:xfrm>
-        <a:graphic>
-          <a:graphicData uri="http://schemas.openxmlformats.org/drawingml/2006/diagram">
-            <dgm:relIds xmlns:dgm="http://schemas.openxmlformats.org/drawingml/2006/diagram" xmlns:r="http://schemas.openxmlformats.org/officeDocument/2006/relationships" r:dm="rId2" r:lo="rId3" r:qs="rId4" r:cs="rId5"/>
-          </a:graphicData>
-        </a:graphic>
-      </p:graphicFrame>
-    </p:spTree>
-    <p:extLst>
-      <p:ext uri="{BB962C8B-B14F-4D97-AF65-F5344CB8AC3E}">
-        <p14:creationId xmlns:p14="http://schemas.microsoft.com/office/powerpoint/2010/main" val="3112142608"/>
-      </p:ext>
-    </p:extLst>
-  </p:cSld>
-  <p:clrMapOvr>
-    <a:masterClrMapping/>
-  </p:clrMapOvr>
-  <mc:AlternateContent xmlns:mc="http://schemas.openxmlformats.org/markup-compatibility/2006" xmlns:p14="http://schemas.microsoft.com/office/powerpoint/2010/main">
-    <mc:Choice Requires="p14">
-      <p:transition spd="med" p14:dur="700">
-        <p:fade/>
-      </p:transition>
-    </mc:Choice>
-    <mc:Fallback xmlns="">
-      <p:transition spd="med">
-        <p:fade/>
-      </p:transition>
-    </mc:Fallback>
-  </mc:AlternateContent>
-</p:sld>
-</file>
-
-<file path=ppt/slides/slide14.xml><?xml version="1.0" encoding="utf-8"?>
-<p:sld xmlns:a="http://schemas.openxmlformats.org/drawingml/2006/main" xmlns:r="http://schemas.openxmlformats.org/officeDocument/2006/relationships" xmlns:p="http://schemas.openxmlformats.org/presentationml/2006/main">
-  <p:cSld>
-    <p:spTree>
-      <p:nvGrpSpPr>
-        <p:cNvPr id="1" name=""/>
-        <p:cNvGrpSpPr/>
-        <p:nvPr/>
-      </p:nvGrpSpPr>
-      <p:grpSpPr>
-        <a:xfrm>
-          <a:off x="0" y="0"/>
-          <a:ext cx="0" cy="0"/>
-          <a:chOff x="0" y="0"/>
-          <a:chExt cx="0" cy="0"/>
-        </a:xfrm>
-      </p:grpSpPr>
-      <p:sp>
-        <p:nvSpPr>
-          <p:cNvPr id="2" name="Title 1"/>
-          <p:cNvSpPr>
-            <a:spLocks noGrp="1"/>
-          </p:cNvSpPr>
-          <p:nvPr>
             <p:ph type="ctrTitle"/>
           </p:nvPr>
         </p:nvSpPr>
@@ -10430,7 +10372,7 @@
           <a:p>
             <a:pPr algn="ctr"/>
             <a:r>
-              <a:rPr lang="en-US" dirty="0"/>
+              <a:rPr lang="en-US" u="sng" dirty="0"/>
               <a:t>Conclusions</a:t>
             </a:r>
           </a:p>
@@ -10454,7 +10396,7 @@
         </p:spPr>
         <p:txBody>
           <a:bodyPr>
-            <a:normAutofit/>
+            <a:normAutofit lnSpcReduction="10000"/>
           </a:bodyPr>
           <a:lstStyle/>
           <a:p>
@@ -10463,11 +10405,29 @@
               <a:buChar char="•"/>
             </a:pPr>
             <a:r>
+              <a:rPr lang="en-US" dirty="0">
+                <a:latin typeface="Inter"/>
+              </a:rPr>
+              <a:t> The 5 beer styles with the highest ABV are Quadruple(Quad), English Barleywine, Russian Imperial Stout, Rye Beer and Baltic Porter</a:t>
+            </a:r>
+          </a:p>
+          <a:p>
+            <a:pPr algn="l">
+              <a:buFont typeface="Arial" panose="020B0604020202020204" pitchFamily="34" charset="0"/>
+              <a:buChar char="•"/>
+            </a:pPr>
+            <a:r>
               <a:rPr lang="en-US" b="0" i="0" dirty="0">
                 <a:effectLst/>
                 <a:latin typeface="Inter"/>
               </a:rPr>
-              <a:t>There are a total of 2,410 individual beers in the dataset</a:t>
+              <a:t> The 5 state</a:t>
+            </a:r>
+            <a:r>
+              <a:rPr lang="en-US" dirty="0">
+                <a:latin typeface="Inter"/>
+              </a:rPr>
+              <a:t>s with the lowest number of High ABV beers are Utah, Arkansas, New Hampshire, North Dakota and Wisconsin</a:t>
             </a:r>
           </a:p>
           <a:p>
@@ -10479,31 +10439,7 @@
               <a:rPr lang="en-US" dirty="0">
                 <a:latin typeface="Inter"/>
               </a:rPr>
-              <a:t>The 5 beer styles with the highest abv are Quad, </a:t>
-            </a:r>
-            <a:r>
-              <a:rPr lang="en-US" dirty="0" err="1">
-                <a:latin typeface="Inter"/>
-              </a:rPr>
-              <a:t>Engish</a:t>
-            </a:r>
-            <a:r>
-              <a:rPr lang="en-US" dirty="0">
-                <a:latin typeface="Inter"/>
-              </a:rPr>
-              <a:t> </a:t>
-            </a:r>
-            <a:r>
-              <a:rPr lang="en-US" dirty="0" err="1">
-                <a:latin typeface="Inter"/>
-              </a:rPr>
-              <a:t>Barleywine</a:t>
-            </a:r>
-            <a:r>
-              <a:rPr lang="en-US" dirty="0">
-                <a:latin typeface="Inter"/>
-              </a:rPr>
-              <a:t>, Russian Imperial Stout, Rye Beer and Baltic Porter</a:t>
+              <a:t> The most competitive combination of beer style to manufacture would be a Quad and the most competitive state would be Utah</a:t>
             </a:r>
           </a:p>
           <a:p>
@@ -10512,41 +10448,10 @@
               <a:buChar char="•"/>
             </a:pPr>
             <a:r>
-              <a:rPr lang="en-US" b="0" i="0" dirty="0">
-                <a:effectLst/>
-                <a:latin typeface="Inter"/>
-              </a:rPr>
-              <a:t>The 5 state</a:t>
-            </a:r>
-            <a:r>
               <a:rPr lang="en-US" dirty="0">
                 <a:latin typeface="Inter"/>
               </a:rPr>
-              <a:t>s with the lowest number of High ABV beers are Utah, Arkansas, New Hampshire, North Dakota and Wisconsin</a:t>
-            </a:r>
-          </a:p>
-          <a:p>
-            <a:pPr algn="l">
-              <a:buFont typeface="Arial" panose="020B0604020202020204" pitchFamily="34" charset="0"/>
-              <a:buChar char="•"/>
-            </a:pPr>
-            <a:r>
-              <a:rPr lang="en-US" dirty="0">
-                <a:latin typeface="Inter"/>
-              </a:rPr>
-              <a:t>The most competitive combination of beer style to manufacture would be a Quad and the most competitive state would be Utah</a:t>
-            </a:r>
-          </a:p>
-          <a:p>
-            <a:pPr algn="l">
-              <a:buFont typeface="Arial" panose="020B0604020202020204" pitchFamily="34" charset="0"/>
-              <a:buChar char="•"/>
-            </a:pPr>
-            <a:r>
-              <a:rPr lang="en-US" dirty="0">
-                <a:latin typeface="Inter"/>
-              </a:rPr>
-              <a:t>The ABV of beer is evenly distributed </a:t>
+              <a:t> Next steps would be a deeper dive into the commercial real estate and labor environment in each state, as well as the marketing advantages of each style of beer</a:t>
             </a:r>
           </a:p>
           <a:p>
@@ -10689,18 +10594,9 @@
   <p:clrMapOvr>
     <a:masterClrMapping/>
   </p:clrMapOvr>
-  <mc:AlternateContent xmlns:mc="http://schemas.openxmlformats.org/markup-compatibility/2006" xmlns:p14="http://schemas.microsoft.com/office/powerpoint/2010/main">
-    <mc:Choice Requires="p14">
-      <p:transition p14:dur="100">
-        <p:cut/>
-      </p:transition>
-    </mc:Choice>
-    <mc:Fallback xmlns="">
-      <p:transition>
-        <p:cut/>
-      </p:transition>
-    </mc:Fallback>
-  </mc:AlternateContent>
+  <p:transition spd="slow">
+    <p:wipe/>
+  </p:transition>
 </p:sld>
 </file>
 
@@ -10739,190 +10635,40 @@
             <a:pPr algn="ctr"/>
             <a:r>
               <a:rPr lang="en-US" dirty="0"/>
-              <a:t>Business Case</a:t>
+              <a:t>Outline of Process Development</a:t>
             </a:r>
           </a:p>
         </p:txBody>
       </p:sp>
-      <p:sp>
-        <p:nvSpPr>
-          <p:cNvPr id="3" name="Content Placeholder 2"/>
-          <p:cNvSpPr>
-            <a:spLocks noGrp="1"/>
-          </p:cNvSpPr>
+      <p:graphicFrame>
+        <p:nvGraphicFramePr>
+          <p:cNvPr id="6" name="Content Placeholder 5" descr="Basic Chevron Process diagram showing 4 steps arranged from left to right"/>
+          <p:cNvGraphicFramePr>
+            <a:graphicFrameLocks noGrp="1"/>
+          </p:cNvGraphicFramePr>
           <p:nvPr>
             <p:ph idx="1"/>
+            <p:extLst>
+              <p:ext uri="{D42A27DB-BD31-4B8C-83A1-F6EECF244321}">
+                <p14:modId xmlns:p14="http://schemas.microsoft.com/office/powerpoint/2010/main" val="2867143633"/>
+              </p:ext>
+            </p:extLst>
           </p:nvPr>
-        </p:nvSpPr>
-        <p:spPr/>
-        <p:txBody>
-          <a:bodyPr>
-            <a:normAutofit/>
-          </a:bodyPr>
-          <a:lstStyle/>
-          <a:p>
-            <a:pPr marL="0" indent="0">
-              <a:buNone/>
-            </a:pPr>
-            <a:r>
-              <a:rPr lang="en-US" b="1" dirty="0">
-                <a:effectLst/>
-                <a:latin typeface="Calibri" panose="020F0502020204030204" pitchFamily="34" charset="0"/>
-                <a:ea typeface="Times New Roman" panose="02020603050405020304" pitchFamily="18" charset="0"/>
-                <a:cs typeface="Calibri" panose="020F0502020204030204" pitchFamily="34" charset="0"/>
-              </a:rPr>
-              <a:t>Business Development: </a:t>
-            </a:r>
-            <a:r>
-              <a:rPr lang="en-US" dirty="0">
-                <a:effectLst/>
-                <a:latin typeface="Calibri" panose="020F0502020204030204" pitchFamily="34" charset="0"/>
-                <a:ea typeface="Times New Roman" panose="02020603050405020304" pitchFamily="18" charset="0"/>
-                <a:cs typeface="Calibri" panose="020F0502020204030204" pitchFamily="34" charset="0"/>
-              </a:rPr>
-              <a:t>In 2017, an entrepreneur wanted to open a new brewery in the United States.  She needed to determine the best location.</a:t>
-            </a:r>
-          </a:p>
-          <a:p>
-            <a:pPr marL="0" indent="0">
-              <a:buNone/>
-            </a:pPr>
-            <a:r>
-              <a:rPr lang="en-US" dirty="0">
-                <a:latin typeface="Calibri" panose="020F0502020204030204" pitchFamily="34" charset="0"/>
-                <a:ea typeface="Times New Roman" panose="02020603050405020304" pitchFamily="18" charset="0"/>
-                <a:cs typeface="Calibri" panose="020F0502020204030204" pitchFamily="34" charset="0"/>
-              </a:rPr>
-              <a:t>An</a:t>
-            </a:r>
-            <a:r>
-              <a:rPr lang="en-US" dirty="0">
-                <a:effectLst/>
-                <a:latin typeface="Calibri" panose="020F0502020204030204" pitchFamily="34" charset="0"/>
-                <a:ea typeface="Times New Roman" panose="02020603050405020304" pitchFamily="18" charset="0"/>
-                <a:cs typeface="Calibri" panose="020F0502020204030204" pitchFamily="34" charset="0"/>
-              </a:rPr>
-              <a:t> analysis of 2,410 US craft beers and 510 US breweries was conducted to determine a competitive location.</a:t>
-            </a:r>
-          </a:p>
-          <a:p>
-            <a:pPr marL="0" marR="0" lvl="0" indent="0">
-              <a:lnSpc>
-                <a:spcPct val="107000"/>
-              </a:lnSpc>
-              <a:spcBef>
-                <a:spcPts val="0"/>
-              </a:spcBef>
-              <a:spcAft>
-                <a:spcPts val="0"/>
-              </a:spcAft>
-              <a:buNone/>
-            </a:pPr>
-            <a:endParaRPr lang="en-US" dirty="0">
-              <a:latin typeface="Calibri" panose="020F0502020204030204" pitchFamily="34" charset="0"/>
-              <a:ea typeface="Times New Roman" panose="02020603050405020304" pitchFamily="18" charset="0"/>
-              <a:cs typeface="Calibri" panose="020F0502020204030204" pitchFamily="34" charset="0"/>
-            </a:endParaRPr>
-          </a:p>
-          <a:p>
-            <a:pPr marL="0" marR="0" lvl="0" indent="0">
-              <a:lnSpc>
-                <a:spcPct val="107000"/>
-              </a:lnSpc>
-              <a:spcBef>
-                <a:spcPts val="0"/>
-              </a:spcBef>
-              <a:spcAft>
-                <a:spcPts val="0"/>
-              </a:spcAft>
-              <a:buNone/>
-            </a:pPr>
-            <a:r>
-              <a:rPr lang="en-US" b="1" dirty="0">
-                <a:latin typeface="Calibri" panose="020F0502020204030204" pitchFamily="34" charset="0"/>
-                <a:ea typeface="Times New Roman" panose="02020603050405020304" pitchFamily="18" charset="0"/>
-                <a:cs typeface="Calibri" panose="020F0502020204030204" pitchFamily="34" charset="0"/>
-              </a:rPr>
-              <a:t>Hypothesis:</a:t>
-            </a:r>
-            <a:r>
-              <a:rPr lang="en-US" dirty="0">
-                <a:latin typeface="Calibri" panose="020F0502020204030204" pitchFamily="34" charset="0"/>
-                <a:ea typeface="Times New Roman" panose="02020603050405020304" pitchFamily="18" charset="0"/>
-                <a:cs typeface="Calibri" panose="020F0502020204030204" pitchFamily="34" charset="0"/>
-              </a:rPr>
-              <a:t> </a:t>
-            </a:r>
-            <a:r>
-              <a:rPr lang="en-US" dirty="0">
-                <a:effectLst/>
-                <a:latin typeface="Calibri" panose="020F0502020204030204" pitchFamily="34" charset="0"/>
-                <a:ea typeface="Times New Roman" panose="02020603050405020304" pitchFamily="18" charset="0"/>
-                <a:cs typeface="Calibri" panose="020F0502020204030204" pitchFamily="34" charset="0"/>
-              </a:rPr>
-              <a:t>  </a:t>
-            </a:r>
-            <a:r>
-              <a:rPr lang="en-US" dirty="0">
-                <a:latin typeface="Calibri" panose="020F0502020204030204" pitchFamily="34" charset="0"/>
-                <a:ea typeface="Times New Roman" panose="02020603050405020304" pitchFamily="18" charset="0"/>
-                <a:cs typeface="Calibri" panose="020F0502020204030204" pitchFamily="34" charset="0"/>
-              </a:rPr>
-              <a:t>It was determined </a:t>
-            </a:r>
-            <a:r>
-              <a:rPr lang="en-US" dirty="0">
-                <a:effectLst/>
-                <a:latin typeface="Calibri" panose="020F0502020204030204" pitchFamily="34" charset="0"/>
-                <a:ea typeface="Times New Roman" panose="02020603050405020304" pitchFamily="18" charset="0"/>
-                <a:cs typeface="Calibri" panose="020F0502020204030204" pitchFamily="34" charset="0"/>
-              </a:rPr>
-              <a:t>the style of beer with the highest alcohol by volume (ABV) is the most profitable.  As a result, </a:t>
-            </a:r>
-            <a:r>
-              <a:rPr lang="en-US" dirty="0">
-                <a:latin typeface="Calibri" panose="020F0502020204030204" pitchFamily="34" charset="0"/>
-                <a:ea typeface="Times New Roman" panose="02020603050405020304" pitchFamily="18" charset="0"/>
-                <a:cs typeface="Calibri" panose="020F0502020204030204" pitchFamily="34" charset="0"/>
-              </a:rPr>
-              <a:t>identifying </a:t>
-            </a:r>
-            <a:r>
-              <a:rPr lang="en-US" dirty="0">
-                <a:effectLst/>
-                <a:latin typeface="Calibri" panose="020F0502020204030204" pitchFamily="34" charset="0"/>
-                <a:ea typeface="Times New Roman" panose="02020603050405020304" pitchFamily="18" charset="0"/>
-                <a:cs typeface="Calibri" panose="020F0502020204030204" pitchFamily="34" charset="0"/>
-              </a:rPr>
-              <a:t>the states with the lowest number of beers with high alcohol by volume as the best locations for the new brewery </a:t>
-            </a:r>
-            <a:r>
-              <a:rPr lang="en-US" dirty="0">
-                <a:latin typeface="Calibri" panose="020F0502020204030204" pitchFamily="34" charset="0"/>
-                <a:ea typeface="Times New Roman" panose="02020603050405020304" pitchFamily="18" charset="0"/>
-                <a:cs typeface="Calibri" panose="020F0502020204030204" pitchFamily="34" charset="0"/>
-              </a:rPr>
-              <a:t>would be essential.</a:t>
-            </a:r>
-            <a:endParaRPr lang="en-US" dirty="0">
-              <a:effectLst/>
-              <a:latin typeface="Calibri" panose="020F0502020204030204" pitchFamily="34" charset="0"/>
-              <a:ea typeface="Calibri" panose="020F0502020204030204" pitchFamily="34" charset="0"/>
-              <a:cs typeface="Times New Roman" panose="02020603050405020304" pitchFamily="18" charset="0"/>
-            </a:endParaRPr>
-          </a:p>
-          <a:p>
-            <a:pPr marL="0" indent="0">
-              <a:buNone/>
-            </a:pPr>
-            <a:endParaRPr lang="en-US" dirty="0"/>
-          </a:p>
-        </p:txBody>
-      </p:sp>
+        </p:nvGraphicFramePr>
+        <p:xfrm>
+          <a:off x="592282" y="1901536"/>
+          <a:ext cx="10304318" cy="4270664"/>
+        </p:xfrm>
+        <a:graphic>
+          <a:graphicData uri="http://schemas.openxmlformats.org/drawingml/2006/diagram">
+            <dgm:relIds xmlns:dgm="http://schemas.openxmlformats.org/drawingml/2006/diagram" xmlns:r="http://schemas.openxmlformats.org/officeDocument/2006/relationships" r:dm="rId2" r:lo="rId3" r:qs="rId4" r:cs="rId5"/>
+          </a:graphicData>
+        </a:graphic>
+      </p:graphicFrame>
     </p:spTree>
     <p:extLst>
       <p:ext uri="{BB962C8B-B14F-4D97-AF65-F5344CB8AC3E}">
-        <p14:creationId xmlns:p14="http://schemas.microsoft.com/office/powerpoint/2010/main" val="4040915266"/>
+        <p14:creationId xmlns:p14="http://schemas.microsoft.com/office/powerpoint/2010/main" val="3112142608"/>
       </p:ext>
     </p:extLst>
   </p:cSld>
@@ -10979,47 +10725,173 @@
             <a:pPr algn="ctr"/>
             <a:r>
               <a:rPr lang="en-US" dirty="0"/>
-              <a:t>Highest ABV Among Beer Styles</a:t>
+              <a:t>Business Case</a:t>
             </a:r>
           </a:p>
         </p:txBody>
       </p:sp>
-      <p:pic>
-        <p:nvPicPr>
-          <p:cNvPr id="5" name="Content Placeholder 4">
-            <a:extLst>
-              <a:ext uri="{FF2B5EF4-FFF2-40B4-BE49-F238E27FC236}">
-                <a16:creationId xmlns:a16="http://schemas.microsoft.com/office/drawing/2014/main" id="{EF17B44B-C8C8-400E-8AD0-22D77430ED0E}"/>
-              </a:ext>
-            </a:extLst>
-          </p:cNvPr>
-          <p:cNvPicPr>
-            <a:picLocks noGrp="1" noChangeAspect="1"/>
-          </p:cNvPicPr>
+      <p:sp>
+        <p:nvSpPr>
+          <p:cNvPr id="3" name="Content Placeholder 2"/>
+          <p:cNvSpPr>
+            <a:spLocks noGrp="1"/>
+          </p:cNvSpPr>
           <p:nvPr>
             <p:ph idx="1"/>
           </p:nvPr>
-        </p:nvPicPr>
-        <p:blipFill>
-          <a:blip r:embed="rId2"/>
-          <a:stretch>
-            <a:fillRect/>
-          </a:stretch>
-        </p:blipFill>
-        <p:spPr>
-          <a:xfrm>
-            <a:off x="2777383" y="2009036"/>
-            <a:ext cx="6466941" cy="4593830"/>
-          </a:xfrm>
-          <a:prstGeom prst="rect">
-            <a:avLst/>
-          </a:prstGeom>
-        </p:spPr>
-      </p:pic>
+        </p:nvSpPr>
+        <p:spPr/>
+        <p:txBody>
+          <a:bodyPr>
+            <a:normAutofit/>
+          </a:bodyPr>
+          <a:lstStyle/>
+          <a:p>
+            <a:pPr marL="0" indent="0">
+              <a:buNone/>
+            </a:pPr>
+            <a:r>
+              <a:rPr lang="en-US" b="1" dirty="0">
+                <a:effectLst/>
+                <a:latin typeface="Calibri" panose="020F0502020204030204" pitchFamily="34" charset="0"/>
+                <a:ea typeface="Times New Roman" panose="02020603050405020304" pitchFamily="18" charset="0"/>
+                <a:cs typeface="Calibri" panose="020F0502020204030204" pitchFamily="34" charset="0"/>
+              </a:rPr>
+              <a:t>Business Development: </a:t>
+            </a:r>
+            <a:r>
+              <a:rPr lang="en-US" dirty="0">
+                <a:effectLst/>
+                <a:latin typeface="Calibri" panose="020F0502020204030204" pitchFamily="34" charset="0"/>
+                <a:ea typeface="Times New Roman" panose="02020603050405020304" pitchFamily="18" charset="0"/>
+                <a:cs typeface="Calibri" panose="020F0502020204030204" pitchFamily="34" charset="0"/>
+              </a:rPr>
+              <a:t>In 2017, an entrepreneur wanted to open a new brewery in the United States.  She needed to determine the best location.</a:t>
+            </a:r>
+          </a:p>
+          <a:p>
+            <a:pPr marL="0" indent="0">
+              <a:buNone/>
+            </a:pPr>
+            <a:r>
+              <a:rPr lang="en-US" dirty="0">
+                <a:latin typeface="Calibri" panose="020F0502020204030204" pitchFamily="34" charset="0"/>
+                <a:ea typeface="Times New Roman" panose="02020603050405020304" pitchFamily="18" charset="0"/>
+                <a:cs typeface="Calibri" panose="020F0502020204030204" pitchFamily="34" charset="0"/>
+              </a:rPr>
+              <a:t>An</a:t>
+            </a:r>
+            <a:r>
+              <a:rPr lang="en-US" dirty="0">
+                <a:effectLst/>
+                <a:latin typeface="Calibri" panose="020F0502020204030204" pitchFamily="34" charset="0"/>
+                <a:ea typeface="Times New Roman" panose="02020603050405020304" pitchFamily="18" charset="0"/>
+                <a:cs typeface="Calibri" panose="020F0502020204030204" pitchFamily="34" charset="0"/>
+              </a:rPr>
+              <a:t> analysis of 2,410 US craft beers and 510 US breweries was conducted to determine a competitive location.</a:t>
+            </a:r>
+          </a:p>
+          <a:p>
+            <a:pPr marL="0" marR="0" lvl="0" indent="0">
+              <a:lnSpc>
+                <a:spcPct val="107000"/>
+              </a:lnSpc>
+              <a:spcBef>
+                <a:spcPts val="0"/>
+              </a:spcBef>
+              <a:spcAft>
+                <a:spcPts val="0"/>
+              </a:spcAft>
+              <a:buNone/>
+            </a:pPr>
+            <a:endParaRPr lang="en-US" dirty="0">
+              <a:latin typeface="Calibri" panose="020F0502020204030204" pitchFamily="34" charset="0"/>
+              <a:ea typeface="Times New Roman" panose="02020603050405020304" pitchFamily="18" charset="0"/>
+              <a:cs typeface="Calibri" panose="020F0502020204030204" pitchFamily="34" charset="0"/>
+            </a:endParaRPr>
+          </a:p>
+          <a:p>
+            <a:pPr marL="0" marR="0" lvl="0" indent="0">
+              <a:lnSpc>
+                <a:spcPct val="107000"/>
+              </a:lnSpc>
+              <a:spcBef>
+                <a:spcPts val="0"/>
+              </a:spcBef>
+              <a:spcAft>
+                <a:spcPts val="0"/>
+              </a:spcAft>
+              <a:buNone/>
+            </a:pPr>
+            <a:r>
+              <a:rPr lang="en-US" b="1" dirty="0">
+                <a:latin typeface="Calibri" panose="020F0502020204030204" pitchFamily="34" charset="0"/>
+                <a:ea typeface="Times New Roman" panose="02020603050405020304" pitchFamily="18" charset="0"/>
+                <a:cs typeface="Calibri" panose="020F0502020204030204" pitchFamily="34" charset="0"/>
+              </a:rPr>
+              <a:t>Hypothesis:</a:t>
+            </a:r>
+            <a:r>
+              <a:rPr lang="en-US" dirty="0">
+                <a:latin typeface="Calibri" panose="020F0502020204030204" pitchFamily="34" charset="0"/>
+                <a:ea typeface="Times New Roman" panose="02020603050405020304" pitchFamily="18" charset="0"/>
+                <a:cs typeface="Calibri" panose="020F0502020204030204" pitchFamily="34" charset="0"/>
+              </a:rPr>
+              <a:t> </a:t>
+            </a:r>
+            <a:r>
+              <a:rPr lang="en-US" dirty="0">
+                <a:effectLst/>
+                <a:latin typeface="Calibri" panose="020F0502020204030204" pitchFamily="34" charset="0"/>
+                <a:ea typeface="Times New Roman" panose="02020603050405020304" pitchFamily="18" charset="0"/>
+                <a:cs typeface="Calibri" panose="020F0502020204030204" pitchFamily="34" charset="0"/>
+              </a:rPr>
+              <a:t>  </a:t>
+            </a:r>
+            <a:r>
+              <a:rPr lang="en-US" dirty="0">
+                <a:latin typeface="Calibri" panose="020F0502020204030204" pitchFamily="34" charset="0"/>
+                <a:ea typeface="Times New Roman" panose="02020603050405020304" pitchFamily="18" charset="0"/>
+                <a:cs typeface="Calibri" panose="020F0502020204030204" pitchFamily="34" charset="0"/>
+              </a:rPr>
+              <a:t>It was determined </a:t>
+            </a:r>
+            <a:r>
+              <a:rPr lang="en-US" dirty="0">
+                <a:effectLst/>
+                <a:latin typeface="Calibri" panose="020F0502020204030204" pitchFamily="34" charset="0"/>
+                <a:ea typeface="Times New Roman" panose="02020603050405020304" pitchFamily="18" charset="0"/>
+                <a:cs typeface="Calibri" panose="020F0502020204030204" pitchFamily="34" charset="0"/>
+              </a:rPr>
+              <a:t>the style of beer with the highest alcohol by volume (ABV) is the most profitable. </a:t>
+            </a:r>
+            <a:r>
+              <a:rPr lang="en-US" dirty="0">
+                <a:latin typeface="Calibri" panose="020F0502020204030204" pitchFamily="34" charset="0"/>
+                <a:ea typeface="Calibri" panose="020F0502020204030204" pitchFamily="34" charset="0"/>
+                <a:cs typeface="Times New Roman" panose="02020603050405020304" pitchFamily="18" charset="0"/>
+              </a:rPr>
+              <a:t>The best locations for the brewery would be states with the lowest number of beers produced, containing high ABV.</a:t>
+            </a:r>
+            <a:endParaRPr lang="en-US" dirty="0">
+              <a:effectLst/>
+              <a:latin typeface="Calibri" panose="020F0502020204030204" pitchFamily="34" charset="0"/>
+              <a:ea typeface="Calibri" panose="020F0502020204030204" pitchFamily="34" charset="0"/>
+              <a:cs typeface="Times New Roman" panose="02020603050405020304" pitchFamily="18" charset="0"/>
+            </a:endParaRPr>
+          </a:p>
+          <a:p>
+            <a:pPr marL="0" indent="0">
+              <a:buNone/>
+            </a:pPr>
+            <a:endParaRPr lang="en-US" dirty="0"/>
+          </a:p>
+        </p:txBody>
+      </p:sp>
     </p:spTree>
     <p:extLst>
       <p:ext uri="{BB962C8B-B14F-4D97-AF65-F5344CB8AC3E}">
-        <p14:creationId xmlns:p14="http://schemas.microsoft.com/office/powerpoint/2010/main" val="3574231650"/>
+        <p14:creationId xmlns:p14="http://schemas.microsoft.com/office/powerpoint/2010/main" val="4040915266"/>
       </p:ext>
     </p:extLst>
   </p:cSld>
@@ -11060,6 +10932,150 @@
       </p:grpSpPr>
       <p:sp>
         <p:nvSpPr>
+          <p:cNvPr id="2" name="Title 1"/>
+          <p:cNvSpPr>
+            <a:spLocks noGrp="1"/>
+          </p:cNvSpPr>
+          <p:nvPr>
+            <p:ph type="title"/>
+          </p:nvPr>
+        </p:nvSpPr>
+        <p:spPr/>
+        <p:txBody>
+          <a:bodyPr/>
+          <a:lstStyle/>
+          <a:p>
+            <a:pPr algn="ctr"/>
+            <a:r>
+              <a:rPr lang="en-US" dirty="0"/>
+              <a:t>Highest ABV Among Beer Styles</a:t>
+            </a:r>
+          </a:p>
+        </p:txBody>
+      </p:sp>
+      <p:pic>
+        <p:nvPicPr>
+          <p:cNvPr id="5" name="Content Placeholder 4">
+            <a:extLst>
+              <a:ext uri="{FF2B5EF4-FFF2-40B4-BE49-F238E27FC236}">
+                <a16:creationId xmlns:a16="http://schemas.microsoft.com/office/drawing/2014/main" id="{EF17B44B-C8C8-400E-8AD0-22D77430ED0E}"/>
+              </a:ext>
+            </a:extLst>
+          </p:cNvPr>
+          <p:cNvPicPr>
+            <a:picLocks noGrp="1" noChangeAspect="1"/>
+          </p:cNvPicPr>
+          <p:nvPr>
+            <p:ph idx="1"/>
+          </p:nvPr>
+        </p:nvPicPr>
+        <p:blipFill>
+          <a:blip r:embed="rId2"/>
+          <a:stretch>
+            <a:fillRect/>
+          </a:stretch>
+        </p:blipFill>
+        <p:spPr>
+          <a:xfrm>
+            <a:off x="106920" y="1853172"/>
+            <a:ext cx="5963068" cy="4235901"/>
+          </a:xfrm>
+          <a:prstGeom prst="rect">
+            <a:avLst/>
+          </a:prstGeom>
+        </p:spPr>
+      </p:pic>
+      <p:pic>
+        <p:nvPicPr>
+          <p:cNvPr id="1026" name="Picture 2">
+            <a:extLst>
+              <a:ext uri="{FF2B5EF4-FFF2-40B4-BE49-F238E27FC236}">
+                <a16:creationId xmlns:a16="http://schemas.microsoft.com/office/drawing/2014/main" id="{18B2B9B4-580C-405C-A0A2-828F4DEE987C}"/>
+              </a:ext>
+            </a:extLst>
+          </p:cNvPr>
+          <p:cNvPicPr>
+            <a:picLocks noChangeAspect="1" noChangeArrowheads="1"/>
+          </p:cNvPicPr>
+          <p:nvPr/>
+        </p:nvPicPr>
+        <p:blipFill>
+          <a:blip r:embed="rId3">
+            <a:extLst>
+              <a:ext uri="{28A0092B-C50C-407E-A947-70E740481C1C}">
+                <a14:useLocalDpi xmlns:a14="http://schemas.microsoft.com/office/drawing/2010/main" val="0"/>
+              </a:ext>
+            </a:extLst>
+          </a:blip>
+          <a:srcRect/>
+          <a:stretch>
+            <a:fillRect/>
+          </a:stretch>
+        </p:blipFill>
+        <p:spPr bwMode="auto">
+          <a:xfrm>
+            <a:off x="6328062" y="1853172"/>
+            <a:ext cx="5351319" cy="4329419"/>
+          </a:xfrm>
+          <a:prstGeom prst="rect">
+            <a:avLst/>
+          </a:prstGeom>
+          <a:noFill/>
+          <a:extLst>
+            <a:ext uri="{909E8E84-426E-40DD-AFC4-6F175D3DCCD1}">
+              <a14:hiddenFill xmlns:a14="http://schemas.microsoft.com/office/drawing/2010/main">
+                <a:solidFill>
+                  <a:srgbClr val="FFFFFF"/>
+                </a:solidFill>
+              </a14:hiddenFill>
+            </a:ext>
+          </a:extLst>
+        </p:spPr>
+      </p:pic>
+    </p:spTree>
+    <p:extLst>
+      <p:ext uri="{BB962C8B-B14F-4D97-AF65-F5344CB8AC3E}">
+        <p14:creationId xmlns:p14="http://schemas.microsoft.com/office/powerpoint/2010/main" val="3574231650"/>
+      </p:ext>
+    </p:extLst>
+  </p:cSld>
+  <p:clrMapOvr>
+    <a:masterClrMapping/>
+  </p:clrMapOvr>
+  <mc:AlternateContent xmlns:mc="http://schemas.openxmlformats.org/markup-compatibility/2006" xmlns:p14="http://schemas.microsoft.com/office/powerpoint/2010/main">
+    <mc:Choice Requires="p14">
+      <p:transition spd="med" p14:dur="700">
+        <p:fade/>
+      </p:transition>
+    </mc:Choice>
+    <mc:Fallback xmlns="">
+      <p:transition spd="med">
+        <p:fade/>
+      </p:transition>
+    </mc:Fallback>
+  </mc:AlternateContent>
+</p:sld>
+</file>
+
+<file path=ppt/slides/slide6.xml><?xml version="1.0" encoding="utf-8"?>
+<p:sld xmlns:a="http://schemas.openxmlformats.org/drawingml/2006/main" xmlns:r="http://schemas.openxmlformats.org/officeDocument/2006/relationships" xmlns:p="http://schemas.openxmlformats.org/presentationml/2006/main">
+  <p:cSld>
+    <p:spTree>
+      <p:nvGrpSpPr>
+        <p:cNvPr id="1" name=""/>
+        <p:cNvGrpSpPr/>
+        <p:nvPr/>
+      </p:nvGrpSpPr>
+      <p:grpSpPr>
+        <a:xfrm>
+          <a:off x="0" y="0"/>
+          <a:ext cx="0" cy="0"/>
+          <a:chOff x="0" y="0"/>
+          <a:chExt cx="0" cy="0"/>
+        </a:xfrm>
+      </p:grpSpPr>
+      <p:sp>
+        <p:nvSpPr>
           <p:cNvPr id="2" name="Title 1">
             <a:extLst>
               <a:ext uri="{FF2B5EF4-FFF2-40B4-BE49-F238E27FC236}">
@@ -11118,8 +11134,55 @@
         </p:blipFill>
         <p:spPr bwMode="auto">
           <a:xfrm>
-            <a:off x="1796902" y="1828800"/>
-            <a:ext cx="7687340" cy="4880344"/>
+            <a:off x="613063" y="1958348"/>
+            <a:ext cx="5715001" cy="4540609"/>
+          </a:xfrm>
+          <a:prstGeom prst="rect">
+            <a:avLst/>
+          </a:prstGeom>
+          <a:noFill/>
+          <a:extLst>
+            <a:ext uri="{909E8E84-426E-40DD-AFC4-6F175D3DCCD1}">
+              <a14:hiddenFill xmlns:a14="http://schemas.microsoft.com/office/drawing/2010/main">
+                <a:solidFill>
+                  <a:srgbClr val="FFFFFF"/>
+                </a:solidFill>
+              </a14:hiddenFill>
+            </a:ext>
+          </a:extLst>
+        </p:spPr>
+      </p:pic>
+      <p:pic>
+        <p:nvPicPr>
+          <p:cNvPr id="2050" name="Picture 2">
+            <a:extLst>
+              <a:ext uri="{FF2B5EF4-FFF2-40B4-BE49-F238E27FC236}">
+                <a16:creationId xmlns:a16="http://schemas.microsoft.com/office/drawing/2014/main" id="{C09B0D20-F981-4E1C-BF59-2B18CFC97C34}"/>
+              </a:ext>
+            </a:extLst>
+          </p:cNvPr>
+          <p:cNvPicPr>
+            <a:picLocks noChangeAspect="1" noChangeArrowheads="1"/>
+          </p:cNvPicPr>
+          <p:nvPr/>
+        </p:nvPicPr>
+        <p:blipFill>
+          <a:blip r:embed="rId3">
+            <a:extLst>
+              <a:ext uri="{28A0092B-C50C-407E-A947-70E740481C1C}">
+                <a14:useLocalDpi xmlns:a14="http://schemas.microsoft.com/office/drawing/2010/main" val="0"/>
+              </a:ext>
+            </a:extLst>
+          </a:blip>
+          <a:srcRect/>
+          <a:stretch>
+            <a:fillRect/>
+          </a:stretch>
+        </p:blipFill>
+        <p:spPr bwMode="auto">
+          <a:xfrm>
+            <a:off x="6722918" y="2075935"/>
+            <a:ext cx="5185064" cy="4169000"/>
           </a:xfrm>
           <a:prstGeom prst="rect">
             <a:avLst/>
@@ -11161,7 +11224,7 @@
 </p:sld>
 </file>
 
-<file path=ppt/slides/slide6.xml><?xml version="1.0" encoding="utf-8"?>
+<file path=ppt/slides/slide7.xml><?xml version="1.0" encoding="utf-8"?>
 <p:sld xmlns:a="http://schemas.openxmlformats.org/drawingml/2006/main" xmlns:r="http://schemas.openxmlformats.org/officeDocument/2006/relationships" xmlns:p="http://schemas.openxmlformats.org/presentationml/2006/main">
   <p:cSld>
     <p:spTree>
@@ -11256,7 +11319,7 @@
 </p:sld>
 </file>
 
-<file path=ppt/slides/slide7.xml><?xml version="1.0" encoding="utf-8"?>
+<file path=ppt/slides/slide8.xml><?xml version="1.0" encoding="utf-8"?>
 <p:sld xmlns:a="http://schemas.openxmlformats.org/drawingml/2006/main" xmlns:r="http://schemas.openxmlformats.org/officeDocument/2006/relationships" xmlns:p="http://schemas.openxmlformats.org/presentationml/2006/main">
   <p:cSld>
     <p:spTree>
@@ -11370,7 +11433,7 @@
 </p:sld>
 </file>
 
-<file path=ppt/slides/slide8.xml><?xml version="1.0" encoding="utf-8"?>
+<file path=ppt/slides/slide9.xml><?xml version="1.0" encoding="utf-8"?>
 <p:sld xmlns:a="http://schemas.openxmlformats.org/drawingml/2006/main" xmlns:r="http://schemas.openxmlformats.org/officeDocument/2006/relationships" xmlns:p="http://schemas.openxmlformats.org/presentationml/2006/main">
   <p:cSld>
     <p:spTree>
@@ -11457,118 +11520,6 @@
     <p:extLst>
       <p:ext uri="{BB962C8B-B14F-4D97-AF65-F5344CB8AC3E}">
         <p14:creationId xmlns:p14="http://schemas.microsoft.com/office/powerpoint/2010/main" val="147951608"/>
-      </p:ext>
-    </p:extLst>
-  </p:cSld>
-  <p:clrMapOvr>
-    <a:masterClrMapping/>
-  </p:clrMapOvr>
-  <mc:AlternateContent xmlns:mc="http://schemas.openxmlformats.org/markup-compatibility/2006" xmlns:p14="http://schemas.microsoft.com/office/powerpoint/2010/main">
-    <mc:Choice Requires="p14">
-      <p:transition spd="med" p14:dur="700">
-        <p:fade/>
-      </p:transition>
-    </mc:Choice>
-    <mc:Fallback xmlns="">
-      <p:transition spd="med">
-        <p:fade/>
-      </p:transition>
-    </mc:Fallback>
-  </mc:AlternateContent>
-</p:sld>
-</file>
-
-<file path=ppt/slides/slide9.xml><?xml version="1.0" encoding="utf-8"?>
-<p:sld xmlns:a="http://schemas.openxmlformats.org/drawingml/2006/main" xmlns:r="http://schemas.openxmlformats.org/officeDocument/2006/relationships" xmlns:p="http://schemas.openxmlformats.org/presentationml/2006/main">
-  <p:cSld>
-    <p:spTree>
-      <p:nvGrpSpPr>
-        <p:cNvPr id="1" name=""/>
-        <p:cNvGrpSpPr/>
-        <p:nvPr/>
-      </p:nvGrpSpPr>
-      <p:grpSpPr>
-        <a:xfrm>
-          <a:off x="0" y="0"/>
-          <a:ext cx="0" cy="0"/>
-          <a:chOff x="0" y="0"/>
-          <a:chExt cx="0" cy="0"/>
-        </a:xfrm>
-      </p:grpSpPr>
-      <p:sp>
-        <p:nvSpPr>
-          <p:cNvPr id="2" name="Title 1"/>
-          <p:cNvSpPr>
-            <a:spLocks noGrp="1"/>
-          </p:cNvSpPr>
-          <p:nvPr>
-            <p:ph type="title"/>
-          </p:nvPr>
-        </p:nvSpPr>
-        <p:spPr>
-          <a:xfrm>
-            <a:off x="1313874" y="361507"/>
-            <a:ext cx="10093036" cy="995131"/>
-          </a:xfrm>
-        </p:spPr>
-        <p:txBody>
-          <a:bodyPr anchor="t">
-            <a:normAutofit/>
-          </a:bodyPr>
-          <a:lstStyle/>
-          <a:p>
-            <a:pPr algn="ctr"/>
-            <a:r>
-              <a:rPr lang="en-US" sz="3200" dirty="0"/>
-              <a:t>The </a:t>
-            </a:r>
-            <a:r>
-              <a:rPr lang="en-US" dirty="0"/>
-              <a:t>States with the Most Beer styles</a:t>
-            </a:r>
-            <a:br>
-              <a:rPr lang="en-US" dirty="0"/>
-            </a:br>
-            <a:r>
-              <a:rPr lang="en-US" dirty="0"/>
-              <a:t> with Highest ABV</a:t>
-            </a:r>
-          </a:p>
-        </p:txBody>
-      </p:sp>
-      <p:pic>
-        <p:nvPicPr>
-          <p:cNvPr id="7" name="Content Placeholder 6">
-            <a:extLst>
-              <a:ext uri="{FF2B5EF4-FFF2-40B4-BE49-F238E27FC236}">
-                <a16:creationId xmlns:a16="http://schemas.microsoft.com/office/drawing/2014/main" id="{9D90A395-3420-4953-ABD5-8E906CE50550}"/>
-              </a:ext>
-            </a:extLst>
-          </p:cNvPr>
-          <p:cNvPicPr>
-            <a:picLocks noGrp="1" noChangeAspect="1"/>
-          </p:cNvPicPr>
-          <p:nvPr>
-            <p:ph idx="1"/>
-          </p:nvPr>
-        </p:nvPicPr>
-        <p:blipFill>
-          <a:blip r:embed="rId2"/>
-          <a:stretch>
-            <a:fillRect/>
-          </a:stretch>
-        </p:blipFill>
-        <p:spPr>
-          <a:xfrm>
-            <a:off x="3692348" y="1890590"/>
-            <a:ext cx="5515152" cy="4866169"/>
-          </a:xfrm>
-        </p:spPr>
-      </p:pic>
-    </p:spTree>
-    <p:extLst>
-      <p:ext uri="{BB962C8B-B14F-4D97-AF65-F5344CB8AC3E}">
-        <p14:creationId xmlns:p14="http://schemas.microsoft.com/office/powerpoint/2010/main" val="1515987278"/>
       </p:ext>
     </p:extLst>
   </p:cSld>

--- a/presentation.pptx
+++ b/presentation.pptx
@@ -11154,49 +11154,32 @@
       </p:pic>
       <p:pic>
         <p:nvPicPr>
-          <p:cNvPr id="2050" name="Picture 2">
+          <p:cNvPr id="4" name="Picture 3">
             <a:extLst>
               <a:ext uri="{FF2B5EF4-FFF2-40B4-BE49-F238E27FC236}">
-                <a16:creationId xmlns:a16="http://schemas.microsoft.com/office/drawing/2014/main" id="{C09B0D20-F981-4E1C-BF59-2B18CFC97C34}"/>
+                <a16:creationId xmlns:a16="http://schemas.microsoft.com/office/drawing/2014/main" id="{C819B359-44A9-4824-B99B-4E9A1045C5E4}"/>
               </a:ext>
             </a:extLst>
           </p:cNvPr>
           <p:cNvPicPr>
-            <a:picLocks noChangeAspect="1" noChangeArrowheads="1"/>
+            <a:picLocks noChangeAspect="1"/>
           </p:cNvPicPr>
           <p:nvPr/>
         </p:nvPicPr>
         <p:blipFill>
-          <a:blip r:embed="rId3">
-            <a:extLst>
-              <a:ext uri="{28A0092B-C50C-407E-A947-70E740481C1C}">
-                <a14:useLocalDpi xmlns:a14="http://schemas.microsoft.com/office/drawing/2010/main" val="0"/>
-              </a:ext>
-            </a:extLst>
-          </a:blip>
-          <a:srcRect/>
+          <a:blip r:embed="rId3"/>
           <a:stretch>
             <a:fillRect/>
           </a:stretch>
         </p:blipFill>
-        <p:spPr bwMode="auto">
+        <p:spPr>
           <a:xfrm>
-            <a:off x="6722918" y="2075935"/>
-            <a:ext cx="5185064" cy="4169000"/>
+            <a:off x="6880194" y="1966958"/>
+            <a:ext cx="5051393" cy="4382282"/>
           </a:xfrm>
           <a:prstGeom prst="rect">
             <a:avLst/>
           </a:prstGeom>
-          <a:noFill/>
-          <a:extLst>
-            <a:ext uri="{909E8E84-426E-40DD-AFC4-6F175D3DCCD1}">
-              <a14:hiddenFill xmlns:a14="http://schemas.microsoft.com/office/drawing/2010/main">
-                <a:solidFill>
-                  <a:srgbClr val="FFFFFF"/>
-                </a:solidFill>
-              </a14:hiddenFill>
-            </a:ext>
-          </a:extLst>
         </p:spPr>
       </p:pic>
     </p:spTree>
